--- a/QLD Housing Vacancy.pptx
+++ b/QLD Housing Vacancy.pptx
@@ -6,7 +6,21 @@
   </p:sldMasterIdLst>
   <p:sldIdLst>
     <p:sldId id="298" r:id="rId5"/>
-    <p:sldId id="300" r:id="rId6"/>
+    <p:sldId id="301" r:id="rId6"/>
+    <p:sldId id="307" r:id="rId7"/>
+    <p:sldId id="306" r:id="rId8"/>
+    <p:sldId id="313" r:id="rId9"/>
+    <p:sldId id="305" r:id="rId10"/>
+    <p:sldId id="302" r:id="rId11"/>
+    <p:sldId id="303" r:id="rId12"/>
+    <p:sldId id="314" r:id="rId13"/>
+    <p:sldId id="304" r:id="rId14"/>
+    <p:sldId id="308" r:id="rId15"/>
+    <p:sldId id="309" r:id="rId16"/>
+    <p:sldId id="310" r:id="rId17"/>
+    <p:sldId id="300" r:id="rId18"/>
+    <p:sldId id="312" r:id="rId19"/>
+    <p:sldId id="311" r:id="rId20"/>
   </p:sldIdLst>
   <p:sldSz cx="12192000" cy="6858000"/>
   <p:notesSz cx="6858000" cy="9144000"/>
@@ -357,7 +371,7 @@
           <a:p>
             <a:fld id="{9184DA70-C731-4C70-880D-CCD4705E623C}" type="datetime1">
               <a:rPr lang="en-US" smtClean="0"/>
-              <a:t>9/15/2022</a:t>
+              <a:t>9/19/2022</a:t>
             </a:fld>
             <a:endParaRPr lang="en-US" dirty="0"/>
           </a:p>
@@ -545,7 +559,7 @@
           <a:p>
             <a:fld id="{4BE1D723-8F53-4F53-90B0-1982A396982E}" type="datetime1">
               <a:rPr lang="en-US" smtClean="0"/>
-              <a:t>9/15/2022</a:t>
+              <a:t>9/19/2022</a:t>
             </a:fld>
             <a:endParaRPr lang="en-US" dirty="0"/>
           </a:p>
@@ -918,7 +932,7 @@
           <a:p>
             <a:fld id="{97669AF7-7BEB-44E4-9852-375E34362B5B}" type="datetime1">
               <a:rPr lang="en-US" smtClean="0"/>
-              <a:t>9/15/2022</a:t>
+              <a:t>9/19/2022</a:t>
             </a:fld>
             <a:endParaRPr lang="en-US" dirty="0"/>
           </a:p>
@@ -1173,7 +1187,7 @@
           <a:p>
             <a:fld id="{BAAAC38D-0552-4C82-B593-E6124DFADBE2}" type="datetime1">
               <a:rPr lang="en-US" smtClean="0"/>
-              <a:t>9/15/2022</a:t>
+              <a:t>9/19/2022</a:t>
             </a:fld>
             <a:endParaRPr lang="en-US" dirty="0"/>
           </a:p>
@@ -1570,7 +1584,7 @@
           <a:p>
             <a:fld id="{D9DF0F1C-5577-4ACB-BB62-DF8F3C494C7E}" type="datetime1">
               <a:rPr lang="en-US" smtClean="0"/>
-              <a:t>9/15/2022</a:t>
+              <a:t>9/19/2022</a:t>
             </a:fld>
             <a:endParaRPr lang="en-US" dirty="0"/>
           </a:p>
@@ -1706,7 +1720,7 @@
           <a:p>
             <a:fld id="{1775B394-D9F9-4F0C-B15D-605F45CB9E9F}" type="datetime1">
               <a:rPr lang="en-US" smtClean="0"/>
-              <a:t>9/15/2022</a:t>
+              <a:t>9/19/2022</a:t>
             </a:fld>
             <a:endParaRPr lang="en-US" dirty="0"/>
           </a:p>
@@ -1863,7 +1877,7 @@
           <a:p>
             <a:fld id="{39667345-2558-425A-8533-9BFDBCE15005}" type="datetime1">
               <a:rPr lang="en-US" smtClean="0"/>
-              <a:t>9/15/2022</a:t>
+              <a:t>9/19/2022</a:t>
             </a:fld>
             <a:endParaRPr lang="en-US" dirty="0"/>
           </a:p>
@@ -2192,7 +2206,7 @@
           <a:p>
             <a:fld id="{92BEA474-078D-4E9B-9B14-09A87B19DC46}" type="datetime1">
               <a:rPr lang="en-US" smtClean="0"/>
-              <a:t>9/15/2022</a:t>
+              <a:t>9/19/2022</a:t>
             </a:fld>
             <a:endParaRPr lang="en-US" dirty="0"/>
           </a:p>
@@ -2542,7 +2556,7 @@
           <a:p>
             <a:fld id="{4907D986-8816-4272-A432-0437A28A9828}" type="datetime1">
               <a:rPr lang="en-US" smtClean="0"/>
-              <a:t>9/15/2022</a:t>
+              <a:t>9/19/2022</a:t>
             </a:fld>
             <a:endParaRPr lang="en-US" dirty="0"/>
           </a:p>
@@ -2803,7 +2817,7 @@
           <a:p>
             <a:fld id="{62D6E202-B606-4609-B914-27C9371A1F6D}" type="datetime1">
               <a:rPr lang="en-US" smtClean="0"/>
-              <a:t>9/15/2022</a:t>
+              <a:t>9/19/2022</a:t>
             </a:fld>
             <a:endParaRPr lang="en-US" dirty="0"/>
           </a:p>
@@ -3754,7 +3768,431 @@
 </p:sld>
 </file>
 
-<file path=ppt/slides/slide2.xml><?xml version="1.0" encoding="utf-8"?>
+<file path=ppt/slides/slide10.xml><?xml version="1.0" encoding="utf-8"?>
+<p:sld xmlns:a="http://schemas.openxmlformats.org/drawingml/2006/main" xmlns:r="http://schemas.openxmlformats.org/officeDocument/2006/relationships" xmlns:p="http://schemas.openxmlformats.org/presentationml/2006/main">
+  <p:cSld>
+    <p:spTree>
+      <p:nvGrpSpPr>
+        <p:cNvPr id="1" name=""/>
+        <p:cNvGrpSpPr/>
+        <p:nvPr/>
+      </p:nvGrpSpPr>
+      <p:grpSpPr>
+        <a:xfrm>
+          <a:off x="0" y="0"/>
+          <a:ext cx="0" cy="0"/>
+          <a:chOff x="0" y="0"/>
+          <a:chExt cx="0" cy="0"/>
+        </a:xfrm>
+      </p:grpSpPr>
+      <p:sp>
+        <p:nvSpPr>
+          <p:cNvPr id="4" name="Title 3">
+            <a:extLst>
+              <a:ext uri="{FF2B5EF4-FFF2-40B4-BE49-F238E27FC236}">
+                <a16:creationId xmlns:a16="http://schemas.microsoft.com/office/drawing/2014/main" id="{556DD119-F167-E12E-327D-4A3EF1AA6D40}"/>
+              </a:ext>
+            </a:extLst>
+          </p:cNvPr>
+          <p:cNvSpPr>
+            <a:spLocks noGrp="1"/>
+          </p:cNvSpPr>
+          <p:nvPr>
+            <p:ph type="title"/>
+          </p:nvPr>
+        </p:nvSpPr>
+        <p:spPr/>
+        <p:txBody>
+          <a:bodyPr/>
+          <a:lstStyle/>
+          <a:p>
+            <a:r>
+              <a:rPr lang="en-AU" dirty="0"/>
+              <a:t>Average Vacancy Days by Bedrooms </a:t>
+            </a:r>
+          </a:p>
+        </p:txBody>
+      </p:sp>
+      <p:pic>
+        <p:nvPicPr>
+          <p:cNvPr id="8" name="Content Placeholder 7">
+            <a:extLst>
+              <a:ext uri="{FF2B5EF4-FFF2-40B4-BE49-F238E27FC236}">
+                <a16:creationId xmlns:a16="http://schemas.microsoft.com/office/drawing/2014/main" id="{9DE2ACBD-75B8-4718-1EA3-892680109ED2}"/>
+              </a:ext>
+            </a:extLst>
+          </p:cNvPr>
+          <p:cNvPicPr>
+            <a:picLocks noGrp="1" noChangeAspect="1"/>
+          </p:cNvPicPr>
+          <p:nvPr>
+            <p:ph sz="half" idx="1"/>
+          </p:nvPr>
+        </p:nvPicPr>
+        <p:blipFill>
+          <a:blip r:embed="rId2"/>
+          <a:stretch>
+            <a:fillRect/>
+          </a:stretch>
+        </p:blipFill>
+        <p:spPr>
+          <a:xfrm>
+            <a:off x="1036320" y="2192889"/>
+            <a:ext cx="4856548" cy="3170247"/>
+          </a:xfrm>
+        </p:spPr>
+      </p:pic>
+      <p:sp>
+        <p:nvSpPr>
+          <p:cNvPr id="6" name="Content Placeholder 5">
+            <a:extLst>
+              <a:ext uri="{FF2B5EF4-FFF2-40B4-BE49-F238E27FC236}">
+                <a16:creationId xmlns:a16="http://schemas.microsoft.com/office/drawing/2014/main" id="{3EBFA0DC-1430-5E67-9C18-BB015A230090}"/>
+              </a:ext>
+            </a:extLst>
+          </p:cNvPr>
+          <p:cNvSpPr>
+            <a:spLocks noGrp="1"/>
+          </p:cNvSpPr>
+          <p:nvPr>
+            <p:ph sz="half" idx="2"/>
+          </p:nvPr>
+        </p:nvSpPr>
+        <p:spPr/>
+        <p:txBody>
+          <a:bodyPr/>
+          <a:lstStyle/>
+          <a:p>
+            <a:endParaRPr lang="en-AU"/>
+          </a:p>
+        </p:txBody>
+      </p:sp>
+    </p:spTree>
+    <p:extLst>
+      <p:ext uri="{BB962C8B-B14F-4D97-AF65-F5344CB8AC3E}">
+        <p14:creationId xmlns:p14="http://schemas.microsoft.com/office/powerpoint/2010/main" val="3706224563"/>
+      </p:ext>
+    </p:extLst>
+  </p:cSld>
+  <p:clrMapOvr>
+    <a:masterClrMapping/>
+  </p:clrMapOvr>
+</p:sld>
+</file>
+
+<file path=ppt/slides/slide11.xml><?xml version="1.0" encoding="utf-8"?>
+<p:sld xmlns:a="http://schemas.openxmlformats.org/drawingml/2006/main" xmlns:r="http://schemas.openxmlformats.org/officeDocument/2006/relationships" xmlns:p="http://schemas.openxmlformats.org/presentationml/2006/main">
+  <p:cSld>
+    <p:spTree>
+      <p:nvGrpSpPr>
+        <p:cNvPr id="1" name=""/>
+        <p:cNvGrpSpPr/>
+        <p:nvPr/>
+      </p:nvGrpSpPr>
+      <p:grpSpPr>
+        <a:xfrm>
+          <a:off x="0" y="0"/>
+          <a:ext cx="0" cy="0"/>
+          <a:chOff x="0" y="0"/>
+          <a:chExt cx="0" cy="0"/>
+        </a:xfrm>
+      </p:grpSpPr>
+      <p:sp>
+        <p:nvSpPr>
+          <p:cNvPr id="2" name="Title 1">
+            <a:extLst>
+              <a:ext uri="{FF2B5EF4-FFF2-40B4-BE49-F238E27FC236}">
+                <a16:creationId xmlns:a16="http://schemas.microsoft.com/office/drawing/2014/main" id="{22E8E9D2-B507-6C21-4C88-85907E39D135}"/>
+              </a:ext>
+            </a:extLst>
+          </p:cNvPr>
+          <p:cNvSpPr>
+            <a:spLocks noGrp="1"/>
+          </p:cNvSpPr>
+          <p:nvPr>
+            <p:ph type="title"/>
+          </p:nvPr>
+        </p:nvSpPr>
+        <p:spPr/>
+        <p:txBody>
+          <a:bodyPr/>
+          <a:lstStyle/>
+          <a:p>
+            <a:r>
+              <a:rPr lang="en-AU" dirty="0"/>
+              <a:t>Housing types and bedroom comparison </a:t>
+            </a:r>
+          </a:p>
+        </p:txBody>
+      </p:sp>
+      <p:pic>
+        <p:nvPicPr>
+          <p:cNvPr id="6" name="Picture 5">
+            <a:extLst>
+              <a:ext uri="{FF2B5EF4-FFF2-40B4-BE49-F238E27FC236}">
+                <a16:creationId xmlns:a16="http://schemas.microsoft.com/office/drawing/2014/main" id="{C55F97A6-7D29-789E-569A-3E6FB42AC309}"/>
+              </a:ext>
+            </a:extLst>
+          </p:cNvPr>
+          <p:cNvPicPr>
+            <a:picLocks noChangeAspect="1"/>
+          </p:cNvPicPr>
+          <p:nvPr/>
+        </p:nvPicPr>
+        <p:blipFill>
+          <a:blip r:embed="rId2"/>
+          <a:stretch>
+            <a:fillRect/>
+          </a:stretch>
+        </p:blipFill>
+        <p:spPr>
+          <a:xfrm>
+            <a:off x="1097279" y="2086885"/>
+            <a:ext cx="8365503" cy="3946066"/>
+          </a:xfrm>
+          <a:prstGeom prst="rect">
+            <a:avLst/>
+          </a:prstGeom>
+        </p:spPr>
+      </p:pic>
+    </p:spTree>
+    <p:extLst>
+      <p:ext uri="{BB962C8B-B14F-4D97-AF65-F5344CB8AC3E}">
+        <p14:creationId xmlns:p14="http://schemas.microsoft.com/office/powerpoint/2010/main" val="240786751"/>
+      </p:ext>
+    </p:extLst>
+  </p:cSld>
+  <p:clrMapOvr>
+    <a:masterClrMapping/>
+  </p:clrMapOvr>
+</p:sld>
+</file>
+
+<file path=ppt/slides/slide12.xml><?xml version="1.0" encoding="utf-8"?>
+<p:sld xmlns:a="http://schemas.openxmlformats.org/drawingml/2006/main" xmlns:r="http://schemas.openxmlformats.org/officeDocument/2006/relationships" xmlns:p="http://schemas.openxmlformats.org/presentationml/2006/main">
+  <p:cSld>
+    <p:spTree>
+      <p:nvGrpSpPr>
+        <p:cNvPr id="1" name=""/>
+        <p:cNvGrpSpPr/>
+        <p:nvPr/>
+      </p:nvGrpSpPr>
+      <p:grpSpPr>
+        <a:xfrm>
+          <a:off x="0" y="0"/>
+          <a:ext cx="0" cy="0"/>
+          <a:chOff x="0" y="0"/>
+          <a:chExt cx="0" cy="0"/>
+        </a:xfrm>
+      </p:grpSpPr>
+      <p:sp>
+        <p:nvSpPr>
+          <p:cNvPr id="2" name="Title 1">
+            <a:extLst>
+              <a:ext uri="{FF2B5EF4-FFF2-40B4-BE49-F238E27FC236}">
+                <a16:creationId xmlns:a16="http://schemas.microsoft.com/office/drawing/2014/main" id="{6213F334-81B7-1BAD-3F70-D167304B2658}"/>
+              </a:ext>
+            </a:extLst>
+          </p:cNvPr>
+          <p:cNvSpPr>
+            <a:spLocks noGrp="1"/>
+          </p:cNvSpPr>
+          <p:nvPr>
+            <p:ph type="title"/>
+          </p:nvPr>
+        </p:nvSpPr>
+        <p:spPr/>
+        <p:txBody>
+          <a:bodyPr/>
+          <a:lstStyle/>
+          <a:p>
+            <a:r>
+              <a:rPr lang="en-AU" dirty="0"/>
+              <a:t>Outliers of vacancy days against bedrooms</a:t>
+            </a:r>
+          </a:p>
+        </p:txBody>
+      </p:sp>
+      <p:pic>
+        <p:nvPicPr>
+          <p:cNvPr id="6" name="Content Placeholder 5">
+            <a:extLst>
+              <a:ext uri="{FF2B5EF4-FFF2-40B4-BE49-F238E27FC236}">
+                <a16:creationId xmlns:a16="http://schemas.microsoft.com/office/drawing/2014/main" id="{4476BB34-5C1F-92CD-DF39-2E292DD90DD1}"/>
+              </a:ext>
+            </a:extLst>
+          </p:cNvPr>
+          <p:cNvPicPr>
+            <a:picLocks noGrp="1" noChangeAspect="1"/>
+          </p:cNvPicPr>
+          <p:nvPr>
+            <p:ph sz="half" idx="1"/>
+          </p:nvPr>
+        </p:nvPicPr>
+        <p:blipFill>
+          <a:blip r:embed="rId2"/>
+          <a:stretch>
+            <a:fillRect/>
+          </a:stretch>
+        </p:blipFill>
+        <p:spPr>
+          <a:xfrm>
+            <a:off x="1193006" y="2120900"/>
+            <a:ext cx="4448175" cy="3382278"/>
+          </a:xfrm>
+        </p:spPr>
+      </p:pic>
+      <p:sp>
+        <p:nvSpPr>
+          <p:cNvPr id="4" name="Content Placeholder 3">
+            <a:extLst>
+              <a:ext uri="{FF2B5EF4-FFF2-40B4-BE49-F238E27FC236}">
+                <a16:creationId xmlns:a16="http://schemas.microsoft.com/office/drawing/2014/main" id="{07B84EA5-AA0D-FBEA-FF50-60E262488F00}"/>
+              </a:ext>
+            </a:extLst>
+          </p:cNvPr>
+          <p:cNvSpPr>
+            <a:spLocks noGrp="1"/>
+          </p:cNvSpPr>
+          <p:nvPr>
+            <p:ph sz="half" idx="2"/>
+          </p:nvPr>
+        </p:nvSpPr>
+        <p:spPr/>
+        <p:txBody>
+          <a:bodyPr/>
+          <a:lstStyle/>
+          <a:p>
+            <a:endParaRPr lang="en-AU"/>
+          </a:p>
+        </p:txBody>
+      </p:sp>
+    </p:spTree>
+    <p:extLst>
+      <p:ext uri="{BB962C8B-B14F-4D97-AF65-F5344CB8AC3E}">
+        <p14:creationId xmlns:p14="http://schemas.microsoft.com/office/powerpoint/2010/main" val="1260351518"/>
+      </p:ext>
+    </p:extLst>
+  </p:cSld>
+  <p:clrMapOvr>
+    <a:masterClrMapping/>
+  </p:clrMapOvr>
+</p:sld>
+</file>
+
+<file path=ppt/slides/slide13.xml><?xml version="1.0" encoding="utf-8"?>
+<p:sld xmlns:a="http://schemas.openxmlformats.org/drawingml/2006/main" xmlns:r="http://schemas.openxmlformats.org/officeDocument/2006/relationships" xmlns:p="http://schemas.openxmlformats.org/presentationml/2006/main">
+  <p:cSld>
+    <p:spTree>
+      <p:nvGrpSpPr>
+        <p:cNvPr id="1" name=""/>
+        <p:cNvGrpSpPr/>
+        <p:nvPr/>
+      </p:nvGrpSpPr>
+      <p:grpSpPr>
+        <a:xfrm>
+          <a:off x="0" y="0"/>
+          <a:ext cx="0" cy="0"/>
+          <a:chOff x="0" y="0"/>
+          <a:chExt cx="0" cy="0"/>
+        </a:xfrm>
+      </p:grpSpPr>
+      <p:sp>
+        <p:nvSpPr>
+          <p:cNvPr id="2" name="Title 1">
+            <a:extLst>
+              <a:ext uri="{FF2B5EF4-FFF2-40B4-BE49-F238E27FC236}">
+                <a16:creationId xmlns:a16="http://schemas.microsoft.com/office/drawing/2014/main" id="{65A32D54-0386-F374-3BAC-0284D58F5212}"/>
+              </a:ext>
+            </a:extLst>
+          </p:cNvPr>
+          <p:cNvSpPr>
+            <a:spLocks noGrp="1"/>
+          </p:cNvSpPr>
+          <p:nvPr>
+            <p:ph type="title"/>
+          </p:nvPr>
+        </p:nvSpPr>
+        <p:spPr/>
+        <p:txBody>
+          <a:bodyPr/>
+          <a:lstStyle/>
+          <a:p>
+            <a:r>
+              <a:rPr lang="en-AU" dirty="0"/>
+              <a:t>Average Vacancy Days against bedrooms</a:t>
+            </a:r>
+          </a:p>
+        </p:txBody>
+      </p:sp>
+      <p:pic>
+        <p:nvPicPr>
+          <p:cNvPr id="6" name="Content Placeholder 5">
+            <a:extLst>
+              <a:ext uri="{FF2B5EF4-FFF2-40B4-BE49-F238E27FC236}">
+                <a16:creationId xmlns:a16="http://schemas.microsoft.com/office/drawing/2014/main" id="{3C80E645-9770-FF74-B0B0-65645D8EB173}"/>
+              </a:ext>
+            </a:extLst>
+          </p:cNvPr>
+          <p:cNvPicPr>
+            <a:picLocks noGrp="1" noChangeAspect="1"/>
+          </p:cNvPicPr>
+          <p:nvPr>
+            <p:ph sz="half" idx="1"/>
+          </p:nvPr>
+        </p:nvPicPr>
+        <p:blipFill>
+          <a:blip r:embed="rId2"/>
+          <a:stretch>
+            <a:fillRect/>
+          </a:stretch>
+        </p:blipFill>
+        <p:spPr>
+          <a:xfrm>
+            <a:off x="1402556" y="2231472"/>
+            <a:ext cx="4461349" cy="3405930"/>
+          </a:xfrm>
+        </p:spPr>
+      </p:pic>
+      <p:sp>
+        <p:nvSpPr>
+          <p:cNvPr id="4" name="Content Placeholder 3">
+            <a:extLst>
+              <a:ext uri="{FF2B5EF4-FFF2-40B4-BE49-F238E27FC236}">
+                <a16:creationId xmlns:a16="http://schemas.microsoft.com/office/drawing/2014/main" id="{B64C62FA-997B-845A-1DD9-0E514C997498}"/>
+              </a:ext>
+            </a:extLst>
+          </p:cNvPr>
+          <p:cNvSpPr>
+            <a:spLocks noGrp="1"/>
+          </p:cNvSpPr>
+          <p:nvPr>
+            <p:ph sz="half" idx="2"/>
+          </p:nvPr>
+        </p:nvSpPr>
+        <p:spPr/>
+        <p:txBody>
+          <a:bodyPr/>
+          <a:lstStyle/>
+          <a:p>
+            <a:endParaRPr lang="en-AU"/>
+          </a:p>
+        </p:txBody>
+      </p:sp>
+    </p:spTree>
+    <p:extLst>
+      <p:ext uri="{BB962C8B-B14F-4D97-AF65-F5344CB8AC3E}">
+        <p14:creationId xmlns:p14="http://schemas.microsoft.com/office/powerpoint/2010/main" val="1680785609"/>
+      </p:ext>
+    </p:extLst>
+  </p:cSld>
+  <p:clrMapOvr>
+    <a:masterClrMapping/>
+  </p:clrMapOvr>
+</p:sld>
+</file>
+
+<file path=ppt/slides/slide14.xml><?xml version="1.0" encoding="utf-8"?>
 <p:sld xmlns:a="http://schemas.openxmlformats.org/drawingml/2006/main" xmlns:r="http://schemas.openxmlformats.org/officeDocument/2006/relationships" xmlns:p="http://schemas.openxmlformats.org/presentationml/2006/main">
   <p:cSld>
     <p:bg>
@@ -3809,7 +4247,7 @@
           <a:p>
             <a:r>
               <a:rPr lang="en-US" dirty="0"/>
-              <a:t>Qld Housing Vacancy</a:t>
+              <a:t>Qld Housing Vacancy – Data Limitations</a:t>
             </a:r>
           </a:p>
         </p:txBody>
@@ -3830,7 +4268,7 @@
             <p:ph idx="1"/>
             <p:extLst>
               <p:ext uri="{D42A27DB-BD31-4B8C-83A1-F6EECF244321}">
-                <p14:modId xmlns:p14="http://schemas.microsoft.com/office/powerpoint/2010/main" val="188407458"/>
+                <p14:modId xmlns:p14="http://schemas.microsoft.com/office/powerpoint/2010/main" val="825624774"/>
               </p:ext>
             </p:extLst>
           </p:nvPr>
@@ -3888,7 +4326,7 @@
                             <a:schemeClr val="lt1"/>
                           </a:solidFill>
                         </a:rPr>
-                        <a:t>Q1</a:t>
+                        <a:t>1</a:t>
                       </a:r>
                     </a:p>
                   </a:txBody>
@@ -3921,7 +4359,7 @@
                             <a:schemeClr val="lt1"/>
                           </a:solidFill>
                         </a:rPr>
-                        <a:t>Q2</a:t>
+                        <a:t>2</a:t>
                       </a:r>
                     </a:p>
                   </a:txBody>
@@ -3954,7 +4392,7 @@
                             <a:schemeClr val="lt1"/>
                           </a:solidFill>
                         </a:rPr>
-                        <a:t>Q3</a:t>
+                        <a:t>3</a:t>
                       </a:r>
                     </a:p>
                   </a:txBody>
@@ -3987,7 +4425,7 @@
                             <a:schemeClr val="lt1"/>
                           </a:solidFill>
                         </a:rPr>
-                        <a:t>Q4</a:t>
+                        <a:t>4</a:t>
                       </a:r>
                     </a:p>
                   </a:txBody>
@@ -4449,6 +4887,2300 @@
 </p:sld>
 </file>
 
+<file path=ppt/slides/slide15.xml><?xml version="1.0" encoding="utf-8"?>
+<p:sld xmlns:a="http://schemas.openxmlformats.org/drawingml/2006/main" xmlns:r="http://schemas.openxmlformats.org/officeDocument/2006/relationships" xmlns:p="http://schemas.openxmlformats.org/presentationml/2006/main">
+  <p:cSld>
+    <p:spTree>
+      <p:nvGrpSpPr>
+        <p:cNvPr id="1" name=""/>
+        <p:cNvGrpSpPr/>
+        <p:nvPr/>
+      </p:nvGrpSpPr>
+      <p:grpSpPr>
+        <a:xfrm>
+          <a:off x="0" y="0"/>
+          <a:ext cx="0" cy="0"/>
+          <a:chOff x="0" y="0"/>
+          <a:chExt cx="0" cy="0"/>
+        </a:xfrm>
+      </p:grpSpPr>
+      <p:sp>
+        <p:nvSpPr>
+          <p:cNvPr id="2" name="Title 1">
+            <a:extLst>
+              <a:ext uri="{FF2B5EF4-FFF2-40B4-BE49-F238E27FC236}">
+                <a16:creationId xmlns:a16="http://schemas.microsoft.com/office/drawing/2014/main" id="{DCD0D0E2-BDAF-DD2E-D481-687A8BE4F481}"/>
+              </a:ext>
+            </a:extLst>
+          </p:cNvPr>
+          <p:cNvSpPr>
+            <a:spLocks noGrp="1"/>
+          </p:cNvSpPr>
+          <p:nvPr>
+            <p:ph type="title"/>
+          </p:nvPr>
+        </p:nvSpPr>
+        <p:spPr/>
+        <p:txBody>
+          <a:bodyPr/>
+          <a:lstStyle/>
+          <a:p>
+            <a:r>
+              <a:rPr lang="en-AU" dirty="0"/>
+              <a:t>Discussion on Results </a:t>
+            </a:r>
+          </a:p>
+        </p:txBody>
+      </p:sp>
+      <p:sp>
+        <p:nvSpPr>
+          <p:cNvPr id="3" name="Content Placeholder 2">
+            <a:extLst>
+              <a:ext uri="{FF2B5EF4-FFF2-40B4-BE49-F238E27FC236}">
+                <a16:creationId xmlns:a16="http://schemas.microsoft.com/office/drawing/2014/main" id="{08FCCF32-3CC9-D1AE-DDEA-5FEBCC88202D}"/>
+              </a:ext>
+            </a:extLst>
+          </p:cNvPr>
+          <p:cNvSpPr>
+            <a:spLocks noGrp="1"/>
+          </p:cNvSpPr>
+          <p:nvPr>
+            <p:ph idx="1"/>
+          </p:nvPr>
+        </p:nvSpPr>
+        <p:spPr/>
+        <p:txBody>
+          <a:bodyPr/>
+          <a:lstStyle/>
+          <a:p>
+            <a:endParaRPr lang="en-AU" dirty="0"/>
+          </a:p>
+        </p:txBody>
+      </p:sp>
+    </p:spTree>
+    <p:extLst>
+      <p:ext uri="{BB962C8B-B14F-4D97-AF65-F5344CB8AC3E}">
+        <p14:creationId xmlns:p14="http://schemas.microsoft.com/office/powerpoint/2010/main" val="3892008798"/>
+      </p:ext>
+    </p:extLst>
+  </p:cSld>
+  <p:clrMapOvr>
+    <a:masterClrMapping/>
+  </p:clrMapOvr>
+</p:sld>
+</file>
+
+<file path=ppt/slides/slide16.xml><?xml version="1.0" encoding="utf-8"?>
+<p:sld xmlns:a="http://schemas.openxmlformats.org/drawingml/2006/main" xmlns:r="http://schemas.openxmlformats.org/officeDocument/2006/relationships" xmlns:p="http://schemas.openxmlformats.org/presentationml/2006/main">
+  <p:cSld>
+    <p:spTree>
+      <p:nvGrpSpPr>
+        <p:cNvPr id="1" name=""/>
+        <p:cNvGrpSpPr/>
+        <p:nvPr/>
+      </p:nvGrpSpPr>
+      <p:grpSpPr>
+        <a:xfrm>
+          <a:off x="0" y="0"/>
+          <a:ext cx="0" cy="0"/>
+          <a:chOff x="0" y="0"/>
+          <a:chExt cx="0" cy="0"/>
+        </a:xfrm>
+      </p:grpSpPr>
+      <p:sp>
+        <p:nvSpPr>
+          <p:cNvPr id="2" name="Title 1">
+            <a:extLst>
+              <a:ext uri="{FF2B5EF4-FFF2-40B4-BE49-F238E27FC236}">
+                <a16:creationId xmlns:a16="http://schemas.microsoft.com/office/drawing/2014/main" id="{65BA0F5C-A0B7-605F-D27D-B6C5CE31C850}"/>
+              </a:ext>
+            </a:extLst>
+          </p:cNvPr>
+          <p:cNvSpPr>
+            <a:spLocks noGrp="1"/>
+          </p:cNvSpPr>
+          <p:nvPr>
+            <p:ph type="title"/>
+          </p:nvPr>
+        </p:nvSpPr>
+        <p:spPr/>
+        <p:txBody>
+          <a:bodyPr/>
+          <a:lstStyle/>
+          <a:p>
+            <a:r>
+              <a:rPr lang="en-AU" dirty="0"/>
+              <a:t>Conclusion</a:t>
+            </a:r>
+          </a:p>
+        </p:txBody>
+      </p:sp>
+      <p:sp>
+        <p:nvSpPr>
+          <p:cNvPr id="3" name="Content Placeholder 2">
+            <a:extLst>
+              <a:ext uri="{FF2B5EF4-FFF2-40B4-BE49-F238E27FC236}">
+                <a16:creationId xmlns:a16="http://schemas.microsoft.com/office/drawing/2014/main" id="{C4F8990B-566F-C941-A59F-20287C1B4C83}"/>
+              </a:ext>
+            </a:extLst>
+          </p:cNvPr>
+          <p:cNvSpPr>
+            <a:spLocks noGrp="1"/>
+          </p:cNvSpPr>
+          <p:nvPr>
+            <p:ph idx="1"/>
+          </p:nvPr>
+        </p:nvSpPr>
+        <p:spPr/>
+        <p:txBody>
+          <a:bodyPr/>
+          <a:lstStyle/>
+          <a:p>
+            <a:endParaRPr lang="en-AU"/>
+          </a:p>
+        </p:txBody>
+      </p:sp>
+    </p:spTree>
+    <p:extLst>
+      <p:ext uri="{BB962C8B-B14F-4D97-AF65-F5344CB8AC3E}">
+        <p14:creationId xmlns:p14="http://schemas.microsoft.com/office/powerpoint/2010/main" val="3561853324"/>
+      </p:ext>
+    </p:extLst>
+  </p:cSld>
+  <p:clrMapOvr>
+    <a:masterClrMapping/>
+  </p:clrMapOvr>
+</p:sld>
+</file>
+
+<file path=ppt/slides/slide2.xml><?xml version="1.0" encoding="utf-8"?>
+<p:sld xmlns:a="http://schemas.openxmlformats.org/drawingml/2006/main" xmlns:r="http://schemas.openxmlformats.org/officeDocument/2006/relationships" xmlns:p="http://schemas.openxmlformats.org/presentationml/2006/main">
+  <p:cSld>
+    <p:spTree>
+      <p:nvGrpSpPr>
+        <p:cNvPr id="1" name=""/>
+        <p:cNvGrpSpPr/>
+        <p:nvPr/>
+      </p:nvGrpSpPr>
+      <p:grpSpPr>
+        <a:xfrm>
+          <a:off x="0" y="0"/>
+          <a:ext cx="0" cy="0"/>
+          <a:chOff x="0" y="0"/>
+          <a:chExt cx="0" cy="0"/>
+        </a:xfrm>
+      </p:grpSpPr>
+      <p:sp>
+        <p:nvSpPr>
+          <p:cNvPr id="2" name="Title 1">
+            <a:extLst>
+              <a:ext uri="{FF2B5EF4-FFF2-40B4-BE49-F238E27FC236}">
+                <a16:creationId xmlns:a16="http://schemas.microsoft.com/office/drawing/2014/main" id="{26132F41-B14D-099F-7D60-C71AED44720E}"/>
+              </a:ext>
+            </a:extLst>
+          </p:cNvPr>
+          <p:cNvSpPr>
+            <a:spLocks noGrp="1"/>
+          </p:cNvSpPr>
+          <p:nvPr>
+            <p:ph type="title"/>
+          </p:nvPr>
+        </p:nvSpPr>
+        <p:spPr/>
+        <p:txBody>
+          <a:bodyPr/>
+          <a:lstStyle/>
+          <a:p>
+            <a:r>
+              <a:rPr lang="en-AU" dirty="0"/>
+              <a:t>Eligibility for Housing </a:t>
+            </a:r>
+          </a:p>
+        </p:txBody>
+      </p:sp>
+      <p:sp>
+        <p:nvSpPr>
+          <p:cNvPr id="3" name="Content Placeholder 2">
+            <a:extLst>
+              <a:ext uri="{FF2B5EF4-FFF2-40B4-BE49-F238E27FC236}">
+                <a16:creationId xmlns:a16="http://schemas.microsoft.com/office/drawing/2014/main" id="{C4DBBA71-3A8F-3EF2-1678-45D100E82CB7}"/>
+              </a:ext>
+            </a:extLst>
+          </p:cNvPr>
+          <p:cNvSpPr>
+            <a:spLocks noGrp="1"/>
+          </p:cNvSpPr>
+          <p:nvPr>
+            <p:ph idx="1"/>
+          </p:nvPr>
+        </p:nvSpPr>
+        <p:spPr/>
+        <p:txBody>
+          <a:bodyPr>
+            <a:normAutofit fontScale="25000" lnSpcReduction="20000"/>
+          </a:bodyPr>
+          <a:lstStyle/>
+          <a:p>
+            <a:pPr>
+              <a:lnSpc>
+                <a:spcPct val="127000"/>
+              </a:lnSpc>
+              <a:spcAft>
+                <a:spcPts val="600"/>
+              </a:spcAft>
+            </a:pPr>
+            <a:r>
+              <a:rPr lang="en-AU" sz="7200" dirty="0">
+                <a:solidFill>
+                  <a:srgbClr val="1D1C1D"/>
+                </a:solidFill>
+                <a:latin typeface="Arial" panose="020B0604020202020204" pitchFamily="34" charset="0"/>
+                <a:cs typeface="Times New Roman" panose="02020603050405020304" pitchFamily="18" charset="0"/>
+              </a:rPr>
+              <a:t>1. </a:t>
+            </a:r>
+            <a:r>
+              <a:rPr lang="en-GB" sz="7200" dirty="0">
+                <a:solidFill>
+                  <a:srgbClr val="1D1C1D"/>
+                </a:solidFill>
+                <a:latin typeface="Arial" panose="020B0604020202020204" pitchFamily="34" charset="0"/>
+                <a:cs typeface="Times New Roman" panose="02020603050405020304" pitchFamily="18" charset="0"/>
+              </a:rPr>
+              <a:t>Australian citizenship and residency status</a:t>
+            </a:r>
+          </a:p>
+          <a:p>
+            <a:pPr>
+              <a:lnSpc>
+                <a:spcPct val="127000"/>
+              </a:lnSpc>
+              <a:spcAft>
+                <a:spcPts val="600"/>
+              </a:spcAft>
+            </a:pPr>
+            <a:r>
+              <a:rPr lang="en-AU" sz="7200" dirty="0">
+                <a:solidFill>
+                  <a:srgbClr val="1D1C1D"/>
+                </a:solidFill>
+                <a:latin typeface="Arial" panose="020B0604020202020204" pitchFamily="34" charset="0"/>
+                <a:cs typeface="Times New Roman" panose="02020603050405020304" pitchFamily="18" charset="0"/>
+              </a:rPr>
+              <a:t>2. Queensland residency</a:t>
+            </a:r>
+          </a:p>
+          <a:p>
+            <a:pPr>
+              <a:lnSpc>
+                <a:spcPct val="127000"/>
+              </a:lnSpc>
+              <a:spcAft>
+                <a:spcPts val="600"/>
+              </a:spcAft>
+            </a:pPr>
+            <a:r>
+              <a:rPr lang="en-AU" sz="7200" dirty="0">
+                <a:solidFill>
+                  <a:srgbClr val="1D1C1D"/>
+                </a:solidFill>
+                <a:latin typeface="Arial" panose="020B0604020202020204" pitchFamily="34" charset="0"/>
+                <a:cs typeface="Times New Roman" panose="02020603050405020304" pitchFamily="18" charset="0"/>
+              </a:rPr>
+              <a:t>3. No Property ownership </a:t>
+            </a:r>
+          </a:p>
+          <a:p>
+            <a:pPr>
+              <a:lnSpc>
+                <a:spcPct val="127000"/>
+              </a:lnSpc>
+              <a:spcAft>
+                <a:spcPts val="600"/>
+              </a:spcAft>
+            </a:pPr>
+            <a:r>
+              <a:rPr lang="en-AU" sz="7200" dirty="0">
+                <a:solidFill>
+                  <a:srgbClr val="1D1C1D"/>
+                </a:solidFill>
+                <a:latin typeface="Arial" panose="020B0604020202020204" pitchFamily="34" charset="0"/>
+                <a:cs typeface="Times New Roman" panose="02020603050405020304" pitchFamily="18" charset="0"/>
+              </a:rPr>
+              <a:t>4. Liquid asset test (Single – under $117k and 2 or more under $149k) </a:t>
+            </a:r>
+          </a:p>
+          <a:p>
+            <a:pPr>
+              <a:lnSpc>
+                <a:spcPct val="127000"/>
+              </a:lnSpc>
+              <a:spcAft>
+                <a:spcPts val="600"/>
+              </a:spcAft>
+            </a:pPr>
+            <a:r>
+              <a:rPr lang="en-AU" sz="7200" dirty="0">
+                <a:solidFill>
+                  <a:srgbClr val="1D1C1D"/>
+                </a:solidFill>
+                <a:latin typeface="Arial" panose="020B0604020202020204" pitchFamily="34" charset="0"/>
+                <a:cs typeface="Times New Roman" panose="02020603050405020304" pitchFamily="18" charset="0"/>
+              </a:rPr>
+              <a:t>5. Independent Income ( $226.81 per week with proof of min 4 weeks)</a:t>
+            </a:r>
+          </a:p>
+          <a:p>
+            <a:pPr>
+              <a:lnSpc>
+                <a:spcPct val="127000"/>
+              </a:lnSpc>
+              <a:spcAft>
+                <a:spcPts val="600"/>
+              </a:spcAft>
+            </a:pPr>
+            <a:r>
+              <a:rPr lang="en-AU" sz="7200" dirty="0">
+                <a:solidFill>
+                  <a:srgbClr val="1D1C1D"/>
+                </a:solidFill>
+                <a:latin typeface="Arial" panose="020B0604020202020204" pitchFamily="34" charset="0"/>
+                <a:cs typeface="Times New Roman" panose="02020603050405020304" pitchFamily="18" charset="0"/>
+              </a:rPr>
+              <a:t>6. Household income must fall below $609 to $1121 per week ( depending on family size)</a:t>
+            </a:r>
+          </a:p>
+          <a:p>
+            <a:pPr>
+              <a:lnSpc>
+                <a:spcPct val="127000"/>
+              </a:lnSpc>
+              <a:spcAft>
+                <a:spcPts val="600"/>
+              </a:spcAft>
+            </a:pPr>
+            <a:r>
+              <a:rPr lang="en-GB" sz="7200" dirty="0">
+                <a:solidFill>
+                  <a:srgbClr val="1D1C1D"/>
+                </a:solidFill>
+                <a:latin typeface="Arial" panose="020B0604020202020204" pitchFamily="34" charset="0"/>
+                <a:cs typeface="Times New Roman" panose="02020603050405020304" pitchFamily="18" charset="0"/>
+              </a:rPr>
+              <a:t>7. Wellbeing</a:t>
+            </a:r>
+          </a:p>
+          <a:p>
+            <a:endParaRPr lang="en-GB" b="1" i="0" dirty="0">
+              <a:solidFill>
+                <a:srgbClr val="212529"/>
+              </a:solidFill>
+              <a:effectLst/>
+              <a:latin typeface="Lato" panose="020F0502020204030203" pitchFamily="34" charset="0"/>
+            </a:endParaRPr>
+          </a:p>
+          <a:p>
+            <a:r>
+              <a:rPr lang="en-AU" dirty="0"/>
+              <a:t> </a:t>
+            </a:r>
+            <a:r>
+              <a:rPr lang="en-AU" dirty="0">
+                <a:sym typeface="Wingdings" panose="05000000000000000000" pitchFamily="2" charset="2"/>
+              </a:rPr>
+              <a:t> https://www.qld.gov.au/housing/public-community-housing/eligibility-applying-for-housing/eligibility-for-housing/check-your-eligibility</a:t>
+            </a:r>
+            <a:endParaRPr lang="en-AU" dirty="0"/>
+          </a:p>
+        </p:txBody>
+      </p:sp>
+    </p:spTree>
+    <p:extLst>
+      <p:ext uri="{BB962C8B-B14F-4D97-AF65-F5344CB8AC3E}">
+        <p14:creationId xmlns:p14="http://schemas.microsoft.com/office/powerpoint/2010/main" val="1316716995"/>
+      </p:ext>
+    </p:extLst>
+  </p:cSld>
+  <p:clrMapOvr>
+    <a:masterClrMapping/>
+  </p:clrMapOvr>
+</p:sld>
+</file>
+
+<file path=ppt/slides/slide3.xml><?xml version="1.0" encoding="utf-8"?>
+<p:sld xmlns:a="http://schemas.openxmlformats.org/drawingml/2006/main" xmlns:r="http://schemas.openxmlformats.org/officeDocument/2006/relationships" xmlns:p="http://schemas.openxmlformats.org/presentationml/2006/main">
+  <p:cSld>
+    <p:spTree>
+      <p:nvGrpSpPr>
+        <p:cNvPr id="1" name=""/>
+        <p:cNvGrpSpPr/>
+        <p:nvPr/>
+      </p:nvGrpSpPr>
+      <p:grpSpPr>
+        <a:xfrm>
+          <a:off x="0" y="0"/>
+          <a:ext cx="0" cy="0"/>
+          <a:chOff x="0" y="0"/>
+          <a:chExt cx="0" cy="0"/>
+        </a:xfrm>
+      </p:grpSpPr>
+      <p:sp>
+        <p:nvSpPr>
+          <p:cNvPr id="2" name="Title 1">
+            <a:extLst>
+              <a:ext uri="{FF2B5EF4-FFF2-40B4-BE49-F238E27FC236}">
+                <a16:creationId xmlns:a16="http://schemas.microsoft.com/office/drawing/2014/main" id="{9C4D8A9D-2D34-3ABC-B960-8DFD6A742890}"/>
+              </a:ext>
+            </a:extLst>
+          </p:cNvPr>
+          <p:cNvSpPr>
+            <a:spLocks noGrp="1"/>
+          </p:cNvSpPr>
+          <p:nvPr>
+            <p:ph type="title"/>
+          </p:nvPr>
+        </p:nvSpPr>
+        <p:spPr>
+          <a:xfrm>
+            <a:off x="1066800" y="596995"/>
+            <a:ext cx="10058400" cy="1081021"/>
+          </a:xfrm>
+        </p:spPr>
+        <p:txBody>
+          <a:bodyPr/>
+          <a:lstStyle/>
+          <a:p>
+            <a:r>
+              <a:rPr lang="en-AU" dirty="0"/>
+              <a:t>Types of Housing </a:t>
+            </a:r>
+          </a:p>
+        </p:txBody>
+      </p:sp>
+      <p:sp>
+        <p:nvSpPr>
+          <p:cNvPr id="4" name="Rectangle 1">
+            <a:extLst>
+              <a:ext uri="{FF2B5EF4-FFF2-40B4-BE49-F238E27FC236}">
+                <a16:creationId xmlns:a16="http://schemas.microsoft.com/office/drawing/2014/main" id="{EB809E8B-3E89-8E82-C2B9-4BFF68433416}"/>
+              </a:ext>
+            </a:extLst>
+          </p:cNvPr>
+          <p:cNvSpPr>
+            <a:spLocks noGrp="1" noChangeArrowheads="1"/>
+          </p:cNvSpPr>
+          <p:nvPr>
+            <p:ph idx="1"/>
+          </p:nvPr>
+        </p:nvSpPr>
+        <p:spPr bwMode="auto">
+          <a:xfrm>
+            <a:off x="1066800" y="2008458"/>
+            <a:ext cx="8566837" cy="4339650"/>
+          </a:xfrm>
+          <a:prstGeom prst="rect">
+            <a:avLst/>
+          </a:prstGeom>
+          <a:solidFill>
+            <a:srgbClr val="FFFFFF"/>
+          </a:solidFill>
+          <a:ln>
+            <a:noFill/>
+          </a:ln>
+          <a:effectLst/>
+          <a:extLst>
+            <a:ext uri="{91240B29-F687-4F45-9708-019B960494DF}">
+              <a14:hiddenLine xmlns:a14="http://schemas.microsoft.com/office/drawing/2010/main" w="9525">
+                <a:solidFill>
+                  <a:schemeClr val="tx1"/>
+                </a:solidFill>
+                <a:miter lim="800000"/>
+                <a:headEnd/>
+                <a:tailEnd/>
+              </a14:hiddenLine>
+            </a:ext>
+            <a:ext uri="{AF507438-7753-43E0-B8FC-AC1667EBCBE1}">
+              <a14:hiddenEffects xmlns:a14="http://schemas.microsoft.com/office/drawing/2010/main">
+                <a:effectLst>
+                  <a:outerShdw dist="35921" dir="2700000" algn="ctr" rotWithShape="0">
+                    <a:schemeClr val="bg2"/>
+                  </a:outerShdw>
+                </a:effectLst>
+              </a14:hiddenEffects>
+            </a:ext>
+          </a:extLst>
+        </p:spPr>
+        <p:txBody>
+          <a:bodyPr vert="horz" wrap="square" lIns="0" tIns="45720" rIns="91440" bIns="45720" numCol="1" anchor="ctr" anchorCtr="0" compatLnSpc="1">
+            <a:prstTxWarp prst="textNoShape">
+              <a:avLst/>
+            </a:prstTxWarp>
+            <a:spAutoFit/>
+          </a:bodyPr>
+          <a:lstStyle/>
+          <a:p>
+            <a:pPr marL="0" marR="0" lvl="0" indent="0" algn="l" defTabSz="914400" rtl="0" eaLnBrk="0" fontAlgn="base" latinLnBrk="0" hangingPunct="0">
+              <a:lnSpc>
+                <a:spcPct val="100000"/>
+              </a:lnSpc>
+              <a:spcBef>
+                <a:spcPct val="0"/>
+              </a:spcBef>
+              <a:spcAft>
+                <a:spcPct val="0"/>
+              </a:spcAft>
+              <a:buClrTx/>
+              <a:buSzTx/>
+              <a:buFontTx/>
+              <a:buNone/>
+              <a:tabLst/>
+            </a:pPr>
+            <a:r>
+              <a:rPr kumimoji="0" lang="en-US" altLang="en-US" sz="1400" b="1" i="0" u="none" strike="noStrike" cap="none" normalizeH="0" baseline="0" dirty="0">
+                <a:ln>
+                  <a:noFill/>
+                </a:ln>
+                <a:solidFill>
+                  <a:srgbClr val="212529"/>
+                </a:solidFill>
+                <a:effectLst/>
+                <a:latin typeface="Lato" panose="020F0502020204030203" pitchFamily="34" charset="0"/>
+              </a:rPr>
+              <a:t>	</a:t>
+            </a:r>
+            <a:r>
+              <a:rPr kumimoji="0" lang="en-US" altLang="en-US" sz="1200" b="1" i="0" u="none" strike="noStrike" cap="none" normalizeH="0" baseline="0" dirty="0">
+                <a:ln>
+                  <a:noFill/>
+                </a:ln>
+                <a:solidFill>
+                  <a:srgbClr val="212529"/>
+                </a:solidFill>
+                <a:effectLst/>
+                <a:latin typeface="Lato" panose="020F0502020204030203" pitchFamily="34" charset="0"/>
+              </a:rPr>
+              <a:t>Detached house</a:t>
+            </a:r>
+          </a:p>
+          <a:p>
+            <a:pPr marL="457200" marR="0" lvl="1" indent="-457200" algn="l" defTabSz="914400" rtl="0" eaLnBrk="0" fontAlgn="base" latinLnBrk="0" hangingPunct="0">
+              <a:lnSpc>
+                <a:spcPct val="100000"/>
+              </a:lnSpc>
+              <a:spcBef>
+                <a:spcPct val="0"/>
+              </a:spcBef>
+              <a:spcAft>
+                <a:spcPct val="0"/>
+              </a:spcAft>
+              <a:buClrTx/>
+              <a:buSzTx/>
+              <a:buFontTx/>
+              <a:buNone/>
+              <a:tabLst/>
+            </a:pPr>
+            <a:r>
+              <a:rPr kumimoji="0" lang="en-US" altLang="en-US" sz="1200" b="0" i="0" u="none" strike="noStrike" cap="none" normalizeH="0" baseline="0" dirty="0">
+                <a:ln>
+                  <a:noFill/>
+                </a:ln>
+                <a:solidFill>
+                  <a:srgbClr val="212529"/>
+                </a:solidFill>
+                <a:effectLst/>
+                <a:latin typeface="Lato" panose="020F0502020204030203" pitchFamily="34" charset="0"/>
+              </a:rPr>
+              <a:t>		A house with 2 or more bedrooms on 1 block of land.</a:t>
+            </a:r>
+          </a:p>
+          <a:p>
+            <a:pPr marL="457200" marR="0" lvl="1" indent="-457200" algn="l" defTabSz="914400" rtl="0" eaLnBrk="0" fontAlgn="base" latinLnBrk="0" hangingPunct="0">
+              <a:lnSpc>
+                <a:spcPct val="100000"/>
+              </a:lnSpc>
+              <a:spcBef>
+                <a:spcPct val="0"/>
+              </a:spcBef>
+              <a:spcAft>
+                <a:spcPct val="0"/>
+              </a:spcAft>
+              <a:buClrTx/>
+              <a:buSzTx/>
+              <a:buFontTx/>
+              <a:buNone/>
+              <a:tabLst/>
+            </a:pPr>
+            <a:endParaRPr kumimoji="0" lang="en-US" altLang="en-US" sz="1200" b="0" i="0" u="none" strike="noStrike" cap="none" normalizeH="0" baseline="0" dirty="0">
+              <a:ln>
+                <a:noFill/>
+              </a:ln>
+              <a:solidFill>
+                <a:srgbClr val="212529"/>
+              </a:solidFill>
+              <a:effectLst/>
+              <a:latin typeface="Lato" panose="020F0502020204030203" pitchFamily="34" charset="0"/>
+            </a:endParaRPr>
+          </a:p>
+          <a:p>
+            <a:pPr marL="0" marR="0" lvl="0" indent="0" algn="l" defTabSz="914400" rtl="0" eaLnBrk="0" fontAlgn="base" latinLnBrk="0" hangingPunct="0">
+              <a:lnSpc>
+                <a:spcPct val="100000"/>
+              </a:lnSpc>
+              <a:spcBef>
+                <a:spcPct val="0"/>
+              </a:spcBef>
+              <a:spcAft>
+                <a:spcPct val="0"/>
+              </a:spcAft>
+              <a:buClrTx/>
+              <a:buSzTx/>
+              <a:buFontTx/>
+              <a:buNone/>
+              <a:tabLst/>
+            </a:pPr>
+            <a:r>
+              <a:rPr kumimoji="0" lang="en-US" altLang="en-US" sz="1200" b="1" i="0" u="none" strike="noStrike" cap="none" normalizeH="0" baseline="0" dirty="0">
+                <a:ln>
+                  <a:noFill/>
+                </a:ln>
+                <a:solidFill>
+                  <a:srgbClr val="212529"/>
+                </a:solidFill>
+                <a:effectLst/>
+                <a:latin typeface="Lato" panose="020F0502020204030203" pitchFamily="34" charset="0"/>
+              </a:rPr>
+              <a:t>	Duplex</a:t>
+            </a:r>
+          </a:p>
+          <a:p>
+            <a:pPr marL="457200" marR="0" lvl="1" indent="-457200" algn="l" defTabSz="914400" rtl="0" eaLnBrk="0" fontAlgn="base" latinLnBrk="0" hangingPunct="0">
+              <a:lnSpc>
+                <a:spcPct val="100000"/>
+              </a:lnSpc>
+              <a:spcBef>
+                <a:spcPct val="0"/>
+              </a:spcBef>
+              <a:spcAft>
+                <a:spcPct val="0"/>
+              </a:spcAft>
+              <a:buClrTx/>
+              <a:buSzTx/>
+              <a:buFontTx/>
+              <a:buNone/>
+              <a:tabLst/>
+            </a:pPr>
+            <a:r>
+              <a:rPr kumimoji="0" lang="en-US" altLang="en-US" sz="1200" b="0" i="0" u="none" strike="noStrike" cap="none" normalizeH="0" baseline="0" dirty="0">
+                <a:ln>
+                  <a:noFill/>
+                </a:ln>
+                <a:solidFill>
+                  <a:srgbClr val="212529"/>
+                </a:solidFill>
+                <a:effectLst/>
+                <a:latin typeface="Lato" panose="020F0502020204030203" pitchFamily="34" charset="0"/>
+              </a:rPr>
+              <a:t>		Usually 2 units, with 1–3 bedrooms in each, divided by a common wall, located on 1 block of land.</a:t>
+            </a:r>
+          </a:p>
+          <a:p>
+            <a:pPr marL="457200" marR="0" lvl="1" indent="-457200" algn="l" defTabSz="914400" rtl="0" eaLnBrk="0" fontAlgn="base" latinLnBrk="0" hangingPunct="0">
+              <a:lnSpc>
+                <a:spcPct val="100000"/>
+              </a:lnSpc>
+              <a:spcBef>
+                <a:spcPct val="0"/>
+              </a:spcBef>
+              <a:spcAft>
+                <a:spcPct val="0"/>
+              </a:spcAft>
+              <a:buClrTx/>
+              <a:buSzTx/>
+              <a:buFontTx/>
+              <a:buNone/>
+              <a:tabLst/>
+            </a:pPr>
+            <a:endParaRPr kumimoji="0" lang="en-US" altLang="en-US" sz="1200" b="0" i="0" u="none" strike="noStrike" cap="none" normalizeH="0" baseline="0" dirty="0">
+              <a:ln>
+                <a:noFill/>
+              </a:ln>
+              <a:solidFill>
+                <a:srgbClr val="212529"/>
+              </a:solidFill>
+              <a:effectLst/>
+              <a:latin typeface="Lato" panose="020F0502020204030203" pitchFamily="34" charset="0"/>
+            </a:endParaRPr>
+          </a:p>
+          <a:p>
+            <a:pPr marL="0" marR="0" lvl="0" indent="0" algn="l" defTabSz="914400" rtl="0" eaLnBrk="0" fontAlgn="base" latinLnBrk="0" hangingPunct="0">
+              <a:lnSpc>
+                <a:spcPct val="100000"/>
+              </a:lnSpc>
+              <a:spcBef>
+                <a:spcPct val="0"/>
+              </a:spcBef>
+              <a:spcAft>
+                <a:spcPct val="0"/>
+              </a:spcAft>
+              <a:buClrTx/>
+              <a:buSzTx/>
+              <a:buFontTx/>
+              <a:buNone/>
+              <a:tabLst/>
+            </a:pPr>
+            <a:r>
+              <a:rPr kumimoji="0" lang="en-US" altLang="en-US" sz="1200" b="1" i="0" u="none" strike="noStrike" cap="none" normalizeH="0" baseline="0" dirty="0">
+                <a:ln>
+                  <a:noFill/>
+                </a:ln>
+                <a:solidFill>
+                  <a:srgbClr val="212529"/>
+                </a:solidFill>
+                <a:effectLst/>
+                <a:latin typeface="Lato" panose="020F0502020204030203" pitchFamily="34" charset="0"/>
+              </a:rPr>
+              <a:t>	Dual occupancy</a:t>
+            </a:r>
+          </a:p>
+          <a:p>
+            <a:pPr marL="457200" marR="0" lvl="1" indent="-457200" algn="l" defTabSz="914400" rtl="0" eaLnBrk="0" fontAlgn="base" latinLnBrk="0" hangingPunct="0">
+              <a:lnSpc>
+                <a:spcPct val="100000"/>
+              </a:lnSpc>
+              <a:spcBef>
+                <a:spcPct val="0"/>
+              </a:spcBef>
+              <a:spcAft>
+                <a:spcPct val="0"/>
+              </a:spcAft>
+              <a:buClrTx/>
+              <a:buSzTx/>
+              <a:buFontTx/>
+              <a:buNone/>
+              <a:tabLst/>
+            </a:pPr>
+            <a:r>
+              <a:rPr kumimoji="0" lang="en-US" altLang="en-US" sz="1200" b="0" i="0" u="none" strike="noStrike" cap="none" normalizeH="0" baseline="0" dirty="0">
+                <a:ln>
+                  <a:noFill/>
+                </a:ln>
+                <a:solidFill>
+                  <a:srgbClr val="212529"/>
+                </a:solidFill>
+                <a:effectLst/>
+                <a:latin typeface="Lato" panose="020F0502020204030203" pitchFamily="34" charset="0"/>
+              </a:rPr>
+              <a:t>		2 properties located on one block of land.</a:t>
+            </a:r>
+          </a:p>
+          <a:p>
+            <a:pPr marL="457200" marR="0" lvl="1" indent="-457200" algn="l" defTabSz="914400" rtl="0" eaLnBrk="0" fontAlgn="base" latinLnBrk="0" hangingPunct="0">
+              <a:lnSpc>
+                <a:spcPct val="100000"/>
+              </a:lnSpc>
+              <a:spcBef>
+                <a:spcPct val="0"/>
+              </a:spcBef>
+              <a:spcAft>
+                <a:spcPct val="0"/>
+              </a:spcAft>
+              <a:buClrTx/>
+              <a:buSzTx/>
+              <a:buFontTx/>
+              <a:buNone/>
+              <a:tabLst/>
+            </a:pPr>
+            <a:endParaRPr kumimoji="0" lang="en-US" altLang="en-US" sz="1200" b="0" i="0" u="none" strike="noStrike" cap="none" normalizeH="0" baseline="0" dirty="0">
+              <a:ln>
+                <a:noFill/>
+              </a:ln>
+              <a:solidFill>
+                <a:srgbClr val="212529"/>
+              </a:solidFill>
+              <a:effectLst/>
+              <a:latin typeface="Lato" panose="020F0502020204030203" pitchFamily="34" charset="0"/>
+            </a:endParaRPr>
+          </a:p>
+          <a:p>
+            <a:pPr marL="0" marR="0" lvl="0" indent="0" algn="l" defTabSz="914400" rtl="0" eaLnBrk="0" fontAlgn="base" latinLnBrk="0" hangingPunct="0">
+              <a:lnSpc>
+                <a:spcPct val="100000"/>
+              </a:lnSpc>
+              <a:spcBef>
+                <a:spcPct val="0"/>
+              </a:spcBef>
+              <a:spcAft>
+                <a:spcPct val="0"/>
+              </a:spcAft>
+              <a:buClrTx/>
+              <a:buSzTx/>
+              <a:buFontTx/>
+              <a:buNone/>
+              <a:tabLst/>
+            </a:pPr>
+            <a:r>
+              <a:rPr kumimoji="0" lang="en-US" altLang="en-US" sz="1200" b="1" i="0" u="none" strike="noStrike" cap="none" normalizeH="0" baseline="0" dirty="0">
+                <a:ln>
+                  <a:noFill/>
+                </a:ln>
+                <a:solidFill>
+                  <a:srgbClr val="212529"/>
+                </a:solidFill>
+                <a:effectLst/>
+                <a:latin typeface="Lato" panose="020F0502020204030203" pitchFamily="34" charset="0"/>
+              </a:rPr>
+              <a:t>	Cluster house</a:t>
+            </a:r>
+          </a:p>
+          <a:p>
+            <a:pPr marL="457200" marR="0" lvl="1" indent="-457200" algn="l" defTabSz="914400" rtl="0" eaLnBrk="0" fontAlgn="base" latinLnBrk="0" hangingPunct="0">
+              <a:lnSpc>
+                <a:spcPct val="100000"/>
+              </a:lnSpc>
+              <a:spcBef>
+                <a:spcPct val="0"/>
+              </a:spcBef>
+              <a:spcAft>
+                <a:spcPct val="0"/>
+              </a:spcAft>
+              <a:buClrTx/>
+              <a:buSzTx/>
+              <a:buFontTx/>
+              <a:buNone/>
+              <a:tabLst/>
+            </a:pPr>
+            <a:r>
+              <a:rPr kumimoji="0" lang="en-US" altLang="en-US" sz="1200" b="0" i="0" u="none" strike="noStrike" cap="none" normalizeH="0" baseline="0" dirty="0">
+                <a:ln>
+                  <a:noFill/>
+                </a:ln>
+                <a:solidFill>
+                  <a:srgbClr val="212529"/>
+                </a:solidFill>
+                <a:effectLst/>
+                <a:latin typeface="Lato" panose="020F0502020204030203" pitchFamily="34" charset="0"/>
+              </a:rPr>
+              <a:t>		A number of attached or separate homes, with 2–4 bedrooms in each, located within a housing development.</a:t>
+            </a:r>
+          </a:p>
+          <a:p>
+            <a:pPr marL="457200" marR="0" lvl="1" indent="-457200" algn="l" defTabSz="914400" rtl="0" eaLnBrk="0" fontAlgn="base" latinLnBrk="0" hangingPunct="0">
+              <a:lnSpc>
+                <a:spcPct val="100000"/>
+              </a:lnSpc>
+              <a:spcBef>
+                <a:spcPct val="0"/>
+              </a:spcBef>
+              <a:spcAft>
+                <a:spcPct val="0"/>
+              </a:spcAft>
+              <a:buClrTx/>
+              <a:buSzTx/>
+              <a:buFontTx/>
+              <a:buNone/>
+              <a:tabLst/>
+            </a:pPr>
+            <a:endParaRPr kumimoji="0" lang="en-US" altLang="en-US" sz="1200" b="0" i="0" u="none" strike="noStrike" cap="none" normalizeH="0" baseline="0" dirty="0">
+              <a:ln>
+                <a:noFill/>
+              </a:ln>
+              <a:solidFill>
+                <a:srgbClr val="212529"/>
+              </a:solidFill>
+              <a:effectLst/>
+              <a:latin typeface="Lato" panose="020F0502020204030203" pitchFamily="34" charset="0"/>
+            </a:endParaRPr>
+          </a:p>
+          <a:p>
+            <a:pPr marL="0" marR="0" lvl="0" indent="0" algn="l" defTabSz="914400" rtl="0" eaLnBrk="0" fontAlgn="base" latinLnBrk="0" hangingPunct="0">
+              <a:lnSpc>
+                <a:spcPct val="100000"/>
+              </a:lnSpc>
+              <a:spcBef>
+                <a:spcPct val="0"/>
+              </a:spcBef>
+              <a:spcAft>
+                <a:spcPct val="0"/>
+              </a:spcAft>
+              <a:buClrTx/>
+              <a:buSzTx/>
+              <a:buFontTx/>
+              <a:buNone/>
+              <a:tabLst/>
+            </a:pPr>
+            <a:r>
+              <a:rPr kumimoji="0" lang="en-US" altLang="en-US" sz="1200" b="1" i="0" u="none" strike="noStrike" cap="none" normalizeH="0" baseline="0" dirty="0">
+                <a:ln>
+                  <a:noFill/>
+                </a:ln>
+                <a:solidFill>
+                  <a:srgbClr val="212529"/>
+                </a:solidFill>
+                <a:effectLst/>
+                <a:latin typeface="Lato" panose="020F0502020204030203" pitchFamily="34" charset="0"/>
+              </a:rPr>
+              <a:t>	Townhouse</a:t>
+            </a:r>
+          </a:p>
+          <a:p>
+            <a:pPr marL="457200" marR="0" lvl="1" indent="-457200" algn="l" defTabSz="914400" rtl="0" eaLnBrk="0" fontAlgn="base" latinLnBrk="0" hangingPunct="0">
+              <a:lnSpc>
+                <a:spcPct val="100000"/>
+              </a:lnSpc>
+              <a:spcBef>
+                <a:spcPct val="0"/>
+              </a:spcBef>
+              <a:spcAft>
+                <a:spcPct val="0"/>
+              </a:spcAft>
+              <a:buClrTx/>
+              <a:buSzTx/>
+              <a:buFontTx/>
+              <a:buNone/>
+              <a:tabLst/>
+            </a:pPr>
+            <a:r>
+              <a:rPr kumimoji="0" lang="en-US" altLang="en-US" sz="1200" b="0" i="0" u="none" strike="noStrike" cap="none" normalizeH="0" baseline="0" dirty="0">
+                <a:ln>
+                  <a:noFill/>
+                </a:ln>
+                <a:solidFill>
+                  <a:srgbClr val="212529"/>
+                </a:solidFill>
+                <a:effectLst/>
+                <a:latin typeface="Lato" panose="020F0502020204030203" pitchFamily="34" charset="0"/>
+              </a:rPr>
+              <a:t>		3 or more units next to each other, with 1–4 bedrooms in each, divided by common walls.</a:t>
+            </a:r>
+          </a:p>
+          <a:p>
+            <a:pPr marL="457200" marR="0" lvl="1" indent="-457200" algn="l" defTabSz="914400" rtl="0" eaLnBrk="0" fontAlgn="base" latinLnBrk="0" hangingPunct="0">
+              <a:lnSpc>
+                <a:spcPct val="100000"/>
+              </a:lnSpc>
+              <a:spcBef>
+                <a:spcPct val="0"/>
+              </a:spcBef>
+              <a:spcAft>
+                <a:spcPct val="0"/>
+              </a:spcAft>
+              <a:buClrTx/>
+              <a:buSzTx/>
+              <a:buFontTx/>
+              <a:buNone/>
+              <a:tabLst/>
+            </a:pPr>
+            <a:endParaRPr kumimoji="0" lang="en-US" altLang="en-US" sz="1200" b="0" i="0" u="none" strike="noStrike" cap="none" normalizeH="0" baseline="0" dirty="0">
+              <a:ln>
+                <a:noFill/>
+              </a:ln>
+              <a:solidFill>
+                <a:srgbClr val="212529"/>
+              </a:solidFill>
+              <a:effectLst/>
+              <a:latin typeface="Lato" panose="020F0502020204030203" pitchFamily="34" charset="0"/>
+            </a:endParaRPr>
+          </a:p>
+          <a:p>
+            <a:pPr marL="0" marR="0" lvl="0" indent="0" algn="l" defTabSz="914400" rtl="0" eaLnBrk="0" fontAlgn="base" latinLnBrk="0" hangingPunct="0">
+              <a:lnSpc>
+                <a:spcPct val="100000"/>
+              </a:lnSpc>
+              <a:spcBef>
+                <a:spcPct val="0"/>
+              </a:spcBef>
+              <a:spcAft>
+                <a:spcPct val="0"/>
+              </a:spcAft>
+              <a:buClrTx/>
+              <a:buSzTx/>
+              <a:buFontTx/>
+              <a:buNone/>
+              <a:tabLst/>
+            </a:pPr>
+            <a:r>
+              <a:rPr kumimoji="0" lang="en-US" altLang="en-US" sz="1200" b="1" i="0" u="none" strike="noStrike" cap="none" normalizeH="0" baseline="0" dirty="0">
+                <a:ln>
+                  <a:noFill/>
+                </a:ln>
+                <a:solidFill>
+                  <a:srgbClr val="212529"/>
+                </a:solidFill>
+                <a:effectLst/>
+                <a:latin typeface="Lato" panose="020F0502020204030203" pitchFamily="34" charset="0"/>
+              </a:rPr>
+              <a:t>	Apartment / flat / unit</a:t>
+            </a:r>
+          </a:p>
+          <a:p>
+            <a:pPr marL="457200" marR="0" lvl="1" indent="-457200" algn="l" defTabSz="914400" rtl="0" eaLnBrk="0" fontAlgn="base" latinLnBrk="0" hangingPunct="0">
+              <a:lnSpc>
+                <a:spcPct val="100000"/>
+              </a:lnSpc>
+              <a:spcBef>
+                <a:spcPct val="0"/>
+              </a:spcBef>
+              <a:spcAft>
+                <a:spcPct val="0"/>
+              </a:spcAft>
+              <a:buClrTx/>
+              <a:buSzTx/>
+              <a:buFontTx/>
+              <a:buNone/>
+              <a:tabLst/>
+            </a:pPr>
+            <a:r>
+              <a:rPr kumimoji="0" lang="en-US" altLang="en-US" sz="1200" b="0" i="0" u="none" strike="noStrike" cap="none" normalizeH="0" baseline="0" dirty="0">
+                <a:ln>
+                  <a:noFill/>
+                </a:ln>
+                <a:solidFill>
+                  <a:srgbClr val="212529"/>
+                </a:solidFill>
+                <a:effectLst/>
+                <a:latin typeface="Lato" panose="020F0502020204030203" pitchFamily="34" charset="0"/>
+              </a:rPr>
+              <a:t>		Usually a complex of 2 or more </a:t>
+            </a:r>
+            <a:r>
+              <a:rPr kumimoji="0" lang="en-US" altLang="en-US" sz="1200" b="0" i="0" u="none" strike="noStrike" cap="none" normalizeH="0" baseline="0" dirty="0" err="1">
+                <a:ln>
+                  <a:noFill/>
+                </a:ln>
+                <a:solidFill>
+                  <a:srgbClr val="212529"/>
+                </a:solidFill>
+                <a:effectLst/>
+                <a:latin typeface="Lato" panose="020F0502020204030203" pitchFamily="34" charset="0"/>
+              </a:rPr>
+              <a:t>storeys</a:t>
+            </a:r>
+            <a:r>
+              <a:rPr kumimoji="0" lang="en-US" altLang="en-US" sz="1200" b="0" i="0" u="none" strike="noStrike" cap="none" normalizeH="0" baseline="0" dirty="0">
+                <a:ln>
+                  <a:noFill/>
+                </a:ln>
+                <a:solidFill>
+                  <a:srgbClr val="212529"/>
+                </a:solidFill>
+                <a:effectLst/>
+                <a:latin typeface="Lato" panose="020F0502020204030203" pitchFamily="34" charset="0"/>
+              </a:rPr>
+              <a:t>, with 1–3 bedrooms in each.</a:t>
+            </a:r>
+          </a:p>
+          <a:p>
+            <a:pPr marL="457200" marR="0" lvl="1" indent="-457200" algn="l" defTabSz="914400" rtl="0" eaLnBrk="0" fontAlgn="base" latinLnBrk="0" hangingPunct="0">
+              <a:lnSpc>
+                <a:spcPct val="100000"/>
+              </a:lnSpc>
+              <a:spcBef>
+                <a:spcPct val="0"/>
+              </a:spcBef>
+              <a:spcAft>
+                <a:spcPct val="0"/>
+              </a:spcAft>
+              <a:buClrTx/>
+              <a:buSzTx/>
+              <a:buFontTx/>
+              <a:buNone/>
+              <a:tabLst/>
+            </a:pPr>
+            <a:endParaRPr kumimoji="0" lang="en-US" altLang="en-US" sz="1200" b="0" i="0" u="none" strike="noStrike" cap="none" normalizeH="0" baseline="0" dirty="0">
+              <a:ln>
+                <a:noFill/>
+              </a:ln>
+              <a:solidFill>
+                <a:srgbClr val="212529"/>
+              </a:solidFill>
+              <a:effectLst/>
+              <a:latin typeface="Lato" panose="020F0502020204030203" pitchFamily="34" charset="0"/>
+            </a:endParaRPr>
+          </a:p>
+          <a:p>
+            <a:pPr marL="0" marR="0" lvl="0" indent="0" algn="l" defTabSz="914400" rtl="0" eaLnBrk="0" fontAlgn="base" latinLnBrk="0" hangingPunct="0">
+              <a:lnSpc>
+                <a:spcPct val="100000"/>
+              </a:lnSpc>
+              <a:spcBef>
+                <a:spcPct val="0"/>
+              </a:spcBef>
+              <a:spcAft>
+                <a:spcPct val="0"/>
+              </a:spcAft>
+              <a:buClrTx/>
+              <a:buSzTx/>
+              <a:buFontTx/>
+              <a:buNone/>
+              <a:tabLst/>
+            </a:pPr>
+            <a:r>
+              <a:rPr kumimoji="0" lang="en-US" altLang="en-US" sz="1200" b="1" i="0" u="none" strike="noStrike" cap="none" normalizeH="0" baseline="0" dirty="0">
+                <a:ln>
+                  <a:noFill/>
+                </a:ln>
+                <a:solidFill>
+                  <a:srgbClr val="212529"/>
+                </a:solidFill>
+                <a:effectLst/>
+                <a:latin typeface="Lato" panose="020F0502020204030203" pitchFamily="34" charset="0"/>
+              </a:rPr>
+              <a:t>	Seniors’ unit</a:t>
+            </a:r>
+          </a:p>
+          <a:p>
+            <a:pPr marL="457200" marR="0" lvl="1" indent="-457200" algn="l" defTabSz="914400" rtl="0" eaLnBrk="0" fontAlgn="base" latinLnBrk="0" hangingPunct="0">
+              <a:lnSpc>
+                <a:spcPct val="100000"/>
+              </a:lnSpc>
+              <a:spcBef>
+                <a:spcPct val="0"/>
+              </a:spcBef>
+              <a:spcAft>
+                <a:spcPct val="0"/>
+              </a:spcAft>
+              <a:buClrTx/>
+              <a:buSzTx/>
+              <a:buFontTx/>
+              <a:buNone/>
+              <a:tabLst/>
+            </a:pPr>
+            <a:r>
+              <a:rPr kumimoji="0" lang="en-US" altLang="en-US" sz="1200" b="0" i="0" u="none" strike="noStrike" cap="none" normalizeH="0" baseline="0" dirty="0">
+                <a:ln>
+                  <a:noFill/>
+                </a:ln>
+                <a:solidFill>
+                  <a:srgbClr val="212529"/>
+                </a:solidFill>
+                <a:effectLst/>
+                <a:latin typeface="Lato" panose="020F0502020204030203" pitchFamily="34" charset="0"/>
+              </a:rPr>
+              <a:t>		For people over the age of 55, usually in a complex of 1–2 </a:t>
+            </a:r>
+            <a:r>
+              <a:rPr kumimoji="0" lang="en-US" altLang="en-US" sz="1200" b="0" i="0" u="none" strike="noStrike" cap="none" normalizeH="0" baseline="0" dirty="0" err="1">
+                <a:ln>
+                  <a:noFill/>
+                </a:ln>
+                <a:solidFill>
+                  <a:srgbClr val="212529"/>
+                </a:solidFill>
+                <a:effectLst/>
+                <a:latin typeface="Lato" panose="020F0502020204030203" pitchFamily="34" charset="0"/>
+              </a:rPr>
+              <a:t>storeys</a:t>
+            </a:r>
+            <a:r>
+              <a:rPr kumimoji="0" lang="en-US" altLang="en-US" sz="1200" b="0" i="0" u="none" strike="noStrike" cap="none" normalizeH="0" baseline="0" dirty="0">
+                <a:ln>
+                  <a:noFill/>
+                </a:ln>
+                <a:solidFill>
+                  <a:srgbClr val="212529"/>
+                </a:solidFill>
+                <a:effectLst/>
+                <a:latin typeface="Lato" panose="020F0502020204030203" pitchFamily="34" charset="0"/>
+              </a:rPr>
+              <a:t>, with 1–2 bedrooms in each.</a:t>
+            </a:r>
+          </a:p>
+          <a:p>
+            <a:pPr marL="457200" marR="0" lvl="1" indent="-457200" algn="l" defTabSz="914400" rtl="0" eaLnBrk="0" fontAlgn="base" latinLnBrk="0" hangingPunct="0">
+              <a:lnSpc>
+                <a:spcPct val="100000"/>
+              </a:lnSpc>
+              <a:spcBef>
+                <a:spcPct val="0"/>
+              </a:spcBef>
+              <a:spcAft>
+                <a:spcPct val="0"/>
+              </a:spcAft>
+              <a:buClrTx/>
+              <a:buSzTx/>
+              <a:buFontTx/>
+              <a:buNone/>
+              <a:tabLst/>
+            </a:pPr>
+            <a:endParaRPr lang="en-US" altLang="en-US" sz="1400" dirty="0">
+              <a:solidFill>
+                <a:srgbClr val="212529"/>
+              </a:solidFill>
+              <a:latin typeface="Lato" panose="020F0502020204030203" pitchFamily="34" charset="0"/>
+            </a:endParaRPr>
+          </a:p>
+          <a:p>
+            <a:pPr marL="457200" marR="0" lvl="1" indent="-457200" algn="l" defTabSz="914400" rtl="0" eaLnBrk="0" fontAlgn="base" latinLnBrk="0" hangingPunct="0">
+              <a:lnSpc>
+                <a:spcPct val="100000"/>
+              </a:lnSpc>
+              <a:spcBef>
+                <a:spcPct val="0"/>
+              </a:spcBef>
+              <a:spcAft>
+                <a:spcPct val="0"/>
+              </a:spcAft>
+              <a:buClrTx/>
+              <a:buSzTx/>
+              <a:buFontTx/>
+              <a:buNone/>
+              <a:tabLst/>
+            </a:pPr>
+            <a:r>
+              <a:rPr kumimoji="0" lang="en-US" altLang="en-US" sz="600" b="0" i="0" u="none" strike="noStrike" cap="none" normalizeH="0" baseline="0" dirty="0">
+                <a:ln>
+                  <a:noFill/>
+                </a:ln>
+                <a:solidFill>
+                  <a:srgbClr val="212529"/>
+                </a:solidFill>
+                <a:effectLst/>
+                <a:latin typeface="Lato" panose="020F0502020204030203" pitchFamily="34" charset="0"/>
+                <a:sym typeface="Wingdings" panose="05000000000000000000" pitchFamily="2" charset="2"/>
+              </a:rPr>
+              <a:t> </a:t>
+            </a:r>
+            <a:r>
+              <a:rPr kumimoji="0" lang="en-US" altLang="en-US" sz="600" b="0" i="0" u="none" strike="noStrike" cap="none" normalizeH="0" baseline="0" dirty="0">
+                <a:ln>
+                  <a:noFill/>
+                </a:ln>
+                <a:solidFill>
+                  <a:srgbClr val="212529"/>
+                </a:solidFill>
+                <a:effectLst/>
+                <a:latin typeface="Lato" panose="020F0502020204030203" pitchFamily="34" charset="0"/>
+              </a:rPr>
+              <a:t>https://www.qld.gov.au/housing/public-community-housing/eligibility-applying-for-housing/eligibility-for-housing/types-of-houses-provided</a:t>
+            </a:r>
+          </a:p>
+          <a:p>
+            <a:pPr marL="0" marR="0" lvl="0" indent="0" algn="l" defTabSz="914400" rtl="0" eaLnBrk="0" fontAlgn="base" latinLnBrk="0" hangingPunct="0">
+              <a:lnSpc>
+                <a:spcPct val="100000"/>
+              </a:lnSpc>
+              <a:spcBef>
+                <a:spcPct val="0"/>
+              </a:spcBef>
+              <a:spcAft>
+                <a:spcPct val="0"/>
+              </a:spcAft>
+              <a:buClrTx/>
+              <a:buSzTx/>
+              <a:buFontTx/>
+              <a:buNone/>
+              <a:tabLst/>
+            </a:pPr>
+            <a:endParaRPr kumimoji="0" lang="en-US" altLang="en-US" sz="1400" b="0" i="0" u="none" strike="noStrike" cap="none" normalizeH="0" baseline="0" dirty="0">
+              <a:ln>
+                <a:noFill/>
+              </a:ln>
+              <a:solidFill>
+                <a:schemeClr val="tx1"/>
+              </a:solidFill>
+              <a:effectLst/>
+              <a:latin typeface="Arial" panose="020B0604020202020204" pitchFamily="34" charset="0"/>
+            </a:endParaRPr>
+          </a:p>
+        </p:txBody>
+      </p:sp>
+    </p:spTree>
+    <p:extLst>
+      <p:ext uri="{BB962C8B-B14F-4D97-AF65-F5344CB8AC3E}">
+        <p14:creationId xmlns:p14="http://schemas.microsoft.com/office/powerpoint/2010/main" val="1658482498"/>
+      </p:ext>
+    </p:extLst>
+  </p:cSld>
+  <p:clrMapOvr>
+    <a:masterClrMapping/>
+  </p:clrMapOvr>
+</p:sld>
+</file>
+
+<file path=ppt/slides/slide4.xml><?xml version="1.0" encoding="utf-8"?>
+<p:sld xmlns:a="http://schemas.openxmlformats.org/drawingml/2006/main" xmlns:r="http://schemas.openxmlformats.org/officeDocument/2006/relationships" xmlns:p="http://schemas.openxmlformats.org/presentationml/2006/main">
+  <p:cSld>
+    <p:spTree>
+      <p:nvGrpSpPr>
+        <p:cNvPr id="1" name=""/>
+        <p:cNvGrpSpPr/>
+        <p:nvPr/>
+      </p:nvGrpSpPr>
+      <p:grpSpPr>
+        <a:xfrm>
+          <a:off x="0" y="0"/>
+          <a:ext cx="0" cy="0"/>
+          <a:chOff x="0" y="0"/>
+          <a:chExt cx="0" cy="0"/>
+        </a:xfrm>
+      </p:grpSpPr>
+      <p:sp>
+        <p:nvSpPr>
+          <p:cNvPr id="2" name="Title 1">
+            <a:extLst>
+              <a:ext uri="{FF2B5EF4-FFF2-40B4-BE49-F238E27FC236}">
+                <a16:creationId xmlns:a16="http://schemas.microsoft.com/office/drawing/2014/main" id="{6E0F8A29-0E59-62D2-C131-F840BEC04625}"/>
+              </a:ext>
+            </a:extLst>
+          </p:cNvPr>
+          <p:cNvSpPr>
+            <a:spLocks noGrp="1"/>
+          </p:cNvSpPr>
+          <p:nvPr>
+            <p:ph type="title"/>
+          </p:nvPr>
+        </p:nvSpPr>
+        <p:spPr/>
+        <p:txBody>
+          <a:bodyPr/>
+          <a:lstStyle/>
+          <a:p>
+            <a:r>
+              <a:rPr lang="en-AU" b="1" i="0" dirty="0">
+                <a:solidFill>
+                  <a:srgbClr val="212529"/>
+                </a:solidFill>
+                <a:effectLst/>
+                <a:latin typeface="Lato" panose="020F0502020204030203" pitchFamily="34" charset="0"/>
+              </a:rPr>
+              <a:t>Bedroom entitlements</a:t>
+            </a:r>
+            <a:br>
+              <a:rPr lang="en-AU" b="1" i="0" dirty="0">
+                <a:solidFill>
+                  <a:srgbClr val="212529"/>
+                </a:solidFill>
+                <a:effectLst/>
+                <a:latin typeface="Lato" panose="020F0502020204030203" pitchFamily="34" charset="0"/>
+              </a:rPr>
+            </a:br>
+            <a:endParaRPr lang="en-AU" dirty="0"/>
+          </a:p>
+        </p:txBody>
+      </p:sp>
+      <p:sp>
+        <p:nvSpPr>
+          <p:cNvPr id="3" name="Content Placeholder 2">
+            <a:extLst>
+              <a:ext uri="{FF2B5EF4-FFF2-40B4-BE49-F238E27FC236}">
+                <a16:creationId xmlns:a16="http://schemas.microsoft.com/office/drawing/2014/main" id="{5AD00812-DA19-E7A9-D26D-167004CEBCFD}"/>
+              </a:ext>
+            </a:extLst>
+          </p:cNvPr>
+          <p:cNvSpPr>
+            <a:spLocks noGrp="1"/>
+          </p:cNvSpPr>
+          <p:nvPr>
+            <p:ph idx="1"/>
+          </p:nvPr>
+        </p:nvSpPr>
+        <p:spPr/>
+        <p:txBody>
+          <a:bodyPr/>
+          <a:lstStyle/>
+          <a:p>
+            <a:pPr marL="0" indent="0" eaLnBrk="0" fontAlgn="base" hangingPunct="0">
+              <a:lnSpc>
+                <a:spcPct val="100000"/>
+              </a:lnSpc>
+              <a:spcBef>
+                <a:spcPct val="0"/>
+              </a:spcBef>
+              <a:spcAft>
+                <a:spcPct val="0"/>
+              </a:spcAft>
+              <a:buClrTx/>
+              <a:buSzTx/>
+              <a:buNone/>
+            </a:pPr>
+            <a:r>
+              <a:rPr lang="en-GB" sz="2000" dirty="0">
+                <a:solidFill>
+                  <a:srgbClr val="212529"/>
+                </a:solidFill>
+                <a:latin typeface="Lato" panose="020F0502020204030203" pitchFamily="34" charset="0"/>
+              </a:rPr>
+              <a:t>The number of bedrooms in the property </a:t>
+            </a:r>
+          </a:p>
+          <a:p>
+            <a:pPr marL="0" indent="0" eaLnBrk="0" fontAlgn="base" hangingPunct="0">
+              <a:lnSpc>
+                <a:spcPct val="100000"/>
+              </a:lnSpc>
+              <a:spcBef>
+                <a:spcPct val="0"/>
+              </a:spcBef>
+              <a:spcAft>
+                <a:spcPct val="0"/>
+              </a:spcAft>
+              <a:buClrTx/>
+              <a:buSzTx/>
+              <a:buNone/>
+            </a:pPr>
+            <a:r>
+              <a:rPr lang="en-GB" sz="2000" dirty="0">
+                <a:solidFill>
+                  <a:srgbClr val="212529"/>
+                </a:solidFill>
+                <a:latin typeface="Lato" panose="020F0502020204030203" pitchFamily="34" charset="0"/>
+              </a:rPr>
+              <a:t>listed on the housing register </a:t>
+            </a:r>
+          </a:p>
+          <a:p>
+            <a:pPr marL="0" indent="0" eaLnBrk="0" fontAlgn="base" hangingPunct="0">
+              <a:lnSpc>
+                <a:spcPct val="100000"/>
+              </a:lnSpc>
+              <a:spcBef>
+                <a:spcPct val="0"/>
+              </a:spcBef>
+              <a:spcAft>
+                <a:spcPct val="0"/>
+              </a:spcAft>
+              <a:buClrTx/>
+              <a:buSzTx/>
+              <a:buNone/>
+            </a:pPr>
+            <a:r>
+              <a:rPr lang="en-GB" sz="2000" dirty="0">
+                <a:solidFill>
+                  <a:srgbClr val="212529"/>
+                </a:solidFill>
+                <a:latin typeface="Lato" panose="020F0502020204030203" pitchFamily="34" charset="0"/>
+              </a:rPr>
+              <a:t>for is based on:</a:t>
+            </a:r>
+            <a:endParaRPr lang="en-GB" sz="1400" dirty="0">
+              <a:solidFill>
+                <a:srgbClr val="212529"/>
+              </a:solidFill>
+              <a:latin typeface="Lato" panose="020F0502020204030203" pitchFamily="34" charset="0"/>
+            </a:endParaRPr>
+          </a:p>
+          <a:p>
+            <a:pPr marL="0" indent="0" eaLnBrk="0" fontAlgn="base" hangingPunct="0">
+              <a:lnSpc>
+                <a:spcPct val="100000"/>
+              </a:lnSpc>
+              <a:spcBef>
+                <a:spcPct val="0"/>
+              </a:spcBef>
+              <a:spcAft>
+                <a:spcPct val="0"/>
+              </a:spcAft>
+              <a:buClrTx/>
+              <a:buSzTx/>
+              <a:buNone/>
+            </a:pPr>
+            <a:endParaRPr lang="en-GB" sz="1800" dirty="0">
+              <a:solidFill>
+                <a:srgbClr val="212529"/>
+              </a:solidFill>
+              <a:latin typeface="Lato" panose="020F0502020204030203" pitchFamily="34" charset="0"/>
+            </a:endParaRPr>
+          </a:p>
+          <a:p>
+            <a:pPr eaLnBrk="0" fontAlgn="base" hangingPunct="0">
+              <a:lnSpc>
+                <a:spcPct val="100000"/>
+              </a:lnSpc>
+              <a:spcBef>
+                <a:spcPct val="0"/>
+              </a:spcBef>
+              <a:spcAft>
+                <a:spcPct val="0"/>
+              </a:spcAft>
+              <a:buClrTx/>
+              <a:buSzTx/>
+              <a:buFont typeface="Wingdings" panose="05000000000000000000" pitchFamily="2" charset="2"/>
+              <a:buChar char="q"/>
+            </a:pPr>
+            <a:r>
+              <a:rPr lang="en-GB" sz="1800" dirty="0">
+                <a:solidFill>
+                  <a:srgbClr val="212529"/>
+                </a:solidFill>
+                <a:latin typeface="Lato" panose="020F0502020204030203" pitchFamily="34" charset="0"/>
+              </a:rPr>
+              <a:t> Number of people within your household</a:t>
+            </a:r>
+          </a:p>
+          <a:p>
+            <a:pPr eaLnBrk="0" fontAlgn="base" hangingPunct="0">
+              <a:lnSpc>
+                <a:spcPct val="100000"/>
+              </a:lnSpc>
+              <a:spcBef>
+                <a:spcPct val="0"/>
+              </a:spcBef>
+              <a:spcAft>
+                <a:spcPct val="0"/>
+              </a:spcAft>
+              <a:buClrTx/>
+              <a:buSzTx/>
+              <a:buFont typeface="Wingdings" panose="05000000000000000000" pitchFamily="2" charset="2"/>
+              <a:buChar char="q"/>
+            </a:pPr>
+            <a:r>
+              <a:rPr lang="en-GB" sz="1800" dirty="0">
+                <a:solidFill>
+                  <a:srgbClr val="212529"/>
+                </a:solidFill>
+                <a:latin typeface="Lato" panose="020F0502020204030203" pitchFamily="34" charset="0"/>
+              </a:rPr>
+              <a:t> Gender of the people in your household</a:t>
+            </a:r>
+          </a:p>
+          <a:p>
+            <a:pPr eaLnBrk="0" fontAlgn="base" hangingPunct="0">
+              <a:lnSpc>
+                <a:spcPct val="100000"/>
+              </a:lnSpc>
+              <a:spcBef>
+                <a:spcPct val="0"/>
+              </a:spcBef>
+              <a:spcAft>
+                <a:spcPct val="0"/>
+              </a:spcAft>
+              <a:buClrTx/>
+              <a:buSzTx/>
+              <a:buFont typeface="Wingdings" panose="05000000000000000000" pitchFamily="2" charset="2"/>
+              <a:buChar char="q"/>
+            </a:pPr>
+            <a:r>
+              <a:rPr lang="en-GB" sz="1800" dirty="0">
+                <a:solidFill>
+                  <a:srgbClr val="212529"/>
+                </a:solidFill>
+                <a:latin typeface="Lato" panose="020F0502020204030203" pitchFamily="34" charset="0"/>
+              </a:rPr>
+              <a:t> Age of the people in your household.</a:t>
+            </a:r>
+          </a:p>
+          <a:p>
+            <a:pPr eaLnBrk="0" fontAlgn="base" hangingPunct="0">
+              <a:lnSpc>
+                <a:spcPct val="100000"/>
+              </a:lnSpc>
+              <a:spcBef>
+                <a:spcPct val="0"/>
+              </a:spcBef>
+              <a:spcAft>
+                <a:spcPct val="0"/>
+              </a:spcAft>
+              <a:buClrTx/>
+              <a:buSzTx/>
+              <a:buFont typeface="Wingdings" panose="05000000000000000000" pitchFamily="2" charset="2"/>
+              <a:buChar char="q"/>
+            </a:pPr>
+            <a:endParaRPr lang="en-GB" sz="1800" dirty="0">
+              <a:solidFill>
+                <a:srgbClr val="212529"/>
+              </a:solidFill>
+              <a:latin typeface="Lato" panose="020F0502020204030203" pitchFamily="34" charset="0"/>
+            </a:endParaRPr>
+          </a:p>
+          <a:p>
+            <a:pPr eaLnBrk="0" fontAlgn="base" hangingPunct="0">
+              <a:lnSpc>
+                <a:spcPct val="100000"/>
+              </a:lnSpc>
+              <a:spcBef>
+                <a:spcPct val="0"/>
+              </a:spcBef>
+              <a:spcAft>
+                <a:spcPct val="0"/>
+              </a:spcAft>
+              <a:buClrTx/>
+              <a:buSzTx/>
+              <a:buFont typeface="Wingdings" panose="05000000000000000000" pitchFamily="2" charset="2"/>
+              <a:buChar char="q"/>
+            </a:pPr>
+            <a:endParaRPr lang="en-GB" sz="1800" dirty="0">
+              <a:solidFill>
+                <a:srgbClr val="212529"/>
+              </a:solidFill>
+              <a:latin typeface="Lato" panose="020F0502020204030203" pitchFamily="34" charset="0"/>
+            </a:endParaRPr>
+          </a:p>
+          <a:p>
+            <a:pPr marL="0" indent="0" eaLnBrk="0" fontAlgn="base" hangingPunct="0">
+              <a:lnSpc>
+                <a:spcPct val="100000"/>
+              </a:lnSpc>
+              <a:spcBef>
+                <a:spcPct val="0"/>
+              </a:spcBef>
+              <a:spcAft>
+                <a:spcPct val="0"/>
+              </a:spcAft>
+              <a:buClrTx/>
+              <a:buSzTx/>
+              <a:buNone/>
+            </a:pPr>
+            <a:r>
+              <a:rPr lang="en-GB" sz="600" dirty="0">
+                <a:solidFill>
+                  <a:srgbClr val="212529"/>
+                </a:solidFill>
+                <a:latin typeface="Lato" panose="020F0502020204030203" pitchFamily="34" charset="0"/>
+              </a:rPr>
+              <a:t>https://www.qld.gov.au/housing/public-community-housing/eligibility-applying-for-housing/eligibility-for-housing/types-of-houses-provided</a:t>
+            </a:r>
+          </a:p>
+          <a:p>
+            <a:endParaRPr lang="en-AU" dirty="0"/>
+          </a:p>
+        </p:txBody>
+      </p:sp>
+      <p:pic>
+        <p:nvPicPr>
+          <p:cNvPr id="7" name="Picture 6">
+            <a:extLst>
+              <a:ext uri="{FF2B5EF4-FFF2-40B4-BE49-F238E27FC236}">
+                <a16:creationId xmlns:a16="http://schemas.microsoft.com/office/drawing/2014/main" id="{FA94C9DA-7780-CBA0-1D95-99A55BBD1D32}"/>
+              </a:ext>
+            </a:extLst>
+          </p:cNvPr>
+          <p:cNvPicPr>
+            <a:picLocks noChangeAspect="1"/>
+          </p:cNvPicPr>
+          <p:nvPr/>
+        </p:nvPicPr>
+        <p:blipFill>
+          <a:blip r:embed="rId2"/>
+          <a:stretch>
+            <a:fillRect/>
+          </a:stretch>
+        </p:blipFill>
+        <p:spPr>
+          <a:xfrm>
+            <a:off x="6257033" y="2108201"/>
+            <a:ext cx="4638588" cy="3653401"/>
+          </a:xfrm>
+          <a:prstGeom prst="rect">
+            <a:avLst/>
+          </a:prstGeom>
+        </p:spPr>
+      </p:pic>
+    </p:spTree>
+    <p:extLst>
+      <p:ext uri="{BB962C8B-B14F-4D97-AF65-F5344CB8AC3E}">
+        <p14:creationId xmlns:p14="http://schemas.microsoft.com/office/powerpoint/2010/main" val="2643429591"/>
+      </p:ext>
+    </p:extLst>
+  </p:cSld>
+  <p:clrMapOvr>
+    <a:masterClrMapping/>
+  </p:clrMapOvr>
+</p:sld>
+</file>
+
+<file path=ppt/slides/slide5.xml><?xml version="1.0" encoding="utf-8"?>
+<p:sld xmlns:a="http://schemas.openxmlformats.org/drawingml/2006/main" xmlns:r="http://schemas.openxmlformats.org/officeDocument/2006/relationships" xmlns:p="http://schemas.openxmlformats.org/presentationml/2006/main">
+  <p:cSld>
+    <p:spTree>
+      <p:nvGrpSpPr>
+        <p:cNvPr id="1" name=""/>
+        <p:cNvGrpSpPr/>
+        <p:nvPr/>
+      </p:nvGrpSpPr>
+      <p:grpSpPr>
+        <a:xfrm>
+          <a:off x="0" y="0"/>
+          <a:ext cx="0" cy="0"/>
+          <a:chOff x="0" y="0"/>
+          <a:chExt cx="0" cy="0"/>
+        </a:xfrm>
+      </p:grpSpPr>
+      <p:sp>
+        <p:nvSpPr>
+          <p:cNvPr id="2" name="Title 1">
+            <a:extLst>
+              <a:ext uri="{FF2B5EF4-FFF2-40B4-BE49-F238E27FC236}">
+                <a16:creationId xmlns:a16="http://schemas.microsoft.com/office/drawing/2014/main" id="{2C5BC6D5-5381-58E6-BCF7-A6645ADFC407}"/>
+              </a:ext>
+            </a:extLst>
+          </p:cNvPr>
+          <p:cNvSpPr>
+            <a:spLocks noGrp="1"/>
+          </p:cNvSpPr>
+          <p:nvPr>
+            <p:ph type="title"/>
+          </p:nvPr>
+        </p:nvSpPr>
+        <p:spPr/>
+        <p:txBody>
+          <a:bodyPr/>
+          <a:lstStyle/>
+          <a:p>
+            <a:r>
+              <a:rPr lang="en-AU" dirty="0"/>
+              <a:t>Project Objectives </a:t>
+            </a:r>
+          </a:p>
+        </p:txBody>
+      </p:sp>
+      <p:sp>
+        <p:nvSpPr>
+          <p:cNvPr id="3" name="Content Placeholder 2">
+            <a:extLst>
+              <a:ext uri="{FF2B5EF4-FFF2-40B4-BE49-F238E27FC236}">
+                <a16:creationId xmlns:a16="http://schemas.microsoft.com/office/drawing/2014/main" id="{05EB99AD-6538-A2B0-D345-FFDF7B46CA6F}"/>
+              </a:ext>
+            </a:extLst>
+          </p:cNvPr>
+          <p:cNvSpPr>
+            <a:spLocks noGrp="1"/>
+          </p:cNvSpPr>
+          <p:nvPr>
+            <p:ph idx="1"/>
+          </p:nvPr>
+        </p:nvSpPr>
+        <p:spPr/>
+        <p:txBody>
+          <a:bodyPr/>
+          <a:lstStyle/>
+          <a:p>
+            <a:pPr>
+              <a:lnSpc>
+                <a:spcPct val="107000"/>
+              </a:lnSpc>
+              <a:spcAft>
+                <a:spcPts val="600"/>
+              </a:spcAft>
+            </a:pPr>
+            <a:r>
+              <a:rPr lang="en-AU" sz="1800" dirty="0">
+                <a:solidFill>
+                  <a:srgbClr val="1D1C1D"/>
+                </a:solidFill>
+                <a:effectLst/>
+                <a:latin typeface="Arial" panose="020B0604020202020204" pitchFamily="34" charset="0"/>
+                <a:ea typeface="Times New Roman" panose="02020603050405020304" pitchFamily="18" charset="0"/>
+                <a:cs typeface="Times New Roman" panose="02020603050405020304" pitchFamily="18" charset="0"/>
+              </a:rPr>
+              <a:t>(1) How vacancy rate changes over the year?</a:t>
+            </a:r>
+            <a:endParaRPr lang="en-AU" sz="1800" dirty="0">
+              <a:effectLst/>
+              <a:latin typeface="Calibri" panose="020F0502020204030204" pitchFamily="34" charset="0"/>
+              <a:ea typeface="Calibri" panose="020F0502020204030204" pitchFamily="34" charset="0"/>
+              <a:cs typeface="Times New Roman" panose="02020603050405020304" pitchFamily="18" charset="0"/>
+            </a:endParaRPr>
+          </a:p>
+          <a:p>
+            <a:pPr>
+              <a:lnSpc>
+                <a:spcPct val="107000"/>
+              </a:lnSpc>
+              <a:spcAft>
+                <a:spcPts val="600"/>
+              </a:spcAft>
+            </a:pPr>
+            <a:r>
+              <a:rPr lang="en-AU" sz="1800" dirty="0">
+                <a:solidFill>
+                  <a:srgbClr val="1D1C1D"/>
+                </a:solidFill>
+                <a:effectLst/>
+                <a:latin typeface="Arial" panose="020B0604020202020204" pitchFamily="34" charset="0"/>
+                <a:ea typeface="Times New Roman" panose="02020603050405020304" pitchFamily="18" charset="0"/>
+                <a:cs typeface="Times New Roman" panose="02020603050405020304" pitchFamily="18" charset="0"/>
+              </a:rPr>
+              <a:t>(2) How dwelling type effect Vacancy rates?</a:t>
+            </a:r>
+            <a:endParaRPr lang="en-AU" sz="1800" dirty="0">
+              <a:effectLst/>
+              <a:latin typeface="Calibri" panose="020F0502020204030204" pitchFamily="34" charset="0"/>
+              <a:ea typeface="Calibri" panose="020F0502020204030204" pitchFamily="34" charset="0"/>
+              <a:cs typeface="Times New Roman" panose="02020603050405020304" pitchFamily="18" charset="0"/>
+            </a:endParaRPr>
+          </a:p>
+          <a:p>
+            <a:pPr>
+              <a:lnSpc>
+                <a:spcPct val="107000"/>
+              </a:lnSpc>
+              <a:spcAft>
+                <a:spcPts val="600"/>
+              </a:spcAft>
+            </a:pPr>
+            <a:r>
+              <a:rPr lang="en-AU" sz="1800" dirty="0">
+                <a:solidFill>
+                  <a:srgbClr val="1D1C1D"/>
+                </a:solidFill>
+                <a:effectLst/>
+                <a:latin typeface="Arial" panose="020B0604020202020204" pitchFamily="34" charset="0"/>
+                <a:ea typeface="Times New Roman" panose="02020603050405020304" pitchFamily="18" charset="0"/>
+                <a:cs typeface="Times New Roman" panose="02020603050405020304" pitchFamily="18" charset="0"/>
+              </a:rPr>
+              <a:t>(3) How Vacancy rate effected by Geography?</a:t>
+            </a:r>
+            <a:endParaRPr lang="en-AU" sz="1800" dirty="0">
+              <a:effectLst/>
+              <a:latin typeface="Calibri" panose="020F0502020204030204" pitchFamily="34" charset="0"/>
+              <a:ea typeface="Calibri" panose="020F0502020204030204" pitchFamily="34" charset="0"/>
+              <a:cs typeface="Times New Roman" panose="02020603050405020304" pitchFamily="18" charset="0"/>
+            </a:endParaRPr>
+          </a:p>
+          <a:p>
+            <a:pPr>
+              <a:lnSpc>
+                <a:spcPct val="107000"/>
+              </a:lnSpc>
+              <a:spcAft>
+                <a:spcPts val="600"/>
+              </a:spcAft>
+            </a:pPr>
+            <a:r>
+              <a:rPr lang="en-AU" sz="1800" dirty="0">
+                <a:solidFill>
+                  <a:srgbClr val="1D1C1D"/>
+                </a:solidFill>
+                <a:effectLst/>
+                <a:latin typeface="Arial" panose="020B0604020202020204" pitchFamily="34" charset="0"/>
+                <a:ea typeface="Times New Roman" panose="02020603050405020304" pitchFamily="18" charset="0"/>
+                <a:cs typeface="Times New Roman" panose="02020603050405020304" pitchFamily="18" charset="0"/>
+              </a:rPr>
+              <a:t>(4) How vacancy rate varied by social housing program?</a:t>
+            </a:r>
+            <a:endParaRPr lang="en-AU" sz="1800" dirty="0">
+              <a:effectLst/>
+              <a:latin typeface="Calibri" panose="020F0502020204030204" pitchFamily="34" charset="0"/>
+              <a:ea typeface="Calibri" panose="020F0502020204030204" pitchFamily="34" charset="0"/>
+              <a:cs typeface="Times New Roman" panose="02020603050405020304" pitchFamily="18" charset="0"/>
+            </a:endParaRPr>
+          </a:p>
+          <a:p>
+            <a:pPr>
+              <a:lnSpc>
+                <a:spcPct val="107000"/>
+              </a:lnSpc>
+              <a:spcAft>
+                <a:spcPts val="600"/>
+              </a:spcAft>
+            </a:pPr>
+            <a:r>
+              <a:rPr lang="en-AU" sz="1800" dirty="0">
+                <a:solidFill>
+                  <a:srgbClr val="1D1C1D"/>
+                </a:solidFill>
+                <a:effectLst/>
+                <a:latin typeface="Arial" panose="020B0604020202020204" pitchFamily="34" charset="0"/>
+                <a:ea typeface="Times New Roman" panose="02020603050405020304" pitchFamily="18" charset="0"/>
+                <a:cs typeface="Times New Roman" panose="02020603050405020304" pitchFamily="18" charset="0"/>
+              </a:rPr>
+              <a:t>(5) Were vacancy days Tenantable or Untenantable? </a:t>
+            </a:r>
+            <a:endParaRPr lang="en-AU" sz="1800" dirty="0">
+              <a:effectLst/>
+              <a:latin typeface="Calibri" panose="020F0502020204030204" pitchFamily="34" charset="0"/>
+              <a:ea typeface="Calibri" panose="020F0502020204030204" pitchFamily="34" charset="0"/>
+              <a:cs typeface="Times New Roman" panose="02020603050405020304" pitchFamily="18" charset="0"/>
+            </a:endParaRPr>
+          </a:p>
+          <a:p>
+            <a:endParaRPr lang="en-AU" dirty="0"/>
+          </a:p>
+        </p:txBody>
+      </p:sp>
+    </p:spTree>
+    <p:extLst>
+      <p:ext uri="{BB962C8B-B14F-4D97-AF65-F5344CB8AC3E}">
+        <p14:creationId xmlns:p14="http://schemas.microsoft.com/office/powerpoint/2010/main" val="103262496"/>
+      </p:ext>
+    </p:extLst>
+  </p:cSld>
+  <p:clrMapOvr>
+    <a:masterClrMapping/>
+  </p:clrMapOvr>
+</p:sld>
+</file>
+
+<file path=ppt/slides/slide6.xml><?xml version="1.0" encoding="utf-8"?>
+<p:sld xmlns:a="http://schemas.openxmlformats.org/drawingml/2006/main" xmlns:r="http://schemas.openxmlformats.org/officeDocument/2006/relationships" xmlns:p="http://schemas.openxmlformats.org/presentationml/2006/main">
+  <p:cSld>
+    <p:spTree>
+      <p:nvGrpSpPr>
+        <p:cNvPr id="1" name=""/>
+        <p:cNvGrpSpPr/>
+        <p:nvPr/>
+      </p:nvGrpSpPr>
+      <p:grpSpPr>
+        <a:xfrm>
+          <a:off x="0" y="0"/>
+          <a:ext cx="0" cy="0"/>
+          <a:chOff x="0" y="0"/>
+          <a:chExt cx="0" cy="0"/>
+        </a:xfrm>
+      </p:grpSpPr>
+      <p:sp>
+        <p:nvSpPr>
+          <p:cNvPr id="4" name="Title 3">
+            <a:extLst>
+              <a:ext uri="{FF2B5EF4-FFF2-40B4-BE49-F238E27FC236}">
+                <a16:creationId xmlns:a16="http://schemas.microsoft.com/office/drawing/2014/main" id="{20C05956-8EE2-7A6C-2FED-857B51FDB7B4}"/>
+              </a:ext>
+            </a:extLst>
+          </p:cNvPr>
+          <p:cNvSpPr>
+            <a:spLocks noGrp="1"/>
+          </p:cNvSpPr>
+          <p:nvPr>
+            <p:ph type="title"/>
+          </p:nvPr>
+        </p:nvSpPr>
+        <p:spPr/>
+        <p:txBody>
+          <a:bodyPr/>
+          <a:lstStyle/>
+          <a:p>
+            <a:r>
+              <a:rPr lang="en-AU" dirty="0"/>
+              <a:t>Average Vacancy Days by Year </a:t>
+            </a:r>
+          </a:p>
+        </p:txBody>
+      </p:sp>
+      <p:sp>
+        <p:nvSpPr>
+          <p:cNvPr id="5" name="Content Placeholder 4">
+            <a:extLst>
+              <a:ext uri="{FF2B5EF4-FFF2-40B4-BE49-F238E27FC236}">
+                <a16:creationId xmlns:a16="http://schemas.microsoft.com/office/drawing/2014/main" id="{BDE7EA8F-83FE-7E55-3059-04BF9A06C59A}"/>
+              </a:ext>
+            </a:extLst>
+          </p:cNvPr>
+          <p:cNvSpPr>
+            <a:spLocks noGrp="1"/>
+          </p:cNvSpPr>
+          <p:nvPr>
+            <p:ph sz="half" idx="1"/>
+          </p:nvPr>
+        </p:nvSpPr>
+        <p:spPr>
+          <a:xfrm>
+            <a:off x="6126480" y="2214693"/>
+            <a:ext cx="4639736" cy="3748193"/>
+          </a:xfrm>
+        </p:spPr>
+        <p:txBody>
+          <a:bodyPr/>
+          <a:lstStyle/>
+          <a:p>
+            <a:endParaRPr lang="en-AU"/>
+          </a:p>
+        </p:txBody>
+      </p:sp>
+      <p:pic>
+        <p:nvPicPr>
+          <p:cNvPr id="10" name="Content Placeholder 9">
+            <a:extLst>
+              <a:ext uri="{FF2B5EF4-FFF2-40B4-BE49-F238E27FC236}">
+                <a16:creationId xmlns:a16="http://schemas.microsoft.com/office/drawing/2014/main" id="{3E32A1E4-7626-7D58-923F-D27A7399E690}"/>
+              </a:ext>
+            </a:extLst>
+          </p:cNvPr>
+          <p:cNvPicPr>
+            <a:picLocks noGrp="1" noChangeAspect="1"/>
+          </p:cNvPicPr>
+          <p:nvPr>
+            <p:ph sz="half" idx="2"/>
+          </p:nvPr>
+        </p:nvPicPr>
+        <p:blipFill>
+          <a:blip r:embed="rId2"/>
+          <a:stretch>
+            <a:fillRect/>
+          </a:stretch>
+        </p:blipFill>
+        <p:spPr>
+          <a:xfrm>
+            <a:off x="1097280" y="2214693"/>
+            <a:ext cx="4733917" cy="3233733"/>
+          </a:xfrm>
+        </p:spPr>
+      </p:pic>
+    </p:spTree>
+    <p:extLst>
+      <p:ext uri="{BB962C8B-B14F-4D97-AF65-F5344CB8AC3E}">
+        <p14:creationId xmlns:p14="http://schemas.microsoft.com/office/powerpoint/2010/main" val="1001600222"/>
+      </p:ext>
+    </p:extLst>
+  </p:cSld>
+  <p:clrMapOvr>
+    <a:masterClrMapping/>
+  </p:clrMapOvr>
+</p:sld>
+</file>
+
+<file path=ppt/slides/slide7.xml><?xml version="1.0" encoding="utf-8"?>
+<p:sld xmlns:a="http://schemas.openxmlformats.org/drawingml/2006/main" xmlns:r="http://schemas.openxmlformats.org/officeDocument/2006/relationships" xmlns:p="http://schemas.openxmlformats.org/presentationml/2006/main">
+  <p:cSld>
+    <p:spTree>
+      <p:nvGrpSpPr>
+        <p:cNvPr id="1" name=""/>
+        <p:cNvGrpSpPr/>
+        <p:nvPr/>
+      </p:nvGrpSpPr>
+      <p:grpSpPr>
+        <a:xfrm>
+          <a:off x="0" y="0"/>
+          <a:ext cx="0" cy="0"/>
+          <a:chOff x="0" y="0"/>
+          <a:chExt cx="0" cy="0"/>
+        </a:xfrm>
+      </p:grpSpPr>
+      <p:sp>
+        <p:nvSpPr>
+          <p:cNvPr id="4" name="Title 3">
+            <a:extLst>
+              <a:ext uri="{FF2B5EF4-FFF2-40B4-BE49-F238E27FC236}">
+                <a16:creationId xmlns:a16="http://schemas.microsoft.com/office/drawing/2014/main" id="{955E3AC9-AA37-8A8D-E2E0-325745B7589C}"/>
+              </a:ext>
+            </a:extLst>
+          </p:cNvPr>
+          <p:cNvSpPr>
+            <a:spLocks noGrp="1"/>
+          </p:cNvSpPr>
+          <p:nvPr>
+            <p:ph type="title"/>
+          </p:nvPr>
+        </p:nvSpPr>
+        <p:spPr/>
+        <p:txBody>
+          <a:bodyPr/>
+          <a:lstStyle/>
+          <a:p>
+            <a:r>
+              <a:rPr lang="en-AU" dirty="0"/>
+              <a:t>Untenable and Tenable Vacancy Days by Year </a:t>
+            </a:r>
+          </a:p>
+        </p:txBody>
+      </p:sp>
+      <p:sp>
+        <p:nvSpPr>
+          <p:cNvPr id="5" name="Content Placeholder 4">
+            <a:extLst>
+              <a:ext uri="{FF2B5EF4-FFF2-40B4-BE49-F238E27FC236}">
+                <a16:creationId xmlns:a16="http://schemas.microsoft.com/office/drawing/2014/main" id="{BAFBAFEF-860A-B60F-F016-5910531A5F97}"/>
+              </a:ext>
+            </a:extLst>
+          </p:cNvPr>
+          <p:cNvSpPr>
+            <a:spLocks noGrp="1"/>
+          </p:cNvSpPr>
+          <p:nvPr>
+            <p:ph sz="half" idx="1"/>
+          </p:nvPr>
+        </p:nvSpPr>
+        <p:spPr>
+          <a:xfrm>
+            <a:off x="6515944" y="2350803"/>
+            <a:ext cx="4639736" cy="3748193"/>
+          </a:xfrm>
+        </p:spPr>
+        <p:txBody>
+          <a:bodyPr/>
+          <a:lstStyle/>
+          <a:p>
+            <a:endParaRPr lang="en-AU" dirty="0"/>
+          </a:p>
+        </p:txBody>
+      </p:sp>
+      <p:pic>
+        <p:nvPicPr>
+          <p:cNvPr id="8" name="Content Placeholder 7">
+            <a:extLst>
+              <a:ext uri="{FF2B5EF4-FFF2-40B4-BE49-F238E27FC236}">
+                <a16:creationId xmlns:a16="http://schemas.microsoft.com/office/drawing/2014/main" id="{74EAC48B-A132-C38D-5638-821BE32187E4}"/>
+              </a:ext>
+            </a:extLst>
+          </p:cNvPr>
+          <p:cNvPicPr>
+            <a:picLocks noGrp="1" noChangeAspect="1"/>
+          </p:cNvPicPr>
+          <p:nvPr>
+            <p:ph sz="half" idx="2"/>
+          </p:nvPr>
+        </p:nvPicPr>
+        <p:blipFill>
+          <a:blip r:embed="rId2"/>
+          <a:stretch>
+            <a:fillRect/>
+          </a:stretch>
+        </p:blipFill>
+        <p:spPr>
+          <a:xfrm>
+            <a:off x="889233" y="2350803"/>
+            <a:ext cx="5025006" cy="3477900"/>
+          </a:xfrm>
+        </p:spPr>
+      </p:pic>
+    </p:spTree>
+    <p:extLst>
+      <p:ext uri="{BB962C8B-B14F-4D97-AF65-F5344CB8AC3E}">
+        <p14:creationId xmlns:p14="http://schemas.microsoft.com/office/powerpoint/2010/main" val="2733872368"/>
+      </p:ext>
+    </p:extLst>
+  </p:cSld>
+  <p:clrMapOvr>
+    <a:masterClrMapping/>
+  </p:clrMapOvr>
+</p:sld>
+</file>
+
+<file path=ppt/slides/slide8.xml><?xml version="1.0" encoding="utf-8"?>
+<p:sld xmlns:a="http://schemas.openxmlformats.org/drawingml/2006/main" xmlns:r="http://schemas.openxmlformats.org/officeDocument/2006/relationships" xmlns:p="http://schemas.openxmlformats.org/presentationml/2006/main">
+  <p:cSld>
+    <p:spTree>
+      <p:nvGrpSpPr>
+        <p:cNvPr id="1" name=""/>
+        <p:cNvGrpSpPr/>
+        <p:nvPr/>
+      </p:nvGrpSpPr>
+      <p:grpSpPr>
+        <a:xfrm>
+          <a:off x="0" y="0"/>
+          <a:ext cx="0" cy="0"/>
+          <a:chOff x="0" y="0"/>
+          <a:chExt cx="0" cy="0"/>
+        </a:xfrm>
+      </p:grpSpPr>
+      <p:sp>
+        <p:nvSpPr>
+          <p:cNvPr id="28" name="Title 27">
+            <a:extLst>
+              <a:ext uri="{FF2B5EF4-FFF2-40B4-BE49-F238E27FC236}">
+                <a16:creationId xmlns:a16="http://schemas.microsoft.com/office/drawing/2014/main" id="{E32E661E-E47C-ED91-4665-61B7C9A3D112}"/>
+              </a:ext>
+            </a:extLst>
+          </p:cNvPr>
+          <p:cNvSpPr>
+            <a:spLocks noGrp="1"/>
+          </p:cNvSpPr>
+          <p:nvPr>
+            <p:ph type="title"/>
+          </p:nvPr>
+        </p:nvSpPr>
+        <p:spPr/>
+        <p:txBody>
+          <a:bodyPr/>
+          <a:lstStyle/>
+          <a:p>
+            <a:r>
+              <a:rPr lang="en-AU" dirty="0"/>
+              <a:t>Vacancy Count by Year-Month</a:t>
+            </a:r>
+          </a:p>
+        </p:txBody>
+      </p:sp>
+      <p:pic>
+        <p:nvPicPr>
+          <p:cNvPr id="32" name="Picture 31">
+            <a:extLst>
+              <a:ext uri="{FF2B5EF4-FFF2-40B4-BE49-F238E27FC236}">
+                <a16:creationId xmlns:a16="http://schemas.microsoft.com/office/drawing/2014/main" id="{DDA61A6F-A4EB-CE8D-2D23-AA5732328DC5}"/>
+              </a:ext>
+            </a:extLst>
+          </p:cNvPr>
+          <p:cNvPicPr>
+            <a:picLocks noChangeAspect="1"/>
+          </p:cNvPicPr>
+          <p:nvPr/>
+        </p:nvPicPr>
+        <p:blipFill>
+          <a:blip r:embed="rId2"/>
+          <a:stretch>
+            <a:fillRect/>
+          </a:stretch>
+        </p:blipFill>
+        <p:spPr>
+          <a:xfrm>
+            <a:off x="1097280" y="2072080"/>
+            <a:ext cx="9639518" cy="3873791"/>
+          </a:xfrm>
+          <a:prstGeom prst="rect">
+            <a:avLst/>
+          </a:prstGeom>
+        </p:spPr>
+      </p:pic>
+    </p:spTree>
+    <p:extLst>
+      <p:ext uri="{BB962C8B-B14F-4D97-AF65-F5344CB8AC3E}">
+        <p14:creationId xmlns:p14="http://schemas.microsoft.com/office/powerpoint/2010/main" val="3383984004"/>
+      </p:ext>
+    </p:extLst>
+  </p:cSld>
+  <p:clrMapOvr>
+    <a:masterClrMapping/>
+  </p:clrMapOvr>
+</p:sld>
+</file>
+
+<file path=ppt/slides/slide9.xml><?xml version="1.0" encoding="utf-8"?>
+<p:sld xmlns:a="http://schemas.openxmlformats.org/drawingml/2006/main" xmlns:r="http://schemas.openxmlformats.org/officeDocument/2006/relationships" xmlns:p="http://schemas.openxmlformats.org/presentationml/2006/main">
+  <p:cSld>
+    <p:spTree>
+      <p:nvGrpSpPr>
+        <p:cNvPr id="1" name=""/>
+        <p:cNvGrpSpPr/>
+        <p:nvPr/>
+      </p:nvGrpSpPr>
+      <p:grpSpPr>
+        <a:xfrm>
+          <a:off x="0" y="0"/>
+          <a:ext cx="0" cy="0"/>
+          <a:chOff x="0" y="0"/>
+          <a:chExt cx="0" cy="0"/>
+        </a:xfrm>
+      </p:grpSpPr>
+      <p:sp>
+        <p:nvSpPr>
+          <p:cNvPr id="2" name="Title 1">
+            <a:extLst>
+              <a:ext uri="{FF2B5EF4-FFF2-40B4-BE49-F238E27FC236}">
+                <a16:creationId xmlns:a16="http://schemas.microsoft.com/office/drawing/2014/main" id="{5CEC80D2-B18E-0C86-2C81-9802FCDEFC46}"/>
+              </a:ext>
+            </a:extLst>
+          </p:cNvPr>
+          <p:cNvSpPr>
+            <a:spLocks noGrp="1"/>
+          </p:cNvSpPr>
+          <p:nvPr>
+            <p:ph type="title"/>
+          </p:nvPr>
+        </p:nvSpPr>
+        <p:spPr/>
+        <p:txBody>
+          <a:bodyPr/>
+          <a:lstStyle/>
+          <a:p>
+            <a:r>
+              <a:rPr lang="en-AU" dirty="0"/>
+              <a:t>Affects of Housing from Covid</a:t>
+            </a:r>
+          </a:p>
+        </p:txBody>
+      </p:sp>
+    </p:spTree>
+    <p:extLst>
+      <p:ext uri="{BB962C8B-B14F-4D97-AF65-F5344CB8AC3E}">
+        <p14:creationId xmlns:p14="http://schemas.microsoft.com/office/powerpoint/2010/main" val="3808628806"/>
+      </p:ext>
+    </p:extLst>
+  </p:cSld>
+  <p:clrMapOvr>
+    <a:masterClrMapping/>
+  </p:clrMapOvr>
+</p:sld>
+</file>
+
 <file path=ppt/theme/theme1.xml><?xml version="1.0" encoding="utf-8"?>
 <a:theme xmlns:a="http://schemas.openxmlformats.org/drawingml/2006/main" name="1_RetrospectVTI">
   <a:themeElements>
@@ -4819,24 +7551,6 @@
 </file>
 
 <file path=customXml/item1.xml><?xml version="1.0" encoding="utf-8"?>
-<p:properties xmlns:p="http://schemas.microsoft.com/office/2006/metadata/properties" xmlns:xsi="http://www.w3.org/2001/XMLSchema-instance" xmlns:pc="http://schemas.microsoft.com/office/infopath/2007/PartnerControls">
-  <documentManagement>
-    <Status xmlns="71af3243-3dd4-4a8d-8c0d-dd76da1f02a5">Not started</Status>
-    <MediaServiceKeyPoints xmlns="71af3243-3dd4-4a8d-8c0d-dd76da1f02a5" xsi:nil="true"/>
-  </documentManagement>
-</p:properties>
-</file>
-
-<file path=customXml/item2.xml><?xml version="1.0" encoding="utf-8"?>
-<?mso-contentType ?>
-<FormTemplates xmlns="http://schemas.microsoft.com/sharepoint/v3/contenttype/forms">
-  <Display>DocumentLibraryForm</Display>
-  <Edit>DocumentLibraryForm</Edit>
-  <New>DocumentLibraryForm</New>
-</FormTemplates>
-</file>
-
-<file path=customXml/item3.xml><?xml version="1.0" encoding="utf-8"?>
 <ct:contentTypeSchema xmlns:ct="http://schemas.microsoft.com/office/2006/metadata/contentType" xmlns:ma="http://schemas.microsoft.com/office/2006/metadata/properties/metaAttributes" ct:_="" ma:_="" ma:contentTypeName="Document" ma:contentTypeID="0x01010079F111ED35F8CC479449609E8A0923A6" ma:contentTypeVersion="12" ma:contentTypeDescription="Create a new document." ma:contentTypeScope="" ma:versionID="a410dd7f93c95333ffa1b60ed6adedd1">
   <xsd:schema xmlns:xsd="http://www.w3.org/2001/XMLSchema" xmlns:xs="http://www.w3.org/2001/XMLSchema" xmlns:p="http://schemas.microsoft.com/office/2006/metadata/properties" xmlns:ns2="71af3243-3dd4-4a8d-8c0d-dd76da1f02a5" xmlns:ns3="16c05727-aa75-4e4a-9b5f-8a80a1165891" targetNamespace="http://schemas.microsoft.com/office/2006/metadata/properties" ma:root="true" ma:fieldsID="a936d9baba76aa3866493feff160faab" ns2:_="" ns3:_="">
     <xsd:import namespace="71af3243-3dd4-4a8d-8c0d-dd76da1f02a5"/>
@@ -5057,25 +7771,25 @@
 </ct:contentTypeSchema>
 </file>
 
-<file path=customXml/itemProps1.xml><?xml version="1.0" encoding="utf-8"?>
-<ds:datastoreItem xmlns:ds="http://schemas.openxmlformats.org/officeDocument/2006/customXml" ds:itemID="{A03EEFF0-FB57-4CB4-8BFC-DF397689E2ED}">
-  <ds:schemaRefs>
-    <ds:schemaRef ds:uri="http://schemas.microsoft.com/office/2006/metadata/properties"/>
-    <ds:schemaRef ds:uri="http://schemas.microsoft.com/office/infopath/2007/PartnerControls"/>
-    <ds:schemaRef ds:uri="71af3243-3dd4-4a8d-8c0d-dd76da1f02a5"/>
-  </ds:schemaRefs>
-</ds:datastoreItem>
+<file path=customXml/item2.xml><?xml version="1.0" encoding="utf-8"?>
+<?mso-contentType ?>
+<FormTemplates xmlns="http://schemas.microsoft.com/sharepoint/v3/contenttype/forms">
+  <Display>DocumentLibraryForm</Display>
+  <Edit>DocumentLibraryForm</Edit>
+  <New>DocumentLibraryForm</New>
+</FormTemplates>
 </file>
 
-<file path=customXml/itemProps2.xml><?xml version="1.0" encoding="utf-8"?>
-<ds:datastoreItem xmlns:ds="http://schemas.openxmlformats.org/officeDocument/2006/customXml" ds:itemID="{AA3F7EDC-E5B4-4BBC-9D2A-CBE6D46C37AD}">
-  <ds:schemaRefs>
-    <ds:schemaRef ds:uri="http://schemas.microsoft.com/sharepoint/v3/contenttype/forms"/>
-  </ds:schemaRefs>
-</ds:datastoreItem>
+<file path=customXml/item3.xml><?xml version="1.0" encoding="utf-8"?>
+<p:properties xmlns:p="http://schemas.microsoft.com/office/2006/metadata/properties" xmlns:xsi="http://www.w3.org/2001/XMLSchema-instance" xmlns:pc="http://schemas.microsoft.com/office/infopath/2007/PartnerControls">
+  <documentManagement>
+    <Status xmlns="71af3243-3dd4-4a8d-8c0d-dd76da1f02a5">Not started</Status>
+    <MediaServiceKeyPoints xmlns="71af3243-3dd4-4a8d-8c0d-dd76da1f02a5" xsi:nil="true"/>
+  </documentManagement>
+</p:properties>
 </file>
 
-<file path=customXml/itemProps3.xml><?xml version="1.0" encoding="utf-8"?>
+<file path=customXml/itemProps1.xml><?xml version="1.0" encoding="utf-8"?>
 <ds:datastoreItem xmlns:ds="http://schemas.openxmlformats.org/officeDocument/2006/customXml" ds:itemID="{93932EF5-314F-409E-8020-FEE5FA0795B9}">
   <ds:schemaRefs>
     <ds:schemaRef ds:uri="http://schemas.microsoft.com/office/2006/metadata/contentType"/>
@@ -5092,4 +7806,22 @@
     <ds:schemaRef ds:uri="http://schemas.microsoft.com/internal/obd"/>
   </ds:schemaRefs>
 </ds:datastoreItem>
+</file>
+
+<file path=customXml/itemProps2.xml><?xml version="1.0" encoding="utf-8"?>
+<ds:datastoreItem xmlns:ds="http://schemas.openxmlformats.org/officeDocument/2006/customXml" ds:itemID="{AA3F7EDC-E5B4-4BBC-9D2A-CBE6D46C37AD}">
+  <ds:schemaRefs>
+    <ds:schemaRef ds:uri="http://schemas.microsoft.com/sharepoint/v3/contenttype/forms"/>
+  </ds:schemaRefs>
+</ds:datastoreItem>
+</file>
+
+<file path=customXml/itemProps3.xml><?xml version="1.0" encoding="utf-8"?>
+<ds:datastoreItem xmlns:ds="http://schemas.openxmlformats.org/officeDocument/2006/customXml" ds:itemID="{A03EEFF0-FB57-4CB4-8BFC-DF397689E2ED}">
+  <ds:schemaRefs>
+    <ds:schemaRef ds:uri="http://schemas.microsoft.com/office/2006/metadata/properties"/>
+    <ds:schemaRef ds:uri="http://schemas.microsoft.com/office/infopath/2007/PartnerControls"/>
+    <ds:schemaRef ds:uri="71af3243-3dd4-4a8d-8c0d-dd76da1f02a5"/>
+  </ds:schemaRefs>
+</ds:datastoreItem>
 </file>
--- a/QLD Housing Vacancy.pptx
+++ b/QLD Housing Vacancy.pptx
@@ -6,21 +6,25 @@
   </p:sldMasterIdLst>
   <p:sldIdLst>
     <p:sldId id="298" r:id="rId5"/>
-    <p:sldId id="301" r:id="rId6"/>
+    <p:sldId id="315" r:id="rId6"/>
     <p:sldId id="307" r:id="rId7"/>
-    <p:sldId id="306" r:id="rId8"/>
-    <p:sldId id="313" r:id="rId9"/>
-    <p:sldId id="305" r:id="rId10"/>
-    <p:sldId id="302" r:id="rId11"/>
-    <p:sldId id="303" r:id="rId12"/>
-    <p:sldId id="314" r:id="rId13"/>
-    <p:sldId id="304" r:id="rId14"/>
-    <p:sldId id="308" r:id="rId15"/>
-    <p:sldId id="309" r:id="rId16"/>
-    <p:sldId id="310" r:id="rId17"/>
-    <p:sldId id="300" r:id="rId18"/>
-    <p:sldId id="312" r:id="rId19"/>
-    <p:sldId id="311" r:id="rId20"/>
+    <p:sldId id="301" r:id="rId8"/>
+    <p:sldId id="306" r:id="rId9"/>
+    <p:sldId id="316" r:id="rId10"/>
+    <p:sldId id="313" r:id="rId11"/>
+    <p:sldId id="319" r:id="rId12"/>
+    <p:sldId id="305" r:id="rId13"/>
+    <p:sldId id="302" r:id="rId14"/>
+    <p:sldId id="304" r:id="rId15"/>
+    <p:sldId id="308" r:id="rId16"/>
+    <p:sldId id="309" r:id="rId17"/>
+    <p:sldId id="310" r:id="rId18"/>
+    <p:sldId id="318" r:id="rId19"/>
+    <p:sldId id="317" r:id="rId20"/>
+    <p:sldId id="314" r:id="rId21"/>
+    <p:sldId id="300" r:id="rId22"/>
+    <p:sldId id="312" r:id="rId23"/>
+    <p:sldId id="311" r:id="rId24"/>
   </p:sldIdLst>
   <p:sldSz cx="12192000" cy="6858000"/>
   <p:notesSz cx="6858000" cy="9144000"/>
@@ -3585,23 +3589,23 @@
         </p:nvSpPr>
         <p:spPr>
           <a:xfrm>
-            <a:off x="8123416" y="1475234"/>
-            <a:ext cx="3214307" cy="2901694"/>
+            <a:off x="8016375" y="1472662"/>
+            <a:ext cx="3428389" cy="2901694"/>
           </a:xfrm>
         </p:spPr>
         <p:txBody>
           <a:bodyPr anchor="b">
-            <a:normAutofit/>
+            <a:noAutofit/>
           </a:bodyPr>
           <a:lstStyle/>
           <a:p>
             <a:r>
-              <a:rPr lang="en-US" sz="4400" dirty="0">
+              <a:rPr lang="en-US" sz="3600" dirty="0">
                 <a:solidFill>
                   <a:schemeClr val="tx1"/>
                 </a:solidFill>
               </a:rPr>
-              <a:t>QLD Housing Vacancy</a:t>
+              <a:t>QLD Vacancy Days Analysis in Public Housing </a:t>
             </a:r>
           </a:p>
         </p:txBody>
@@ -3630,7 +3634,7 @@
         </p:spPr>
         <p:txBody>
           <a:bodyPr anchor="t">
-            <a:normAutofit/>
+            <a:normAutofit fontScale="77500" lnSpcReduction="20000"/>
           </a:bodyPr>
           <a:lstStyle/>
           <a:p>
@@ -3641,7 +3645,18 @@
             </a:pPr>
             <a:r>
               <a:rPr lang="en-US" sz="1600" dirty="0"/>
-              <a:t>PROJECT 1 </a:t>
+              <a:t>PROJECT 1</a:t>
+            </a:r>
+          </a:p>
+          <a:p>
+            <a:pPr>
+              <a:lnSpc>
+                <a:spcPct val="100000"/>
+              </a:lnSpc>
+            </a:pPr>
+            <a:r>
+              <a:rPr lang="en-US" sz="1600" dirty="0"/>
+              <a:t>Alistair, Kaushal, Parvez and Selina</a:t>
             </a:r>
           </a:p>
         </p:txBody>
@@ -3790,7 +3805,7 @@
           <p:cNvPr id="4" name="Title 3">
             <a:extLst>
               <a:ext uri="{FF2B5EF4-FFF2-40B4-BE49-F238E27FC236}">
-                <a16:creationId xmlns:a16="http://schemas.microsoft.com/office/drawing/2014/main" id="{556DD119-F167-E12E-327D-4A3EF1AA6D40}"/>
+                <a16:creationId xmlns:a16="http://schemas.microsoft.com/office/drawing/2014/main" id="{955E3AC9-AA37-8A8D-E2E0-325745B7589C}"/>
               </a:ext>
             </a:extLst>
           </p:cNvPr>
@@ -3808,8 +3823,38 @@
           <a:p>
             <a:r>
               <a:rPr lang="en-AU" dirty="0"/>
-              <a:t>Average Vacancy Days by Bedrooms </a:t>
-            </a:r>
+              <a:t>Untenable and Tenable Vacancy Days by Year </a:t>
+            </a:r>
+          </a:p>
+        </p:txBody>
+      </p:sp>
+      <p:sp>
+        <p:nvSpPr>
+          <p:cNvPr id="5" name="Content Placeholder 4">
+            <a:extLst>
+              <a:ext uri="{FF2B5EF4-FFF2-40B4-BE49-F238E27FC236}">
+                <a16:creationId xmlns:a16="http://schemas.microsoft.com/office/drawing/2014/main" id="{BAFBAFEF-860A-B60F-F016-5910531A5F97}"/>
+              </a:ext>
+            </a:extLst>
+          </p:cNvPr>
+          <p:cNvSpPr>
+            <a:spLocks noGrp="1"/>
+          </p:cNvSpPr>
+          <p:nvPr>
+            <p:ph sz="half" idx="1"/>
+          </p:nvPr>
+        </p:nvSpPr>
+        <p:spPr>
+          <a:xfrm>
+            <a:off x="6515944" y="2350803"/>
+            <a:ext cx="4639736" cy="3748193"/>
+          </a:xfrm>
+        </p:spPr>
+        <p:txBody>
+          <a:bodyPr/>
+          <a:lstStyle/>
+          <a:p>
+            <a:endParaRPr lang="en-AU" dirty="0"/>
           </a:p>
         </p:txBody>
       </p:sp>
@@ -3818,7 +3863,7 @@
           <p:cNvPr id="8" name="Content Placeholder 7">
             <a:extLst>
               <a:ext uri="{FF2B5EF4-FFF2-40B4-BE49-F238E27FC236}">
-                <a16:creationId xmlns:a16="http://schemas.microsoft.com/office/drawing/2014/main" id="{9DE2ACBD-75B8-4718-1EA3-892680109ED2}"/>
+                <a16:creationId xmlns:a16="http://schemas.microsoft.com/office/drawing/2014/main" id="{74EAC48B-A132-C38D-5638-821BE32187E4}"/>
               </a:ext>
             </a:extLst>
           </p:cNvPr>
@@ -3826,7 +3871,7 @@
             <a:picLocks noGrp="1" noChangeAspect="1"/>
           </p:cNvPicPr>
           <p:nvPr>
-            <p:ph sz="half" idx="1"/>
+            <p:ph sz="half" idx="2"/>
           </p:nvPr>
         </p:nvPicPr>
         <p:blipFill>
@@ -3837,40 +3882,15 @@
         </p:blipFill>
         <p:spPr>
           <a:xfrm>
-            <a:off x="1036320" y="2192889"/>
-            <a:ext cx="4856548" cy="3170247"/>
+            <a:off x="889233" y="2350803"/>
+            <a:ext cx="5025006" cy="3477900"/>
           </a:xfrm>
         </p:spPr>
       </p:pic>
-      <p:sp>
-        <p:nvSpPr>
-          <p:cNvPr id="6" name="Content Placeholder 5">
-            <a:extLst>
-              <a:ext uri="{FF2B5EF4-FFF2-40B4-BE49-F238E27FC236}">
-                <a16:creationId xmlns:a16="http://schemas.microsoft.com/office/drawing/2014/main" id="{3EBFA0DC-1430-5E67-9C18-BB015A230090}"/>
-              </a:ext>
-            </a:extLst>
-          </p:cNvPr>
-          <p:cNvSpPr>
-            <a:spLocks noGrp="1"/>
-          </p:cNvSpPr>
-          <p:nvPr>
-            <p:ph sz="half" idx="2"/>
-          </p:nvPr>
-        </p:nvSpPr>
-        <p:spPr/>
-        <p:txBody>
-          <a:bodyPr/>
-          <a:lstStyle/>
-          <a:p>
-            <a:endParaRPr lang="en-AU"/>
-          </a:p>
-        </p:txBody>
-      </p:sp>
     </p:spTree>
     <p:extLst>
       <p:ext uri="{BB962C8B-B14F-4D97-AF65-F5344CB8AC3E}">
-        <p14:creationId xmlns:p14="http://schemas.microsoft.com/office/powerpoint/2010/main" val="3706224563"/>
+        <p14:creationId xmlns:p14="http://schemas.microsoft.com/office/powerpoint/2010/main" val="2733872368"/>
       </p:ext>
     </p:extLst>
   </p:cSld>
@@ -3899,10 +3919,10 @@
       </p:grpSpPr>
       <p:sp>
         <p:nvSpPr>
-          <p:cNvPr id="2" name="Title 1">
+          <p:cNvPr id="4" name="Title 3">
             <a:extLst>
               <a:ext uri="{FF2B5EF4-FFF2-40B4-BE49-F238E27FC236}">
-                <a16:creationId xmlns:a16="http://schemas.microsoft.com/office/drawing/2014/main" id="{22E8E9D2-B507-6C21-4C88-85907E39D135}"/>
+                <a16:creationId xmlns:a16="http://schemas.microsoft.com/office/drawing/2014/main" id="{556DD119-F167-E12E-327D-4A3EF1AA6D40}"/>
               </a:ext>
             </a:extLst>
           </p:cNvPr>
@@ -3920,24 +3940,26 @@
           <a:p>
             <a:r>
               <a:rPr lang="en-AU" dirty="0"/>
-              <a:t>Housing types and bedroom comparison </a:t>
+              <a:t>Average Vacancy Days by Bedrooms </a:t>
             </a:r>
           </a:p>
         </p:txBody>
       </p:sp>
       <p:pic>
         <p:nvPicPr>
-          <p:cNvPr id="6" name="Picture 5">
+          <p:cNvPr id="8" name="Content Placeholder 7">
             <a:extLst>
               <a:ext uri="{FF2B5EF4-FFF2-40B4-BE49-F238E27FC236}">
-                <a16:creationId xmlns:a16="http://schemas.microsoft.com/office/drawing/2014/main" id="{C55F97A6-7D29-789E-569A-3E6FB42AC309}"/>
+                <a16:creationId xmlns:a16="http://schemas.microsoft.com/office/drawing/2014/main" id="{9DE2ACBD-75B8-4718-1EA3-892680109ED2}"/>
               </a:ext>
             </a:extLst>
           </p:cNvPr>
           <p:cNvPicPr>
-            <a:picLocks noChangeAspect="1"/>
+            <a:picLocks noGrp="1" noChangeAspect="1"/>
           </p:cNvPicPr>
-          <p:nvPr/>
+          <p:nvPr>
+            <p:ph sz="half" idx="1"/>
+          </p:nvPr>
         </p:nvPicPr>
         <p:blipFill>
           <a:blip r:embed="rId2"/>
@@ -3947,18 +3969,40 @@
         </p:blipFill>
         <p:spPr>
           <a:xfrm>
-            <a:off x="1097279" y="2086885"/>
-            <a:ext cx="8365503" cy="3946066"/>
+            <a:off x="1036320" y="2192889"/>
+            <a:ext cx="4856548" cy="3170247"/>
           </a:xfrm>
-          <a:prstGeom prst="rect">
-            <a:avLst/>
-          </a:prstGeom>
         </p:spPr>
       </p:pic>
+      <p:sp>
+        <p:nvSpPr>
+          <p:cNvPr id="6" name="Content Placeholder 5">
+            <a:extLst>
+              <a:ext uri="{FF2B5EF4-FFF2-40B4-BE49-F238E27FC236}">
+                <a16:creationId xmlns:a16="http://schemas.microsoft.com/office/drawing/2014/main" id="{3EBFA0DC-1430-5E67-9C18-BB015A230090}"/>
+              </a:ext>
+            </a:extLst>
+          </p:cNvPr>
+          <p:cNvSpPr>
+            <a:spLocks noGrp="1"/>
+          </p:cNvSpPr>
+          <p:nvPr>
+            <p:ph sz="half" idx="2"/>
+          </p:nvPr>
+        </p:nvSpPr>
+        <p:spPr/>
+        <p:txBody>
+          <a:bodyPr/>
+          <a:lstStyle/>
+          <a:p>
+            <a:endParaRPr lang="en-AU"/>
+          </a:p>
+        </p:txBody>
+      </p:sp>
     </p:spTree>
     <p:extLst>
       <p:ext uri="{BB962C8B-B14F-4D97-AF65-F5344CB8AC3E}">
-        <p14:creationId xmlns:p14="http://schemas.microsoft.com/office/powerpoint/2010/main" val="240786751"/>
+        <p14:creationId xmlns:p14="http://schemas.microsoft.com/office/powerpoint/2010/main" val="3706224563"/>
       </p:ext>
     </p:extLst>
   </p:cSld>
@@ -3990,7 +4034,7 @@
           <p:cNvPr id="2" name="Title 1">
             <a:extLst>
               <a:ext uri="{FF2B5EF4-FFF2-40B4-BE49-F238E27FC236}">
-                <a16:creationId xmlns:a16="http://schemas.microsoft.com/office/drawing/2014/main" id="{6213F334-81B7-1BAD-3F70-D167304B2658}"/>
+                <a16:creationId xmlns:a16="http://schemas.microsoft.com/office/drawing/2014/main" id="{22E8E9D2-B507-6C21-4C88-85907E39D135}"/>
               </a:ext>
             </a:extLst>
           </p:cNvPr>
@@ -4008,26 +4052,24 @@
           <a:p>
             <a:r>
               <a:rPr lang="en-AU" dirty="0"/>
-              <a:t>Outliers of vacancy days against bedrooms</a:t>
+              <a:t>Housing types and bedroom comparison </a:t>
             </a:r>
           </a:p>
         </p:txBody>
       </p:sp>
       <p:pic>
         <p:nvPicPr>
-          <p:cNvPr id="6" name="Content Placeholder 5">
+          <p:cNvPr id="4" name="Picture 3">
             <a:extLst>
               <a:ext uri="{FF2B5EF4-FFF2-40B4-BE49-F238E27FC236}">
-                <a16:creationId xmlns:a16="http://schemas.microsoft.com/office/drawing/2014/main" id="{4476BB34-5C1F-92CD-DF39-2E292DD90DD1}"/>
+                <a16:creationId xmlns:a16="http://schemas.microsoft.com/office/drawing/2014/main" id="{5A8DD530-05D1-17A1-E3C5-7A75DB2AF539}"/>
               </a:ext>
             </a:extLst>
           </p:cNvPr>
           <p:cNvPicPr>
-            <a:picLocks noGrp="1" noChangeAspect="1"/>
+            <a:picLocks noChangeAspect="1"/>
           </p:cNvPicPr>
-          <p:nvPr>
-            <p:ph sz="half" idx="1"/>
-          </p:nvPr>
+          <p:nvPr/>
         </p:nvPicPr>
         <p:blipFill>
           <a:blip r:embed="rId2"/>
@@ -4037,40 +4079,18 @@
         </p:blipFill>
         <p:spPr>
           <a:xfrm>
-            <a:off x="1193006" y="2120900"/>
-            <a:ext cx="4448175" cy="3382278"/>
+            <a:off x="1675089" y="2035028"/>
+            <a:ext cx="8114863" cy="4057432"/>
           </a:xfrm>
+          <a:prstGeom prst="rect">
+            <a:avLst/>
+          </a:prstGeom>
         </p:spPr>
       </p:pic>
-      <p:sp>
-        <p:nvSpPr>
-          <p:cNvPr id="4" name="Content Placeholder 3">
-            <a:extLst>
-              <a:ext uri="{FF2B5EF4-FFF2-40B4-BE49-F238E27FC236}">
-                <a16:creationId xmlns:a16="http://schemas.microsoft.com/office/drawing/2014/main" id="{07B84EA5-AA0D-FBEA-FF50-60E262488F00}"/>
-              </a:ext>
-            </a:extLst>
-          </p:cNvPr>
-          <p:cNvSpPr>
-            <a:spLocks noGrp="1"/>
-          </p:cNvSpPr>
-          <p:nvPr>
-            <p:ph sz="half" idx="2"/>
-          </p:nvPr>
-        </p:nvSpPr>
-        <p:spPr/>
-        <p:txBody>
-          <a:bodyPr/>
-          <a:lstStyle/>
-          <a:p>
-            <a:endParaRPr lang="en-AU"/>
-          </a:p>
-        </p:txBody>
-      </p:sp>
     </p:spTree>
     <p:extLst>
       <p:ext uri="{BB962C8B-B14F-4D97-AF65-F5344CB8AC3E}">
-        <p14:creationId xmlns:p14="http://schemas.microsoft.com/office/powerpoint/2010/main" val="1260351518"/>
+        <p14:creationId xmlns:p14="http://schemas.microsoft.com/office/powerpoint/2010/main" val="240786751"/>
       </p:ext>
     </p:extLst>
   </p:cSld>
@@ -4102,6 +4122,118 @@
           <p:cNvPr id="2" name="Title 1">
             <a:extLst>
               <a:ext uri="{FF2B5EF4-FFF2-40B4-BE49-F238E27FC236}">
+                <a16:creationId xmlns:a16="http://schemas.microsoft.com/office/drawing/2014/main" id="{6213F334-81B7-1BAD-3F70-D167304B2658}"/>
+              </a:ext>
+            </a:extLst>
+          </p:cNvPr>
+          <p:cNvSpPr>
+            <a:spLocks noGrp="1"/>
+          </p:cNvSpPr>
+          <p:nvPr>
+            <p:ph type="title"/>
+          </p:nvPr>
+        </p:nvSpPr>
+        <p:spPr/>
+        <p:txBody>
+          <a:bodyPr/>
+          <a:lstStyle/>
+          <a:p>
+            <a:r>
+              <a:rPr lang="en-AU" dirty="0"/>
+              <a:t>Outliers of vacancy days against bedrooms</a:t>
+            </a:r>
+          </a:p>
+        </p:txBody>
+      </p:sp>
+      <p:pic>
+        <p:nvPicPr>
+          <p:cNvPr id="6" name="Content Placeholder 5">
+            <a:extLst>
+              <a:ext uri="{FF2B5EF4-FFF2-40B4-BE49-F238E27FC236}">
+                <a16:creationId xmlns:a16="http://schemas.microsoft.com/office/drawing/2014/main" id="{4476BB34-5C1F-92CD-DF39-2E292DD90DD1}"/>
+              </a:ext>
+            </a:extLst>
+          </p:cNvPr>
+          <p:cNvPicPr>
+            <a:picLocks noGrp="1" noChangeAspect="1"/>
+          </p:cNvPicPr>
+          <p:nvPr>
+            <p:ph sz="half" idx="1"/>
+          </p:nvPr>
+        </p:nvPicPr>
+        <p:blipFill>
+          <a:blip r:embed="rId2"/>
+          <a:stretch>
+            <a:fillRect/>
+          </a:stretch>
+        </p:blipFill>
+        <p:spPr>
+          <a:xfrm>
+            <a:off x="1193006" y="2120900"/>
+            <a:ext cx="4448175" cy="3382278"/>
+          </a:xfrm>
+        </p:spPr>
+      </p:pic>
+      <p:sp>
+        <p:nvSpPr>
+          <p:cNvPr id="4" name="Content Placeholder 3">
+            <a:extLst>
+              <a:ext uri="{FF2B5EF4-FFF2-40B4-BE49-F238E27FC236}">
+                <a16:creationId xmlns:a16="http://schemas.microsoft.com/office/drawing/2014/main" id="{07B84EA5-AA0D-FBEA-FF50-60E262488F00}"/>
+              </a:ext>
+            </a:extLst>
+          </p:cNvPr>
+          <p:cNvSpPr>
+            <a:spLocks noGrp="1"/>
+          </p:cNvSpPr>
+          <p:nvPr>
+            <p:ph sz="half" idx="2"/>
+          </p:nvPr>
+        </p:nvSpPr>
+        <p:spPr/>
+        <p:txBody>
+          <a:bodyPr/>
+          <a:lstStyle/>
+          <a:p>
+            <a:endParaRPr lang="en-AU" dirty="0"/>
+          </a:p>
+        </p:txBody>
+      </p:sp>
+    </p:spTree>
+    <p:extLst>
+      <p:ext uri="{BB962C8B-B14F-4D97-AF65-F5344CB8AC3E}">
+        <p14:creationId xmlns:p14="http://schemas.microsoft.com/office/powerpoint/2010/main" val="1260351518"/>
+      </p:ext>
+    </p:extLst>
+  </p:cSld>
+  <p:clrMapOvr>
+    <a:masterClrMapping/>
+  </p:clrMapOvr>
+</p:sld>
+</file>
+
+<file path=ppt/slides/slide14.xml><?xml version="1.0" encoding="utf-8"?>
+<p:sld xmlns:a="http://schemas.openxmlformats.org/drawingml/2006/main" xmlns:r="http://schemas.openxmlformats.org/officeDocument/2006/relationships" xmlns:p="http://schemas.openxmlformats.org/presentationml/2006/main">
+  <p:cSld>
+    <p:spTree>
+      <p:nvGrpSpPr>
+        <p:cNvPr id="1" name=""/>
+        <p:cNvGrpSpPr/>
+        <p:nvPr/>
+      </p:nvGrpSpPr>
+      <p:grpSpPr>
+        <a:xfrm>
+          <a:off x="0" y="0"/>
+          <a:ext cx="0" cy="0"/>
+          <a:chOff x="0" y="0"/>
+          <a:chExt cx="0" cy="0"/>
+        </a:xfrm>
+      </p:grpSpPr>
+      <p:sp>
+        <p:nvSpPr>
+          <p:cNvPr id="2" name="Title 1">
+            <a:extLst>
+              <a:ext uri="{FF2B5EF4-FFF2-40B4-BE49-F238E27FC236}">
                 <a16:creationId xmlns:a16="http://schemas.microsoft.com/office/drawing/2014/main" id="{65A32D54-0386-F374-3BAC-0284D58F5212}"/>
               </a:ext>
             </a:extLst>
@@ -4175,7 +4307,10 @@
           <a:bodyPr/>
           <a:lstStyle/>
           <a:p>
-            <a:endParaRPr lang="en-AU"/>
+            <a:r>
+              <a:rPr lang="en-AU" dirty="0"/>
+              <a:t>- Removing 3 outliers ( 7412, 326, 287)</a:t>
+            </a:r>
           </a:p>
         </p:txBody>
       </p:sp>
@@ -4192,7 +4327,256 @@
 </p:sld>
 </file>
 
-<file path=ppt/slides/slide14.xml><?xml version="1.0" encoding="utf-8"?>
+<file path=ppt/slides/slide15.xml><?xml version="1.0" encoding="utf-8"?>
+<p:sld xmlns:a="http://schemas.openxmlformats.org/drawingml/2006/main" xmlns:r="http://schemas.openxmlformats.org/officeDocument/2006/relationships" xmlns:p="http://schemas.openxmlformats.org/presentationml/2006/main">
+  <p:cSld>
+    <p:spTree>
+      <p:nvGrpSpPr>
+        <p:cNvPr id="1" name=""/>
+        <p:cNvGrpSpPr/>
+        <p:nvPr/>
+      </p:nvGrpSpPr>
+      <p:grpSpPr>
+        <a:xfrm>
+          <a:off x="0" y="0"/>
+          <a:ext cx="0" cy="0"/>
+          <a:chOff x="0" y="0"/>
+          <a:chExt cx="0" cy="0"/>
+        </a:xfrm>
+      </p:grpSpPr>
+      <p:sp>
+        <p:nvSpPr>
+          <p:cNvPr id="2" name="Title 1">
+            <a:extLst>
+              <a:ext uri="{FF2B5EF4-FFF2-40B4-BE49-F238E27FC236}">
+                <a16:creationId xmlns:a16="http://schemas.microsoft.com/office/drawing/2014/main" id="{8DF49682-8AD5-10FB-3619-CA604CBFD3A2}"/>
+              </a:ext>
+            </a:extLst>
+          </p:cNvPr>
+          <p:cNvSpPr>
+            <a:spLocks noGrp="1"/>
+          </p:cNvSpPr>
+          <p:nvPr>
+            <p:ph type="title"/>
+          </p:nvPr>
+        </p:nvSpPr>
+        <p:spPr/>
+        <p:txBody>
+          <a:bodyPr/>
+          <a:lstStyle/>
+          <a:p>
+            <a:r>
+              <a:rPr lang="en-AU" dirty="0"/>
+              <a:t>Size of Dwelling </a:t>
+            </a:r>
+          </a:p>
+        </p:txBody>
+      </p:sp>
+      <p:sp>
+        <p:nvSpPr>
+          <p:cNvPr id="3" name="Content Placeholder 2">
+            <a:extLst>
+              <a:ext uri="{FF2B5EF4-FFF2-40B4-BE49-F238E27FC236}">
+                <a16:creationId xmlns:a16="http://schemas.microsoft.com/office/drawing/2014/main" id="{8E6312B2-B9CD-7799-DC12-D6D5366B2857}"/>
+              </a:ext>
+            </a:extLst>
+          </p:cNvPr>
+          <p:cNvSpPr>
+            <a:spLocks noGrp="1"/>
+          </p:cNvSpPr>
+          <p:nvPr>
+            <p:ph sz="half" idx="1"/>
+          </p:nvPr>
+        </p:nvSpPr>
+        <p:spPr/>
+        <p:txBody>
+          <a:bodyPr/>
+          <a:lstStyle/>
+          <a:p>
+            <a:endParaRPr lang="en-AU"/>
+          </a:p>
+        </p:txBody>
+      </p:sp>
+      <p:sp>
+        <p:nvSpPr>
+          <p:cNvPr id="4" name="Content Placeholder 3">
+            <a:extLst>
+              <a:ext uri="{FF2B5EF4-FFF2-40B4-BE49-F238E27FC236}">
+                <a16:creationId xmlns:a16="http://schemas.microsoft.com/office/drawing/2014/main" id="{672F4D51-A31E-5312-7649-EB54F0B411B4}"/>
+              </a:ext>
+            </a:extLst>
+          </p:cNvPr>
+          <p:cNvSpPr>
+            <a:spLocks noGrp="1"/>
+          </p:cNvSpPr>
+          <p:nvPr>
+            <p:ph sz="half" idx="2"/>
+          </p:nvPr>
+        </p:nvSpPr>
+        <p:spPr/>
+        <p:txBody>
+          <a:bodyPr/>
+          <a:lstStyle/>
+          <a:p>
+            <a:endParaRPr lang="en-AU"/>
+          </a:p>
+        </p:txBody>
+      </p:sp>
+    </p:spTree>
+    <p:extLst>
+      <p:ext uri="{BB962C8B-B14F-4D97-AF65-F5344CB8AC3E}">
+        <p14:creationId xmlns:p14="http://schemas.microsoft.com/office/powerpoint/2010/main" val="3044815388"/>
+      </p:ext>
+    </p:extLst>
+  </p:cSld>
+  <p:clrMapOvr>
+    <a:masterClrMapping/>
+  </p:clrMapOvr>
+</p:sld>
+</file>
+
+<file path=ppt/slides/slide16.xml><?xml version="1.0" encoding="utf-8"?>
+<p:sld xmlns:a="http://schemas.openxmlformats.org/drawingml/2006/main" xmlns:r="http://schemas.openxmlformats.org/officeDocument/2006/relationships" xmlns:p="http://schemas.openxmlformats.org/presentationml/2006/main">
+  <p:cSld>
+    <p:spTree>
+      <p:nvGrpSpPr>
+        <p:cNvPr id="1" name=""/>
+        <p:cNvGrpSpPr/>
+        <p:nvPr/>
+      </p:nvGrpSpPr>
+      <p:grpSpPr>
+        <a:xfrm>
+          <a:off x="0" y="0"/>
+          <a:ext cx="0" cy="0"/>
+          <a:chOff x="0" y="0"/>
+          <a:chExt cx="0" cy="0"/>
+        </a:xfrm>
+      </p:grpSpPr>
+      <p:sp>
+        <p:nvSpPr>
+          <p:cNvPr id="2" name="Title 1">
+            <a:extLst>
+              <a:ext uri="{FF2B5EF4-FFF2-40B4-BE49-F238E27FC236}">
+                <a16:creationId xmlns:a16="http://schemas.microsoft.com/office/drawing/2014/main" id="{11846F38-FF99-E374-F7CB-C18D70B77E26}"/>
+              </a:ext>
+            </a:extLst>
+          </p:cNvPr>
+          <p:cNvSpPr>
+            <a:spLocks noGrp="1"/>
+          </p:cNvSpPr>
+          <p:nvPr>
+            <p:ph type="title"/>
+          </p:nvPr>
+        </p:nvSpPr>
+        <p:spPr/>
+        <p:txBody>
+          <a:bodyPr/>
+          <a:lstStyle/>
+          <a:p>
+            <a:r>
+              <a:rPr lang="en-AU" dirty="0"/>
+              <a:t>Null Hypothesis </a:t>
+            </a:r>
+          </a:p>
+        </p:txBody>
+      </p:sp>
+      <p:sp>
+        <p:nvSpPr>
+          <p:cNvPr id="3" name="Content Placeholder 2">
+            <a:extLst>
+              <a:ext uri="{FF2B5EF4-FFF2-40B4-BE49-F238E27FC236}">
+                <a16:creationId xmlns:a16="http://schemas.microsoft.com/office/drawing/2014/main" id="{F5391B62-2ACC-BEF1-5F87-063DFD8314BA}"/>
+              </a:ext>
+            </a:extLst>
+          </p:cNvPr>
+          <p:cNvSpPr>
+            <a:spLocks noGrp="1"/>
+          </p:cNvSpPr>
+          <p:nvPr>
+            <p:ph idx="1"/>
+          </p:nvPr>
+        </p:nvSpPr>
+        <p:spPr/>
+        <p:txBody>
+          <a:bodyPr/>
+          <a:lstStyle/>
+          <a:p>
+            <a:endParaRPr lang="en-AU" dirty="0"/>
+          </a:p>
+        </p:txBody>
+      </p:sp>
+    </p:spTree>
+    <p:extLst>
+      <p:ext uri="{BB962C8B-B14F-4D97-AF65-F5344CB8AC3E}">
+        <p14:creationId xmlns:p14="http://schemas.microsoft.com/office/powerpoint/2010/main" val="2637894539"/>
+      </p:ext>
+    </p:extLst>
+  </p:cSld>
+  <p:clrMapOvr>
+    <a:masterClrMapping/>
+  </p:clrMapOvr>
+</p:sld>
+</file>
+
+<file path=ppt/slides/slide17.xml><?xml version="1.0" encoding="utf-8"?>
+<p:sld xmlns:a="http://schemas.openxmlformats.org/drawingml/2006/main" xmlns:r="http://schemas.openxmlformats.org/officeDocument/2006/relationships" xmlns:p="http://schemas.openxmlformats.org/presentationml/2006/main">
+  <p:cSld>
+    <p:spTree>
+      <p:nvGrpSpPr>
+        <p:cNvPr id="1" name=""/>
+        <p:cNvGrpSpPr/>
+        <p:nvPr/>
+      </p:nvGrpSpPr>
+      <p:grpSpPr>
+        <a:xfrm>
+          <a:off x="0" y="0"/>
+          <a:ext cx="0" cy="0"/>
+          <a:chOff x="0" y="0"/>
+          <a:chExt cx="0" cy="0"/>
+        </a:xfrm>
+      </p:grpSpPr>
+      <p:sp>
+        <p:nvSpPr>
+          <p:cNvPr id="2" name="Title 1">
+            <a:extLst>
+              <a:ext uri="{FF2B5EF4-FFF2-40B4-BE49-F238E27FC236}">
+                <a16:creationId xmlns:a16="http://schemas.microsoft.com/office/drawing/2014/main" id="{5CEC80D2-B18E-0C86-2C81-9802FCDEFC46}"/>
+              </a:ext>
+            </a:extLst>
+          </p:cNvPr>
+          <p:cNvSpPr>
+            <a:spLocks noGrp="1"/>
+          </p:cNvSpPr>
+          <p:nvPr>
+            <p:ph type="title"/>
+          </p:nvPr>
+        </p:nvSpPr>
+        <p:spPr/>
+        <p:txBody>
+          <a:bodyPr/>
+          <a:lstStyle/>
+          <a:p>
+            <a:r>
+              <a:rPr lang="en-AU" dirty="0"/>
+              <a:t>Affects of Housing from Covid</a:t>
+            </a:r>
+          </a:p>
+        </p:txBody>
+      </p:sp>
+    </p:spTree>
+    <p:extLst>
+      <p:ext uri="{BB962C8B-B14F-4D97-AF65-F5344CB8AC3E}">
+        <p14:creationId xmlns:p14="http://schemas.microsoft.com/office/powerpoint/2010/main" val="3808628806"/>
+      </p:ext>
+    </p:extLst>
+  </p:cSld>
+  <p:clrMapOvr>
+    <a:masterClrMapping/>
+  </p:clrMapOvr>
+</p:sld>
+</file>
+
+<file path=ppt/slides/slide18.xml><?xml version="1.0" encoding="utf-8"?>
 <p:sld xmlns:a="http://schemas.openxmlformats.org/drawingml/2006/main" xmlns:r="http://schemas.openxmlformats.org/officeDocument/2006/relationships" xmlns:p="http://schemas.openxmlformats.org/presentationml/2006/main">
   <p:cSld>
     <p:bg>
@@ -4887,7 +5271,7 @@
 </p:sld>
 </file>
 
-<file path=ppt/slides/slide15.xml><?xml version="1.0" encoding="utf-8"?>
+<file path=ppt/slides/slide19.xml><?xml version="1.0" encoding="utf-8"?>
 <p:sld xmlns:a="http://schemas.openxmlformats.org/drawingml/2006/main" xmlns:r="http://schemas.openxmlformats.org/officeDocument/2006/relationships" xmlns:p="http://schemas.openxmlformats.org/presentationml/2006/main">
   <p:cSld>
     <p:spTree>
@@ -4961,89 +5345,6 @@
     <p:extLst>
       <p:ext uri="{BB962C8B-B14F-4D97-AF65-F5344CB8AC3E}">
         <p14:creationId xmlns:p14="http://schemas.microsoft.com/office/powerpoint/2010/main" val="3892008798"/>
-      </p:ext>
-    </p:extLst>
-  </p:cSld>
-  <p:clrMapOvr>
-    <a:masterClrMapping/>
-  </p:clrMapOvr>
-</p:sld>
-</file>
-
-<file path=ppt/slides/slide16.xml><?xml version="1.0" encoding="utf-8"?>
-<p:sld xmlns:a="http://schemas.openxmlformats.org/drawingml/2006/main" xmlns:r="http://schemas.openxmlformats.org/officeDocument/2006/relationships" xmlns:p="http://schemas.openxmlformats.org/presentationml/2006/main">
-  <p:cSld>
-    <p:spTree>
-      <p:nvGrpSpPr>
-        <p:cNvPr id="1" name=""/>
-        <p:cNvGrpSpPr/>
-        <p:nvPr/>
-      </p:nvGrpSpPr>
-      <p:grpSpPr>
-        <a:xfrm>
-          <a:off x="0" y="0"/>
-          <a:ext cx="0" cy="0"/>
-          <a:chOff x="0" y="0"/>
-          <a:chExt cx="0" cy="0"/>
-        </a:xfrm>
-      </p:grpSpPr>
-      <p:sp>
-        <p:nvSpPr>
-          <p:cNvPr id="2" name="Title 1">
-            <a:extLst>
-              <a:ext uri="{FF2B5EF4-FFF2-40B4-BE49-F238E27FC236}">
-                <a16:creationId xmlns:a16="http://schemas.microsoft.com/office/drawing/2014/main" id="{65BA0F5C-A0B7-605F-D27D-B6C5CE31C850}"/>
-              </a:ext>
-            </a:extLst>
-          </p:cNvPr>
-          <p:cNvSpPr>
-            <a:spLocks noGrp="1"/>
-          </p:cNvSpPr>
-          <p:nvPr>
-            <p:ph type="title"/>
-          </p:nvPr>
-        </p:nvSpPr>
-        <p:spPr/>
-        <p:txBody>
-          <a:bodyPr/>
-          <a:lstStyle/>
-          <a:p>
-            <a:r>
-              <a:rPr lang="en-AU" dirty="0"/>
-              <a:t>Conclusion</a:t>
-            </a:r>
-          </a:p>
-        </p:txBody>
-      </p:sp>
-      <p:sp>
-        <p:nvSpPr>
-          <p:cNvPr id="3" name="Content Placeholder 2">
-            <a:extLst>
-              <a:ext uri="{FF2B5EF4-FFF2-40B4-BE49-F238E27FC236}">
-                <a16:creationId xmlns:a16="http://schemas.microsoft.com/office/drawing/2014/main" id="{C4F8990B-566F-C941-A59F-20287C1B4C83}"/>
-              </a:ext>
-            </a:extLst>
-          </p:cNvPr>
-          <p:cNvSpPr>
-            <a:spLocks noGrp="1"/>
-          </p:cNvSpPr>
-          <p:nvPr>
-            <p:ph idx="1"/>
-          </p:nvPr>
-        </p:nvSpPr>
-        <p:spPr/>
-        <p:txBody>
-          <a:bodyPr/>
-          <a:lstStyle/>
-          <a:p>
-            <a:endParaRPr lang="en-AU"/>
-          </a:p>
-        </p:txBody>
-      </p:sp>
-    </p:spTree>
-    <p:extLst>
-      <p:ext uri="{BB962C8B-B14F-4D97-AF65-F5344CB8AC3E}">
-        <p14:creationId xmlns:p14="http://schemas.microsoft.com/office/powerpoint/2010/main" val="3561853324"/>
       </p:ext>
     </p:extLst>
   </p:cSld>
@@ -5075,7 +5376,7 @@
           <p:cNvPr id="2" name="Title 1">
             <a:extLst>
               <a:ext uri="{FF2B5EF4-FFF2-40B4-BE49-F238E27FC236}">
-                <a16:creationId xmlns:a16="http://schemas.microsoft.com/office/drawing/2014/main" id="{26132F41-B14D-099F-7D60-C71AED44720E}"/>
+                <a16:creationId xmlns:a16="http://schemas.microsoft.com/office/drawing/2014/main" id="{F8F9E284-6642-B87F-627B-C7159F981050}"/>
               </a:ext>
             </a:extLst>
           </p:cNvPr>
@@ -5093,7 +5394,7 @@
           <a:p>
             <a:r>
               <a:rPr lang="en-AU" dirty="0"/>
-              <a:t>Eligibility for Housing </a:t>
+              <a:t>	Definition </a:t>
             </a:r>
           </a:p>
         </p:txBody>
@@ -5103,7 +5404,7 @@
           <p:cNvPr id="3" name="Content Placeholder 2">
             <a:extLst>
               <a:ext uri="{FF2B5EF4-FFF2-40B4-BE49-F238E27FC236}">
-                <a16:creationId xmlns:a16="http://schemas.microsoft.com/office/drawing/2014/main" id="{C4DBBA71-3A8F-3EF2-1678-45D100E82CB7}"/>
+                <a16:creationId xmlns:a16="http://schemas.microsoft.com/office/drawing/2014/main" id="{B22E6F46-0BB9-4407-6908-C3D151836A85}"/>
               </a:ext>
             </a:extLst>
           </p:cNvPr>
@@ -5117,179 +5418,206 @@
         <p:spPr/>
         <p:txBody>
           <a:bodyPr>
-            <a:normAutofit fontScale="25000" lnSpcReduction="20000"/>
+            <a:normAutofit fontScale="92500" lnSpcReduction="20000"/>
           </a:bodyPr>
           <a:lstStyle/>
           <a:p>
             <a:pPr>
               <a:lnSpc>
-                <a:spcPct val="127000"/>
+                <a:spcPct val="117000"/>
               </a:lnSpc>
               <a:spcAft>
                 <a:spcPts val="600"/>
               </a:spcAft>
             </a:pPr>
             <a:r>
-              <a:rPr lang="en-AU" sz="7200" dirty="0">
+              <a:rPr lang="en-AU" dirty="0">
                 <a:solidFill>
                   <a:srgbClr val="1D1C1D"/>
                 </a:solidFill>
                 <a:latin typeface="Arial" panose="020B0604020202020204" pitchFamily="34" charset="0"/>
                 <a:cs typeface="Times New Roman" panose="02020603050405020304" pitchFamily="18" charset="0"/>
               </a:rPr>
-              <a:t>1. </a:t>
-            </a:r>
-            <a:r>
-              <a:rPr lang="en-GB" sz="7200" dirty="0">
+              <a:t>Vacancy Days – </a:t>
+            </a:r>
+            <a:r>
+              <a:rPr lang="en-GB" dirty="0">
                 <a:solidFill>
                   <a:srgbClr val="1D1C1D"/>
                 </a:solidFill>
                 <a:latin typeface="Arial" panose="020B0604020202020204" pitchFamily="34" charset="0"/>
                 <a:cs typeface="Times New Roman" panose="02020603050405020304" pitchFamily="18" charset="0"/>
               </a:rPr>
-              <a:t>Australian citizenship and residency status</a:t>
-            </a:r>
+              <a:t>the number of days between the date such existing tenant vacates</a:t>
+            </a:r>
+            <a:endParaRPr lang="en-AU" dirty="0">
+              <a:solidFill>
+                <a:srgbClr val="1D1C1D"/>
+              </a:solidFill>
+              <a:latin typeface="Arial" panose="020B0604020202020204" pitchFamily="34" charset="0"/>
+              <a:cs typeface="Times New Roman" panose="02020603050405020304" pitchFamily="18" charset="0"/>
+            </a:endParaRPr>
           </a:p>
           <a:p>
             <a:pPr>
               <a:lnSpc>
-                <a:spcPct val="127000"/>
+                <a:spcPct val="117000"/>
               </a:lnSpc>
               <a:spcAft>
                 <a:spcPts val="600"/>
               </a:spcAft>
             </a:pPr>
             <a:r>
-              <a:rPr lang="en-AU" sz="7200" dirty="0">
+              <a:rPr lang="en-GB" dirty="0">
                 <a:solidFill>
                   <a:srgbClr val="1D1C1D"/>
                 </a:solidFill>
                 <a:latin typeface="Arial" panose="020B0604020202020204" pitchFamily="34" charset="0"/>
                 <a:cs typeface="Times New Roman" panose="02020603050405020304" pitchFamily="18" charset="0"/>
               </a:rPr>
-              <a:t>2. Queensland residency</a:t>
+              <a:t>Tenantable -  (of a building) fit for occupation by a tenant.</a:t>
             </a:r>
           </a:p>
           <a:p>
             <a:pPr>
               <a:lnSpc>
-                <a:spcPct val="127000"/>
+                <a:spcPct val="117000"/>
               </a:lnSpc>
               <a:spcAft>
                 <a:spcPts val="600"/>
               </a:spcAft>
             </a:pPr>
             <a:r>
-              <a:rPr lang="en-AU" sz="7200" dirty="0">
+              <a:rPr lang="en-GB" dirty="0">
                 <a:solidFill>
                   <a:srgbClr val="1D1C1D"/>
                 </a:solidFill>
                 <a:latin typeface="Arial" panose="020B0604020202020204" pitchFamily="34" charset="0"/>
                 <a:cs typeface="Times New Roman" panose="02020603050405020304" pitchFamily="18" charset="0"/>
               </a:rPr>
-              <a:t>3. No Property ownership </a:t>
+              <a:t>Untenantable - incapable of being occupied or lived in</a:t>
             </a:r>
           </a:p>
           <a:p>
             <a:pPr>
               <a:lnSpc>
-                <a:spcPct val="127000"/>
+                <a:spcPct val="117000"/>
               </a:lnSpc>
               <a:spcAft>
                 <a:spcPts val="600"/>
               </a:spcAft>
             </a:pPr>
             <a:r>
-              <a:rPr lang="en-AU" sz="7200" dirty="0">
+              <a:rPr lang="en-AU" dirty="0" err="1">
                 <a:solidFill>
                   <a:srgbClr val="1D1C1D"/>
                 </a:solidFill>
                 <a:latin typeface="Arial" panose="020B0604020202020204" pitchFamily="34" charset="0"/>
                 <a:cs typeface="Times New Roman" panose="02020603050405020304" pitchFamily="18" charset="0"/>
               </a:rPr>
-              <a:t>4. Liquid asset test (Single – under $117k and 2 or more under $149k) </a:t>
-            </a:r>
-          </a:p>
-          <a:p>
-            <a:pPr>
-              <a:lnSpc>
-                <a:spcPct val="127000"/>
-              </a:lnSpc>
-              <a:spcAft>
-                <a:spcPts val="600"/>
-              </a:spcAft>
-            </a:pPr>
-            <a:r>
-              <a:rPr lang="en-AU" sz="7200" dirty="0">
+              <a:t>VUDays</a:t>
+            </a:r>
+            <a:r>
+              <a:rPr lang="en-AU" dirty="0">
                 <a:solidFill>
                   <a:srgbClr val="1D1C1D"/>
                 </a:solidFill>
                 <a:latin typeface="Arial" panose="020B0604020202020204" pitchFamily="34" charset="0"/>
                 <a:cs typeface="Times New Roman" panose="02020603050405020304" pitchFamily="18" charset="0"/>
               </a:rPr>
-              <a:t>5. Independent Income ( $226.81 per week with proof of min 4 weeks)</a:t>
-            </a:r>
-          </a:p>
-          <a:p>
-            <a:pPr>
-              <a:lnSpc>
-                <a:spcPct val="127000"/>
-              </a:lnSpc>
-              <a:spcAft>
-                <a:spcPts val="600"/>
-              </a:spcAft>
-            </a:pPr>
-            <a:r>
-              <a:rPr lang="en-AU" sz="7200" dirty="0">
+              <a:t> - </a:t>
+            </a:r>
+            <a:r>
+              <a:rPr lang="en-GB" dirty="0">
                 <a:solidFill>
                   <a:srgbClr val="1D1C1D"/>
                 </a:solidFill>
                 <a:latin typeface="Arial" panose="020B0604020202020204" pitchFamily="34" charset="0"/>
                 <a:cs typeface="Times New Roman" panose="02020603050405020304" pitchFamily="18" charset="0"/>
               </a:rPr>
-              <a:t>6. Household income must fall below $609 to $1121 per week ( depending on family size)</a:t>
+              <a:t>Number of days the property was vacant and untenantable </a:t>
             </a:r>
           </a:p>
           <a:p>
             <a:pPr>
               <a:lnSpc>
-                <a:spcPct val="127000"/>
+                <a:spcPct val="117000"/>
               </a:lnSpc>
               <a:spcAft>
                 <a:spcPts val="600"/>
               </a:spcAft>
             </a:pPr>
             <a:r>
-              <a:rPr lang="en-GB" sz="7200" dirty="0">
+              <a:rPr lang="en-AU" dirty="0" err="1">
                 <a:solidFill>
                   <a:srgbClr val="1D1C1D"/>
                 </a:solidFill>
                 <a:latin typeface="Arial" panose="020B0604020202020204" pitchFamily="34" charset="0"/>
                 <a:cs typeface="Times New Roman" panose="02020603050405020304" pitchFamily="18" charset="0"/>
               </a:rPr>
-              <a:t>7. Wellbeing</a:t>
-            </a:r>
-          </a:p>
-          <a:p>
-            <a:endParaRPr lang="en-GB" b="1" i="0" dirty="0">
+              <a:t>VTDays</a:t>
+            </a:r>
+            <a:r>
+              <a:rPr lang="en-AU" dirty="0">
+                <a:solidFill>
+                  <a:srgbClr val="1D1C1D"/>
+                </a:solidFill>
+                <a:latin typeface="Arial" panose="020B0604020202020204" pitchFamily="34" charset="0"/>
+                <a:cs typeface="Times New Roman" panose="02020603050405020304" pitchFamily="18" charset="0"/>
+              </a:rPr>
+              <a:t> – </a:t>
+            </a:r>
+            <a:r>
+              <a:rPr lang="en-GB" dirty="0">
+                <a:solidFill>
+                  <a:srgbClr val="1D1C1D"/>
+                </a:solidFill>
+                <a:latin typeface="Arial" panose="020B0604020202020204" pitchFamily="34" charset="0"/>
+                <a:cs typeface="Times New Roman" panose="02020603050405020304" pitchFamily="18" charset="0"/>
+              </a:rPr>
+              <a:t>Number of days the property was vacant and tenantable </a:t>
+            </a:r>
+          </a:p>
+          <a:p>
+            <a:endParaRPr lang="en-AU" sz="2000" b="0" i="0" u="none" strike="noStrike" dirty="0">
               <a:solidFill>
-                <a:srgbClr val="212529"/>
+                <a:srgbClr val="000000"/>
               </a:solidFill>
               <a:effectLst/>
-              <a:latin typeface="Lato" panose="020F0502020204030203" pitchFamily="34" charset="0"/>
+              <a:latin typeface="Calibri" panose="020F0502020204030204" pitchFamily="34" charset="0"/>
             </a:endParaRPr>
           </a:p>
           <a:p>
-            <a:r>
-              <a:rPr lang="en-AU" dirty="0"/>
+            <a:endParaRPr lang="en-GB" sz="2000" b="0" i="0" u="none" strike="noStrike" dirty="0">
+              <a:solidFill>
+                <a:srgbClr val="000000"/>
+              </a:solidFill>
+              <a:effectLst/>
+              <a:latin typeface="Calibri" panose="020F0502020204030204" pitchFamily="34" charset="0"/>
+            </a:endParaRPr>
+          </a:p>
+          <a:p>
+            <a:r>
+              <a:rPr lang="en-GB" sz="2000" b="0" i="0" u="none" strike="noStrike" dirty="0">
+                <a:solidFill>
+                  <a:srgbClr val="000000"/>
+                </a:solidFill>
+                <a:effectLst/>
+                <a:latin typeface="Calibri" panose="020F0502020204030204" pitchFamily="34" charset="0"/>
+              </a:rPr>
               <a:t> </a:t>
             </a:r>
-            <a:r>
-              <a:rPr lang="en-AU" dirty="0">
-                <a:sym typeface="Wingdings" panose="05000000000000000000" pitchFamily="2" charset="2"/>
-              </a:rPr>
-              <a:t> https://www.qld.gov.au/housing/public-community-housing/eligibility-applying-for-housing/eligibility-for-housing/check-your-eligibility</a:t>
-            </a:r>
+          </a:p>
+          <a:p>
+            <a:endParaRPr lang="en-AU" sz="2000" b="0" i="0" u="none" strike="noStrike" dirty="0">
+              <a:solidFill>
+                <a:srgbClr val="000000"/>
+              </a:solidFill>
+              <a:effectLst/>
+              <a:latin typeface="Calibri" panose="020F0502020204030204" pitchFamily="34" charset="0"/>
+            </a:endParaRPr>
+          </a:p>
+          <a:p>
             <a:endParaRPr lang="en-AU" dirty="0"/>
           </a:p>
         </p:txBody>
@@ -5297,7 +5625,90 @@
     </p:spTree>
     <p:extLst>
       <p:ext uri="{BB962C8B-B14F-4D97-AF65-F5344CB8AC3E}">
-        <p14:creationId xmlns:p14="http://schemas.microsoft.com/office/powerpoint/2010/main" val="1316716995"/>
+        <p14:creationId xmlns:p14="http://schemas.microsoft.com/office/powerpoint/2010/main" val="2656581410"/>
+      </p:ext>
+    </p:extLst>
+  </p:cSld>
+  <p:clrMapOvr>
+    <a:masterClrMapping/>
+  </p:clrMapOvr>
+</p:sld>
+</file>
+
+<file path=ppt/slides/slide20.xml><?xml version="1.0" encoding="utf-8"?>
+<p:sld xmlns:a="http://schemas.openxmlformats.org/drawingml/2006/main" xmlns:r="http://schemas.openxmlformats.org/officeDocument/2006/relationships" xmlns:p="http://schemas.openxmlformats.org/presentationml/2006/main">
+  <p:cSld>
+    <p:spTree>
+      <p:nvGrpSpPr>
+        <p:cNvPr id="1" name=""/>
+        <p:cNvGrpSpPr/>
+        <p:nvPr/>
+      </p:nvGrpSpPr>
+      <p:grpSpPr>
+        <a:xfrm>
+          <a:off x="0" y="0"/>
+          <a:ext cx="0" cy="0"/>
+          <a:chOff x="0" y="0"/>
+          <a:chExt cx="0" cy="0"/>
+        </a:xfrm>
+      </p:grpSpPr>
+      <p:sp>
+        <p:nvSpPr>
+          <p:cNvPr id="2" name="Title 1">
+            <a:extLst>
+              <a:ext uri="{FF2B5EF4-FFF2-40B4-BE49-F238E27FC236}">
+                <a16:creationId xmlns:a16="http://schemas.microsoft.com/office/drawing/2014/main" id="{65BA0F5C-A0B7-605F-D27D-B6C5CE31C850}"/>
+              </a:ext>
+            </a:extLst>
+          </p:cNvPr>
+          <p:cNvSpPr>
+            <a:spLocks noGrp="1"/>
+          </p:cNvSpPr>
+          <p:nvPr>
+            <p:ph type="title"/>
+          </p:nvPr>
+        </p:nvSpPr>
+        <p:spPr/>
+        <p:txBody>
+          <a:bodyPr/>
+          <a:lstStyle/>
+          <a:p>
+            <a:r>
+              <a:rPr lang="en-AU" dirty="0"/>
+              <a:t>Conclusion</a:t>
+            </a:r>
+          </a:p>
+        </p:txBody>
+      </p:sp>
+      <p:sp>
+        <p:nvSpPr>
+          <p:cNvPr id="3" name="Content Placeholder 2">
+            <a:extLst>
+              <a:ext uri="{FF2B5EF4-FFF2-40B4-BE49-F238E27FC236}">
+                <a16:creationId xmlns:a16="http://schemas.microsoft.com/office/drawing/2014/main" id="{C4F8990B-566F-C941-A59F-20287C1B4C83}"/>
+              </a:ext>
+            </a:extLst>
+          </p:cNvPr>
+          <p:cNvSpPr>
+            <a:spLocks noGrp="1"/>
+          </p:cNvSpPr>
+          <p:nvPr>
+            <p:ph idx="1"/>
+          </p:nvPr>
+        </p:nvSpPr>
+        <p:spPr/>
+        <p:txBody>
+          <a:bodyPr/>
+          <a:lstStyle/>
+          <a:p>
+            <a:endParaRPr lang="en-AU"/>
+          </a:p>
+        </p:txBody>
+      </p:sp>
+    </p:spTree>
+    <p:extLst>
+      <p:ext uri="{BB962C8B-B14F-4D97-AF65-F5344CB8AC3E}">
+        <p14:creationId xmlns:p14="http://schemas.microsoft.com/office/powerpoint/2010/main" val="3561853324"/>
       </p:ext>
     </p:extLst>
   </p:cSld>
@@ -6219,6 +6630,260 @@
           <p:cNvPr id="2" name="Title 1">
             <a:extLst>
               <a:ext uri="{FF2B5EF4-FFF2-40B4-BE49-F238E27FC236}">
+                <a16:creationId xmlns:a16="http://schemas.microsoft.com/office/drawing/2014/main" id="{26132F41-B14D-099F-7D60-C71AED44720E}"/>
+              </a:ext>
+            </a:extLst>
+          </p:cNvPr>
+          <p:cNvSpPr>
+            <a:spLocks noGrp="1"/>
+          </p:cNvSpPr>
+          <p:nvPr>
+            <p:ph type="title"/>
+          </p:nvPr>
+        </p:nvSpPr>
+        <p:spPr/>
+        <p:txBody>
+          <a:bodyPr/>
+          <a:lstStyle/>
+          <a:p>
+            <a:r>
+              <a:rPr lang="en-AU" dirty="0"/>
+              <a:t>Eligibility for Housing </a:t>
+            </a:r>
+          </a:p>
+        </p:txBody>
+      </p:sp>
+      <p:sp>
+        <p:nvSpPr>
+          <p:cNvPr id="3" name="Content Placeholder 2">
+            <a:extLst>
+              <a:ext uri="{FF2B5EF4-FFF2-40B4-BE49-F238E27FC236}">
+                <a16:creationId xmlns:a16="http://schemas.microsoft.com/office/drawing/2014/main" id="{C4DBBA71-3A8F-3EF2-1678-45D100E82CB7}"/>
+              </a:ext>
+            </a:extLst>
+          </p:cNvPr>
+          <p:cNvSpPr>
+            <a:spLocks noGrp="1"/>
+          </p:cNvSpPr>
+          <p:nvPr>
+            <p:ph idx="1"/>
+          </p:nvPr>
+        </p:nvSpPr>
+        <p:spPr/>
+        <p:txBody>
+          <a:bodyPr>
+            <a:normAutofit fontScale="25000" lnSpcReduction="20000"/>
+          </a:bodyPr>
+          <a:lstStyle/>
+          <a:p>
+            <a:pPr>
+              <a:lnSpc>
+                <a:spcPct val="127000"/>
+              </a:lnSpc>
+              <a:spcAft>
+                <a:spcPts val="600"/>
+              </a:spcAft>
+            </a:pPr>
+            <a:r>
+              <a:rPr lang="en-AU" sz="7200" dirty="0">
+                <a:solidFill>
+                  <a:srgbClr val="1D1C1D"/>
+                </a:solidFill>
+                <a:latin typeface="Arial" panose="020B0604020202020204" pitchFamily="34" charset="0"/>
+                <a:cs typeface="Times New Roman" panose="02020603050405020304" pitchFamily="18" charset="0"/>
+              </a:rPr>
+              <a:t>1. </a:t>
+            </a:r>
+            <a:r>
+              <a:rPr lang="en-GB" sz="7200" dirty="0">
+                <a:solidFill>
+                  <a:srgbClr val="1D1C1D"/>
+                </a:solidFill>
+                <a:latin typeface="Arial" panose="020B0604020202020204" pitchFamily="34" charset="0"/>
+                <a:cs typeface="Times New Roman" panose="02020603050405020304" pitchFamily="18" charset="0"/>
+              </a:rPr>
+              <a:t>Australian citizenship and residency status</a:t>
+            </a:r>
+          </a:p>
+          <a:p>
+            <a:pPr>
+              <a:lnSpc>
+                <a:spcPct val="127000"/>
+              </a:lnSpc>
+              <a:spcAft>
+                <a:spcPts val="600"/>
+              </a:spcAft>
+            </a:pPr>
+            <a:r>
+              <a:rPr lang="en-AU" sz="7200" dirty="0">
+                <a:solidFill>
+                  <a:srgbClr val="1D1C1D"/>
+                </a:solidFill>
+                <a:latin typeface="Arial" panose="020B0604020202020204" pitchFamily="34" charset="0"/>
+                <a:cs typeface="Times New Roman" panose="02020603050405020304" pitchFamily="18" charset="0"/>
+              </a:rPr>
+              <a:t>2. Queensland residency</a:t>
+            </a:r>
+          </a:p>
+          <a:p>
+            <a:pPr>
+              <a:lnSpc>
+                <a:spcPct val="127000"/>
+              </a:lnSpc>
+              <a:spcAft>
+                <a:spcPts val="600"/>
+              </a:spcAft>
+            </a:pPr>
+            <a:r>
+              <a:rPr lang="en-AU" sz="7200" dirty="0">
+                <a:solidFill>
+                  <a:srgbClr val="1D1C1D"/>
+                </a:solidFill>
+                <a:latin typeface="Arial" panose="020B0604020202020204" pitchFamily="34" charset="0"/>
+                <a:cs typeface="Times New Roman" panose="02020603050405020304" pitchFamily="18" charset="0"/>
+              </a:rPr>
+              <a:t>3. No property ownership </a:t>
+            </a:r>
+          </a:p>
+          <a:p>
+            <a:pPr>
+              <a:lnSpc>
+                <a:spcPct val="127000"/>
+              </a:lnSpc>
+              <a:spcAft>
+                <a:spcPts val="600"/>
+              </a:spcAft>
+            </a:pPr>
+            <a:r>
+              <a:rPr lang="en-AU" sz="7200" dirty="0">
+                <a:solidFill>
+                  <a:srgbClr val="1D1C1D"/>
+                </a:solidFill>
+                <a:latin typeface="Arial" panose="020B0604020202020204" pitchFamily="34" charset="0"/>
+                <a:cs typeface="Times New Roman" panose="02020603050405020304" pitchFamily="18" charset="0"/>
+              </a:rPr>
+              <a:t>4. Liquid asset test (Single – under $117k and 2 or more under $149k) </a:t>
+            </a:r>
+          </a:p>
+          <a:p>
+            <a:pPr>
+              <a:lnSpc>
+                <a:spcPct val="127000"/>
+              </a:lnSpc>
+              <a:spcAft>
+                <a:spcPts val="600"/>
+              </a:spcAft>
+            </a:pPr>
+            <a:r>
+              <a:rPr lang="en-AU" sz="7200" dirty="0">
+                <a:solidFill>
+                  <a:srgbClr val="1D1C1D"/>
+                </a:solidFill>
+                <a:latin typeface="Arial" panose="020B0604020202020204" pitchFamily="34" charset="0"/>
+                <a:cs typeface="Times New Roman" panose="02020603050405020304" pitchFamily="18" charset="0"/>
+              </a:rPr>
+              <a:t>5. Independent Income ( $226.81 per week with proof of min 4 weeks)</a:t>
+            </a:r>
+          </a:p>
+          <a:p>
+            <a:pPr>
+              <a:lnSpc>
+                <a:spcPct val="127000"/>
+              </a:lnSpc>
+              <a:spcAft>
+                <a:spcPts val="600"/>
+              </a:spcAft>
+            </a:pPr>
+            <a:r>
+              <a:rPr lang="en-AU" sz="7200" dirty="0">
+                <a:solidFill>
+                  <a:srgbClr val="1D1C1D"/>
+                </a:solidFill>
+                <a:latin typeface="Arial" panose="020B0604020202020204" pitchFamily="34" charset="0"/>
+                <a:cs typeface="Times New Roman" panose="02020603050405020304" pitchFamily="18" charset="0"/>
+              </a:rPr>
+              <a:t>6. Household income must fall below $609 to $1121 per week ( depending on family size)</a:t>
+            </a:r>
+          </a:p>
+          <a:p>
+            <a:pPr>
+              <a:lnSpc>
+                <a:spcPct val="127000"/>
+              </a:lnSpc>
+              <a:spcAft>
+                <a:spcPts val="600"/>
+              </a:spcAft>
+            </a:pPr>
+            <a:r>
+              <a:rPr lang="en-GB" sz="7200" dirty="0">
+                <a:solidFill>
+                  <a:srgbClr val="1D1C1D"/>
+                </a:solidFill>
+                <a:latin typeface="Arial" panose="020B0604020202020204" pitchFamily="34" charset="0"/>
+                <a:cs typeface="Times New Roman" panose="02020603050405020304" pitchFamily="18" charset="0"/>
+              </a:rPr>
+              <a:t>7. Wellbeing</a:t>
+            </a:r>
+          </a:p>
+          <a:p>
+            <a:endParaRPr lang="en-GB" b="1" i="0" dirty="0">
+              <a:solidFill>
+                <a:srgbClr val="212529"/>
+              </a:solidFill>
+              <a:effectLst/>
+              <a:latin typeface="Lato" panose="020F0502020204030203" pitchFamily="34" charset="0"/>
+            </a:endParaRPr>
+          </a:p>
+          <a:p>
+            <a:r>
+              <a:rPr lang="en-AU" dirty="0"/>
+              <a:t> </a:t>
+            </a:r>
+            <a:r>
+              <a:rPr lang="en-AU" dirty="0">
+                <a:sym typeface="Wingdings" panose="05000000000000000000" pitchFamily="2" charset="2"/>
+              </a:rPr>
+              <a:t> https://www.qld.gov.au/housing/public-community-housing/eligibility-applying-for-housing/eligibility-for-housing/check-your-eligibility</a:t>
+            </a:r>
+            <a:endParaRPr lang="en-AU" dirty="0"/>
+          </a:p>
+        </p:txBody>
+      </p:sp>
+    </p:spTree>
+    <p:extLst>
+      <p:ext uri="{BB962C8B-B14F-4D97-AF65-F5344CB8AC3E}">
+        <p14:creationId xmlns:p14="http://schemas.microsoft.com/office/powerpoint/2010/main" val="1316716995"/>
+      </p:ext>
+    </p:extLst>
+  </p:cSld>
+  <p:clrMapOvr>
+    <a:masterClrMapping/>
+  </p:clrMapOvr>
+</p:sld>
+</file>
+
+<file path=ppt/slides/slide5.xml><?xml version="1.0" encoding="utf-8"?>
+<p:sld xmlns:a="http://schemas.openxmlformats.org/drawingml/2006/main" xmlns:r="http://schemas.openxmlformats.org/officeDocument/2006/relationships" xmlns:p="http://schemas.openxmlformats.org/presentationml/2006/main">
+  <p:cSld>
+    <p:spTree>
+      <p:nvGrpSpPr>
+        <p:cNvPr id="1" name=""/>
+        <p:cNvGrpSpPr/>
+        <p:nvPr/>
+      </p:nvGrpSpPr>
+      <p:grpSpPr>
+        <a:xfrm>
+          <a:off x="0" y="0"/>
+          <a:ext cx="0" cy="0"/>
+          <a:chOff x="0" y="0"/>
+          <a:chExt cx="0" cy="0"/>
+        </a:xfrm>
+      </p:grpSpPr>
+      <p:sp>
+        <p:nvSpPr>
+          <p:cNvPr id="2" name="Title 1">
+            <a:extLst>
+              <a:ext uri="{FF2B5EF4-FFF2-40B4-BE49-F238E27FC236}">
                 <a16:creationId xmlns:a16="http://schemas.microsoft.com/office/drawing/2014/main" id="{6E0F8A29-0E59-62D2-C131-F840BEC04625}"/>
               </a:ext>
             </a:extLst>
@@ -6578,229 +7243,6 @@
 </p:sld>
 </file>
 
-<file path=ppt/slides/slide5.xml><?xml version="1.0" encoding="utf-8"?>
-<p:sld xmlns:a="http://schemas.openxmlformats.org/drawingml/2006/main" xmlns:r="http://schemas.openxmlformats.org/officeDocument/2006/relationships" xmlns:p="http://schemas.openxmlformats.org/presentationml/2006/main">
-  <p:cSld>
-    <p:spTree>
-      <p:nvGrpSpPr>
-        <p:cNvPr id="1" name=""/>
-        <p:cNvGrpSpPr/>
-        <p:nvPr/>
-      </p:nvGrpSpPr>
-      <p:grpSpPr>
-        <a:xfrm>
-          <a:off x="0" y="0"/>
-          <a:ext cx="0" cy="0"/>
-          <a:chOff x="0" y="0"/>
-          <a:chExt cx="0" cy="0"/>
-        </a:xfrm>
-      </p:grpSpPr>
-      <p:sp>
-        <p:nvSpPr>
-          <p:cNvPr id="2" name="Title 1">
-            <a:extLst>
-              <a:ext uri="{FF2B5EF4-FFF2-40B4-BE49-F238E27FC236}">
-                <a16:creationId xmlns:a16="http://schemas.microsoft.com/office/drawing/2014/main" id="{2C5BC6D5-5381-58E6-BCF7-A6645ADFC407}"/>
-              </a:ext>
-            </a:extLst>
-          </p:cNvPr>
-          <p:cNvSpPr>
-            <a:spLocks noGrp="1"/>
-          </p:cNvSpPr>
-          <p:nvPr>
-            <p:ph type="title"/>
-          </p:nvPr>
-        </p:nvSpPr>
-        <p:spPr/>
-        <p:txBody>
-          <a:bodyPr/>
-          <a:lstStyle/>
-          <a:p>
-            <a:r>
-              <a:rPr lang="en-AU" dirty="0"/>
-              <a:t>Project Objectives </a:t>
-            </a:r>
-          </a:p>
-        </p:txBody>
-      </p:sp>
-      <p:sp>
-        <p:nvSpPr>
-          <p:cNvPr id="3" name="Content Placeholder 2">
-            <a:extLst>
-              <a:ext uri="{FF2B5EF4-FFF2-40B4-BE49-F238E27FC236}">
-                <a16:creationId xmlns:a16="http://schemas.microsoft.com/office/drawing/2014/main" id="{05EB99AD-6538-A2B0-D345-FFDF7B46CA6F}"/>
-              </a:ext>
-            </a:extLst>
-          </p:cNvPr>
-          <p:cNvSpPr>
-            <a:spLocks noGrp="1"/>
-          </p:cNvSpPr>
-          <p:nvPr>
-            <p:ph idx="1"/>
-          </p:nvPr>
-        </p:nvSpPr>
-        <p:spPr/>
-        <p:txBody>
-          <a:bodyPr/>
-          <a:lstStyle/>
-          <a:p>
-            <a:pPr>
-              <a:lnSpc>
-                <a:spcPct val="107000"/>
-              </a:lnSpc>
-              <a:spcAft>
-                <a:spcPts val="600"/>
-              </a:spcAft>
-            </a:pPr>
-            <a:r>
-              <a:rPr lang="en-AU" sz="1800" dirty="0">
-                <a:solidFill>
-                  <a:srgbClr val="1D1C1D"/>
-                </a:solidFill>
-                <a:effectLst/>
-                <a:latin typeface="Arial" panose="020B0604020202020204" pitchFamily="34" charset="0"/>
-                <a:ea typeface="Times New Roman" panose="02020603050405020304" pitchFamily="18" charset="0"/>
-                <a:cs typeface="Times New Roman" panose="02020603050405020304" pitchFamily="18" charset="0"/>
-              </a:rPr>
-              <a:t>(1) How vacancy rate changes over the year?</a:t>
-            </a:r>
-            <a:endParaRPr lang="en-AU" sz="1800" dirty="0">
-              <a:effectLst/>
-              <a:latin typeface="Calibri" panose="020F0502020204030204" pitchFamily="34" charset="0"/>
-              <a:ea typeface="Calibri" panose="020F0502020204030204" pitchFamily="34" charset="0"/>
-              <a:cs typeface="Times New Roman" panose="02020603050405020304" pitchFamily="18" charset="0"/>
-            </a:endParaRPr>
-          </a:p>
-          <a:p>
-            <a:pPr>
-              <a:lnSpc>
-                <a:spcPct val="107000"/>
-              </a:lnSpc>
-              <a:spcAft>
-                <a:spcPts val="600"/>
-              </a:spcAft>
-            </a:pPr>
-            <a:r>
-              <a:rPr lang="en-AU" sz="1800" dirty="0">
-                <a:solidFill>
-                  <a:srgbClr val="1D1C1D"/>
-                </a:solidFill>
-                <a:effectLst/>
-                <a:latin typeface="Arial" panose="020B0604020202020204" pitchFamily="34" charset="0"/>
-                <a:ea typeface="Times New Roman" panose="02020603050405020304" pitchFamily="18" charset="0"/>
-                <a:cs typeface="Times New Roman" panose="02020603050405020304" pitchFamily="18" charset="0"/>
-              </a:rPr>
-              <a:t>(2) How dwelling type effect Vacancy rates?</a:t>
-            </a:r>
-            <a:endParaRPr lang="en-AU" sz="1800" dirty="0">
-              <a:effectLst/>
-              <a:latin typeface="Calibri" panose="020F0502020204030204" pitchFamily="34" charset="0"/>
-              <a:ea typeface="Calibri" panose="020F0502020204030204" pitchFamily="34" charset="0"/>
-              <a:cs typeface="Times New Roman" panose="02020603050405020304" pitchFamily="18" charset="0"/>
-            </a:endParaRPr>
-          </a:p>
-          <a:p>
-            <a:pPr>
-              <a:lnSpc>
-                <a:spcPct val="107000"/>
-              </a:lnSpc>
-              <a:spcAft>
-                <a:spcPts val="600"/>
-              </a:spcAft>
-            </a:pPr>
-            <a:r>
-              <a:rPr lang="en-AU" sz="1800" dirty="0">
-                <a:solidFill>
-                  <a:srgbClr val="1D1C1D"/>
-                </a:solidFill>
-                <a:effectLst/>
-                <a:latin typeface="Arial" panose="020B0604020202020204" pitchFamily="34" charset="0"/>
-                <a:ea typeface="Times New Roman" panose="02020603050405020304" pitchFamily="18" charset="0"/>
-                <a:cs typeface="Times New Roman" panose="02020603050405020304" pitchFamily="18" charset="0"/>
-              </a:rPr>
-              <a:t>(3) How Vacancy rate effected by Geography?</a:t>
-            </a:r>
-            <a:endParaRPr lang="en-AU" sz="1800" dirty="0">
-              <a:effectLst/>
-              <a:latin typeface="Calibri" panose="020F0502020204030204" pitchFamily="34" charset="0"/>
-              <a:ea typeface="Calibri" panose="020F0502020204030204" pitchFamily="34" charset="0"/>
-              <a:cs typeface="Times New Roman" panose="02020603050405020304" pitchFamily="18" charset="0"/>
-            </a:endParaRPr>
-          </a:p>
-          <a:p>
-            <a:pPr>
-              <a:lnSpc>
-                <a:spcPct val="107000"/>
-              </a:lnSpc>
-              <a:spcAft>
-                <a:spcPts val="600"/>
-              </a:spcAft>
-            </a:pPr>
-            <a:r>
-              <a:rPr lang="en-AU" sz="1800" dirty="0">
-                <a:solidFill>
-                  <a:srgbClr val="1D1C1D"/>
-                </a:solidFill>
-                <a:effectLst/>
-                <a:latin typeface="Arial" panose="020B0604020202020204" pitchFamily="34" charset="0"/>
-                <a:ea typeface="Times New Roman" panose="02020603050405020304" pitchFamily="18" charset="0"/>
-                <a:cs typeface="Times New Roman" panose="02020603050405020304" pitchFamily="18" charset="0"/>
-              </a:rPr>
-              <a:t>(4) How vacancy rate varied by social housing program?</a:t>
-            </a:r>
-            <a:endParaRPr lang="en-AU" sz="1800" dirty="0">
-              <a:effectLst/>
-              <a:latin typeface="Calibri" panose="020F0502020204030204" pitchFamily="34" charset="0"/>
-              <a:ea typeface="Calibri" panose="020F0502020204030204" pitchFamily="34" charset="0"/>
-              <a:cs typeface="Times New Roman" panose="02020603050405020304" pitchFamily="18" charset="0"/>
-            </a:endParaRPr>
-          </a:p>
-          <a:p>
-            <a:pPr>
-              <a:lnSpc>
-                <a:spcPct val="107000"/>
-              </a:lnSpc>
-              <a:spcAft>
-                <a:spcPts val="600"/>
-              </a:spcAft>
-            </a:pPr>
-            <a:r>
-              <a:rPr lang="en-AU" sz="1800" dirty="0">
-                <a:solidFill>
-                  <a:srgbClr val="1D1C1D"/>
-                </a:solidFill>
-                <a:effectLst/>
-                <a:latin typeface="Arial" panose="020B0604020202020204" pitchFamily="34" charset="0"/>
-                <a:ea typeface="Times New Roman" panose="02020603050405020304" pitchFamily="18" charset="0"/>
-                <a:cs typeface="Times New Roman" panose="02020603050405020304" pitchFamily="18" charset="0"/>
-              </a:rPr>
-              <a:t>(5) Were vacancy days Tenantable or Untenantable? </a:t>
-            </a:r>
-            <a:endParaRPr lang="en-AU" sz="1800" dirty="0">
-              <a:effectLst/>
-              <a:latin typeface="Calibri" panose="020F0502020204030204" pitchFamily="34" charset="0"/>
-              <a:ea typeface="Calibri" panose="020F0502020204030204" pitchFamily="34" charset="0"/>
-              <a:cs typeface="Times New Roman" panose="02020603050405020304" pitchFamily="18" charset="0"/>
-            </a:endParaRPr>
-          </a:p>
-          <a:p>
-            <a:endParaRPr lang="en-AU" dirty="0"/>
-          </a:p>
-        </p:txBody>
-      </p:sp>
-    </p:spTree>
-    <p:extLst>
-      <p:ext uri="{BB962C8B-B14F-4D97-AF65-F5344CB8AC3E}">
-        <p14:creationId xmlns:p14="http://schemas.microsoft.com/office/powerpoint/2010/main" val="103262496"/>
-      </p:ext>
-    </p:extLst>
-  </p:cSld>
-  <p:clrMapOvr>
-    <a:masterClrMapping/>
-  </p:clrMapOvr>
-</p:sld>
-</file>
-
 <file path=ppt/slides/slide6.xml><?xml version="1.0" encoding="utf-8"?>
 <p:sld xmlns:a="http://schemas.openxmlformats.org/drawingml/2006/main" xmlns:r="http://schemas.openxmlformats.org/officeDocument/2006/relationships" xmlns:p="http://schemas.openxmlformats.org/presentationml/2006/main">
   <p:cSld>
@@ -6820,10 +7262,10 @@
       </p:grpSpPr>
       <p:sp>
         <p:nvSpPr>
-          <p:cNvPr id="4" name="Title 3">
+          <p:cNvPr id="2" name="Title 1">
             <a:extLst>
               <a:ext uri="{FF2B5EF4-FFF2-40B4-BE49-F238E27FC236}">
-                <a16:creationId xmlns:a16="http://schemas.microsoft.com/office/drawing/2014/main" id="{20C05956-8EE2-7A6C-2FED-857B51FDB7B4}"/>
+                <a16:creationId xmlns:a16="http://schemas.microsoft.com/office/drawing/2014/main" id="{1D256A19-F5EE-0E5B-F782-548A518CD04D}"/>
               </a:ext>
             </a:extLst>
           </p:cNvPr>
@@ -6841,17 +7283,17 @@
           <a:p>
             <a:r>
               <a:rPr lang="en-AU" dirty="0"/>
-              <a:t>Average Vacancy Days by Year </a:t>
-            </a:r>
-          </a:p>
-        </p:txBody>
-      </p:sp>
-      <p:sp>
-        <p:nvSpPr>
-          <p:cNvPr id="5" name="Content Placeholder 4">
+              <a:t>Size of Dwelling </a:t>
+            </a:r>
+          </a:p>
+        </p:txBody>
+      </p:sp>
+      <p:sp>
+        <p:nvSpPr>
+          <p:cNvPr id="3" name="Content Placeholder 2">
             <a:extLst>
               <a:ext uri="{FF2B5EF4-FFF2-40B4-BE49-F238E27FC236}">
-                <a16:creationId xmlns:a16="http://schemas.microsoft.com/office/drawing/2014/main" id="{BDE7EA8F-83FE-7E55-3059-04BF9A06C59A}"/>
+                <a16:creationId xmlns:a16="http://schemas.microsoft.com/office/drawing/2014/main" id="{6105589C-1951-C196-84D8-5991078327B9}"/>
               </a:ext>
             </a:extLst>
           </p:cNvPr>
@@ -6859,15 +7301,10 @@
             <a:spLocks noGrp="1"/>
           </p:cNvSpPr>
           <p:nvPr>
-            <p:ph sz="half" idx="1"/>
-          </p:nvPr>
-        </p:nvSpPr>
-        <p:spPr>
-          <a:xfrm>
-            <a:off x="6126480" y="2214693"/>
-            <a:ext cx="4639736" cy="3748193"/>
-          </a:xfrm>
-        </p:spPr>
+            <p:ph idx="1"/>
+          </p:nvPr>
+        </p:nvSpPr>
+        <p:spPr/>
         <p:txBody>
           <a:bodyPr/>
           <a:lstStyle/>
@@ -6876,39 +7313,10 @@
           </a:p>
         </p:txBody>
       </p:sp>
-      <p:pic>
-        <p:nvPicPr>
-          <p:cNvPr id="10" name="Content Placeholder 9">
-            <a:extLst>
-              <a:ext uri="{FF2B5EF4-FFF2-40B4-BE49-F238E27FC236}">
-                <a16:creationId xmlns:a16="http://schemas.microsoft.com/office/drawing/2014/main" id="{3E32A1E4-7626-7D58-923F-D27A7399E690}"/>
-              </a:ext>
-            </a:extLst>
-          </p:cNvPr>
-          <p:cNvPicPr>
-            <a:picLocks noGrp="1" noChangeAspect="1"/>
-          </p:cNvPicPr>
-          <p:nvPr>
-            <p:ph sz="half" idx="2"/>
-          </p:nvPr>
-        </p:nvPicPr>
-        <p:blipFill>
-          <a:blip r:embed="rId2"/>
-          <a:stretch>
-            <a:fillRect/>
-          </a:stretch>
-        </p:blipFill>
-        <p:spPr>
-          <a:xfrm>
-            <a:off x="1097280" y="2214693"/>
-            <a:ext cx="4733917" cy="3233733"/>
-          </a:xfrm>
-        </p:spPr>
-      </p:pic>
     </p:spTree>
     <p:extLst>
       <p:ext uri="{BB962C8B-B14F-4D97-AF65-F5344CB8AC3E}">
-        <p14:creationId xmlns:p14="http://schemas.microsoft.com/office/powerpoint/2010/main" val="1001600222"/>
+        <p14:creationId xmlns:p14="http://schemas.microsoft.com/office/powerpoint/2010/main" val="2010793377"/>
       </p:ext>
     </p:extLst>
   </p:cSld>
@@ -6937,10 +7345,10 @@
       </p:grpSpPr>
       <p:sp>
         <p:nvSpPr>
-          <p:cNvPr id="4" name="Title 3">
+          <p:cNvPr id="2" name="Title 1">
             <a:extLst>
               <a:ext uri="{FF2B5EF4-FFF2-40B4-BE49-F238E27FC236}">
-                <a16:creationId xmlns:a16="http://schemas.microsoft.com/office/drawing/2014/main" id="{955E3AC9-AA37-8A8D-E2E0-325745B7589C}"/>
+                <a16:creationId xmlns:a16="http://schemas.microsoft.com/office/drawing/2014/main" id="{2C5BC6D5-5381-58E6-BCF7-A6645ADFC407}"/>
               </a:ext>
             </a:extLst>
           </p:cNvPr>
@@ -6958,17 +7366,17 @@
           <a:p>
             <a:r>
               <a:rPr lang="en-AU" dirty="0"/>
-              <a:t>Untenable and Tenable Vacancy Days by Year </a:t>
-            </a:r>
-          </a:p>
-        </p:txBody>
-      </p:sp>
-      <p:sp>
-        <p:nvSpPr>
-          <p:cNvPr id="5" name="Content Placeholder 4">
+              <a:t>Project Objectives </a:t>
+            </a:r>
+          </a:p>
+        </p:txBody>
+      </p:sp>
+      <p:sp>
+        <p:nvSpPr>
+          <p:cNvPr id="3" name="Content Placeholder 2">
             <a:extLst>
               <a:ext uri="{FF2B5EF4-FFF2-40B4-BE49-F238E27FC236}">
-                <a16:creationId xmlns:a16="http://schemas.microsoft.com/office/drawing/2014/main" id="{BAFBAFEF-860A-B60F-F016-5910531A5F97}"/>
+                <a16:creationId xmlns:a16="http://schemas.microsoft.com/office/drawing/2014/main" id="{05EB99AD-6538-A2B0-D345-FFDF7B46CA6F}"/>
               </a:ext>
             </a:extLst>
           </p:cNvPr>
@@ -6976,56 +7384,178 @@
             <a:spLocks noGrp="1"/>
           </p:cNvSpPr>
           <p:nvPr>
-            <p:ph sz="half" idx="1"/>
-          </p:nvPr>
-        </p:nvSpPr>
-        <p:spPr>
-          <a:xfrm>
-            <a:off x="6515944" y="2350803"/>
-            <a:ext cx="4639736" cy="3748193"/>
-          </a:xfrm>
-        </p:spPr>
-        <p:txBody>
-          <a:bodyPr/>
+            <p:ph idx="1"/>
+          </p:nvPr>
+        </p:nvSpPr>
+        <p:spPr/>
+        <p:txBody>
+          <a:bodyPr>
+            <a:normAutofit/>
+          </a:bodyPr>
           <a:lstStyle/>
           <a:p>
+            <a:pPr>
+              <a:lnSpc>
+                <a:spcPct val="107000"/>
+              </a:lnSpc>
+              <a:spcAft>
+                <a:spcPts val="600"/>
+              </a:spcAft>
+            </a:pPr>
+            <a:r>
+              <a:rPr lang="en-AU" sz="1800" dirty="0">
+                <a:solidFill>
+                  <a:srgbClr val="1D1C1D"/>
+                </a:solidFill>
+                <a:effectLst/>
+                <a:latin typeface="Arial" panose="020B0604020202020204" pitchFamily="34" charset="0"/>
+                <a:ea typeface="Times New Roman" panose="02020603050405020304" pitchFamily="18" charset="0"/>
+                <a:cs typeface="Times New Roman" panose="02020603050405020304" pitchFamily="18" charset="0"/>
+              </a:rPr>
+              <a:t>(1) What are the vacant days across 5 year period in QLD housing sector?  (Graph 1)</a:t>
+            </a:r>
+          </a:p>
+          <a:p>
+            <a:pPr>
+              <a:lnSpc>
+                <a:spcPct val="107000"/>
+              </a:lnSpc>
+              <a:spcAft>
+                <a:spcPts val="600"/>
+              </a:spcAft>
+            </a:pPr>
+            <a:r>
+              <a:rPr lang="en-AU" sz="1800" dirty="0">
+                <a:solidFill>
+                  <a:srgbClr val="1D1C1D"/>
+                </a:solidFill>
+                <a:latin typeface="Arial" panose="020B0604020202020204" pitchFamily="34" charset="0"/>
+                <a:ea typeface="Calibri" panose="020F0502020204030204" pitchFamily="34" charset="0"/>
+                <a:cs typeface="Times New Roman" panose="02020603050405020304" pitchFamily="18" charset="0"/>
+              </a:rPr>
+              <a:t>(2) </a:t>
+            </a:r>
+            <a:r>
+              <a:rPr lang="en-AU" sz="1800" dirty="0">
+                <a:solidFill>
+                  <a:srgbClr val="1D1C1D"/>
+                </a:solidFill>
+                <a:effectLst/>
+                <a:latin typeface="Arial" panose="020B0604020202020204" pitchFamily="34" charset="0"/>
+                <a:ea typeface="Times New Roman" panose="02020603050405020304" pitchFamily="18" charset="0"/>
+                <a:cs typeface="Times New Roman" panose="02020603050405020304" pitchFamily="18" charset="0"/>
+              </a:rPr>
+              <a:t>What was the status of the dwelling during vacant days (tenantable and untenable)? (Graph 2)</a:t>
+            </a:r>
+          </a:p>
+          <a:p>
+            <a:pPr>
+              <a:lnSpc>
+                <a:spcPct val="107000"/>
+              </a:lnSpc>
+              <a:spcAft>
+                <a:spcPts val="600"/>
+              </a:spcAft>
+            </a:pPr>
+            <a:r>
+              <a:rPr lang="en-AU" sz="1800" dirty="0">
+                <a:solidFill>
+                  <a:srgbClr val="1D1C1D"/>
+                </a:solidFill>
+                <a:effectLst/>
+                <a:latin typeface="Arial" panose="020B0604020202020204" pitchFamily="34" charset="0"/>
+                <a:ea typeface="Times New Roman" panose="02020603050405020304" pitchFamily="18" charset="0"/>
+                <a:cs typeface="Times New Roman" panose="02020603050405020304" pitchFamily="18" charset="0"/>
+              </a:rPr>
+              <a:t>(3) How does unit size affect vacancy days? (Graph 3 )</a:t>
+            </a:r>
+          </a:p>
+          <a:p>
+            <a:pPr>
+              <a:lnSpc>
+                <a:spcPct val="107000"/>
+              </a:lnSpc>
+              <a:spcAft>
+                <a:spcPts val="600"/>
+              </a:spcAft>
+            </a:pPr>
+            <a:r>
+              <a:rPr lang="en-AU" sz="1800" dirty="0">
+                <a:solidFill>
+                  <a:srgbClr val="1D1C1D"/>
+                </a:solidFill>
+                <a:effectLst/>
+                <a:latin typeface="Arial" panose="020B0604020202020204" pitchFamily="34" charset="0"/>
+                <a:ea typeface="Times New Roman" panose="02020603050405020304" pitchFamily="18" charset="0"/>
+                <a:cs typeface="Times New Roman" panose="02020603050405020304" pitchFamily="18" charset="0"/>
+              </a:rPr>
+              <a:t>(4) How does dwelling type affects the vacancy days? (Graph 4 to 6)</a:t>
+            </a:r>
+            <a:endParaRPr lang="en-AU" sz="1800" dirty="0">
+              <a:effectLst/>
+              <a:latin typeface="Calibri" panose="020F0502020204030204" pitchFamily="34" charset="0"/>
+              <a:ea typeface="Calibri" panose="020F0502020204030204" pitchFamily="34" charset="0"/>
+              <a:cs typeface="Times New Roman" panose="02020603050405020304" pitchFamily="18" charset="0"/>
+            </a:endParaRPr>
+          </a:p>
+          <a:p>
+            <a:pPr marL="0" indent="0">
+              <a:lnSpc>
+                <a:spcPct val="107000"/>
+              </a:lnSpc>
+              <a:spcAft>
+                <a:spcPts val="600"/>
+              </a:spcAft>
+              <a:buNone/>
+            </a:pPr>
+            <a:r>
+              <a:rPr lang="en-AU" sz="1800" dirty="0">
+                <a:latin typeface="Calibri" panose="020F0502020204030204" pitchFamily="34" charset="0"/>
+                <a:ea typeface="Times New Roman" panose="02020603050405020304" pitchFamily="18" charset="0"/>
+                <a:cs typeface="Times New Roman" panose="02020603050405020304" pitchFamily="18" charset="0"/>
+              </a:rPr>
+              <a:t>  </a:t>
+            </a:r>
+            <a:r>
+              <a:rPr lang="en-AU" sz="1800" dirty="0">
+                <a:solidFill>
+                  <a:srgbClr val="1D1C1D"/>
+                </a:solidFill>
+                <a:effectLst/>
+                <a:latin typeface="Arial" panose="020B0604020202020204" pitchFamily="34" charset="0"/>
+                <a:ea typeface="Times New Roman" panose="02020603050405020304" pitchFamily="18" charset="0"/>
+                <a:cs typeface="Times New Roman" panose="02020603050405020304" pitchFamily="18" charset="0"/>
+              </a:rPr>
+              <a:t>(5) Are there any factors that affected the vacancy days trend? </a:t>
+            </a:r>
+          </a:p>
+          <a:p>
+            <a:pPr>
+              <a:lnSpc>
+                <a:spcPct val="107000"/>
+              </a:lnSpc>
+              <a:spcAft>
+                <a:spcPts val="600"/>
+              </a:spcAft>
+            </a:pPr>
+            <a:r>
+              <a:rPr lang="en-AU" sz="1800" dirty="0">
+                <a:solidFill>
+                  <a:srgbClr val="1D1C1D"/>
+                </a:solidFill>
+                <a:latin typeface="Arial" panose="020B0604020202020204" pitchFamily="34" charset="0"/>
+                <a:cs typeface="Times New Roman" panose="02020603050405020304" pitchFamily="18" charset="0"/>
+              </a:rPr>
+              <a:t>Null Hypothesis: </a:t>
+            </a:r>
             <a:endParaRPr lang="en-AU" dirty="0"/>
           </a:p>
         </p:txBody>
       </p:sp>
-      <p:pic>
-        <p:nvPicPr>
-          <p:cNvPr id="8" name="Content Placeholder 7">
-            <a:extLst>
-              <a:ext uri="{FF2B5EF4-FFF2-40B4-BE49-F238E27FC236}">
-                <a16:creationId xmlns:a16="http://schemas.microsoft.com/office/drawing/2014/main" id="{74EAC48B-A132-C38D-5638-821BE32187E4}"/>
-              </a:ext>
-            </a:extLst>
-          </p:cNvPr>
-          <p:cNvPicPr>
-            <a:picLocks noGrp="1" noChangeAspect="1"/>
-          </p:cNvPicPr>
-          <p:nvPr>
-            <p:ph sz="half" idx="2"/>
-          </p:nvPr>
-        </p:nvPicPr>
-        <p:blipFill>
-          <a:blip r:embed="rId2"/>
-          <a:stretch>
-            <a:fillRect/>
-          </a:stretch>
-        </p:blipFill>
-        <p:spPr>
-          <a:xfrm>
-            <a:off x="889233" y="2350803"/>
-            <a:ext cx="5025006" cy="3477900"/>
-          </a:xfrm>
-        </p:spPr>
-      </p:pic>
     </p:spTree>
     <p:extLst>
       <p:ext uri="{BB962C8B-B14F-4D97-AF65-F5344CB8AC3E}">
-        <p14:creationId xmlns:p14="http://schemas.microsoft.com/office/powerpoint/2010/main" val="2733872368"/>
+        <p14:creationId xmlns:p14="http://schemas.microsoft.com/office/powerpoint/2010/main" val="103262496"/>
       </p:ext>
     </p:extLst>
   </p:cSld>
@@ -7054,10 +7584,10 @@
       </p:grpSpPr>
       <p:sp>
         <p:nvSpPr>
-          <p:cNvPr id="28" name="Title 27">
+          <p:cNvPr id="2" name="Title 1">
             <a:extLst>
               <a:ext uri="{FF2B5EF4-FFF2-40B4-BE49-F238E27FC236}">
-                <a16:creationId xmlns:a16="http://schemas.microsoft.com/office/drawing/2014/main" id="{E32E661E-E47C-ED91-4665-61B7C9A3D112}"/>
+                <a16:creationId xmlns:a16="http://schemas.microsoft.com/office/drawing/2014/main" id="{6970517A-6A38-7EB1-5254-B8F132C4FEFE}"/>
               </a:ext>
             </a:extLst>
           </p:cNvPr>
@@ -7075,45 +7605,40 @@
           <a:p>
             <a:r>
               <a:rPr lang="en-AU" dirty="0"/>
-              <a:t>Vacancy Count by Year-Month</a:t>
-            </a:r>
-          </a:p>
-        </p:txBody>
-      </p:sp>
-      <p:pic>
-        <p:nvPicPr>
-          <p:cNvPr id="32" name="Picture 31">
+              <a:t>Data Analysis </a:t>
+            </a:r>
+          </a:p>
+        </p:txBody>
+      </p:sp>
+      <p:sp>
+        <p:nvSpPr>
+          <p:cNvPr id="3" name="Content Placeholder 2">
             <a:extLst>
               <a:ext uri="{FF2B5EF4-FFF2-40B4-BE49-F238E27FC236}">
-                <a16:creationId xmlns:a16="http://schemas.microsoft.com/office/drawing/2014/main" id="{DDA61A6F-A4EB-CE8D-2D23-AA5732328DC5}"/>
+                <a16:creationId xmlns:a16="http://schemas.microsoft.com/office/drawing/2014/main" id="{C14F8C50-1E5D-0988-993B-EFB333E85D8F}"/>
               </a:ext>
             </a:extLst>
           </p:cNvPr>
-          <p:cNvPicPr>
-            <a:picLocks noChangeAspect="1"/>
-          </p:cNvPicPr>
-          <p:nvPr/>
-        </p:nvPicPr>
-        <p:blipFill>
-          <a:blip r:embed="rId2"/>
-          <a:stretch>
-            <a:fillRect/>
-          </a:stretch>
-        </p:blipFill>
-        <p:spPr>
-          <a:xfrm>
-            <a:off x="1097280" y="2072080"/>
-            <a:ext cx="9639518" cy="3873791"/>
-          </a:xfrm>
-          <a:prstGeom prst="rect">
-            <a:avLst/>
-          </a:prstGeom>
-        </p:spPr>
-      </p:pic>
+          <p:cNvSpPr>
+            <a:spLocks noGrp="1"/>
+          </p:cNvSpPr>
+          <p:nvPr>
+            <p:ph idx="1"/>
+          </p:nvPr>
+        </p:nvSpPr>
+        <p:spPr/>
+        <p:txBody>
+          <a:bodyPr/>
+          <a:lstStyle/>
+          <a:p>
+            <a:endParaRPr lang="en-AU"/>
+          </a:p>
+        </p:txBody>
+      </p:sp>
     </p:spTree>
     <p:extLst>
       <p:ext uri="{BB962C8B-B14F-4D97-AF65-F5344CB8AC3E}">
-        <p14:creationId xmlns:p14="http://schemas.microsoft.com/office/powerpoint/2010/main" val="3383984004"/>
+        <p14:creationId xmlns:p14="http://schemas.microsoft.com/office/powerpoint/2010/main" val="2389115137"/>
       </p:ext>
     </p:extLst>
   </p:cSld>
@@ -7142,10 +7667,10 @@
       </p:grpSpPr>
       <p:sp>
         <p:nvSpPr>
-          <p:cNvPr id="2" name="Title 1">
+          <p:cNvPr id="4" name="Title 3">
             <a:extLst>
               <a:ext uri="{FF2B5EF4-FFF2-40B4-BE49-F238E27FC236}">
-                <a16:creationId xmlns:a16="http://schemas.microsoft.com/office/drawing/2014/main" id="{5CEC80D2-B18E-0C86-2C81-9802FCDEFC46}"/>
+                <a16:creationId xmlns:a16="http://schemas.microsoft.com/office/drawing/2014/main" id="{20C05956-8EE2-7A6C-2FED-857B51FDB7B4}"/>
               </a:ext>
             </a:extLst>
           </p:cNvPr>
@@ -7163,15 +7688,77 @@
           <a:p>
             <a:r>
               <a:rPr lang="en-AU" dirty="0"/>
-              <a:t>Affects of Housing from Covid</a:t>
-            </a:r>
-          </a:p>
-        </p:txBody>
-      </p:sp>
+              <a:t>Average Vacancy Days by Year </a:t>
+            </a:r>
+          </a:p>
+        </p:txBody>
+      </p:sp>
+      <p:sp>
+        <p:nvSpPr>
+          <p:cNvPr id="5" name="Content Placeholder 4">
+            <a:extLst>
+              <a:ext uri="{FF2B5EF4-FFF2-40B4-BE49-F238E27FC236}">
+                <a16:creationId xmlns:a16="http://schemas.microsoft.com/office/drawing/2014/main" id="{BDE7EA8F-83FE-7E55-3059-04BF9A06C59A}"/>
+              </a:ext>
+            </a:extLst>
+          </p:cNvPr>
+          <p:cNvSpPr>
+            <a:spLocks noGrp="1"/>
+          </p:cNvSpPr>
+          <p:nvPr>
+            <p:ph sz="half" idx="1"/>
+          </p:nvPr>
+        </p:nvSpPr>
+        <p:spPr>
+          <a:xfrm>
+            <a:off x="6126480" y="2214693"/>
+            <a:ext cx="4639736" cy="3748193"/>
+          </a:xfrm>
+        </p:spPr>
+        <p:txBody>
+          <a:bodyPr/>
+          <a:lstStyle/>
+          <a:p>
+            <a:r>
+              <a:rPr lang="en-AU" dirty="0"/>
+              <a:t>- </a:t>
+            </a:r>
+          </a:p>
+        </p:txBody>
+      </p:sp>
+      <p:pic>
+        <p:nvPicPr>
+          <p:cNvPr id="10" name="Content Placeholder 9">
+            <a:extLst>
+              <a:ext uri="{FF2B5EF4-FFF2-40B4-BE49-F238E27FC236}">
+                <a16:creationId xmlns:a16="http://schemas.microsoft.com/office/drawing/2014/main" id="{3E32A1E4-7626-7D58-923F-D27A7399E690}"/>
+              </a:ext>
+            </a:extLst>
+          </p:cNvPr>
+          <p:cNvPicPr>
+            <a:picLocks noGrp="1" noChangeAspect="1"/>
+          </p:cNvPicPr>
+          <p:nvPr>
+            <p:ph sz="half" idx="2"/>
+          </p:nvPr>
+        </p:nvPicPr>
+        <p:blipFill>
+          <a:blip r:embed="rId2"/>
+          <a:stretch>
+            <a:fillRect/>
+          </a:stretch>
+        </p:blipFill>
+        <p:spPr>
+          <a:xfrm>
+            <a:off x="1097280" y="2214693"/>
+            <a:ext cx="4733917" cy="3233733"/>
+          </a:xfrm>
+        </p:spPr>
+      </p:pic>
     </p:spTree>
     <p:extLst>
       <p:ext uri="{BB962C8B-B14F-4D97-AF65-F5344CB8AC3E}">
-        <p14:creationId xmlns:p14="http://schemas.microsoft.com/office/powerpoint/2010/main" val="3808628806"/>
+        <p14:creationId xmlns:p14="http://schemas.microsoft.com/office/powerpoint/2010/main" val="1001600222"/>
       </p:ext>
     </p:extLst>
   </p:cSld>
@@ -7551,6 +8138,15 @@
 </file>
 
 <file path=customXml/item1.xml><?xml version="1.0" encoding="utf-8"?>
+<?mso-contentType ?>
+<FormTemplates xmlns="http://schemas.microsoft.com/sharepoint/v3/contenttype/forms">
+  <Display>DocumentLibraryForm</Display>
+  <Edit>DocumentLibraryForm</Edit>
+  <New>DocumentLibraryForm</New>
+</FormTemplates>
+</file>
+
+<file path=customXml/item2.xml><?xml version="1.0" encoding="utf-8"?>
 <ct:contentTypeSchema xmlns:ct="http://schemas.microsoft.com/office/2006/metadata/contentType" xmlns:ma="http://schemas.microsoft.com/office/2006/metadata/properties/metaAttributes" ct:_="" ma:_="" ma:contentTypeName="Document" ma:contentTypeID="0x01010079F111ED35F8CC479449609E8A0923A6" ma:contentTypeVersion="12" ma:contentTypeDescription="Create a new document." ma:contentTypeScope="" ma:versionID="a410dd7f93c95333ffa1b60ed6adedd1">
   <xsd:schema xmlns:xsd="http://www.w3.org/2001/XMLSchema" xmlns:xs="http://www.w3.org/2001/XMLSchema" xmlns:p="http://schemas.microsoft.com/office/2006/metadata/properties" xmlns:ns2="71af3243-3dd4-4a8d-8c0d-dd76da1f02a5" xmlns:ns3="16c05727-aa75-4e4a-9b5f-8a80a1165891" targetNamespace="http://schemas.microsoft.com/office/2006/metadata/properties" ma:root="true" ma:fieldsID="a936d9baba76aa3866493feff160faab" ns2:_="" ns3:_="">
     <xsd:import namespace="71af3243-3dd4-4a8d-8c0d-dd76da1f02a5"/>
@@ -7771,15 +8367,6 @@
 </ct:contentTypeSchema>
 </file>
 
-<file path=customXml/item2.xml><?xml version="1.0" encoding="utf-8"?>
-<?mso-contentType ?>
-<FormTemplates xmlns="http://schemas.microsoft.com/sharepoint/v3/contenttype/forms">
-  <Display>DocumentLibraryForm</Display>
-  <Edit>DocumentLibraryForm</Edit>
-  <New>DocumentLibraryForm</New>
-</FormTemplates>
-</file>
-
 <file path=customXml/item3.xml><?xml version="1.0" encoding="utf-8"?>
 <p:properties xmlns:p="http://schemas.microsoft.com/office/2006/metadata/properties" xmlns:xsi="http://www.w3.org/2001/XMLSchema-instance" xmlns:pc="http://schemas.microsoft.com/office/infopath/2007/PartnerControls">
   <documentManagement>
@@ -7790,6 +8377,14 @@
 </file>
 
 <file path=customXml/itemProps1.xml><?xml version="1.0" encoding="utf-8"?>
+<ds:datastoreItem xmlns:ds="http://schemas.openxmlformats.org/officeDocument/2006/customXml" ds:itemID="{AA3F7EDC-E5B4-4BBC-9D2A-CBE6D46C37AD}">
+  <ds:schemaRefs>
+    <ds:schemaRef ds:uri="http://schemas.microsoft.com/sharepoint/v3/contenttype/forms"/>
+  </ds:schemaRefs>
+</ds:datastoreItem>
+</file>
+
+<file path=customXml/itemProps2.xml><?xml version="1.0" encoding="utf-8"?>
 <ds:datastoreItem xmlns:ds="http://schemas.openxmlformats.org/officeDocument/2006/customXml" ds:itemID="{93932EF5-314F-409E-8020-FEE5FA0795B9}">
   <ds:schemaRefs>
     <ds:schemaRef ds:uri="http://schemas.microsoft.com/office/2006/metadata/contentType"/>
@@ -7808,14 +8403,6 @@
 </ds:datastoreItem>
 </file>
 
-<file path=customXml/itemProps2.xml><?xml version="1.0" encoding="utf-8"?>
-<ds:datastoreItem xmlns:ds="http://schemas.openxmlformats.org/officeDocument/2006/customXml" ds:itemID="{AA3F7EDC-E5B4-4BBC-9D2A-CBE6D46C37AD}">
-  <ds:schemaRefs>
-    <ds:schemaRef ds:uri="http://schemas.microsoft.com/sharepoint/v3/contenttype/forms"/>
-  </ds:schemaRefs>
-</ds:datastoreItem>
-</file>
-
 <file path=customXml/itemProps3.xml><?xml version="1.0" encoding="utf-8"?>
 <ds:datastoreItem xmlns:ds="http://schemas.openxmlformats.org/officeDocument/2006/customXml" ds:itemID="{A03EEFF0-FB57-4CB4-8BFC-DF397689E2ED}">
   <ds:schemaRefs>

--- a/QLD Housing Vacancy.pptx
+++ b/QLD Housing Vacancy.pptx
@@ -375,7 +375,7 @@
           <a:p>
             <a:fld id="{9184DA70-C731-4C70-880D-CCD4705E623C}" type="datetime1">
               <a:rPr lang="en-US" smtClean="0"/>
-              <a:t>9/19/2022</a:t>
+              <a:t>9/20/2022</a:t>
             </a:fld>
             <a:endParaRPr lang="en-US" dirty="0"/>
           </a:p>
@@ -563,7 +563,7 @@
           <a:p>
             <a:fld id="{4BE1D723-8F53-4F53-90B0-1982A396982E}" type="datetime1">
               <a:rPr lang="en-US" smtClean="0"/>
-              <a:t>9/19/2022</a:t>
+              <a:t>9/20/2022</a:t>
             </a:fld>
             <a:endParaRPr lang="en-US" dirty="0"/>
           </a:p>
@@ -936,7 +936,7 @@
           <a:p>
             <a:fld id="{97669AF7-7BEB-44E4-9852-375E34362B5B}" type="datetime1">
               <a:rPr lang="en-US" smtClean="0"/>
-              <a:t>9/19/2022</a:t>
+              <a:t>9/20/2022</a:t>
             </a:fld>
             <a:endParaRPr lang="en-US" dirty="0"/>
           </a:p>
@@ -1191,7 +1191,7 @@
           <a:p>
             <a:fld id="{BAAAC38D-0552-4C82-B593-E6124DFADBE2}" type="datetime1">
               <a:rPr lang="en-US" smtClean="0"/>
-              <a:t>9/19/2022</a:t>
+              <a:t>9/20/2022</a:t>
             </a:fld>
             <a:endParaRPr lang="en-US" dirty="0"/>
           </a:p>
@@ -1588,7 +1588,7 @@
           <a:p>
             <a:fld id="{D9DF0F1C-5577-4ACB-BB62-DF8F3C494C7E}" type="datetime1">
               <a:rPr lang="en-US" smtClean="0"/>
-              <a:t>9/19/2022</a:t>
+              <a:t>9/20/2022</a:t>
             </a:fld>
             <a:endParaRPr lang="en-US" dirty="0"/>
           </a:p>
@@ -1724,7 +1724,7 @@
           <a:p>
             <a:fld id="{1775B394-D9F9-4F0C-B15D-605F45CB9E9F}" type="datetime1">
               <a:rPr lang="en-US" smtClean="0"/>
-              <a:t>9/19/2022</a:t>
+              <a:t>9/20/2022</a:t>
             </a:fld>
             <a:endParaRPr lang="en-US" dirty="0"/>
           </a:p>
@@ -1881,7 +1881,7 @@
           <a:p>
             <a:fld id="{39667345-2558-425A-8533-9BFDBCE15005}" type="datetime1">
               <a:rPr lang="en-US" smtClean="0"/>
-              <a:t>9/19/2022</a:t>
+              <a:t>9/20/2022</a:t>
             </a:fld>
             <a:endParaRPr lang="en-US" dirty="0"/>
           </a:p>
@@ -2210,7 +2210,7 @@
           <a:p>
             <a:fld id="{92BEA474-078D-4E9B-9B14-09A87B19DC46}" type="datetime1">
               <a:rPr lang="en-US" smtClean="0"/>
-              <a:t>9/19/2022</a:t>
+              <a:t>9/20/2022</a:t>
             </a:fld>
             <a:endParaRPr lang="en-US" dirty="0"/>
           </a:p>
@@ -2560,7 +2560,7 @@
           <a:p>
             <a:fld id="{4907D986-8816-4272-A432-0437A28A9828}" type="datetime1">
               <a:rPr lang="en-US" smtClean="0"/>
-              <a:t>9/19/2022</a:t>
+              <a:t>9/20/2022</a:t>
             </a:fld>
             <a:endParaRPr lang="en-US" dirty="0"/>
           </a:p>
@@ -2821,7 +2821,7 @@
           <a:p>
             <a:fld id="{62D6E202-B606-4609-B914-27C9371A1F6D}" type="datetime1">
               <a:rPr lang="en-US" smtClean="0"/>
-              <a:t>9/19/2022</a:t>
+              <a:t>9/20/2022</a:t>
             </a:fld>
             <a:endParaRPr lang="en-US" dirty="0"/>
           </a:p>
@@ -3995,7 +3995,27 @@
           <a:bodyPr/>
           <a:lstStyle/>
           <a:p>
-            <a:endParaRPr lang="en-AU"/>
+            <a:pPr>
+              <a:buFont typeface="Wingdings" panose="05000000000000000000" pitchFamily="2" charset="2"/>
+              <a:buChar char="q"/>
+            </a:pPr>
+            <a:r>
+              <a:rPr lang="en-AU" dirty="0"/>
+              <a:t> It seems having a trend other than the 5 Bedroom’s average vacancy days.</a:t>
+            </a:r>
+          </a:p>
+          <a:p>
+            <a:endParaRPr lang="en-AU" dirty="0"/>
+          </a:p>
+          <a:p>
+            <a:pPr>
+              <a:buFont typeface="Wingdings" panose="05000000000000000000" pitchFamily="2" charset="2"/>
+              <a:buChar char="q"/>
+            </a:pPr>
+            <a:r>
+              <a:rPr lang="en-AU" dirty="0"/>
+              <a:t> Lets dig deep on 5 Bedroom’s data set.</a:t>
+            </a:r>
           </a:p>
         </p:txBody>
       </p:sp>
@@ -4079,8 +4099,8 @@
         </p:blipFill>
         <p:spPr>
           <a:xfrm>
-            <a:off x="1675089" y="2035028"/>
-            <a:ext cx="8114863" cy="4057432"/>
+            <a:off x="193183" y="1827512"/>
+            <a:ext cx="8114863" cy="4586167"/>
           </a:xfrm>
           <a:prstGeom prst="rect">
             <a:avLst/>
@@ -8138,15 +8158,6 @@
 </file>
 
 <file path=customXml/item1.xml><?xml version="1.0" encoding="utf-8"?>
-<?mso-contentType ?>
-<FormTemplates xmlns="http://schemas.microsoft.com/sharepoint/v3/contenttype/forms">
-  <Display>DocumentLibraryForm</Display>
-  <Edit>DocumentLibraryForm</Edit>
-  <New>DocumentLibraryForm</New>
-</FormTemplates>
-</file>
-
-<file path=customXml/item2.xml><?xml version="1.0" encoding="utf-8"?>
 <ct:contentTypeSchema xmlns:ct="http://schemas.microsoft.com/office/2006/metadata/contentType" xmlns:ma="http://schemas.microsoft.com/office/2006/metadata/properties/metaAttributes" ct:_="" ma:_="" ma:contentTypeName="Document" ma:contentTypeID="0x01010079F111ED35F8CC479449609E8A0923A6" ma:contentTypeVersion="12" ma:contentTypeDescription="Create a new document." ma:contentTypeScope="" ma:versionID="a410dd7f93c95333ffa1b60ed6adedd1">
   <xsd:schema xmlns:xsd="http://www.w3.org/2001/XMLSchema" xmlns:xs="http://www.w3.org/2001/XMLSchema" xmlns:p="http://schemas.microsoft.com/office/2006/metadata/properties" xmlns:ns2="71af3243-3dd4-4a8d-8c0d-dd76da1f02a5" xmlns:ns3="16c05727-aa75-4e4a-9b5f-8a80a1165891" targetNamespace="http://schemas.microsoft.com/office/2006/metadata/properties" ma:root="true" ma:fieldsID="a936d9baba76aa3866493feff160faab" ns2:_="" ns3:_="">
     <xsd:import namespace="71af3243-3dd4-4a8d-8c0d-dd76da1f02a5"/>
@@ -8367,6 +8378,15 @@
 </ct:contentTypeSchema>
 </file>
 
+<file path=customXml/item2.xml><?xml version="1.0" encoding="utf-8"?>
+<?mso-contentType ?>
+<FormTemplates xmlns="http://schemas.microsoft.com/sharepoint/v3/contenttype/forms">
+  <Display>DocumentLibraryForm</Display>
+  <Edit>DocumentLibraryForm</Edit>
+  <New>DocumentLibraryForm</New>
+</FormTemplates>
+</file>
+
 <file path=customXml/item3.xml><?xml version="1.0" encoding="utf-8"?>
 <p:properties xmlns:p="http://schemas.microsoft.com/office/2006/metadata/properties" xmlns:xsi="http://www.w3.org/2001/XMLSchema-instance" xmlns:pc="http://schemas.microsoft.com/office/infopath/2007/PartnerControls">
   <documentManagement>
@@ -8377,14 +8397,6 @@
 </file>
 
 <file path=customXml/itemProps1.xml><?xml version="1.0" encoding="utf-8"?>
-<ds:datastoreItem xmlns:ds="http://schemas.openxmlformats.org/officeDocument/2006/customXml" ds:itemID="{AA3F7EDC-E5B4-4BBC-9D2A-CBE6D46C37AD}">
-  <ds:schemaRefs>
-    <ds:schemaRef ds:uri="http://schemas.microsoft.com/sharepoint/v3/contenttype/forms"/>
-  </ds:schemaRefs>
-</ds:datastoreItem>
-</file>
-
-<file path=customXml/itemProps2.xml><?xml version="1.0" encoding="utf-8"?>
 <ds:datastoreItem xmlns:ds="http://schemas.openxmlformats.org/officeDocument/2006/customXml" ds:itemID="{93932EF5-314F-409E-8020-FEE5FA0795B9}">
   <ds:schemaRefs>
     <ds:schemaRef ds:uri="http://schemas.microsoft.com/office/2006/metadata/contentType"/>
@@ -8403,6 +8415,14 @@
 </ds:datastoreItem>
 </file>
 
+<file path=customXml/itemProps2.xml><?xml version="1.0" encoding="utf-8"?>
+<ds:datastoreItem xmlns:ds="http://schemas.openxmlformats.org/officeDocument/2006/customXml" ds:itemID="{AA3F7EDC-E5B4-4BBC-9D2A-CBE6D46C37AD}">
+  <ds:schemaRefs>
+    <ds:schemaRef ds:uri="http://schemas.microsoft.com/sharepoint/v3/contenttype/forms"/>
+  </ds:schemaRefs>
+</ds:datastoreItem>
+</file>
+
 <file path=customXml/itemProps3.xml><?xml version="1.0" encoding="utf-8"?>
 <ds:datastoreItem xmlns:ds="http://schemas.openxmlformats.org/officeDocument/2006/customXml" ds:itemID="{A03EEFF0-FB57-4CB4-8BFC-DF397689E2ED}">
   <ds:schemaRefs>

--- a/QLD Housing Vacancy.pptx
+++ b/QLD Housing Vacancy.pptx
@@ -6,25 +6,27 @@
   </p:sldMasterIdLst>
   <p:sldIdLst>
     <p:sldId id="298" r:id="rId5"/>
-    <p:sldId id="315" r:id="rId6"/>
-    <p:sldId id="307" r:id="rId7"/>
-    <p:sldId id="301" r:id="rId8"/>
-    <p:sldId id="306" r:id="rId9"/>
-    <p:sldId id="316" r:id="rId10"/>
-    <p:sldId id="313" r:id="rId11"/>
-    <p:sldId id="319" r:id="rId12"/>
-    <p:sldId id="305" r:id="rId13"/>
-    <p:sldId id="302" r:id="rId14"/>
-    <p:sldId id="304" r:id="rId15"/>
-    <p:sldId id="308" r:id="rId16"/>
-    <p:sldId id="309" r:id="rId17"/>
-    <p:sldId id="310" r:id="rId18"/>
-    <p:sldId id="318" r:id="rId19"/>
-    <p:sldId id="317" r:id="rId20"/>
-    <p:sldId id="314" r:id="rId21"/>
-    <p:sldId id="300" r:id="rId22"/>
-    <p:sldId id="312" r:id="rId23"/>
-    <p:sldId id="311" r:id="rId24"/>
+    <p:sldId id="320" r:id="rId6"/>
+    <p:sldId id="321" r:id="rId7"/>
+    <p:sldId id="322" r:id="rId8"/>
+    <p:sldId id="323" r:id="rId9"/>
+    <p:sldId id="333" r:id="rId10"/>
+    <p:sldId id="334" r:id="rId11"/>
+    <p:sldId id="335" r:id="rId12"/>
+    <p:sldId id="336" r:id="rId13"/>
+    <p:sldId id="337" r:id="rId14"/>
+    <p:sldId id="338" r:id="rId15"/>
+    <p:sldId id="339" r:id="rId16"/>
+    <p:sldId id="340" r:id="rId17"/>
+    <p:sldId id="341" r:id="rId18"/>
+    <p:sldId id="325" r:id="rId19"/>
+    <p:sldId id="326" r:id="rId20"/>
+    <p:sldId id="327" r:id="rId21"/>
+    <p:sldId id="345" r:id="rId22"/>
+    <p:sldId id="328" r:id="rId23"/>
+    <p:sldId id="342" r:id="rId24"/>
+    <p:sldId id="343" r:id="rId25"/>
+    <p:sldId id="344" r:id="rId26"/>
   </p:sldIdLst>
   <p:sldSz cx="12192000" cy="6858000"/>
   <p:notesSz cx="6858000" cy="9144000"/>
@@ -375,7 +377,7 @@
           <a:p>
             <a:fld id="{9184DA70-C731-4C70-880D-CCD4705E623C}" type="datetime1">
               <a:rPr lang="en-US" smtClean="0"/>
-              <a:t>9/20/2022</a:t>
+              <a:t>9/21/2022</a:t>
             </a:fld>
             <a:endParaRPr lang="en-US" dirty="0"/>
           </a:p>
@@ -563,7 +565,7 @@
           <a:p>
             <a:fld id="{4BE1D723-8F53-4F53-90B0-1982A396982E}" type="datetime1">
               <a:rPr lang="en-US" smtClean="0"/>
-              <a:t>9/20/2022</a:t>
+              <a:t>9/21/2022</a:t>
             </a:fld>
             <a:endParaRPr lang="en-US" dirty="0"/>
           </a:p>
@@ -936,7 +938,7 @@
           <a:p>
             <a:fld id="{97669AF7-7BEB-44E4-9852-375E34362B5B}" type="datetime1">
               <a:rPr lang="en-US" smtClean="0"/>
-              <a:t>9/20/2022</a:t>
+              <a:t>9/21/2022</a:t>
             </a:fld>
             <a:endParaRPr lang="en-US" dirty="0"/>
           </a:p>
@@ -1191,7 +1193,7 @@
           <a:p>
             <a:fld id="{BAAAC38D-0552-4C82-B593-E6124DFADBE2}" type="datetime1">
               <a:rPr lang="en-US" smtClean="0"/>
-              <a:t>9/20/2022</a:t>
+              <a:t>9/21/2022</a:t>
             </a:fld>
             <a:endParaRPr lang="en-US" dirty="0"/>
           </a:p>
@@ -1588,7 +1590,7 @@
           <a:p>
             <a:fld id="{D9DF0F1C-5577-4ACB-BB62-DF8F3C494C7E}" type="datetime1">
               <a:rPr lang="en-US" smtClean="0"/>
-              <a:t>9/20/2022</a:t>
+              <a:t>9/21/2022</a:t>
             </a:fld>
             <a:endParaRPr lang="en-US" dirty="0"/>
           </a:p>
@@ -1724,7 +1726,7 @@
           <a:p>
             <a:fld id="{1775B394-D9F9-4F0C-B15D-605F45CB9E9F}" type="datetime1">
               <a:rPr lang="en-US" smtClean="0"/>
-              <a:t>9/20/2022</a:t>
+              <a:t>9/21/2022</a:t>
             </a:fld>
             <a:endParaRPr lang="en-US" dirty="0"/>
           </a:p>
@@ -1881,7 +1883,7 @@
           <a:p>
             <a:fld id="{39667345-2558-425A-8533-9BFDBCE15005}" type="datetime1">
               <a:rPr lang="en-US" smtClean="0"/>
-              <a:t>9/20/2022</a:t>
+              <a:t>9/21/2022</a:t>
             </a:fld>
             <a:endParaRPr lang="en-US" dirty="0"/>
           </a:p>
@@ -2210,7 +2212,7 @@
           <a:p>
             <a:fld id="{92BEA474-078D-4E9B-9B14-09A87B19DC46}" type="datetime1">
               <a:rPr lang="en-US" smtClean="0"/>
-              <a:t>9/20/2022</a:t>
+              <a:t>9/21/2022</a:t>
             </a:fld>
             <a:endParaRPr lang="en-US" dirty="0"/>
           </a:p>
@@ -2560,7 +2562,7 @@
           <a:p>
             <a:fld id="{4907D986-8816-4272-A432-0437A28A9828}" type="datetime1">
               <a:rPr lang="en-US" smtClean="0"/>
-              <a:t>9/20/2022</a:t>
+              <a:t>9/21/2022</a:t>
             </a:fld>
             <a:endParaRPr lang="en-US" dirty="0"/>
           </a:p>
@@ -2821,7 +2823,7 @@
           <a:p>
             <a:fld id="{62D6E202-B606-4609-B914-27C9371A1F6D}" type="datetime1">
               <a:rPr lang="en-US" smtClean="0"/>
-              <a:t>9/20/2022</a:t>
+              <a:t>9/21/2022</a:t>
             </a:fld>
             <a:endParaRPr lang="en-US" dirty="0"/>
           </a:p>
@@ -3802,10 +3804,10 @@
       </p:grpSpPr>
       <p:sp>
         <p:nvSpPr>
-          <p:cNvPr id="4" name="Title 3">
+          <p:cNvPr id="2" name="Title 1">
             <a:extLst>
               <a:ext uri="{FF2B5EF4-FFF2-40B4-BE49-F238E27FC236}">
-                <a16:creationId xmlns:a16="http://schemas.microsoft.com/office/drawing/2014/main" id="{955E3AC9-AA37-8A8D-E2E0-325745B7589C}"/>
+                <a16:creationId xmlns:a16="http://schemas.microsoft.com/office/drawing/2014/main" id="{07D5E4ED-A60B-B88E-42F8-57F4CB467568}"/>
               </a:ext>
             </a:extLst>
           </p:cNvPr>
@@ -3823,47 +3825,17 @@
           <a:p>
             <a:r>
               <a:rPr lang="en-AU" dirty="0"/>
-              <a:t>Untenable and Tenable Vacancy Days by Year </a:t>
-            </a:r>
-          </a:p>
-        </p:txBody>
-      </p:sp>
-      <p:sp>
-        <p:nvSpPr>
-          <p:cNvPr id="5" name="Content Placeholder 4">
-            <a:extLst>
-              <a:ext uri="{FF2B5EF4-FFF2-40B4-BE49-F238E27FC236}">
-                <a16:creationId xmlns:a16="http://schemas.microsoft.com/office/drawing/2014/main" id="{BAFBAFEF-860A-B60F-F016-5910531A5F97}"/>
-              </a:ext>
-            </a:extLst>
-          </p:cNvPr>
-          <p:cNvSpPr>
-            <a:spLocks noGrp="1"/>
-          </p:cNvSpPr>
-          <p:nvPr>
-            <p:ph sz="half" idx="1"/>
-          </p:nvPr>
-        </p:nvSpPr>
-        <p:spPr>
-          <a:xfrm>
-            <a:off x="6515944" y="2350803"/>
-            <a:ext cx="4639736" cy="3748193"/>
-          </a:xfrm>
-        </p:spPr>
-        <p:txBody>
-          <a:bodyPr/>
-          <a:lstStyle/>
-          <a:p>
-            <a:endParaRPr lang="en-AU" dirty="0"/>
+              <a:t>Data Clean-up and Exportation</a:t>
+            </a:r>
           </a:p>
         </p:txBody>
       </p:sp>
       <p:pic>
         <p:nvPicPr>
-          <p:cNvPr id="8" name="Content Placeholder 7">
+          <p:cNvPr id="5" name="Content Placeholder 4">
             <a:extLst>
               <a:ext uri="{FF2B5EF4-FFF2-40B4-BE49-F238E27FC236}">
-                <a16:creationId xmlns:a16="http://schemas.microsoft.com/office/drawing/2014/main" id="{74EAC48B-A132-C38D-5638-821BE32187E4}"/>
+                <a16:creationId xmlns:a16="http://schemas.microsoft.com/office/drawing/2014/main" id="{6558823A-7268-14DE-B35C-CD3A97F9C34D}"/>
               </a:ext>
             </a:extLst>
           </p:cNvPr>
@@ -3871,7 +3843,7 @@
             <a:picLocks noGrp="1" noChangeAspect="1"/>
           </p:cNvPicPr>
           <p:nvPr>
-            <p:ph sz="half" idx="2"/>
+            <p:ph idx="1"/>
           </p:nvPr>
         </p:nvPicPr>
         <p:blipFill>
@@ -3882,15 +3854,55 @@
         </p:blipFill>
         <p:spPr>
           <a:xfrm>
-            <a:off x="889233" y="2350803"/>
-            <a:ext cx="5025006" cy="3477900"/>
+            <a:off x="414791" y="1991408"/>
+            <a:ext cx="10058400" cy="2875184"/>
           </a:xfrm>
         </p:spPr>
       </p:pic>
+      <p:sp>
+        <p:nvSpPr>
+          <p:cNvPr id="6" name="TextBox 5">
+            <a:extLst>
+              <a:ext uri="{FF2B5EF4-FFF2-40B4-BE49-F238E27FC236}">
+                <a16:creationId xmlns:a16="http://schemas.microsoft.com/office/drawing/2014/main" id="{37039E87-4BBD-366A-6E20-805F37ED9E69}"/>
+              </a:ext>
+            </a:extLst>
+          </p:cNvPr>
+          <p:cNvSpPr txBox="1"/>
+          <p:nvPr/>
+        </p:nvSpPr>
+        <p:spPr>
+          <a:xfrm>
+            <a:off x="856343" y="5544457"/>
+            <a:ext cx="7505324" cy="369332"/>
+          </a:xfrm>
+          <a:prstGeom prst="rect">
+            <a:avLst/>
+          </a:prstGeom>
+          <a:noFill/>
+        </p:spPr>
+        <p:txBody>
+          <a:bodyPr wrap="none" rtlCol="0">
+            <a:spAutoFit/>
+          </a:bodyPr>
+          <a:lstStyle/>
+          <a:p>
+            <a:r>
+              <a:rPr lang="en-AU" dirty="0"/>
+              <a:t>- Create two new column Year and Months getting dates from the </a:t>
+            </a:r>
+            <a:r>
+              <a:rPr lang="en-AU" dirty="0" err="1"/>
+              <a:t>Dataframe</a:t>
+            </a:r>
+            <a:endParaRPr lang="en-AU" dirty="0"/>
+          </a:p>
+        </p:txBody>
+      </p:sp>
     </p:spTree>
     <p:extLst>
       <p:ext uri="{BB962C8B-B14F-4D97-AF65-F5344CB8AC3E}">
-        <p14:creationId xmlns:p14="http://schemas.microsoft.com/office/powerpoint/2010/main" val="2733872368"/>
+        <p14:creationId xmlns:p14="http://schemas.microsoft.com/office/powerpoint/2010/main" val="2177771235"/>
       </p:ext>
     </p:extLst>
   </p:cSld>
@@ -3919,10 +3931,10 @@
       </p:grpSpPr>
       <p:sp>
         <p:nvSpPr>
-          <p:cNvPr id="4" name="Title 3">
+          <p:cNvPr id="2" name="Title 1">
             <a:extLst>
               <a:ext uri="{FF2B5EF4-FFF2-40B4-BE49-F238E27FC236}">
-                <a16:creationId xmlns:a16="http://schemas.microsoft.com/office/drawing/2014/main" id="{556DD119-F167-E12E-327D-4A3EF1AA6D40}"/>
+                <a16:creationId xmlns:a16="http://schemas.microsoft.com/office/drawing/2014/main" id="{33E5DAB7-7C77-C5B6-B830-60671FC1633F}"/>
               </a:ext>
             </a:extLst>
           </p:cNvPr>
@@ -3940,17 +3952,25 @@
           <a:p>
             <a:r>
               <a:rPr lang="en-AU" dirty="0"/>
-              <a:t>Average Vacancy Days by Bedrooms </a:t>
+              <a:t>Data </a:t>
+            </a:r>
+            <a:r>
+              <a:rPr lang="en-AU" dirty="0" err="1"/>
+              <a:t>Cleanup</a:t>
+            </a:r>
+            <a:r>
+              <a:rPr lang="en-AU" dirty="0"/>
+              <a:t> and Exploration</a:t>
             </a:r>
           </a:p>
         </p:txBody>
       </p:sp>
       <p:pic>
         <p:nvPicPr>
-          <p:cNvPr id="8" name="Content Placeholder 7">
+          <p:cNvPr id="5" name="Content Placeholder 4">
             <a:extLst>
               <a:ext uri="{FF2B5EF4-FFF2-40B4-BE49-F238E27FC236}">
-                <a16:creationId xmlns:a16="http://schemas.microsoft.com/office/drawing/2014/main" id="{9DE2ACBD-75B8-4718-1EA3-892680109ED2}"/>
+                <a16:creationId xmlns:a16="http://schemas.microsoft.com/office/drawing/2014/main" id="{DBAC7EAC-90AA-954C-7D7E-8DF929A2BDB4}"/>
               </a:ext>
             </a:extLst>
           </p:cNvPr>
@@ -3958,7 +3978,7 @@
             <a:picLocks noGrp="1" noChangeAspect="1"/>
           </p:cNvPicPr>
           <p:nvPr>
-            <p:ph sz="half" idx="1"/>
+            <p:ph idx="1"/>
           </p:nvPr>
         </p:nvPicPr>
         <p:blipFill>
@@ -3969,52 +3989,42 @@
         </p:blipFill>
         <p:spPr>
           <a:xfrm>
-            <a:off x="1036320" y="2192889"/>
-            <a:ext cx="4856548" cy="3170247"/>
+            <a:off x="414792" y="2038333"/>
+            <a:ext cx="10058400" cy="2781334"/>
           </a:xfrm>
         </p:spPr>
       </p:pic>
       <p:sp>
         <p:nvSpPr>
-          <p:cNvPr id="6" name="Content Placeholder 5">
+          <p:cNvPr id="6" name="TextBox 5">
             <a:extLst>
               <a:ext uri="{FF2B5EF4-FFF2-40B4-BE49-F238E27FC236}">
-                <a16:creationId xmlns:a16="http://schemas.microsoft.com/office/drawing/2014/main" id="{3EBFA0DC-1430-5E67-9C18-BB015A230090}"/>
+                <a16:creationId xmlns:a16="http://schemas.microsoft.com/office/drawing/2014/main" id="{85FC14D3-6023-0235-F98D-A4C80682E73A}"/>
               </a:ext>
             </a:extLst>
           </p:cNvPr>
-          <p:cNvSpPr>
-            <a:spLocks noGrp="1"/>
-          </p:cNvSpPr>
-          <p:nvPr>
-            <p:ph sz="half" idx="2"/>
-          </p:nvPr>
-        </p:nvSpPr>
-        <p:spPr/>
+          <p:cNvSpPr txBox="1"/>
+          <p:nvPr/>
+        </p:nvSpPr>
+        <p:spPr>
+          <a:xfrm>
+            <a:off x="899886" y="5602514"/>
+            <a:ext cx="3685432" cy="369332"/>
+          </a:xfrm>
+          <a:prstGeom prst="rect">
+            <a:avLst/>
+          </a:prstGeom>
+          <a:noFill/>
+        </p:spPr>
         <p:txBody>
-          <a:bodyPr/>
+          <a:bodyPr wrap="none" rtlCol="0">
+            <a:spAutoFit/>
+          </a:bodyPr>
           <a:lstStyle/>
           <a:p>
-            <a:pPr>
-              <a:buFont typeface="Wingdings" panose="05000000000000000000" pitchFamily="2" charset="2"/>
-              <a:buChar char="q"/>
-            </a:pPr>
             <a:r>
               <a:rPr lang="en-AU" dirty="0"/>
-              <a:t> It seems having a trend other than the 5 Bedroom’s average vacancy days.</a:t>
-            </a:r>
-          </a:p>
-          <a:p>
-            <a:endParaRPr lang="en-AU" dirty="0"/>
-          </a:p>
-          <a:p>
-            <a:pPr>
-              <a:buFont typeface="Wingdings" panose="05000000000000000000" pitchFamily="2" charset="2"/>
-              <a:buChar char="q"/>
-            </a:pPr>
-            <a:r>
-              <a:rPr lang="en-AU" dirty="0"/>
-              <a:t> Lets dig deep on 5 Bedroom’s data set.</a:t>
+              <a:t>- Save all data frame in new Csv file.</a:t>
             </a:r>
           </a:p>
         </p:txBody>
@@ -4022,7 +4032,7 @@
     </p:spTree>
     <p:extLst>
       <p:ext uri="{BB962C8B-B14F-4D97-AF65-F5344CB8AC3E}">
-        <p14:creationId xmlns:p14="http://schemas.microsoft.com/office/powerpoint/2010/main" val="3706224563"/>
+        <p14:creationId xmlns:p14="http://schemas.microsoft.com/office/powerpoint/2010/main" val="1889668287"/>
       </p:ext>
     </p:extLst>
   </p:cSld>
@@ -4051,10 +4061,10 @@
       </p:grpSpPr>
       <p:sp>
         <p:nvSpPr>
-          <p:cNvPr id="2" name="Title 1">
+          <p:cNvPr id="4" name="Title 3">
             <a:extLst>
               <a:ext uri="{FF2B5EF4-FFF2-40B4-BE49-F238E27FC236}">
-                <a16:creationId xmlns:a16="http://schemas.microsoft.com/office/drawing/2014/main" id="{22E8E9D2-B507-6C21-4C88-85907E39D135}"/>
+                <a16:creationId xmlns:a16="http://schemas.microsoft.com/office/drawing/2014/main" id="{20C05956-8EE2-7A6C-2FED-857B51FDB7B4}"/>
               </a:ext>
             </a:extLst>
           </p:cNvPr>
@@ -4072,24 +4082,74 @@
           <a:p>
             <a:r>
               <a:rPr lang="en-AU" dirty="0"/>
-              <a:t>Housing types and bedroom comparison </a:t>
-            </a:r>
+              <a:t>Average Vacancy Days by Year </a:t>
+            </a:r>
+          </a:p>
+        </p:txBody>
+      </p:sp>
+      <p:sp>
+        <p:nvSpPr>
+          <p:cNvPr id="5" name="Content Placeholder 4">
+            <a:extLst>
+              <a:ext uri="{FF2B5EF4-FFF2-40B4-BE49-F238E27FC236}">
+                <a16:creationId xmlns:a16="http://schemas.microsoft.com/office/drawing/2014/main" id="{BDE7EA8F-83FE-7E55-3059-04BF9A06C59A}"/>
+              </a:ext>
+            </a:extLst>
+          </p:cNvPr>
+          <p:cNvSpPr>
+            <a:spLocks noGrp="1"/>
+          </p:cNvSpPr>
+          <p:nvPr>
+            <p:ph sz="half" idx="1"/>
+          </p:nvPr>
+        </p:nvSpPr>
+        <p:spPr>
+          <a:xfrm>
+            <a:off x="6126480" y="2214693"/>
+            <a:ext cx="4639736" cy="3748193"/>
+          </a:xfrm>
+        </p:spPr>
+        <p:txBody>
+          <a:bodyPr/>
+          <a:lstStyle/>
+          <a:p>
+            <a:r>
+              <a:rPr lang="en-AU" dirty="0"/>
+              <a:t>-The Days on market called as DOM as well.</a:t>
+            </a:r>
+          </a:p>
+          <a:p>
+            <a:r>
+              <a:rPr lang="en-AU" dirty="0"/>
+              <a:t>- In this Slide we would like to explain that how the average vacancy  days increase and decrease by year. </a:t>
+            </a:r>
+          </a:p>
+          <a:p>
+            <a:r>
+              <a:rPr lang="en-AU" dirty="0"/>
+              <a:t>- As we can see beginning of the 2020 vacancy rate dropping down around 45days and it still going down in 2021 which is approx. 30days.</a:t>
+            </a:r>
+          </a:p>
+          <a:p>
+            <a:endParaRPr lang="en-AU" dirty="0"/>
           </a:p>
         </p:txBody>
       </p:sp>
       <p:pic>
         <p:nvPicPr>
-          <p:cNvPr id="4" name="Picture 3">
+          <p:cNvPr id="10" name="Content Placeholder 9">
             <a:extLst>
               <a:ext uri="{FF2B5EF4-FFF2-40B4-BE49-F238E27FC236}">
-                <a16:creationId xmlns:a16="http://schemas.microsoft.com/office/drawing/2014/main" id="{5A8DD530-05D1-17A1-E3C5-7A75DB2AF539}"/>
+                <a16:creationId xmlns:a16="http://schemas.microsoft.com/office/drawing/2014/main" id="{3E32A1E4-7626-7D58-923F-D27A7399E690}"/>
               </a:ext>
             </a:extLst>
           </p:cNvPr>
           <p:cNvPicPr>
-            <a:picLocks noChangeAspect="1"/>
+            <a:picLocks noGrp="1" noChangeAspect="1"/>
           </p:cNvPicPr>
-          <p:nvPr/>
+          <p:nvPr>
+            <p:ph sz="half" idx="2"/>
+          </p:nvPr>
         </p:nvPicPr>
         <p:blipFill>
           <a:blip r:embed="rId2"/>
@@ -4099,18 +4159,15 @@
         </p:blipFill>
         <p:spPr>
           <a:xfrm>
-            <a:off x="193183" y="1827512"/>
-            <a:ext cx="8114863" cy="4586167"/>
+            <a:off x="1097280" y="2214693"/>
+            <a:ext cx="4733917" cy="3233733"/>
           </a:xfrm>
-          <a:prstGeom prst="rect">
-            <a:avLst/>
-          </a:prstGeom>
         </p:spPr>
       </p:pic>
     </p:spTree>
     <p:extLst>
       <p:ext uri="{BB962C8B-B14F-4D97-AF65-F5344CB8AC3E}">
-        <p14:creationId xmlns:p14="http://schemas.microsoft.com/office/powerpoint/2010/main" val="240786751"/>
+        <p14:creationId xmlns:p14="http://schemas.microsoft.com/office/powerpoint/2010/main" val="2012367060"/>
       </p:ext>
     </p:extLst>
   </p:cSld>
@@ -4139,10 +4196,10 @@
       </p:grpSpPr>
       <p:sp>
         <p:nvSpPr>
-          <p:cNvPr id="2" name="Title 1">
+          <p:cNvPr id="4" name="Title 3">
             <a:extLst>
               <a:ext uri="{FF2B5EF4-FFF2-40B4-BE49-F238E27FC236}">
-                <a16:creationId xmlns:a16="http://schemas.microsoft.com/office/drawing/2014/main" id="{6213F334-81B7-1BAD-3F70-D167304B2658}"/>
+                <a16:creationId xmlns:a16="http://schemas.microsoft.com/office/drawing/2014/main" id="{955E3AC9-AA37-8A8D-E2E0-325745B7589C}"/>
               </a:ext>
             </a:extLst>
           </p:cNvPr>
@@ -4160,26 +4217,68 @@
           <a:p>
             <a:r>
               <a:rPr lang="en-AU" dirty="0"/>
-              <a:t>Outliers of vacancy days against bedrooms</a:t>
-            </a:r>
+              <a:t>Untenantable and Tenantable Vacancy Days by Year </a:t>
+            </a:r>
+          </a:p>
+        </p:txBody>
+      </p:sp>
+      <p:sp>
+        <p:nvSpPr>
+          <p:cNvPr id="5" name="Content Placeholder 4">
+            <a:extLst>
+              <a:ext uri="{FF2B5EF4-FFF2-40B4-BE49-F238E27FC236}">
+                <a16:creationId xmlns:a16="http://schemas.microsoft.com/office/drawing/2014/main" id="{BAFBAFEF-860A-B60F-F016-5910531A5F97}"/>
+              </a:ext>
+            </a:extLst>
+          </p:cNvPr>
+          <p:cNvSpPr>
+            <a:spLocks noGrp="1"/>
+          </p:cNvSpPr>
+          <p:nvPr>
+            <p:ph sz="half" idx="1"/>
+          </p:nvPr>
+        </p:nvSpPr>
+        <p:spPr>
+          <a:xfrm>
+            <a:off x="6515944" y="2350803"/>
+            <a:ext cx="4639736" cy="3748193"/>
+          </a:xfrm>
+        </p:spPr>
+        <p:txBody>
+          <a:bodyPr>
+            <a:normAutofit lnSpcReduction="10000"/>
+          </a:bodyPr>
+          <a:lstStyle/>
+          <a:p>
+            <a:r>
+              <a:rPr lang="en-AU" dirty="0"/>
+              <a:t>- In this graph as we are trying to compare the tenantable and untenantable house vacancy days by year.</a:t>
+            </a:r>
+          </a:p>
+          <a:p>
+            <a:r>
+              <a:rPr lang="en-AU" dirty="0"/>
+              <a:t>-As we can see in 2017 graph shows a tenantable vacancy rate is increasing up to the end of the 2019  which going up to the 33 days and suddenly it going down in 2020 and 2021. In the other side untenantable is gradually increasing and decreasing during all  this year but doesn’t have drastic change as like tenable.</a:t>
+            </a:r>
+          </a:p>
+          <a:p>
+            <a:endParaRPr lang="en-AU" dirty="0"/>
           </a:p>
         </p:txBody>
       </p:sp>
       <p:pic>
         <p:nvPicPr>
-          <p:cNvPr id="6" name="Content Placeholder 5">
+          <p:cNvPr id="3" name="Picture 2">
             <a:extLst>
               <a:ext uri="{FF2B5EF4-FFF2-40B4-BE49-F238E27FC236}">
-                <a16:creationId xmlns:a16="http://schemas.microsoft.com/office/drawing/2014/main" id="{4476BB34-5C1F-92CD-DF39-2E292DD90DD1}"/>
+                <a16:creationId xmlns:a16="http://schemas.microsoft.com/office/drawing/2014/main" id="{402F938F-2441-7567-FDB0-F6E6255C4175}"/>
               </a:ext>
             </a:extLst>
           </p:cNvPr>
           <p:cNvPicPr>
-            <a:picLocks noGrp="1" noChangeAspect="1"/>
+            <a:picLocks noChangeAspect="1"/>
           </p:cNvPicPr>
-          <p:nvPr>
-            <p:ph sz="half" idx="1"/>
-          </p:nvPr>
+          <p:nvPr/>
         </p:nvPicPr>
         <p:blipFill>
           <a:blip r:embed="rId2"/>
@@ -4189,40 +4288,18 @@
         </p:blipFill>
         <p:spPr>
           <a:xfrm>
-            <a:off x="1193006" y="2120900"/>
-            <a:ext cx="4448175" cy="3382278"/>
+            <a:off x="1036320" y="2213178"/>
+            <a:ext cx="4853950" cy="3312107"/>
           </a:xfrm>
+          <a:prstGeom prst="rect">
+            <a:avLst/>
+          </a:prstGeom>
         </p:spPr>
       </p:pic>
-      <p:sp>
-        <p:nvSpPr>
-          <p:cNvPr id="4" name="Content Placeholder 3">
-            <a:extLst>
-              <a:ext uri="{FF2B5EF4-FFF2-40B4-BE49-F238E27FC236}">
-                <a16:creationId xmlns:a16="http://schemas.microsoft.com/office/drawing/2014/main" id="{07B84EA5-AA0D-FBEA-FF50-60E262488F00}"/>
-              </a:ext>
-            </a:extLst>
-          </p:cNvPr>
-          <p:cNvSpPr>
-            <a:spLocks noGrp="1"/>
-          </p:cNvSpPr>
-          <p:nvPr>
-            <p:ph sz="half" idx="2"/>
-          </p:nvPr>
-        </p:nvSpPr>
-        <p:spPr/>
-        <p:txBody>
-          <a:bodyPr/>
-          <a:lstStyle/>
-          <a:p>
-            <a:endParaRPr lang="en-AU" dirty="0"/>
-          </a:p>
-        </p:txBody>
-      </p:sp>
     </p:spTree>
     <p:extLst>
       <p:ext uri="{BB962C8B-B14F-4D97-AF65-F5344CB8AC3E}">
-        <p14:creationId xmlns:p14="http://schemas.microsoft.com/office/powerpoint/2010/main" val="1260351518"/>
+        <p14:creationId xmlns:p14="http://schemas.microsoft.com/office/powerpoint/2010/main" val="3848462219"/>
       </p:ext>
     </p:extLst>
   </p:cSld>
@@ -4251,10 +4328,10 @@
       </p:grpSpPr>
       <p:sp>
         <p:nvSpPr>
-          <p:cNvPr id="2" name="Title 1">
+          <p:cNvPr id="4" name="Title 3">
             <a:extLst>
               <a:ext uri="{FF2B5EF4-FFF2-40B4-BE49-F238E27FC236}">
-                <a16:creationId xmlns:a16="http://schemas.microsoft.com/office/drawing/2014/main" id="{65A32D54-0386-F374-3BAC-0284D58F5212}"/>
+                <a16:creationId xmlns:a16="http://schemas.microsoft.com/office/drawing/2014/main" id="{556DD119-F167-E12E-327D-4A3EF1AA6D40}"/>
               </a:ext>
             </a:extLst>
           </p:cNvPr>
@@ -4272,17 +4349,17 @@
           <a:p>
             <a:r>
               <a:rPr lang="en-AU" dirty="0"/>
-              <a:t>Average Vacancy Days against bedrooms</a:t>
+              <a:t>Average Vacancy Days by Bedrooms </a:t>
             </a:r>
           </a:p>
         </p:txBody>
       </p:sp>
       <p:pic>
         <p:nvPicPr>
-          <p:cNvPr id="6" name="Content Placeholder 5">
+          <p:cNvPr id="8" name="Content Placeholder 7">
             <a:extLst>
               <a:ext uri="{FF2B5EF4-FFF2-40B4-BE49-F238E27FC236}">
-                <a16:creationId xmlns:a16="http://schemas.microsoft.com/office/drawing/2014/main" id="{3C80E645-9770-FF74-B0B0-65645D8EB173}"/>
+                <a16:creationId xmlns:a16="http://schemas.microsoft.com/office/drawing/2014/main" id="{9DE2ACBD-75B8-4718-1EA3-892680109ED2}"/>
               </a:ext>
             </a:extLst>
           </p:cNvPr>
@@ -4301,17 +4378,17 @@
         </p:blipFill>
         <p:spPr>
           <a:xfrm>
-            <a:off x="1402556" y="2231472"/>
-            <a:ext cx="4461349" cy="3405930"/>
+            <a:off x="1036320" y="2192889"/>
+            <a:ext cx="4856548" cy="3170247"/>
           </a:xfrm>
         </p:spPr>
       </p:pic>
       <p:sp>
         <p:nvSpPr>
-          <p:cNvPr id="4" name="Content Placeholder 3">
+          <p:cNvPr id="6" name="Content Placeholder 5">
             <a:extLst>
               <a:ext uri="{FF2B5EF4-FFF2-40B4-BE49-F238E27FC236}">
-                <a16:creationId xmlns:a16="http://schemas.microsoft.com/office/drawing/2014/main" id="{B64C62FA-997B-845A-1DD9-0E514C997498}"/>
+                <a16:creationId xmlns:a16="http://schemas.microsoft.com/office/drawing/2014/main" id="{3EBFA0DC-1430-5E67-9C18-BB015A230090}"/>
               </a:ext>
             </a:extLst>
           </p:cNvPr>
@@ -4322,22 +4399,39 @@
             <p:ph sz="half" idx="2"/>
           </p:nvPr>
         </p:nvSpPr>
-        <p:spPr/>
+        <p:spPr>
+          <a:xfrm>
+            <a:off x="6515944" y="2120901"/>
+            <a:ext cx="4639736" cy="2552700"/>
+          </a:xfrm>
+        </p:spPr>
         <p:txBody>
           <a:bodyPr/>
           <a:lstStyle/>
           <a:p>
+            <a:endParaRPr lang="en-AU" dirty="0"/>
+          </a:p>
+          <a:p>
             <a:r>
               <a:rPr lang="en-AU" dirty="0"/>
-              <a:t>- Removing 3 outliers ( 7412, 326, 287)</a:t>
-            </a:r>
+              <a:t>- In this slide we are trying to explain the average vacancy days by bedroom and we found that bigger house or 5 bedroom house had more vacancy days than others.</a:t>
+            </a:r>
+          </a:p>
+          <a:p>
+            <a:endParaRPr lang="en-AU" dirty="0"/>
+          </a:p>
+          <a:p>
+            <a:endParaRPr lang="en-AU" dirty="0"/>
+          </a:p>
+          <a:p>
+            <a:endParaRPr lang="en-AU" dirty="0"/>
           </a:p>
         </p:txBody>
       </p:sp>
     </p:spTree>
     <p:extLst>
       <p:ext uri="{BB962C8B-B14F-4D97-AF65-F5344CB8AC3E}">
-        <p14:creationId xmlns:p14="http://schemas.microsoft.com/office/powerpoint/2010/main" val="1680785609"/>
+        <p14:creationId xmlns:p14="http://schemas.microsoft.com/office/powerpoint/2010/main" val="2418508767"/>
       </p:ext>
     </p:extLst>
   </p:cSld>
@@ -4369,7 +4463,7 @@
           <p:cNvPr id="2" name="Title 1">
             <a:extLst>
               <a:ext uri="{FF2B5EF4-FFF2-40B4-BE49-F238E27FC236}">
-                <a16:creationId xmlns:a16="http://schemas.microsoft.com/office/drawing/2014/main" id="{8DF49682-8AD5-10FB-3619-CA604CBFD3A2}"/>
+                <a16:creationId xmlns:a16="http://schemas.microsoft.com/office/drawing/2014/main" id="{22E8E9D2-B507-6C21-4C88-85907E39D135}"/>
               </a:ext>
             </a:extLst>
           </p:cNvPr>
@@ -4380,72 +4474,98 @@
             <p:ph type="title"/>
           </p:nvPr>
         </p:nvSpPr>
-        <p:spPr/>
+        <p:spPr>
+          <a:xfrm>
+            <a:off x="1097280" y="286603"/>
+            <a:ext cx="10058400" cy="566837"/>
+          </a:xfrm>
+        </p:spPr>
         <p:txBody>
-          <a:bodyPr/>
+          <a:bodyPr>
+            <a:normAutofit fontScale="90000"/>
+          </a:bodyPr>
           <a:lstStyle/>
           <a:p>
             <a:r>
+              <a:rPr lang="en-AU" sz="4000" dirty="0"/>
+              <a:t>Housing types and bedroom comparison </a:t>
+            </a:r>
+          </a:p>
+        </p:txBody>
+      </p:sp>
+      <p:pic>
+        <p:nvPicPr>
+          <p:cNvPr id="8" name="Picture 7" descr="A screenshot of a computer&#10;&#10;Description automatically generated with low confidence">
+            <a:extLst>
+              <a:ext uri="{FF2B5EF4-FFF2-40B4-BE49-F238E27FC236}">
+                <a16:creationId xmlns:a16="http://schemas.microsoft.com/office/drawing/2014/main" id="{3A1A3F17-3E87-F199-3B6C-6D710FB858A1}"/>
+              </a:ext>
+            </a:extLst>
+          </p:cNvPr>
+          <p:cNvPicPr>
+            <a:picLocks noChangeAspect="1"/>
+          </p:cNvPicPr>
+          <p:nvPr/>
+        </p:nvPicPr>
+        <p:blipFill>
+          <a:blip r:embed="rId2"/>
+          <a:stretch>
+            <a:fillRect/>
+          </a:stretch>
+        </p:blipFill>
+        <p:spPr>
+          <a:xfrm>
+            <a:off x="0" y="853440"/>
+            <a:ext cx="9479280" cy="5583552"/>
+          </a:xfrm>
+          <a:prstGeom prst="rect">
+            <a:avLst/>
+          </a:prstGeom>
+        </p:spPr>
+      </p:pic>
+      <p:sp>
+        <p:nvSpPr>
+          <p:cNvPr id="9" name="TextBox 8">
+            <a:extLst>
+              <a:ext uri="{FF2B5EF4-FFF2-40B4-BE49-F238E27FC236}">
+                <a16:creationId xmlns:a16="http://schemas.microsoft.com/office/drawing/2014/main" id="{7CA37F30-8E4E-8C28-4450-1A27430F89AA}"/>
+              </a:ext>
+            </a:extLst>
+          </p:cNvPr>
+          <p:cNvSpPr txBox="1"/>
+          <p:nvPr/>
+        </p:nvSpPr>
+        <p:spPr>
+          <a:xfrm>
+            <a:off x="9479280" y="1951672"/>
+            <a:ext cx="2377440" cy="1477328"/>
+          </a:xfrm>
+          <a:prstGeom prst="rect">
+            <a:avLst/>
+          </a:prstGeom>
+          <a:noFill/>
+        </p:spPr>
+        <p:txBody>
+          <a:bodyPr wrap="square" rtlCol="0">
+            <a:spAutoFit/>
+          </a:bodyPr>
+          <a:lstStyle/>
+          <a:p>
+            <a:pPr marL="285750" indent="-285750">
+              <a:buFont typeface="Wingdings" panose="05000000000000000000" pitchFamily="2" charset="2"/>
+              <a:buChar char="q"/>
+            </a:pPr>
+            <a:r>
               <a:rPr lang="en-AU" dirty="0"/>
-              <a:t>Size of Dwelling </a:t>
-            </a:r>
-          </a:p>
-        </p:txBody>
-      </p:sp>
-      <p:sp>
-        <p:nvSpPr>
-          <p:cNvPr id="3" name="Content Placeholder 2">
-            <a:extLst>
-              <a:ext uri="{FF2B5EF4-FFF2-40B4-BE49-F238E27FC236}">
-                <a16:creationId xmlns:a16="http://schemas.microsoft.com/office/drawing/2014/main" id="{8E6312B2-B9CD-7799-DC12-D6D5366B2857}"/>
-              </a:ext>
-            </a:extLst>
-          </p:cNvPr>
-          <p:cNvSpPr>
-            <a:spLocks noGrp="1"/>
-          </p:cNvSpPr>
-          <p:nvPr>
-            <p:ph sz="half" idx="1"/>
-          </p:nvPr>
-        </p:nvSpPr>
-        <p:spPr/>
-        <p:txBody>
-          <a:bodyPr/>
-          <a:lstStyle/>
-          <a:p>
-            <a:endParaRPr lang="en-AU"/>
-          </a:p>
-        </p:txBody>
-      </p:sp>
-      <p:sp>
-        <p:nvSpPr>
-          <p:cNvPr id="4" name="Content Placeholder 3">
-            <a:extLst>
-              <a:ext uri="{FF2B5EF4-FFF2-40B4-BE49-F238E27FC236}">
-                <a16:creationId xmlns:a16="http://schemas.microsoft.com/office/drawing/2014/main" id="{672F4D51-A31E-5312-7649-EB54F0B411B4}"/>
-              </a:ext>
-            </a:extLst>
-          </p:cNvPr>
-          <p:cNvSpPr>
-            <a:spLocks noGrp="1"/>
-          </p:cNvSpPr>
-          <p:nvPr>
-            <p:ph sz="half" idx="2"/>
-          </p:nvPr>
-        </p:nvSpPr>
-        <p:spPr/>
-        <p:txBody>
-          <a:bodyPr/>
-          <a:lstStyle/>
-          <a:p>
-            <a:endParaRPr lang="en-AU"/>
+              <a:t>We can clearly see that 5 Bedrooms Detached House bar is way too big compare to others.</a:t>
+            </a:r>
           </a:p>
         </p:txBody>
       </p:sp>
     </p:spTree>
     <p:extLst>
       <p:ext uri="{BB962C8B-B14F-4D97-AF65-F5344CB8AC3E}">
-        <p14:creationId xmlns:p14="http://schemas.microsoft.com/office/powerpoint/2010/main" val="3044815388"/>
+        <p14:creationId xmlns:p14="http://schemas.microsoft.com/office/powerpoint/2010/main" val="2526737545"/>
       </p:ext>
     </p:extLst>
   </p:cSld>
@@ -4477,7 +4597,7 @@
           <p:cNvPr id="2" name="Title 1">
             <a:extLst>
               <a:ext uri="{FF2B5EF4-FFF2-40B4-BE49-F238E27FC236}">
-                <a16:creationId xmlns:a16="http://schemas.microsoft.com/office/drawing/2014/main" id="{11846F38-FF99-E374-F7CB-C18D70B77E26}"/>
+                <a16:creationId xmlns:a16="http://schemas.microsoft.com/office/drawing/2014/main" id="{6213F334-81B7-1BAD-3F70-D167304B2658}"/>
               </a:ext>
             </a:extLst>
           </p:cNvPr>
@@ -4495,17 +4615,17 @@
           <a:p>
             <a:r>
               <a:rPr lang="en-AU" dirty="0"/>
-              <a:t>Null Hypothesis </a:t>
+              <a:t>Outliers of vacancy days against bedrooms</a:t>
             </a:r>
           </a:p>
         </p:txBody>
       </p:sp>
       <p:sp>
         <p:nvSpPr>
-          <p:cNvPr id="3" name="Content Placeholder 2">
+          <p:cNvPr id="4" name="Content Placeholder 3">
             <a:extLst>
               <a:ext uri="{FF2B5EF4-FFF2-40B4-BE49-F238E27FC236}">
-                <a16:creationId xmlns:a16="http://schemas.microsoft.com/office/drawing/2014/main" id="{F5391B62-2ACC-BEF1-5F87-063DFD8314BA}"/>
+                <a16:creationId xmlns:a16="http://schemas.microsoft.com/office/drawing/2014/main" id="{07B84EA5-AA0D-FBEA-FF50-60E262488F00}"/>
               </a:ext>
             </a:extLst>
           </p:cNvPr>
@@ -4513,22 +4633,288 @@
             <a:spLocks noGrp="1"/>
           </p:cNvSpPr>
           <p:nvPr>
-            <p:ph idx="1"/>
-          </p:nvPr>
-        </p:nvSpPr>
-        <p:spPr/>
+            <p:ph sz="half" idx="2"/>
+          </p:nvPr>
+        </p:nvSpPr>
+        <p:spPr>
+          <a:xfrm>
+            <a:off x="6263640" y="2120900"/>
+            <a:ext cx="4892040" cy="3748194"/>
+          </a:xfrm>
+        </p:spPr>
         <p:txBody>
-          <a:bodyPr/>
+          <a:bodyPr>
+            <a:normAutofit fontScale="92500" lnSpcReduction="20000"/>
+          </a:bodyPr>
           <a:lstStyle/>
           <a:p>
-            <a:endParaRPr lang="en-AU" dirty="0"/>
+            <a:pPr>
+              <a:buFont typeface="Wingdings" panose="05000000000000000000" pitchFamily="2" charset="2"/>
+              <a:buChar char="q"/>
+            </a:pPr>
+            <a:r>
+              <a:rPr lang="en-AU" dirty="0"/>
+              <a:t> Investigate the potential outliers of 5 Bedrooms Detached House data. And find below Outliers.</a:t>
+            </a:r>
+          </a:p>
+          <a:p>
+            <a:pPr marL="0" indent="0">
+              <a:spcBef>
+                <a:spcPts val="0"/>
+              </a:spcBef>
+              <a:buNone/>
+            </a:pPr>
+            <a:r>
+              <a:rPr lang="en-US" b="0" i="0" dirty="0">
+                <a:solidFill>
+                  <a:schemeClr val="tx1"/>
+                </a:solidFill>
+                <a:effectLst/>
+                <a:latin typeface="Consolas" panose="020B0609020204030204" pitchFamily="49" charset="0"/>
+              </a:rPr>
+              <a:t>Potential outlier are: </a:t>
+            </a:r>
+          </a:p>
+          <a:p>
+            <a:pPr marL="0" indent="0">
+              <a:spcBef>
+                <a:spcPts val="0"/>
+              </a:spcBef>
+              <a:buNone/>
+            </a:pPr>
+            <a:r>
+              <a:rPr lang="en-US" b="0" i="0" dirty="0">
+                <a:solidFill>
+                  <a:schemeClr val="tx1"/>
+                </a:solidFill>
+                <a:effectLst/>
+                <a:latin typeface="Consolas" panose="020B0609020204030204" pitchFamily="49" charset="0"/>
+              </a:rPr>
+              <a:t>Index	Vacant Days</a:t>
+            </a:r>
+          </a:p>
+          <a:p>
+            <a:pPr marL="0" indent="0">
+              <a:spcBef>
+                <a:spcPts val="0"/>
+              </a:spcBef>
+              <a:buNone/>
+            </a:pPr>
+            <a:r>
+              <a:rPr lang="en-US" b="0" i="0" dirty="0">
+                <a:solidFill>
+                  <a:schemeClr val="tx1"/>
+                </a:solidFill>
+                <a:effectLst/>
+                <a:highlight>
+                  <a:srgbClr val="FFFF00"/>
+                </a:highlight>
+                <a:latin typeface="Consolas" panose="020B0609020204030204" pitchFamily="49" charset="0"/>
+              </a:rPr>
+              <a:t>13838 	7412 </a:t>
+            </a:r>
+          </a:p>
+          <a:p>
+            <a:pPr marL="0" indent="0">
+              <a:spcBef>
+                <a:spcPts val="0"/>
+              </a:spcBef>
+              <a:buNone/>
+            </a:pPr>
+            <a:r>
+              <a:rPr lang="en-US" b="0" i="0" dirty="0">
+                <a:solidFill>
+                  <a:schemeClr val="tx1"/>
+                </a:solidFill>
+                <a:effectLst/>
+                <a:highlight>
+                  <a:srgbClr val="FFFF00"/>
+                </a:highlight>
+                <a:latin typeface="Consolas" panose="020B0609020204030204" pitchFamily="49" charset="0"/>
+              </a:rPr>
+              <a:t>21461 	326 </a:t>
+            </a:r>
+          </a:p>
+          <a:p>
+            <a:pPr marL="0" indent="0">
+              <a:spcBef>
+                <a:spcPts val="0"/>
+              </a:spcBef>
+              <a:buNone/>
+            </a:pPr>
+            <a:r>
+              <a:rPr lang="en-US" b="0" i="0" dirty="0">
+                <a:solidFill>
+                  <a:schemeClr val="tx1"/>
+                </a:solidFill>
+                <a:effectLst/>
+                <a:highlight>
+                  <a:srgbClr val="FFFF00"/>
+                </a:highlight>
+                <a:latin typeface="Consolas" panose="020B0609020204030204" pitchFamily="49" charset="0"/>
+              </a:rPr>
+              <a:t>12916 	287</a:t>
+            </a:r>
+            <a:r>
+              <a:rPr lang="en-US" b="0" i="0" dirty="0">
+                <a:solidFill>
+                  <a:schemeClr val="tx1"/>
+                </a:solidFill>
+                <a:effectLst/>
+                <a:latin typeface="Consolas" panose="020B0609020204030204" pitchFamily="49" charset="0"/>
+              </a:rPr>
+              <a:t> </a:t>
+            </a:r>
+          </a:p>
+          <a:p>
+            <a:pPr marL="0" indent="0">
+              <a:spcBef>
+                <a:spcPts val="0"/>
+              </a:spcBef>
+              <a:buNone/>
+            </a:pPr>
+            <a:r>
+              <a:rPr lang="en-US" b="0" i="0" dirty="0">
+                <a:solidFill>
+                  <a:schemeClr val="tx1"/>
+                </a:solidFill>
+                <a:effectLst/>
+                <a:latin typeface="Consolas" panose="020B0609020204030204" pitchFamily="49" charset="0"/>
+              </a:rPr>
+              <a:t>21753 	188 </a:t>
+            </a:r>
+          </a:p>
+          <a:p>
+            <a:pPr marL="0" indent="0">
+              <a:spcBef>
+                <a:spcPts val="0"/>
+              </a:spcBef>
+              <a:buNone/>
+            </a:pPr>
+            <a:r>
+              <a:rPr lang="en-US" b="0" i="0" dirty="0">
+                <a:solidFill>
+                  <a:schemeClr val="tx1"/>
+                </a:solidFill>
+                <a:effectLst/>
+                <a:latin typeface="Consolas" panose="020B0609020204030204" pitchFamily="49" charset="0"/>
+              </a:rPr>
+              <a:t>26734 	164 </a:t>
+            </a:r>
+          </a:p>
+          <a:p>
+            <a:pPr marL="0" indent="0">
+              <a:spcBef>
+                <a:spcPts val="0"/>
+              </a:spcBef>
+              <a:buNone/>
+            </a:pPr>
+            <a:r>
+              <a:rPr lang="en-US" b="0" i="0" dirty="0">
+                <a:solidFill>
+                  <a:schemeClr val="tx1"/>
+                </a:solidFill>
+                <a:effectLst/>
+                <a:latin typeface="Consolas" panose="020B0609020204030204" pitchFamily="49" charset="0"/>
+              </a:rPr>
+              <a:t>13754 	124 </a:t>
+            </a:r>
+          </a:p>
+          <a:p>
+            <a:pPr marL="0" indent="0">
+              <a:spcBef>
+                <a:spcPts val="0"/>
+              </a:spcBef>
+              <a:buNone/>
+            </a:pPr>
+            <a:r>
+              <a:rPr lang="en-US" b="0" i="0" dirty="0">
+                <a:solidFill>
+                  <a:schemeClr val="tx1"/>
+                </a:solidFill>
+                <a:effectLst/>
+                <a:latin typeface="Consolas" panose="020B0609020204030204" pitchFamily="49" charset="0"/>
+              </a:rPr>
+              <a:t>12534 	119 </a:t>
+            </a:r>
+          </a:p>
+          <a:p>
+            <a:pPr marL="0" indent="0">
+              <a:spcBef>
+                <a:spcPts val="0"/>
+              </a:spcBef>
+              <a:buNone/>
+            </a:pPr>
+            <a:r>
+              <a:rPr lang="en-US" b="0" i="0" dirty="0">
+                <a:solidFill>
+                  <a:schemeClr val="tx1"/>
+                </a:solidFill>
+                <a:effectLst/>
+                <a:latin typeface="Consolas" panose="020B0609020204030204" pitchFamily="49" charset="0"/>
+              </a:rPr>
+              <a:t>14398 	103 </a:t>
+            </a:r>
+          </a:p>
+          <a:p>
+            <a:pPr marL="0" indent="0">
+              <a:spcBef>
+                <a:spcPts val="0"/>
+              </a:spcBef>
+              <a:buNone/>
+            </a:pPr>
+            <a:r>
+              <a:rPr lang="en-US" b="0" i="0" dirty="0">
+                <a:solidFill>
+                  <a:schemeClr val="tx1"/>
+                </a:solidFill>
+                <a:effectLst/>
+                <a:latin typeface="Consolas" panose="020B0609020204030204" pitchFamily="49" charset="0"/>
+              </a:rPr>
+              <a:t>21662 	95</a:t>
+            </a:r>
+            <a:endParaRPr lang="en-AU" dirty="0">
+              <a:solidFill>
+                <a:schemeClr val="tx1"/>
+              </a:solidFill>
+            </a:endParaRPr>
           </a:p>
         </p:txBody>
       </p:sp>
+      <p:pic>
+        <p:nvPicPr>
+          <p:cNvPr id="7" name="Picture 6">
+            <a:extLst>
+              <a:ext uri="{FF2B5EF4-FFF2-40B4-BE49-F238E27FC236}">
+                <a16:creationId xmlns:a16="http://schemas.microsoft.com/office/drawing/2014/main" id="{961ED9BA-D5C4-E35F-8160-65E9C02D56DE}"/>
+              </a:ext>
+            </a:extLst>
+          </p:cNvPr>
+          <p:cNvPicPr>
+            <a:picLocks noChangeAspect="1"/>
+          </p:cNvPicPr>
+          <p:nvPr/>
+        </p:nvPicPr>
+        <p:blipFill>
+          <a:blip r:embed="rId2"/>
+          <a:stretch>
+            <a:fillRect/>
+          </a:stretch>
+        </p:blipFill>
+        <p:spPr>
+          <a:xfrm>
+            <a:off x="897490" y="2241819"/>
+            <a:ext cx="4958025" cy="3497076"/>
+          </a:xfrm>
+          <a:prstGeom prst="rect">
+            <a:avLst/>
+          </a:prstGeom>
+        </p:spPr>
+      </p:pic>
     </p:spTree>
     <p:extLst>
       <p:ext uri="{BB962C8B-B14F-4D97-AF65-F5344CB8AC3E}">
-        <p14:creationId xmlns:p14="http://schemas.microsoft.com/office/powerpoint/2010/main" val="2637894539"/>
+        <p14:creationId xmlns:p14="http://schemas.microsoft.com/office/powerpoint/2010/main" val="2571216546"/>
       </p:ext>
     </p:extLst>
   </p:cSld>
@@ -4560,7 +4946,7 @@
           <p:cNvPr id="2" name="Title 1">
             <a:extLst>
               <a:ext uri="{FF2B5EF4-FFF2-40B4-BE49-F238E27FC236}">
-                <a16:creationId xmlns:a16="http://schemas.microsoft.com/office/drawing/2014/main" id="{5CEC80D2-B18E-0C86-2C81-9802FCDEFC46}"/>
+                <a16:creationId xmlns:a16="http://schemas.microsoft.com/office/drawing/2014/main" id="{65A32D54-0386-F374-3BAC-0284D58F5212}"/>
               </a:ext>
             </a:extLst>
           </p:cNvPr>
@@ -4578,7 +4964,78 @@
           <a:p>
             <a:r>
               <a:rPr lang="en-AU" dirty="0"/>
-              <a:t>Affects of Housing from Covid</a:t>
+              <a:t>Average Vacancy Days against bedrooms</a:t>
+            </a:r>
+          </a:p>
+        </p:txBody>
+      </p:sp>
+      <p:pic>
+        <p:nvPicPr>
+          <p:cNvPr id="6" name="Content Placeholder 5">
+            <a:extLst>
+              <a:ext uri="{FF2B5EF4-FFF2-40B4-BE49-F238E27FC236}">
+                <a16:creationId xmlns:a16="http://schemas.microsoft.com/office/drawing/2014/main" id="{3C80E645-9770-FF74-B0B0-65645D8EB173}"/>
+              </a:ext>
+            </a:extLst>
+          </p:cNvPr>
+          <p:cNvPicPr>
+            <a:picLocks noGrp="1" noChangeAspect="1"/>
+          </p:cNvPicPr>
+          <p:nvPr>
+            <p:ph sz="half" idx="1"/>
+          </p:nvPr>
+        </p:nvPicPr>
+        <p:blipFill>
+          <a:blip r:embed="rId2"/>
+          <a:stretch>
+            <a:fillRect/>
+          </a:stretch>
+        </p:blipFill>
+        <p:spPr>
+          <a:xfrm>
+            <a:off x="1402556" y="2231472"/>
+            <a:ext cx="4461349" cy="3405930"/>
+          </a:xfrm>
+        </p:spPr>
+      </p:pic>
+      <p:sp>
+        <p:nvSpPr>
+          <p:cNvPr id="4" name="Content Placeholder 3">
+            <a:extLst>
+              <a:ext uri="{FF2B5EF4-FFF2-40B4-BE49-F238E27FC236}">
+                <a16:creationId xmlns:a16="http://schemas.microsoft.com/office/drawing/2014/main" id="{B64C62FA-997B-845A-1DD9-0E514C997498}"/>
+              </a:ext>
+            </a:extLst>
+          </p:cNvPr>
+          <p:cNvSpPr>
+            <a:spLocks noGrp="1"/>
+          </p:cNvSpPr>
+          <p:nvPr>
+            <p:ph sz="half" idx="2"/>
+          </p:nvPr>
+        </p:nvSpPr>
+        <p:spPr/>
+        <p:txBody>
+          <a:bodyPr/>
+          <a:lstStyle/>
+          <a:p>
+            <a:pPr>
+              <a:buFont typeface="Wingdings" panose="05000000000000000000" pitchFamily="2" charset="2"/>
+              <a:buChar char="q"/>
+            </a:pPr>
+            <a:r>
+              <a:rPr lang="en-AU" dirty="0"/>
+              <a:t> Removed top 3 outliers ( 7412, 326, 287)</a:t>
+            </a:r>
+          </a:p>
+          <a:p>
+            <a:pPr>
+              <a:buFont typeface="Wingdings" panose="05000000000000000000" pitchFamily="2" charset="2"/>
+              <a:buChar char="q"/>
+            </a:pPr>
+            <a:r>
+              <a:rPr lang="en-AU" dirty="0"/>
+              <a:t> Now the plot shows a clear trend that the houses with more bedrooms numbers stays vacant in the market for lesser days.</a:t>
             </a:r>
           </a:p>
         </p:txBody>
@@ -4586,7 +5043,7 @@
     </p:spTree>
     <p:extLst>
       <p:ext uri="{BB962C8B-B14F-4D97-AF65-F5344CB8AC3E}">
-        <p14:creationId xmlns:p14="http://schemas.microsoft.com/office/powerpoint/2010/main" val="3808628806"/>
+        <p14:creationId xmlns:p14="http://schemas.microsoft.com/office/powerpoint/2010/main" val="1195287013"/>
       </p:ext>
     </p:extLst>
   </p:cSld>
@@ -4599,14 +5056,6 @@
 <file path=ppt/slides/slide18.xml><?xml version="1.0" encoding="utf-8"?>
 <p:sld xmlns:a="http://schemas.openxmlformats.org/drawingml/2006/main" xmlns:r="http://schemas.openxmlformats.org/officeDocument/2006/relationships" xmlns:p="http://schemas.openxmlformats.org/presentationml/2006/main">
   <p:cSld>
-    <p:bg>
-      <p:bgPr>
-        <a:solidFill>
-          <a:schemeClr val="bg1"/>
-        </a:solidFill>
-        <a:effectLst/>
-      </p:bgPr>
-    </p:bg>
     <p:spTree>
       <p:nvGrpSpPr>
         <p:cNvPr id="1" name=""/>
@@ -4626,6 +5075,500 @@
           <p:cNvPr id="2" name="Title 1">
             <a:extLst>
               <a:ext uri="{FF2B5EF4-FFF2-40B4-BE49-F238E27FC236}">
+                <a16:creationId xmlns:a16="http://schemas.microsoft.com/office/drawing/2014/main" id="{0F67EC48-4623-C111-B93A-39B7E36035F9}"/>
+              </a:ext>
+            </a:extLst>
+          </p:cNvPr>
+          <p:cNvSpPr>
+            <a:spLocks noGrp="1"/>
+          </p:cNvSpPr>
+          <p:nvPr>
+            <p:ph type="title"/>
+          </p:nvPr>
+        </p:nvSpPr>
+        <p:spPr/>
+        <p:txBody>
+          <a:bodyPr/>
+          <a:lstStyle/>
+          <a:p>
+            <a:r>
+              <a:rPr lang="en-AU" dirty="0"/>
+              <a:t>Average Vacancy Days by Month</a:t>
+            </a:r>
+          </a:p>
+        </p:txBody>
+      </p:sp>
+      <p:pic>
+        <p:nvPicPr>
+          <p:cNvPr id="4" name="Picture 3">
+            <a:extLst>
+              <a:ext uri="{FF2B5EF4-FFF2-40B4-BE49-F238E27FC236}">
+                <a16:creationId xmlns:a16="http://schemas.microsoft.com/office/drawing/2014/main" id="{CE2795AC-9AB1-595C-A521-A551BF6892D7}"/>
+              </a:ext>
+            </a:extLst>
+          </p:cNvPr>
+          <p:cNvPicPr>
+            <a:picLocks noChangeAspect="1"/>
+          </p:cNvPicPr>
+          <p:nvPr/>
+        </p:nvPicPr>
+        <p:blipFill>
+          <a:blip r:embed="rId2"/>
+          <a:stretch>
+            <a:fillRect/>
+          </a:stretch>
+        </p:blipFill>
+        <p:spPr>
+          <a:xfrm>
+            <a:off x="744942" y="2130803"/>
+            <a:ext cx="10410738" cy="4053324"/>
+          </a:xfrm>
+          <a:prstGeom prst="rect">
+            <a:avLst/>
+          </a:prstGeom>
+        </p:spPr>
+      </p:pic>
+    </p:spTree>
+    <p:extLst>
+      <p:ext uri="{BB962C8B-B14F-4D97-AF65-F5344CB8AC3E}">
+        <p14:creationId xmlns:p14="http://schemas.microsoft.com/office/powerpoint/2010/main" val="9657518"/>
+      </p:ext>
+    </p:extLst>
+  </p:cSld>
+  <p:clrMapOvr>
+    <a:masterClrMapping/>
+  </p:clrMapOvr>
+</p:sld>
+</file>
+
+<file path=ppt/slides/slide19.xml><?xml version="1.0" encoding="utf-8"?>
+<p:sld xmlns:a="http://schemas.openxmlformats.org/drawingml/2006/main" xmlns:r="http://schemas.openxmlformats.org/officeDocument/2006/relationships" xmlns:p="http://schemas.openxmlformats.org/presentationml/2006/main">
+  <p:cSld>
+    <p:spTree>
+      <p:nvGrpSpPr>
+        <p:cNvPr id="1" name=""/>
+        <p:cNvGrpSpPr/>
+        <p:nvPr/>
+      </p:nvGrpSpPr>
+      <p:grpSpPr>
+        <a:xfrm>
+          <a:off x="0" y="0"/>
+          <a:ext cx="0" cy="0"/>
+          <a:chOff x="0" y="0"/>
+          <a:chExt cx="0" cy="0"/>
+        </a:xfrm>
+      </p:grpSpPr>
+      <p:sp>
+        <p:nvSpPr>
+          <p:cNvPr id="2" name="Title 1">
+            <a:extLst>
+              <a:ext uri="{FF2B5EF4-FFF2-40B4-BE49-F238E27FC236}">
+                <a16:creationId xmlns:a16="http://schemas.microsoft.com/office/drawing/2014/main" id="{5CEC80D2-B18E-0C86-2C81-9802FCDEFC46}"/>
+              </a:ext>
+            </a:extLst>
+          </p:cNvPr>
+          <p:cNvSpPr>
+            <a:spLocks noGrp="1"/>
+          </p:cNvSpPr>
+          <p:nvPr>
+            <p:ph type="title"/>
+          </p:nvPr>
+        </p:nvSpPr>
+        <p:spPr>
+          <a:xfrm>
+            <a:off x="1097280" y="286603"/>
+            <a:ext cx="10058400" cy="719237"/>
+          </a:xfrm>
+        </p:spPr>
+        <p:txBody>
+          <a:bodyPr>
+            <a:normAutofit fontScale="90000"/>
+          </a:bodyPr>
+          <a:lstStyle/>
+          <a:p>
+            <a:r>
+              <a:rPr lang="en-AU" dirty="0"/>
+              <a:t>Affects of Housing from Covid</a:t>
+            </a:r>
+          </a:p>
+        </p:txBody>
+      </p:sp>
+      <p:pic>
+        <p:nvPicPr>
+          <p:cNvPr id="4" name="Picture 3" descr="Chart, line chart&#10;&#10;Description automatically generated">
+            <a:extLst>
+              <a:ext uri="{FF2B5EF4-FFF2-40B4-BE49-F238E27FC236}">
+                <a16:creationId xmlns:a16="http://schemas.microsoft.com/office/drawing/2014/main" id="{DA59413B-84FC-A643-CB17-96F8590195BE}"/>
+              </a:ext>
+            </a:extLst>
+          </p:cNvPr>
+          <p:cNvPicPr>
+            <a:picLocks noChangeAspect="1"/>
+          </p:cNvPicPr>
+          <p:nvPr/>
+        </p:nvPicPr>
+        <p:blipFill>
+          <a:blip r:embed="rId2"/>
+          <a:stretch>
+            <a:fillRect/>
+          </a:stretch>
+        </p:blipFill>
+        <p:spPr>
+          <a:xfrm>
+            <a:off x="0" y="1316845"/>
+            <a:ext cx="12192000" cy="5254552"/>
+          </a:xfrm>
+          <a:prstGeom prst="rect">
+            <a:avLst/>
+          </a:prstGeom>
+        </p:spPr>
+      </p:pic>
+    </p:spTree>
+    <p:extLst>
+      <p:ext uri="{BB962C8B-B14F-4D97-AF65-F5344CB8AC3E}">
+        <p14:creationId xmlns:p14="http://schemas.microsoft.com/office/powerpoint/2010/main" val="3115629925"/>
+      </p:ext>
+    </p:extLst>
+  </p:cSld>
+  <p:clrMapOvr>
+    <a:masterClrMapping/>
+  </p:clrMapOvr>
+</p:sld>
+</file>
+
+<file path=ppt/slides/slide2.xml><?xml version="1.0" encoding="utf-8"?>
+<p:sld xmlns:a="http://schemas.openxmlformats.org/drawingml/2006/main" xmlns:r="http://schemas.openxmlformats.org/officeDocument/2006/relationships" xmlns:p="http://schemas.openxmlformats.org/presentationml/2006/main">
+  <p:cSld>
+    <p:spTree>
+      <p:nvGrpSpPr>
+        <p:cNvPr id="1" name=""/>
+        <p:cNvGrpSpPr/>
+        <p:nvPr/>
+      </p:nvGrpSpPr>
+      <p:grpSpPr>
+        <a:xfrm>
+          <a:off x="0" y="0"/>
+          <a:ext cx="0" cy="0"/>
+          <a:chOff x="0" y="0"/>
+          <a:chExt cx="0" cy="0"/>
+        </a:xfrm>
+      </p:grpSpPr>
+      <p:sp>
+        <p:nvSpPr>
+          <p:cNvPr id="2" name="Title 1">
+            <a:extLst>
+              <a:ext uri="{FF2B5EF4-FFF2-40B4-BE49-F238E27FC236}">
+                <a16:creationId xmlns:a16="http://schemas.microsoft.com/office/drawing/2014/main" id="{F8F9E284-6642-B87F-627B-C7159F981050}"/>
+              </a:ext>
+            </a:extLst>
+          </p:cNvPr>
+          <p:cNvSpPr>
+            <a:spLocks noGrp="1"/>
+          </p:cNvSpPr>
+          <p:nvPr>
+            <p:ph type="title"/>
+          </p:nvPr>
+        </p:nvSpPr>
+        <p:spPr/>
+        <p:txBody>
+          <a:bodyPr/>
+          <a:lstStyle/>
+          <a:p>
+            <a:r>
+              <a:rPr lang="en-AU" dirty="0"/>
+              <a:t>Definition </a:t>
+            </a:r>
+          </a:p>
+        </p:txBody>
+      </p:sp>
+      <p:sp>
+        <p:nvSpPr>
+          <p:cNvPr id="3" name="Content Placeholder 2">
+            <a:extLst>
+              <a:ext uri="{FF2B5EF4-FFF2-40B4-BE49-F238E27FC236}">
+                <a16:creationId xmlns:a16="http://schemas.microsoft.com/office/drawing/2014/main" id="{B22E6F46-0BB9-4407-6908-C3D151836A85}"/>
+              </a:ext>
+            </a:extLst>
+          </p:cNvPr>
+          <p:cNvSpPr>
+            <a:spLocks noGrp="1"/>
+          </p:cNvSpPr>
+          <p:nvPr>
+            <p:ph idx="1"/>
+          </p:nvPr>
+        </p:nvSpPr>
+        <p:spPr/>
+        <p:txBody>
+          <a:bodyPr>
+            <a:normAutofit fontScale="92500" lnSpcReduction="20000"/>
+          </a:bodyPr>
+          <a:lstStyle/>
+          <a:p>
+            <a:pPr>
+              <a:lnSpc>
+                <a:spcPct val="117000"/>
+              </a:lnSpc>
+              <a:spcAft>
+                <a:spcPts val="600"/>
+              </a:spcAft>
+            </a:pPr>
+            <a:r>
+              <a:rPr lang="en-AU" b="1" u="sng" dirty="0">
+                <a:solidFill>
+                  <a:srgbClr val="0070C0"/>
+                </a:solidFill>
+                <a:latin typeface="Arial" panose="020B0604020202020204" pitchFamily="34" charset="0"/>
+                <a:cs typeface="Times New Roman" panose="02020603050405020304" pitchFamily="18" charset="0"/>
+              </a:rPr>
+              <a:t>Vacancy Days </a:t>
+            </a:r>
+            <a:r>
+              <a:rPr lang="en-AU" dirty="0">
+                <a:solidFill>
+                  <a:srgbClr val="1D1C1D"/>
+                </a:solidFill>
+                <a:latin typeface="Arial" panose="020B0604020202020204" pitchFamily="34" charset="0"/>
+                <a:cs typeface="Times New Roman" panose="02020603050405020304" pitchFamily="18" charset="0"/>
+              </a:rPr>
+              <a:t>– </a:t>
+            </a:r>
+            <a:r>
+              <a:rPr lang="en-GB" dirty="0">
+                <a:solidFill>
+                  <a:srgbClr val="1D1C1D"/>
+                </a:solidFill>
+                <a:latin typeface="Arial" panose="020B0604020202020204" pitchFamily="34" charset="0"/>
+                <a:cs typeface="Times New Roman" panose="02020603050405020304" pitchFamily="18" charset="0"/>
+              </a:rPr>
+              <a:t>The number of days between the date such existing tenant vacates</a:t>
+            </a:r>
+            <a:endParaRPr lang="en-AU" dirty="0">
+              <a:solidFill>
+                <a:srgbClr val="1D1C1D"/>
+              </a:solidFill>
+              <a:latin typeface="Arial" panose="020B0604020202020204" pitchFamily="34" charset="0"/>
+              <a:cs typeface="Times New Roman" panose="02020603050405020304" pitchFamily="18" charset="0"/>
+            </a:endParaRPr>
+          </a:p>
+          <a:p>
+            <a:pPr>
+              <a:lnSpc>
+                <a:spcPct val="117000"/>
+              </a:lnSpc>
+              <a:spcAft>
+                <a:spcPts val="600"/>
+              </a:spcAft>
+            </a:pPr>
+            <a:r>
+              <a:rPr lang="en-GB" b="1" u="sng" dirty="0">
+                <a:solidFill>
+                  <a:srgbClr val="0070C0"/>
+                </a:solidFill>
+                <a:latin typeface="Arial" panose="020B0604020202020204" pitchFamily="34" charset="0"/>
+                <a:cs typeface="Times New Roman" panose="02020603050405020304" pitchFamily="18" charset="0"/>
+              </a:rPr>
+              <a:t>Tenantable</a:t>
+            </a:r>
+            <a:r>
+              <a:rPr lang="en-GB" dirty="0">
+                <a:solidFill>
+                  <a:srgbClr val="1D1C1D"/>
+                </a:solidFill>
+                <a:latin typeface="Arial" panose="020B0604020202020204" pitchFamily="34" charset="0"/>
+                <a:cs typeface="Times New Roman" panose="02020603050405020304" pitchFamily="18" charset="0"/>
+              </a:rPr>
+              <a:t> -  Fit for occupation by a tenant.</a:t>
+            </a:r>
+          </a:p>
+          <a:p>
+            <a:pPr>
+              <a:lnSpc>
+                <a:spcPct val="117000"/>
+              </a:lnSpc>
+              <a:spcAft>
+                <a:spcPts val="600"/>
+              </a:spcAft>
+            </a:pPr>
+            <a:r>
+              <a:rPr lang="en-GB" b="1" u="sng" dirty="0">
+                <a:solidFill>
+                  <a:srgbClr val="0070C0"/>
+                </a:solidFill>
+                <a:latin typeface="Arial" panose="020B0604020202020204" pitchFamily="34" charset="0"/>
+                <a:cs typeface="Times New Roman" panose="02020603050405020304" pitchFamily="18" charset="0"/>
+              </a:rPr>
+              <a:t>Untenantable</a:t>
+            </a:r>
+            <a:r>
+              <a:rPr lang="en-GB" dirty="0">
+                <a:solidFill>
+                  <a:srgbClr val="1D1C1D"/>
+                </a:solidFill>
+                <a:latin typeface="Arial" panose="020B0604020202020204" pitchFamily="34" charset="0"/>
+                <a:cs typeface="Times New Roman" panose="02020603050405020304" pitchFamily="18" charset="0"/>
+              </a:rPr>
+              <a:t> - Incapable of being occupied or lived in</a:t>
+            </a:r>
+          </a:p>
+          <a:p>
+            <a:pPr>
+              <a:lnSpc>
+                <a:spcPct val="117000"/>
+              </a:lnSpc>
+              <a:spcAft>
+                <a:spcPts val="600"/>
+              </a:spcAft>
+            </a:pPr>
+            <a:r>
+              <a:rPr lang="en-AU" b="1" u="sng" dirty="0">
+                <a:solidFill>
+                  <a:srgbClr val="0070C0"/>
+                </a:solidFill>
+                <a:latin typeface="Arial" panose="020B0604020202020204" pitchFamily="34" charset="0"/>
+                <a:cs typeface="Times New Roman" panose="02020603050405020304" pitchFamily="18" charset="0"/>
+              </a:rPr>
+              <a:t>VUDays</a:t>
+            </a:r>
+            <a:r>
+              <a:rPr lang="en-AU" dirty="0">
+                <a:solidFill>
+                  <a:srgbClr val="1D1C1D"/>
+                </a:solidFill>
+                <a:latin typeface="Arial" panose="020B0604020202020204" pitchFamily="34" charset="0"/>
+                <a:cs typeface="Times New Roman" panose="02020603050405020304" pitchFamily="18" charset="0"/>
+              </a:rPr>
+              <a:t> - </a:t>
+            </a:r>
+            <a:r>
+              <a:rPr lang="en-GB" dirty="0">
+                <a:solidFill>
+                  <a:srgbClr val="1D1C1D"/>
+                </a:solidFill>
+                <a:latin typeface="Arial" panose="020B0604020202020204" pitchFamily="34" charset="0"/>
+                <a:cs typeface="Times New Roman" panose="02020603050405020304" pitchFamily="18" charset="0"/>
+              </a:rPr>
+              <a:t>Number of days the property was vacant and untenantable </a:t>
+            </a:r>
+          </a:p>
+          <a:p>
+            <a:pPr>
+              <a:lnSpc>
+                <a:spcPct val="117000"/>
+              </a:lnSpc>
+              <a:spcAft>
+                <a:spcPts val="600"/>
+              </a:spcAft>
+            </a:pPr>
+            <a:r>
+              <a:rPr lang="en-AU" b="1" u="sng" dirty="0">
+                <a:solidFill>
+                  <a:srgbClr val="0070C0"/>
+                </a:solidFill>
+                <a:latin typeface="Arial" panose="020B0604020202020204" pitchFamily="34" charset="0"/>
+                <a:cs typeface="Times New Roman" panose="02020603050405020304" pitchFamily="18" charset="0"/>
+              </a:rPr>
+              <a:t>VTDays</a:t>
+            </a:r>
+            <a:r>
+              <a:rPr lang="en-AU" dirty="0">
+                <a:solidFill>
+                  <a:srgbClr val="1D1C1D"/>
+                </a:solidFill>
+                <a:latin typeface="Arial" panose="020B0604020202020204" pitchFamily="34" charset="0"/>
+                <a:cs typeface="Times New Roman" panose="02020603050405020304" pitchFamily="18" charset="0"/>
+              </a:rPr>
+              <a:t> – </a:t>
+            </a:r>
+            <a:r>
+              <a:rPr lang="en-GB" dirty="0">
+                <a:solidFill>
+                  <a:srgbClr val="1D1C1D"/>
+                </a:solidFill>
+                <a:latin typeface="Arial" panose="020B0604020202020204" pitchFamily="34" charset="0"/>
+                <a:cs typeface="Times New Roman" panose="02020603050405020304" pitchFamily="18" charset="0"/>
+              </a:rPr>
+              <a:t>Number of days the property was vacant and tenantable </a:t>
+            </a:r>
+          </a:p>
+          <a:p>
+            <a:endParaRPr lang="en-AU" sz="2000" b="0" i="0" u="none" strike="noStrike" dirty="0">
+              <a:solidFill>
+                <a:srgbClr val="000000"/>
+              </a:solidFill>
+              <a:effectLst/>
+              <a:latin typeface="Calibri" panose="020F0502020204030204" pitchFamily="34" charset="0"/>
+            </a:endParaRPr>
+          </a:p>
+          <a:p>
+            <a:endParaRPr lang="en-GB" sz="2000" b="0" i="0" u="none" strike="noStrike" dirty="0">
+              <a:solidFill>
+                <a:srgbClr val="000000"/>
+              </a:solidFill>
+              <a:effectLst/>
+              <a:latin typeface="Calibri" panose="020F0502020204030204" pitchFamily="34" charset="0"/>
+            </a:endParaRPr>
+          </a:p>
+          <a:p>
+            <a:r>
+              <a:rPr lang="en-GB" sz="2000" b="0" i="0" u="none" strike="noStrike" dirty="0">
+                <a:solidFill>
+                  <a:srgbClr val="000000"/>
+                </a:solidFill>
+                <a:effectLst/>
+                <a:latin typeface="Calibri" panose="020F0502020204030204" pitchFamily="34" charset="0"/>
+              </a:rPr>
+              <a:t> </a:t>
+            </a:r>
+          </a:p>
+          <a:p>
+            <a:endParaRPr lang="en-AU" sz="2000" b="0" i="0" u="none" strike="noStrike" dirty="0">
+              <a:solidFill>
+                <a:srgbClr val="000000"/>
+              </a:solidFill>
+              <a:effectLst/>
+              <a:latin typeface="Calibri" panose="020F0502020204030204" pitchFamily="34" charset="0"/>
+            </a:endParaRPr>
+          </a:p>
+          <a:p>
+            <a:endParaRPr lang="en-AU" dirty="0"/>
+          </a:p>
+        </p:txBody>
+      </p:sp>
+    </p:spTree>
+    <p:extLst>
+      <p:ext uri="{BB962C8B-B14F-4D97-AF65-F5344CB8AC3E}">
+        <p14:creationId xmlns:p14="http://schemas.microsoft.com/office/powerpoint/2010/main" val="1645920187"/>
+      </p:ext>
+    </p:extLst>
+  </p:cSld>
+  <p:clrMapOvr>
+    <a:masterClrMapping/>
+  </p:clrMapOvr>
+</p:sld>
+</file>
+
+<file path=ppt/slides/slide20.xml><?xml version="1.0" encoding="utf-8"?>
+<p:sld xmlns:a="http://schemas.openxmlformats.org/drawingml/2006/main" xmlns:r="http://schemas.openxmlformats.org/officeDocument/2006/relationships" xmlns:p="http://schemas.openxmlformats.org/presentationml/2006/main">
+  <p:cSld>
+    <p:spTree>
+      <p:nvGrpSpPr>
+        <p:cNvPr id="1" name=""/>
+        <p:cNvGrpSpPr/>
+        <p:nvPr/>
+      </p:nvGrpSpPr>
+      <p:grpSpPr>
+        <a:xfrm>
+          <a:off x="0" y="0"/>
+          <a:ext cx="0" cy="0"/>
+          <a:chOff x="0" y="0"/>
+          <a:chExt cx="0" cy="0"/>
+        </a:xfrm>
+      </p:grpSpPr>
+      <p:sp>
+        <p:nvSpPr>
+          <p:cNvPr id="2" name="Title 1">
+            <a:extLst>
+              <a:ext uri="{FF2B5EF4-FFF2-40B4-BE49-F238E27FC236}">
                 <a16:creationId xmlns:a16="http://schemas.microsoft.com/office/drawing/2014/main" id="{75AC86D3-8FD1-4F47-A319-7D0542E48B2F}"/>
               </a:ext>
             </a:extLst>
@@ -4651,7 +5594,7 @@
           <a:p>
             <a:r>
               <a:rPr lang="en-US" dirty="0"/>
-              <a:t>Qld Housing Vacancy – Data Limitations</a:t>
+              <a:t>QLD Housing Vacancy – Data Limitations</a:t>
             </a:r>
           </a:p>
         </p:txBody>
@@ -4670,16 +5613,11 @@
           </p:cNvGraphicFramePr>
           <p:nvPr>
             <p:ph idx="1"/>
-            <p:extLst>
-              <p:ext uri="{D42A27DB-BD31-4B8C-83A1-F6EECF244321}">
-                <p14:modId xmlns:p14="http://schemas.microsoft.com/office/powerpoint/2010/main" val="825624774"/>
-              </p:ext>
-            </p:extLst>
           </p:nvPr>
         </p:nvGraphicFramePr>
         <p:xfrm>
-          <a:off x="1096963" y="2216879"/>
-          <a:ext cx="10058400" cy="3604216"/>
+          <a:off x="1192876" y="1967805"/>
+          <a:ext cx="9962804" cy="4373037"/>
         </p:xfrm>
         <a:graphic>
           <a:graphicData uri="http://schemas.openxmlformats.org/drawingml/2006/table">
@@ -4689,28 +5627,28 @@
                 <a:tableStyleId>{3B4B98B0-60AC-42C2-AFA5-B58CD77FA1E5}</a:tableStyleId>
               </a:tblPr>
               <a:tblGrid>
-                <a:gridCol w="2514600">
+                <a:gridCol w="2345917">
                   <a:extLst>
                     <a:ext uri="{9D8B030D-6E8A-4147-A177-3AD203B41FA5}">
                       <a16:colId xmlns:a16="http://schemas.microsoft.com/office/drawing/2014/main" val="2981917977"/>
                     </a:ext>
                   </a:extLst>
                 </a:gridCol>
-                <a:gridCol w="2514600">
+                <a:gridCol w="2606429">
                   <a:extLst>
                     <a:ext uri="{9D8B030D-6E8A-4147-A177-3AD203B41FA5}">
                       <a16:colId xmlns:a16="http://schemas.microsoft.com/office/drawing/2014/main" val="945233394"/>
                     </a:ext>
                   </a:extLst>
                 </a:gridCol>
-                <a:gridCol w="2514600">
+                <a:gridCol w="2471496">
                   <a:extLst>
                     <a:ext uri="{9D8B030D-6E8A-4147-A177-3AD203B41FA5}">
                       <a16:colId xmlns:a16="http://schemas.microsoft.com/office/drawing/2014/main" val="2572263168"/>
                     </a:ext>
                   </a:extLst>
                 </a:gridCol>
-                <a:gridCol w="2514600">
+                <a:gridCol w="2538962">
                   <a:extLst>
                     <a:ext uri="{9D8B030D-6E8A-4147-A177-3AD203B41FA5}">
                       <a16:colId xmlns:a16="http://schemas.microsoft.com/office/drawing/2014/main" val="1765783061"/>
@@ -4718,19 +5656,110 @@
                   </a:extLst>
                 </a:gridCol>
               </a:tblGrid>
-              <a:tr h="613018">
+              <a:tr h="1272618">
                 <a:tc>
                   <a:txBody>
                     <a:bodyPr/>
                     <a:lstStyle/>
                     <a:p>
+                      <a:pPr marL="0" marR="0" lvl="0" indent="0" algn="l" defTabSz="914400" rtl="0" eaLnBrk="1" fontAlgn="auto" latinLnBrk="0" hangingPunct="1">
+                        <a:lnSpc>
+                          <a:spcPct val="100000"/>
+                        </a:lnSpc>
+                        <a:spcBef>
+                          <a:spcPts val="0"/>
+                        </a:spcBef>
+                        <a:spcAft>
+                          <a:spcPts val="0"/>
+                        </a:spcAft>
+                        <a:buClrTx/>
+                        <a:buSzTx/>
+                        <a:buFontTx/>
+                        <a:buNone/>
+                        <a:tabLst/>
+                        <a:defRPr/>
+                      </a:pPr>
                       <a:r>
-                        <a:rPr lang="en-US" sz="2400" b="0" cap="all" spc="150" dirty="0">
+                        <a:rPr lang="en-US" sz="1800" b="0" cap="all" spc="150" dirty="0">
                           <a:solidFill>
                             <a:schemeClr val="lt1"/>
                           </a:solidFill>
+                          <a:latin typeface="Calibri" panose="020F0502020204030204" pitchFamily="34" charset="0"/>
+                          <a:cs typeface="Calibri" panose="020F0502020204030204" pitchFamily="34" charset="0"/>
                         </a:rPr>
-                        <a:t>1</a:t>
+                        <a:t>1. </a:t>
+                      </a:r>
+                      <a:r>
+                        <a:rPr lang="en-US" sz="1800" b="0" cap="none" spc="0" dirty="0">
+                          <a:solidFill>
+                            <a:schemeClr val="bg1"/>
+                          </a:solidFill>
+                          <a:latin typeface="Calibri" panose="020F0502020204030204" pitchFamily="34" charset="0"/>
+                          <a:cs typeface="Calibri" panose="020F0502020204030204" pitchFamily="34" charset="0"/>
+                        </a:rPr>
+                        <a:t>Missing data</a:t>
+                      </a:r>
+                    </a:p>
+                  </a:txBody>
+                  <a:tcPr marL="151061" marR="151061" marT="151061" marB="151061">
+                    <a:lnL w="12700" cmpd="sng">
+                      <a:noFill/>
+                    </a:lnL>
+                    <a:lnR w="12700" cmpd="sng">
+                      <a:noFill/>
+                    </a:lnR>
+                    <a:lnT w="12700" cmpd="sng">
+                      <a:noFill/>
+                    </a:lnT>
+                    <a:lnB w="38100" cmpd="sng">
+                      <a:noFill/>
+                    </a:lnB>
+                    <a:solidFill>
+                      <a:schemeClr val="accent1"/>
+                    </a:solidFill>
+                  </a:tcPr>
+                </a:tc>
+                <a:tc>
+                  <a:txBody>
+                    <a:bodyPr/>
+                    <a:lstStyle/>
+                    <a:p>
+                      <a:pPr marL="0" marR="0" lvl="0" indent="0" algn="l" defTabSz="914400" rtl="0" eaLnBrk="1" fontAlgn="auto" latinLnBrk="0" hangingPunct="1">
+                        <a:lnSpc>
+                          <a:spcPct val="100000"/>
+                        </a:lnSpc>
+                        <a:spcBef>
+                          <a:spcPts val="0"/>
+                        </a:spcBef>
+                        <a:spcAft>
+                          <a:spcPts val="0"/>
+                        </a:spcAft>
+                        <a:buClrTx/>
+                        <a:buSzTx/>
+                        <a:buFontTx/>
+                        <a:buNone/>
+                        <a:tabLst/>
+                        <a:defRPr/>
+                      </a:pPr>
+                      <a:r>
+                        <a:rPr lang="en-US" sz="1800" b="0" cap="all" spc="150" dirty="0">
+                          <a:solidFill>
+                            <a:schemeClr val="lt1"/>
+                          </a:solidFill>
+                          <a:latin typeface="Calibri" panose="020F0502020204030204" pitchFamily="34" charset="0"/>
+                          <a:cs typeface="Calibri" panose="020F0502020204030204" pitchFamily="34" charset="0"/>
+                        </a:rPr>
+                        <a:t>2. </a:t>
+                      </a:r>
+                      <a:r>
+                        <a:rPr lang="en-US" sz="1800" b="0" cap="none" spc="0" dirty="0">
+                          <a:solidFill>
+                            <a:schemeClr val="bg1"/>
+                          </a:solidFill>
+                          <a:latin typeface="Calibri" panose="020F0502020204030204" pitchFamily="34" charset="0"/>
+                          <a:cs typeface="Calibri" panose="020F0502020204030204" pitchFamily="34" charset="0"/>
+                        </a:rPr>
+                        <a:t>Lack of context</a:t>
                       </a:r>
                     </a:p>
                   </a:txBody>
@@ -4758,13 +5787,30 @@
                     <a:lstStyle/>
                     <a:p>
                       <a:r>
-                        <a:rPr lang="en-US" sz="2400" b="0" cap="all" spc="150" dirty="0">
+                        <a:rPr lang="en-US" sz="1800" b="0" cap="all" spc="150" dirty="0">
                           <a:solidFill>
                             <a:schemeClr val="lt1"/>
                           </a:solidFill>
+                          <a:latin typeface="Calibri" panose="020F0502020204030204" pitchFamily="34" charset="0"/>
+                          <a:cs typeface="Calibri" panose="020F0502020204030204" pitchFamily="34" charset="0"/>
                         </a:rPr>
-                        <a:t>2</a:t>
+                        <a:t>3. </a:t>
                       </a:r>
+                      <a:r>
+                        <a:rPr lang="en-US" sz="1800" b="0" cap="none" spc="0" dirty="0">
+                          <a:solidFill>
+                            <a:schemeClr val="bg1"/>
+                          </a:solidFill>
+                        </a:rPr>
+                        <a:t>Time constraints</a:t>
+                      </a:r>
+                      <a:endParaRPr lang="en-US" sz="1800" b="0" cap="all" spc="150" dirty="0">
+                        <a:solidFill>
+                          <a:schemeClr val="bg1"/>
+                        </a:solidFill>
+                        <a:latin typeface="Calibri" panose="020F0502020204030204" pitchFamily="34" charset="0"/>
+                        <a:cs typeface="Calibri" panose="020F0502020204030204" pitchFamily="34" charset="0"/>
+                      </a:endParaRPr>
                     </a:p>
                   </a:txBody>
                   <a:tcPr marL="151061" marR="151061" marT="151061" marB="151061">
@@ -4790,47 +5836,52 @@
                     <a:bodyPr/>
                     <a:lstStyle/>
                     <a:p>
+                      <a:pPr marL="0" marR="0" lvl="0" indent="0" algn="l" defTabSz="914400" rtl="0" eaLnBrk="1" fontAlgn="auto" latinLnBrk="0" hangingPunct="1">
+                        <a:lnSpc>
+                          <a:spcPct val="100000"/>
+                        </a:lnSpc>
+                        <a:spcBef>
+                          <a:spcPts val="0"/>
+                        </a:spcBef>
+                        <a:spcAft>
+                          <a:spcPts val="0"/>
+                        </a:spcAft>
+                        <a:buClrTx/>
+                        <a:buSzTx/>
+                        <a:buFontTx/>
+                        <a:buNone/>
+                        <a:tabLst/>
+                        <a:defRPr/>
+                      </a:pPr>
                       <a:r>
-                        <a:rPr lang="en-US" sz="2400" b="0" cap="all" spc="150" dirty="0">
+                        <a:rPr lang="en-US" sz="2000" b="0" cap="all" spc="150" dirty="0">
                           <a:solidFill>
                             <a:schemeClr val="lt1"/>
                           </a:solidFill>
+                          <a:latin typeface="Calibri" panose="020F0502020204030204" pitchFamily="34" charset="0"/>
+                          <a:cs typeface="Calibri" panose="020F0502020204030204" pitchFamily="34" charset="0"/>
                         </a:rPr>
-                        <a:t>3</a:t>
+                        <a:t>4. </a:t>
+                      </a:r>
+                      <a:r>
+                        <a:rPr lang="en-US" sz="1800" b="0" cap="none" spc="0" dirty="0">
+                          <a:solidFill>
+                            <a:schemeClr val="bg1"/>
+                          </a:solidFill>
+                          <a:latin typeface="Calibri" panose="020F0502020204030204" pitchFamily="34" charset="0"/>
+                          <a:cs typeface="Calibri" panose="020F0502020204030204" pitchFamily="34" charset="0"/>
+                        </a:rPr>
+                        <a:t>Awareness of government policies</a:t>
                       </a:r>
                     </a:p>
-                  </a:txBody>
-                  <a:tcPr marL="151061" marR="151061" marT="151061" marB="151061">
-                    <a:lnL w="12700" cmpd="sng">
-                      <a:noFill/>
-                    </a:lnL>
-                    <a:lnR w="12700" cmpd="sng">
-                      <a:noFill/>
-                    </a:lnR>
-                    <a:lnT w="12700" cmpd="sng">
-                      <a:noFill/>
-                    </a:lnT>
-                    <a:lnB w="38100" cmpd="sng">
-                      <a:noFill/>
-                    </a:lnB>
-                    <a:solidFill>
-                      <a:schemeClr val="accent1"/>
-                    </a:solidFill>
-                  </a:tcPr>
-                </a:tc>
-                <a:tc>
-                  <a:txBody>
-                    <a:bodyPr/>
-                    <a:lstStyle/>
                     <a:p>
-                      <a:r>
-                        <a:rPr lang="en-US" sz="2400" b="0" cap="all" spc="150" dirty="0">
-                          <a:solidFill>
-                            <a:schemeClr val="lt1"/>
-                          </a:solidFill>
-                        </a:rPr>
-                        <a:t>4</a:t>
-                      </a:r>
+                      <a:endParaRPr lang="en-US" sz="2000" b="0" cap="all" spc="150" dirty="0">
+                        <a:solidFill>
+                          <a:schemeClr val="lt1"/>
+                        </a:solidFill>
+                        <a:latin typeface="Calibri" panose="020F0502020204030204" pitchFamily="34" charset="0"/>
+                        <a:cs typeface="Calibri" panose="020F0502020204030204" pitchFamily="34" charset="0"/>
+                      </a:endParaRPr>
                     </a:p>
                   </a:txBody>
                   <a:tcPr marL="151061" marR="151061" marT="151061" marB="151061">
@@ -4857,17 +5908,20 @@
                   </a:ext>
                 </a:extLst>
               </a:tr>
-              <a:tr h="978778">
+              <a:tr h="1098732">
                 <a:tc>
                   <a:txBody>
                     <a:bodyPr/>
                     <a:lstStyle/>
                     <a:p>
-                      <a:endParaRPr lang="en-US" sz="1400" cap="none" spc="0" dirty="0">
-                        <a:solidFill>
-                          <a:schemeClr val="tx1"/>
-                        </a:solidFill>
-                      </a:endParaRPr>
+                      <a:r>
+                        <a:rPr lang="en-US" sz="1200" cap="none" spc="0" dirty="0">
+                          <a:solidFill>
+                            <a:schemeClr val="tx1"/>
+                          </a:solidFill>
+                        </a:rPr>
+                        <a:t>- Approximately 1500 rows of data were dropped due to some columns being blank</a:t>
+                      </a:r>
                     </a:p>
                   </a:txBody>
                   <a:tcPr marL="151061" marR="151061" marT="151061" marB="151061">
@@ -4894,11 +5948,14 @@
                     <a:bodyPr/>
                     <a:lstStyle/>
                     <a:p>
-                      <a:endParaRPr lang="en-US" sz="1400" cap="none" spc="0" dirty="0">
-                        <a:solidFill>
-                          <a:schemeClr val="tx1"/>
-                        </a:solidFill>
-                      </a:endParaRPr>
+                      <a:r>
+                        <a:rPr lang="en-US" sz="1200" cap="none" spc="0" dirty="0">
+                          <a:solidFill>
+                            <a:schemeClr val="tx1"/>
+                          </a:solidFill>
+                        </a:rPr>
+                        <a:t>- No insight into the reason for the property’s status</a:t>
+                      </a:r>
                     </a:p>
                   </a:txBody>
                   <a:tcPr marL="151061" marR="151061" marT="151061" marB="151061">
@@ -4925,11 +5982,14 @@
                     <a:bodyPr/>
                     <a:lstStyle/>
                     <a:p>
-                      <a:endParaRPr lang="en-US" sz="1400" cap="none" spc="0" dirty="0">
-                        <a:solidFill>
-                          <a:schemeClr val="tx1"/>
-                        </a:solidFill>
-                      </a:endParaRPr>
+                      <a:r>
+                        <a:rPr lang="en-US" sz="1200" cap="none" spc="0" dirty="0">
+                          <a:solidFill>
+                            <a:schemeClr val="tx1"/>
+                          </a:solidFill>
+                        </a:rPr>
+                        <a:t>-  Comparisons to unrelated data would provide more evidence and support to any conclusions drawn</a:t>
+                      </a:r>
                     </a:p>
                   </a:txBody>
                   <a:tcPr marL="151061" marR="151061" marT="151061" marB="151061">
@@ -4956,11 +6016,14 @@
                     <a:bodyPr/>
                     <a:lstStyle/>
                     <a:p>
-                      <a:endParaRPr lang="en-US" sz="1400" cap="none" spc="0" dirty="0">
-                        <a:solidFill>
-                          <a:schemeClr val="tx1"/>
-                        </a:solidFill>
-                      </a:endParaRPr>
+                      <a:r>
+                        <a:rPr lang="en-US" sz="1200" cap="none" spc="0" dirty="0">
+                          <a:solidFill>
+                            <a:schemeClr val="tx1"/>
+                          </a:solidFill>
+                        </a:rPr>
+                        <a:t>- We are not familiar with the government policies surrounding social housing in QLD</a:t>
+                      </a:r>
                     </a:p>
                   </a:txBody>
                   <a:tcPr marL="151061" marR="151061" marT="151061" marB="151061">
@@ -4988,17 +6051,20 @@
                   </a:ext>
                 </a:extLst>
               </a:tr>
-              <a:tr h="978778">
+              <a:tr h="1071045">
                 <a:tc>
                   <a:txBody>
                     <a:bodyPr/>
                     <a:lstStyle/>
                     <a:p>
-                      <a:endParaRPr lang="en-US" sz="1400" cap="none" spc="0" dirty="0">
-                        <a:solidFill>
-                          <a:schemeClr val="tx1"/>
-                        </a:solidFill>
-                      </a:endParaRPr>
+                      <a:r>
+                        <a:rPr lang="en-US" sz="1200" cap="none" spc="0" dirty="0">
+                          <a:solidFill>
+                            <a:schemeClr val="tx1"/>
+                          </a:solidFill>
+                        </a:rPr>
+                        <a:t>- This amounts to around 5% of our total data</a:t>
+                      </a:r>
                     </a:p>
                   </a:txBody>
                   <a:tcPr marL="151061" marR="151061" marT="151061" marB="151061">
@@ -5030,11 +6096,14 @@
                     <a:bodyPr/>
                     <a:lstStyle/>
                     <a:p>
-                      <a:endParaRPr lang="en-US" sz="1400" cap="none" spc="0" dirty="0">
-                        <a:solidFill>
-                          <a:schemeClr val="tx1"/>
-                        </a:solidFill>
-                      </a:endParaRPr>
+                      <a:r>
+                        <a:rPr lang="en-US" sz="1200" cap="none" spc="0" dirty="0">
+                          <a:solidFill>
+                            <a:schemeClr val="tx1"/>
+                          </a:solidFill>
+                        </a:rPr>
+                        <a:t>- Unable to address core issues due to this</a:t>
+                      </a:r>
                     </a:p>
                   </a:txBody>
                   <a:tcPr marL="151061" marR="151061" marT="151061" marB="151061">
@@ -5066,11 +6135,14 @@
                     <a:bodyPr/>
                     <a:lstStyle/>
                     <a:p>
-                      <a:endParaRPr lang="en-US" sz="1400" cap="none" spc="0" dirty="0">
-                        <a:solidFill>
-                          <a:schemeClr val="tx1"/>
-                        </a:solidFill>
-                      </a:endParaRPr>
+                      <a:r>
+                        <a:rPr lang="en-US" sz="1200" cap="none" spc="0" dirty="0">
+                          <a:solidFill>
+                            <a:schemeClr val="tx1"/>
+                          </a:solidFill>
+                        </a:rPr>
+                        <a:t>- Lack of available data and time constraints meant that we were unable to add different datasets for comparison </a:t>
+                      </a:r>
                     </a:p>
                   </a:txBody>
                   <a:tcPr marL="151061" marR="151061" marT="151061" marB="151061">
@@ -5102,11 +6174,14 @@
                     <a:bodyPr/>
                     <a:lstStyle/>
                     <a:p>
-                      <a:endParaRPr lang="en-US" sz="1400" cap="none" spc="0" dirty="0">
-                        <a:solidFill>
-                          <a:schemeClr val="tx1"/>
-                        </a:solidFill>
-                      </a:endParaRPr>
+                      <a:r>
+                        <a:rPr lang="en-US" sz="1200" cap="none" spc="0" dirty="0">
+                          <a:solidFill>
+                            <a:schemeClr val="tx1"/>
+                          </a:solidFill>
+                        </a:rPr>
+                        <a:t>- Policies that were in place pre-COVID may have been changed or modified, affecting the results</a:t>
+                      </a:r>
                     </a:p>
                   </a:txBody>
                   <a:tcPr marL="151061" marR="151061" marT="151061" marB="151061">
@@ -5139,13 +6214,13 @@
                   </a:ext>
                 </a:extLst>
               </a:tr>
-              <a:tr h="978778">
+              <a:tr h="930642">
                 <a:tc>
                   <a:txBody>
                     <a:bodyPr/>
                     <a:lstStyle/>
                     <a:p>
-                      <a:endParaRPr lang="en-US" sz="1400" cap="none" spc="0" dirty="0">
+                      <a:endParaRPr lang="en-US" sz="1200" cap="none" spc="0" dirty="0">
                         <a:solidFill>
                           <a:schemeClr val="tx1"/>
                         </a:solidFill>
@@ -5177,7 +6252,42 @@
                     <a:bodyPr/>
                     <a:lstStyle/>
                     <a:p>
-                      <a:endParaRPr lang="en-US" sz="1400" cap="none" spc="0" dirty="0">
+                      <a:r>
+                        <a:rPr lang="en-US" sz="1200" cap="none" spc="0" dirty="0">
+                          <a:solidFill>
+                            <a:schemeClr val="tx1"/>
+                          </a:solidFill>
+                        </a:rPr>
+                        <a:t>- Demand for certain types of housing is not accounted for </a:t>
+                      </a:r>
+                    </a:p>
+                  </a:txBody>
+                  <a:tcPr marL="151061" marR="151061" marT="151061" marB="151061">
+                    <a:lnL w="12700" cmpd="sng">
+                      <a:noFill/>
+                      <a:prstDash val="solid"/>
+                    </a:lnL>
+                    <a:lnR w="12700" cmpd="sng">
+                      <a:noFill/>
+                      <a:prstDash val="solid"/>
+                    </a:lnR>
+                    <a:lnT w="12700" cmpd="sng">
+                      <a:noFill/>
+                      <a:prstDash val="solid"/>
+                    </a:lnT>
+                    <a:lnB w="12700" cmpd="sng">
+                      <a:noFill/>
+                      <a:prstDash val="solid"/>
+                    </a:lnB>
+                    <a:noFill/>
+                  </a:tcPr>
+                </a:tc>
+                <a:tc>
+                  <a:txBody>
+                    <a:bodyPr/>
+                    <a:lstStyle/>
+                    <a:p>
+                      <a:endParaRPr lang="en-US" sz="1200" cap="none" spc="0" dirty="0">
                         <a:solidFill>
                           <a:schemeClr val="tx1"/>
                         </a:solidFill>
@@ -5209,39 +6319,7 @@
                     <a:bodyPr/>
                     <a:lstStyle/>
                     <a:p>
-                      <a:endParaRPr lang="en-US" sz="1400" cap="none" spc="0" dirty="0">
-                        <a:solidFill>
-                          <a:schemeClr val="tx1"/>
-                        </a:solidFill>
-                      </a:endParaRPr>
-                    </a:p>
-                  </a:txBody>
-                  <a:tcPr marL="151061" marR="151061" marT="151061" marB="151061">
-                    <a:lnL w="12700" cmpd="sng">
-                      <a:noFill/>
-                      <a:prstDash val="solid"/>
-                    </a:lnL>
-                    <a:lnR w="12700" cmpd="sng">
-                      <a:noFill/>
-                      <a:prstDash val="solid"/>
-                    </a:lnR>
-                    <a:lnT w="12700" cmpd="sng">
-                      <a:noFill/>
-                      <a:prstDash val="solid"/>
-                    </a:lnT>
-                    <a:lnB w="12700" cmpd="sng">
-                      <a:noFill/>
-                      <a:prstDash val="solid"/>
-                    </a:lnB>
-                    <a:noFill/>
-                  </a:tcPr>
-                </a:tc>
-                <a:tc>
-                  <a:txBody>
-                    <a:bodyPr/>
-                    <a:lstStyle/>
-                    <a:p>
-                      <a:endParaRPr lang="en-US" sz="1400" cap="none" spc="0" dirty="0">
+                      <a:endParaRPr lang="en-US" sz="1200" cap="none" spc="0" dirty="0">
                         <a:solidFill>
                           <a:schemeClr val="tx1"/>
                         </a:solidFill>
@@ -5281,7 +6359,7 @@
     </p:spTree>
     <p:extLst>
       <p:ext uri="{BB962C8B-B14F-4D97-AF65-F5344CB8AC3E}">
-        <p14:creationId xmlns:p14="http://schemas.microsoft.com/office/powerpoint/2010/main" val="2933514334"/>
+        <p14:creationId xmlns:p14="http://schemas.microsoft.com/office/powerpoint/2010/main" val="2686730585"/>
       </p:ext>
     </p:extLst>
   </p:cSld>
@@ -5291,7 +6369,7 @@
 </p:sld>
 </file>
 
-<file path=ppt/slides/slide19.xml><?xml version="1.0" encoding="utf-8"?>
+<file path=ppt/slides/slide21.xml><?xml version="1.0" encoding="utf-8"?>
 <p:sld xmlns:a="http://schemas.openxmlformats.org/drawingml/2006/main" xmlns:r="http://schemas.openxmlformats.org/officeDocument/2006/relationships" xmlns:p="http://schemas.openxmlformats.org/presentationml/2006/main">
   <p:cSld>
     <p:spTree>
@@ -5352,11 +6430,76 @@
             <p:ph idx="1"/>
           </p:nvPr>
         </p:nvSpPr>
-        <p:spPr/>
+        <p:spPr>
+          <a:xfrm>
+            <a:off x="1097280" y="2108201"/>
+            <a:ext cx="5976620" cy="3336635"/>
+          </a:xfrm>
+        </p:spPr>
         <p:txBody>
-          <a:bodyPr/>
+          <a:bodyPr>
+            <a:normAutofit fontScale="77500" lnSpcReduction="20000"/>
+          </a:bodyPr>
           <a:lstStyle/>
           <a:p>
+            <a:pPr>
+              <a:lnSpc>
+                <a:spcPct val="250000"/>
+              </a:lnSpc>
+              <a:buFont typeface="Calibri" panose="020F0502020204030204" pitchFamily="34" charset="0"/>
+              <a:buChar char="-"/>
+            </a:pPr>
+            <a:r>
+              <a:rPr lang="en-AU" dirty="0"/>
+              <a:t> Upward trend of average number of vacant days from 2017-2019</a:t>
+            </a:r>
+          </a:p>
+          <a:p>
+            <a:pPr>
+              <a:lnSpc>
+                <a:spcPct val="250000"/>
+              </a:lnSpc>
+              <a:buFont typeface="Calibri" panose="020F0502020204030204" pitchFamily="34" charset="0"/>
+              <a:buChar char="-"/>
+            </a:pPr>
+            <a:r>
+              <a:rPr lang="en-AU" dirty="0"/>
+              <a:t> Downward trend from the peak of 2019 could be due to the pandemic</a:t>
+            </a:r>
+          </a:p>
+          <a:p>
+            <a:pPr>
+              <a:lnSpc>
+                <a:spcPct val="250000"/>
+              </a:lnSpc>
+              <a:buFont typeface="Calibri" panose="020F0502020204030204" pitchFamily="34" charset="0"/>
+              <a:buChar char="-"/>
+            </a:pPr>
+            <a:r>
+              <a:rPr lang="en-AU" dirty="0"/>
+              <a:t> Majority of vacant days have the property in the status of tenantable</a:t>
+            </a:r>
+          </a:p>
+          <a:p>
+            <a:pPr>
+              <a:lnSpc>
+                <a:spcPct val="250000"/>
+              </a:lnSpc>
+              <a:buFont typeface="Calibri" panose="020F0502020204030204" pitchFamily="34" charset="0"/>
+              <a:buChar char="-"/>
+            </a:pPr>
+            <a:r>
+              <a:rPr lang="en-AU" dirty="0"/>
+              <a:t> Data shows that the number of days a property is vacant falls as the number of bedrooms increases</a:t>
+            </a:r>
+          </a:p>
+          <a:p>
+            <a:pPr marL="0" indent="0">
+              <a:lnSpc>
+                <a:spcPct val="250000"/>
+              </a:lnSpc>
+              <a:buNone/>
+            </a:pPr>
             <a:endParaRPr lang="en-AU" dirty="0"/>
           </a:p>
         </p:txBody>
@@ -5364,7 +6507,7 @@
     </p:spTree>
     <p:extLst>
       <p:ext uri="{BB962C8B-B14F-4D97-AF65-F5344CB8AC3E}">
-        <p14:creationId xmlns:p14="http://schemas.microsoft.com/office/powerpoint/2010/main" val="3892008798"/>
+        <p14:creationId xmlns:p14="http://schemas.microsoft.com/office/powerpoint/2010/main" val="1802850148"/>
       </p:ext>
     </p:extLst>
   </p:cSld>
@@ -5374,7 +6517,7 @@
 </p:sld>
 </file>
 
-<file path=ppt/slides/slide2.xml><?xml version="1.0" encoding="utf-8"?>
+<file path=ppt/slides/slide22.xml><?xml version="1.0" encoding="utf-8"?>
 <p:sld xmlns:a="http://schemas.openxmlformats.org/drawingml/2006/main" xmlns:r="http://schemas.openxmlformats.org/officeDocument/2006/relationships" xmlns:p="http://schemas.openxmlformats.org/presentationml/2006/main">
   <p:cSld>
     <p:spTree>
@@ -5396,7 +6539,7 @@
           <p:cNvPr id="2" name="Title 1">
             <a:extLst>
               <a:ext uri="{FF2B5EF4-FFF2-40B4-BE49-F238E27FC236}">
-                <a16:creationId xmlns:a16="http://schemas.microsoft.com/office/drawing/2014/main" id="{F8F9E284-6642-B87F-627B-C7159F981050}"/>
+                <a16:creationId xmlns:a16="http://schemas.microsoft.com/office/drawing/2014/main" id="{65BA0F5C-A0B7-605F-D27D-B6C5CE31C850}"/>
               </a:ext>
             </a:extLst>
           </p:cNvPr>
@@ -5414,7 +6557,7 @@
           <a:p>
             <a:r>
               <a:rPr lang="en-AU" dirty="0"/>
-              <a:t>	Definition </a:t>
+              <a:t>Conclusion</a:t>
             </a:r>
           </a:p>
         </p:txBody>
@@ -5424,7 +6567,7 @@
           <p:cNvPr id="3" name="Content Placeholder 2">
             <a:extLst>
               <a:ext uri="{FF2B5EF4-FFF2-40B4-BE49-F238E27FC236}">
-                <a16:creationId xmlns:a16="http://schemas.microsoft.com/office/drawing/2014/main" id="{B22E6F46-0BB9-4407-6908-C3D151836A85}"/>
+                <a16:creationId xmlns:a16="http://schemas.microsoft.com/office/drawing/2014/main" id="{C4F8990B-566F-C941-A59F-20287C1B4C83}"/>
               </a:ext>
             </a:extLst>
           </p:cNvPr>
@@ -5435,300 +6578,225 @@
             <p:ph idx="1"/>
           </p:nvPr>
         </p:nvSpPr>
-        <p:spPr/>
+        <p:spPr>
+          <a:xfrm>
+            <a:off x="7232650" y="2108201"/>
+            <a:ext cx="3923030" cy="3905249"/>
+          </a:xfrm>
+        </p:spPr>
         <p:txBody>
           <a:bodyPr>
-            <a:normAutofit fontScale="92500" lnSpcReduction="20000"/>
+            <a:normAutofit lnSpcReduction="10000"/>
           </a:bodyPr>
           <a:lstStyle/>
           <a:p>
             <a:pPr>
-              <a:lnSpc>
-                <a:spcPct val="117000"/>
-              </a:lnSpc>
-              <a:spcAft>
-                <a:spcPts val="600"/>
-              </a:spcAft>
+              <a:buFont typeface="Calibri" panose="020F0502020204030204" pitchFamily="34" charset="0"/>
+              <a:buChar char="-"/>
             </a:pPr>
             <a:r>
-              <a:rPr lang="en-AU" dirty="0">
+              <a:rPr lang="en-AU" dirty="0"/>
+              <a:t> The effects of COVID most likely played a role in the later data we got</a:t>
+            </a:r>
+          </a:p>
+          <a:p>
+            <a:pPr>
+              <a:buFont typeface="Calibri" panose="020F0502020204030204" pitchFamily="34" charset="0"/>
+              <a:buChar char="-"/>
+            </a:pPr>
+            <a:r>
+              <a:rPr lang="en-AU" dirty="0"/>
+              <a:t> Presumably other factors were involved, but more investigation is needed</a:t>
+            </a:r>
+          </a:p>
+          <a:p>
+            <a:pPr>
+              <a:buFont typeface="Calibri" panose="020F0502020204030204" pitchFamily="34" charset="0"/>
+              <a:buChar char="-"/>
+            </a:pPr>
+            <a:r>
+              <a:rPr lang="en-AU" dirty="0"/>
+              <a:t> The number of days a property was left vacant but tenantable was higher than expected, especially when considering the context of how many more properties are needed and how long the current waitlist is</a:t>
+            </a:r>
+          </a:p>
+        </p:txBody>
+      </p:sp>
+      <p:pic>
+        <p:nvPicPr>
+          <p:cNvPr id="4" name="Camera 3">
+            <a:extLst>
+              <a:ext uri="{FF2B5EF4-FFF2-40B4-BE49-F238E27FC236}">
+                <a16:creationId xmlns:a16="http://schemas.microsoft.com/office/drawing/2014/main" id="{CF83B87E-EB20-3154-2257-50B5A3427E19}"/>
+              </a:ext>
+            </a:extLst>
+          </p:cNvPr>
+          <p:cNvPicPr>
+            <a:picLocks noChangeAspect="1"/>
+            <a:extLst>
+              <a:ext uri="{51228E76-BA90-4043-B771-695A4F85340A}">
+                <alf:liveFeedProps xmlns:alf="http://schemas.microsoft.com/office/drawing/2021/livefeed" xmlns=""/>
+              </a:ext>
+            </a:extLst>
+          </p:cNvPicPr>
+          <p:nvPr/>
+        </p:nvPicPr>
+        <p:blipFill>
+          <a:blip r:embed="rId2">
+            <a:extLst>
+              <a:ext uri="{96DAC541-7B7A-43D3-8B79-37D633B846F1}">
+                <asvg:svgBlip xmlns:asvg="http://schemas.microsoft.com/office/drawing/2016/SVG/main" r:embed="rId3"/>
+              </a:ext>
+            </a:extLst>
+          </a:blip>
+          <a:stretch>
+            <a:fillRect/>
+          </a:stretch>
+        </p:blipFill>
+        <p:spPr>
+          <a:xfrm>
+            <a:off x="9147683" y="5143500"/>
+            <a:ext cx="3040633" cy="1714500"/>
+          </a:xfrm>
+          <a:prstGeom prst="rect">
+            <a:avLst/>
+          </a:prstGeom>
+        </p:spPr>
+      </p:pic>
+      <p:pic>
+        <p:nvPicPr>
+          <p:cNvPr id="6" name="Picture 5" descr="A picture containing text&#10;&#10;Description automatically generated">
+            <a:extLst>
+              <a:ext uri="{FF2B5EF4-FFF2-40B4-BE49-F238E27FC236}">
+                <a16:creationId xmlns:a16="http://schemas.microsoft.com/office/drawing/2014/main" id="{1358DD98-A970-5CE1-21E5-9AEC5B5896FA}"/>
+              </a:ext>
+            </a:extLst>
+          </p:cNvPr>
+          <p:cNvPicPr>
+            <a:picLocks noChangeAspect="1"/>
+          </p:cNvPicPr>
+          <p:nvPr/>
+        </p:nvPicPr>
+        <p:blipFill>
+          <a:blip r:embed="rId4"/>
+          <a:stretch>
+            <a:fillRect/>
+          </a:stretch>
+        </p:blipFill>
+        <p:spPr>
+          <a:xfrm>
+            <a:off x="1097280" y="2024308"/>
+            <a:ext cx="5989320" cy="1074394"/>
+          </a:xfrm>
+          <a:prstGeom prst="rect">
+            <a:avLst/>
+          </a:prstGeom>
+        </p:spPr>
+      </p:pic>
+      <p:pic>
+        <p:nvPicPr>
+          <p:cNvPr id="8" name="Picture 7" descr="Text&#10;&#10;Description automatically generated">
+            <a:extLst>
+              <a:ext uri="{FF2B5EF4-FFF2-40B4-BE49-F238E27FC236}">
+                <a16:creationId xmlns:a16="http://schemas.microsoft.com/office/drawing/2014/main" id="{F7076992-AA1F-9ADA-1017-7C984B23FA6E}"/>
+              </a:ext>
+            </a:extLst>
+          </p:cNvPr>
+          <p:cNvPicPr>
+            <a:picLocks noChangeAspect="1"/>
+          </p:cNvPicPr>
+          <p:nvPr/>
+        </p:nvPicPr>
+        <p:blipFill>
+          <a:blip r:embed="rId5"/>
+          <a:stretch>
+            <a:fillRect/>
+          </a:stretch>
+        </p:blipFill>
+        <p:spPr>
+          <a:xfrm>
+            <a:off x="1097280" y="3295606"/>
+            <a:ext cx="4084320" cy="1486208"/>
+          </a:xfrm>
+          <a:prstGeom prst="rect">
+            <a:avLst/>
+          </a:prstGeom>
+        </p:spPr>
+      </p:pic>
+      <p:pic>
+        <p:nvPicPr>
+          <p:cNvPr id="10" name="Picture 9" descr="Text&#10;&#10;Description automatically generated">
+            <a:extLst>
+              <a:ext uri="{FF2B5EF4-FFF2-40B4-BE49-F238E27FC236}">
+                <a16:creationId xmlns:a16="http://schemas.microsoft.com/office/drawing/2014/main" id="{91714769-5916-FE0E-BC48-AED06A3D0B8E}"/>
+              </a:ext>
+            </a:extLst>
+          </p:cNvPr>
+          <p:cNvPicPr>
+            <a:picLocks noChangeAspect="1"/>
+          </p:cNvPicPr>
+          <p:nvPr/>
+        </p:nvPicPr>
+        <p:blipFill>
+          <a:blip r:embed="rId6"/>
+          <a:stretch>
+            <a:fillRect/>
+          </a:stretch>
+        </p:blipFill>
+        <p:spPr>
+          <a:xfrm>
+            <a:off x="1149155" y="4978718"/>
+            <a:ext cx="3810196" cy="901746"/>
+          </a:xfrm>
+          <a:prstGeom prst="rect">
+            <a:avLst/>
+          </a:prstGeom>
+        </p:spPr>
+      </p:pic>
+      <p:sp>
+        <p:nvSpPr>
+          <p:cNvPr id="11" name="TextBox 10">
+            <a:extLst>
+              <a:ext uri="{FF2B5EF4-FFF2-40B4-BE49-F238E27FC236}">
+                <a16:creationId xmlns:a16="http://schemas.microsoft.com/office/drawing/2014/main" id="{C94636A1-8515-15AF-F841-EACCDDD75924}"/>
+              </a:ext>
+            </a:extLst>
+          </p:cNvPr>
+          <p:cNvSpPr txBox="1"/>
+          <p:nvPr/>
+        </p:nvSpPr>
+        <p:spPr>
+          <a:xfrm>
+            <a:off x="1097280" y="6013450"/>
+            <a:ext cx="5767070" cy="261610"/>
+          </a:xfrm>
+          <a:prstGeom prst="rect">
+            <a:avLst/>
+          </a:prstGeom>
+          <a:noFill/>
+        </p:spPr>
+        <p:txBody>
+          <a:bodyPr wrap="square" rtlCol="0">
+            <a:spAutoFit/>
+          </a:bodyPr>
+          <a:lstStyle/>
+          <a:p>
+            <a:r>
+              <a:rPr lang="en-AU" sz="1100" dirty="0">
                 <a:solidFill>
-                  <a:srgbClr val="1D1C1D"/>
+                  <a:schemeClr val="bg1">
+                    <a:lumMod val="65000"/>
+                  </a:schemeClr>
                 </a:solidFill>
-                <a:latin typeface="Arial" panose="020B0604020202020204" pitchFamily="34" charset="0"/>
-                <a:cs typeface="Times New Roman" panose="02020603050405020304" pitchFamily="18" charset="0"/>
               </a:rPr>
-              <a:t>Vacancy Days – </a:t>
-            </a:r>
-            <a:r>
-              <a:rPr lang="en-GB" dirty="0">
-                <a:solidFill>
-                  <a:srgbClr val="1D1C1D"/>
-                </a:solidFill>
-                <a:latin typeface="Arial" panose="020B0604020202020204" pitchFamily="34" charset="0"/>
-                <a:cs typeface="Times New Roman" panose="02020603050405020304" pitchFamily="18" charset="0"/>
-              </a:rPr>
-              <a:t>the number of days between the date such existing tenant vacates</a:t>
-            </a:r>
-            <a:endParaRPr lang="en-AU" dirty="0">
-              <a:solidFill>
-                <a:srgbClr val="1D1C1D"/>
-              </a:solidFill>
-              <a:latin typeface="Arial" panose="020B0604020202020204" pitchFamily="34" charset="0"/>
-              <a:cs typeface="Times New Roman" panose="02020603050405020304" pitchFamily="18" charset="0"/>
-            </a:endParaRPr>
-          </a:p>
-          <a:p>
-            <a:pPr>
-              <a:lnSpc>
-                <a:spcPct val="117000"/>
-              </a:lnSpc>
-              <a:spcAft>
-                <a:spcPts val="600"/>
-              </a:spcAft>
-            </a:pPr>
-            <a:r>
-              <a:rPr lang="en-GB" dirty="0">
-                <a:solidFill>
-                  <a:srgbClr val="1D1C1D"/>
-                </a:solidFill>
-                <a:latin typeface="Arial" panose="020B0604020202020204" pitchFamily="34" charset="0"/>
-                <a:cs typeface="Times New Roman" panose="02020603050405020304" pitchFamily="18" charset="0"/>
-              </a:rPr>
-              <a:t>Tenantable -  (of a building) fit for occupation by a tenant.</a:t>
-            </a:r>
-          </a:p>
-          <a:p>
-            <a:pPr>
-              <a:lnSpc>
-                <a:spcPct val="117000"/>
-              </a:lnSpc>
-              <a:spcAft>
-                <a:spcPts val="600"/>
-              </a:spcAft>
-            </a:pPr>
-            <a:r>
-              <a:rPr lang="en-GB" dirty="0">
-                <a:solidFill>
-                  <a:srgbClr val="1D1C1D"/>
-                </a:solidFill>
-                <a:latin typeface="Arial" panose="020B0604020202020204" pitchFamily="34" charset="0"/>
-                <a:cs typeface="Times New Roman" panose="02020603050405020304" pitchFamily="18" charset="0"/>
-              </a:rPr>
-              <a:t>Untenantable - incapable of being occupied or lived in</a:t>
-            </a:r>
-          </a:p>
-          <a:p>
-            <a:pPr>
-              <a:lnSpc>
-                <a:spcPct val="117000"/>
-              </a:lnSpc>
-              <a:spcAft>
-                <a:spcPts val="600"/>
-              </a:spcAft>
-            </a:pPr>
-            <a:r>
-              <a:rPr lang="en-AU" dirty="0" err="1">
-                <a:solidFill>
-                  <a:srgbClr val="1D1C1D"/>
-                </a:solidFill>
-                <a:latin typeface="Arial" panose="020B0604020202020204" pitchFamily="34" charset="0"/>
-                <a:cs typeface="Times New Roman" panose="02020603050405020304" pitchFamily="18" charset="0"/>
-              </a:rPr>
-              <a:t>VUDays</a:t>
-            </a:r>
-            <a:r>
-              <a:rPr lang="en-AU" dirty="0">
-                <a:solidFill>
-                  <a:srgbClr val="1D1C1D"/>
-                </a:solidFill>
-                <a:latin typeface="Arial" panose="020B0604020202020204" pitchFamily="34" charset="0"/>
-                <a:cs typeface="Times New Roman" panose="02020603050405020304" pitchFamily="18" charset="0"/>
-              </a:rPr>
-              <a:t> - </a:t>
-            </a:r>
-            <a:r>
-              <a:rPr lang="en-GB" dirty="0">
-                <a:solidFill>
-                  <a:srgbClr val="1D1C1D"/>
-                </a:solidFill>
-                <a:latin typeface="Arial" panose="020B0604020202020204" pitchFamily="34" charset="0"/>
-                <a:cs typeface="Times New Roman" panose="02020603050405020304" pitchFamily="18" charset="0"/>
-              </a:rPr>
-              <a:t>Number of days the property was vacant and untenantable </a:t>
-            </a:r>
-          </a:p>
-          <a:p>
-            <a:pPr>
-              <a:lnSpc>
-                <a:spcPct val="117000"/>
-              </a:lnSpc>
-              <a:spcAft>
-                <a:spcPts val="600"/>
-              </a:spcAft>
-            </a:pPr>
-            <a:r>
-              <a:rPr lang="en-AU" dirty="0" err="1">
-                <a:solidFill>
-                  <a:srgbClr val="1D1C1D"/>
-                </a:solidFill>
-                <a:latin typeface="Arial" panose="020B0604020202020204" pitchFamily="34" charset="0"/>
-                <a:cs typeface="Times New Roman" panose="02020603050405020304" pitchFamily="18" charset="0"/>
-              </a:rPr>
-              <a:t>VTDays</a:t>
-            </a:r>
-            <a:r>
-              <a:rPr lang="en-AU" dirty="0">
-                <a:solidFill>
-                  <a:srgbClr val="1D1C1D"/>
-                </a:solidFill>
-                <a:latin typeface="Arial" panose="020B0604020202020204" pitchFamily="34" charset="0"/>
-                <a:cs typeface="Times New Roman" panose="02020603050405020304" pitchFamily="18" charset="0"/>
-              </a:rPr>
-              <a:t> – </a:t>
-            </a:r>
-            <a:r>
-              <a:rPr lang="en-GB" dirty="0">
-                <a:solidFill>
-                  <a:srgbClr val="1D1C1D"/>
-                </a:solidFill>
-                <a:latin typeface="Arial" panose="020B0604020202020204" pitchFamily="34" charset="0"/>
-                <a:cs typeface="Times New Roman" panose="02020603050405020304" pitchFamily="18" charset="0"/>
-              </a:rPr>
-              <a:t>Number of days the property was vacant and tenantable </a:t>
-            </a:r>
-          </a:p>
-          <a:p>
-            <a:endParaRPr lang="en-AU" sz="2000" b="0" i="0" u="none" strike="noStrike" dirty="0">
-              <a:solidFill>
-                <a:srgbClr val="000000"/>
-              </a:solidFill>
-              <a:effectLst/>
-              <a:latin typeface="Calibri" panose="020F0502020204030204" pitchFamily="34" charset="0"/>
-            </a:endParaRPr>
-          </a:p>
-          <a:p>
-            <a:endParaRPr lang="en-GB" sz="2000" b="0" i="0" u="none" strike="noStrike" dirty="0">
-              <a:solidFill>
-                <a:srgbClr val="000000"/>
-              </a:solidFill>
-              <a:effectLst/>
-              <a:latin typeface="Calibri" panose="020F0502020204030204" pitchFamily="34" charset="0"/>
-            </a:endParaRPr>
-          </a:p>
-          <a:p>
-            <a:r>
-              <a:rPr lang="en-GB" sz="2000" b="0" i="0" u="none" strike="noStrike" dirty="0">
-                <a:solidFill>
-                  <a:srgbClr val="000000"/>
-                </a:solidFill>
-                <a:effectLst/>
-                <a:latin typeface="Calibri" panose="020F0502020204030204" pitchFamily="34" charset="0"/>
-              </a:rPr>
-              <a:t> </a:t>
-            </a:r>
-          </a:p>
-          <a:p>
-            <a:endParaRPr lang="en-AU" sz="2000" b="0" i="0" u="none" strike="noStrike" dirty="0">
-              <a:solidFill>
-                <a:srgbClr val="000000"/>
-              </a:solidFill>
-              <a:effectLst/>
-              <a:latin typeface="Calibri" panose="020F0502020204030204" pitchFamily="34" charset="0"/>
-            </a:endParaRPr>
-          </a:p>
-          <a:p>
-            <a:endParaRPr lang="en-AU" dirty="0"/>
+              <a:t>Sources: Housing 2020 report, Queensland Housing Strategy 2017-2020 Action Plan</a:t>
+            </a:r>
           </a:p>
         </p:txBody>
       </p:sp>
     </p:spTree>
     <p:extLst>
       <p:ext uri="{BB962C8B-B14F-4D97-AF65-F5344CB8AC3E}">
-        <p14:creationId xmlns:p14="http://schemas.microsoft.com/office/powerpoint/2010/main" val="2656581410"/>
-      </p:ext>
-    </p:extLst>
-  </p:cSld>
-  <p:clrMapOvr>
-    <a:masterClrMapping/>
-  </p:clrMapOvr>
-</p:sld>
-</file>
-
-<file path=ppt/slides/slide20.xml><?xml version="1.0" encoding="utf-8"?>
-<p:sld xmlns:a="http://schemas.openxmlformats.org/drawingml/2006/main" xmlns:r="http://schemas.openxmlformats.org/officeDocument/2006/relationships" xmlns:p="http://schemas.openxmlformats.org/presentationml/2006/main">
-  <p:cSld>
-    <p:spTree>
-      <p:nvGrpSpPr>
-        <p:cNvPr id="1" name=""/>
-        <p:cNvGrpSpPr/>
-        <p:nvPr/>
-      </p:nvGrpSpPr>
-      <p:grpSpPr>
-        <a:xfrm>
-          <a:off x="0" y="0"/>
-          <a:ext cx="0" cy="0"/>
-          <a:chOff x="0" y="0"/>
-          <a:chExt cx="0" cy="0"/>
-        </a:xfrm>
-      </p:grpSpPr>
-      <p:sp>
-        <p:nvSpPr>
-          <p:cNvPr id="2" name="Title 1">
-            <a:extLst>
-              <a:ext uri="{FF2B5EF4-FFF2-40B4-BE49-F238E27FC236}">
-                <a16:creationId xmlns:a16="http://schemas.microsoft.com/office/drawing/2014/main" id="{65BA0F5C-A0B7-605F-D27D-B6C5CE31C850}"/>
-              </a:ext>
-            </a:extLst>
-          </p:cNvPr>
-          <p:cNvSpPr>
-            <a:spLocks noGrp="1"/>
-          </p:cNvSpPr>
-          <p:nvPr>
-            <p:ph type="title"/>
-          </p:nvPr>
-        </p:nvSpPr>
-        <p:spPr/>
-        <p:txBody>
-          <a:bodyPr/>
-          <a:lstStyle/>
-          <a:p>
-            <a:r>
-              <a:rPr lang="en-AU" dirty="0"/>
-              <a:t>Conclusion</a:t>
-            </a:r>
-          </a:p>
-        </p:txBody>
-      </p:sp>
-      <p:sp>
-        <p:nvSpPr>
-          <p:cNvPr id="3" name="Content Placeholder 2">
-            <a:extLst>
-              <a:ext uri="{FF2B5EF4-FFF2-40B4-BE49-F238E27FC236}">
-                <a16:creationId xmlns:a16="http://schemas.microsoft.com/office/drawing/2014/main" id="{C4F8990B-566F-C941-A59F-20287C1B4C83}"/>
-              </a:ext>
-            </a:extLst>
-          </p:cNvPr>
-          <p:cNvSpPr>
-            <a:spLocks noGrp="1"/>
-          </p:cNvSpPr>
-          <p:nvPr>
-            <p:ph idx="1"/>
-          </p:nvPr>
-        </p:nvSpPr>
-        <p:spPr/>
-        <p:txBody>
-          <a:bodyPr/>
-          <a:lstStyle/>
-          <a:p>
-            <a:endParaRPr lang="en-AU"/>
-          </a:p>
-        </p:txBody>
-      </p:sp>
-    </p:spTree>
-    <p:extLst>
-      <p:ext uri="{BB962C8B-B14F-4D97-AF65-F5344CB8AC3E}">
-        <p14:creationId xmlns:p14="http://schemas.microsoft.com/office/powerpoint/2010/main" val="3561853324"/>
+        <p14:creationId xmlns:p14="http://schemas.microsoft.com/office/powerpoint/2010/main" val="3175654750"/>
       </p:ext>
     </p:extLst>
   </p:cSld>
@@ -5880,12 +6948,12 @@
               <a:t>	</a:t>
             </a:r>
             <a:r>
-              <a:rPr kumimoji="0" lang="en-US" altLang="en-US" sz="1200" b="1" i="0" u="none" strike="noStrike" cap="none" normalizeH="0" baseline="0" dirty="0">
+              <a:rPr kumimoji="0" lang="en-US" altLang="en-US" sz="1200" b="1" i="0" u="sng" strike="noStrike" cap="none" normalizeH="0" baseline="0" dirty="0">
                 <a:ln>
                   <a:noFill/>
                 </a:ln>
                 <a:solidFill>
-                  <a:srgbClr val="212529"/>
+                  <a:srgbClr val="0070C0"/>
                 </a:solidFill>
                 <a:effectLst/>
                 <a:latin typeface="Lato" panose="020F0502020204030203" pitchFamily="34" charset="0"/>
@@ -5980,7 +7048,20 @@
                 <a:effectLst/>
                 <a:latin typeface="Lato" panose="020F0502020204030203" pitchFamily="34" charset="0"/>
               </a:rPr>
-              <a:t>	Duplex</a:t>
+              <a:t>	</a:t>
+            </a:r>
+            <a:r>
+              <a:rPr kumimoji="0" lang="en-US" altLang="en-US" sz="1200" b="1" i="0" u="sng" strike="noStrike" cap="none" normalizeH="0" baseline="0" dirty="0">
+                <a:ln>
+                  <a:noFill/>
+                </a:ln>
+                <a:solidFill>
+                  <a:srgbClr val="0070C0"/>
+                </a:solidFill>
+                <a:effectLst/>
+                <a:latin typeface="Lato" panose="020F0502020204030203" pitchFamily="34" charset="0"/>
+              </a:rPr>
+              <a:t>Duplex</a:t>
             </a:r>
           </a:p>
           <a:p>
@@ -6070,7 +7151,20 @@
                 <a:effectLst/>
                 <a:latin typeface="Lato" panose="020F0502020204030203" pitchFamily="34" charset="0"/>
               </a:rPr>
-              <a:t>	Dual occupancy</a:t>
+              <a:t>	</a:t>
+            </a:r>
+            <a:r>
+              <a:rPr kumimoji="0" lang="en-US" altLang="en-US" sz="1200" b="1" i="0" u="sng" strike="noStrike" cap="none" normalizeH="0" baseline="0" dirty="0">
+                <a:ln>
+                  <a:noFill/>
+                </a:ln>
+                <a:solidFill>
+                  <a:srgbClr val="0070C0"/>
+                </a:solidFill>
+                <a:effectLst/>
+                <a:latin typeface="Lato" panose="020F0502020204030203" pitchFamily="34" charset="0"/>
+              </a:rPr>
+              <a:t>Dual occupancy</a:t>
             </a:r>
           </a:p>
           <a:p>
@@ -6160,7 +7254,20 @@
                 <a:effectLst/>
                 <a:latin typeface="Lato" panose="020F0502020204030203" pitchFamily="34" charset="0"/>
               </a:rPr>
-              <a:t>	Cluster house</a:t>
+              <a:t>	</a:t>
+            </a:r>
+            <a:r>
+              <a:rPr kumimoji="0" lang="en-US" altLang="en-US" sz="1200" b="1" i="0" u="sng" strike="noStrike" cap="none" normalizeH="0" baseline="0" dirty="0">
+                <a:ln>
+                  <a:noFill/>
+                </a:ln>
+                <a:solidFill>
+                  <a:srgbClr val="0070C0"/>
+                </a:solidFill>
+                <a:effectLst/>
+                <a:latin typeface="Lato" panose="020F0502020204030203" pitchFamily="34" charset="0"/>
+              </a:rPr>
+              <a:t>Cluster house</a:t>
             </a:r>
           </a:p>
           <a:p>
@@ -6250,7 +7357,20 @@
                 <a:effectLst/>
                 <a:latin typeface="Lato" panose="020F0502020204030203" pitchFamily="34" charset="0"/>
               </a:rPr>
-              <a:t>	Townhouse</a:t>
+              <a:t>	</a:t>
+            </a:r>
+            <a:r>
+              <a:rPr kumimoji="0" lang="en-US" altLang="en-US" sz="1200" b="1" i="0" u="sng" strike="noStrike" cap="none" normalizeH="0" baseline="0" dirty="0">
+                <a:ln>
+                  <a:noFill/>
+                </a:ln>
+                <a:solidFill>
+                  <a:srgbClr val="0070C0"/>
+                </a:solidFill>
+                <a:effectLst/>
+                <a:latin typeface="Lato" panose="020F0502020204030203" pitchFamily="34" charset="0"/>
+              </a:rPr>
+              <a:t>Townhouse</a:t>
             </a:r>
           </a:p>
           <a:p>
@@ -6340,7 +7460,20 @@
                 <a:effectLst/>
                 <a:latin typeface="Lato" panose="020F0502020204030203" pitchFamily="34" charset="0"/>
               </a:rPr>
-              <a:t>	Apartment / flat / unit</a:t>
+              <a:t>	</a:t>
+            </a:r>
+            <a:r>
+              <a:rPr kumimoji="0" lang="en-US" altLang="en-US" sz="1200" b="1" i="0" u="sng" strike="noStrike" cap="none" normalizeH="0" baseline="0" dirty="0">
+                <a:ln>
+                  <a:noFill/>
+                </a:ln>
+                <a:solidFill>
+                  <a:srgbClr val="0070C0"/>
+                </a:solidFill>
+                <a:effectLst/>
+                <a:latin typeface="Lato" panose="020F0502020204030203" pitchFamily="34" charset="0"/>
+              </a:rPr>
+              <a:t>Apartment / flat / unit</a:t>
             </a:r>
           </a:p>
           <a:p>
@@ -6371,33 +7504,7 @@
                 <a:effectLst/>
                 <a:latin typeface="Lato" panose="020F0502020204030203" pitchFamily="34" charset="0"/>
               </a:rPr>
-              <a:t>		Usually a complex of 2 or more </a:t>
-            </a:r>
-            <a:r>
-              <a:rPr kumimoji="0" lang="en-US" altLang="en-US" sz="1200" b="0" i="0" u="none" strike="noStrike" cap="none" normalizeH="0" baseline="0" dirty="0" err="1">
-                <a:ln>
-                  <a:noFill/>
-                </a:ln>
-                <a:solidFill>
-                  <a:srgbClr val="212529"/>
-                </a:solidFill>
-                <a:effectLst/>
-                <a:latin typeface="Lato" panose="020F0502020204030203" pitchFamily="34" charset="0"/>
-              </a:rPr>
-              <a:t>storeys</a:t>
-            </a:r>
-            <a:r>
-              <a:rPr kumimoji="0" lang="en-US" altLang="en-US" sz="1200" b="0" i="0" u="none" strike="noStrike" cap="none" normalizeH="0" baseline="0" dirty="0">
-                <a:ln>
-                  <a:noFill/>
-                </a:ln>
-                <a:solidFill>
-                  <a:srgbClr val="212529"/>
-                </a:solidFill>
-                <a:effectLst/>
-                <a:latin typeface="Lato" panose="020F0502020204030203" pitchFamily="34" charset="0"/>
-              </a:rPr>
-              <a:t>, with 1–3 bedrooms in each.</a:t>
+              <a:t>		Usually a complex of 2 or more storeys, with 1–3 bedrooms in each.</a:t>
             </a:r>
           </a:p>
           <a:p>
@@ -6456,7 +7563,20 @@
                 <a:effectLst/>
                 <a:latin typeface="Lato" panose="020F0502020204030203" pitchFamily="34" charset="0"/>
               </a:rPr>
-              <a:t>	Seniors’ unit</a:t>
+              <a:t>	</a:t>
+            </a:r>
+            <a:r>
+              <a:rPr kumimoji="0" lang="en-US" altLang="en-US" sz="1200" b="1" i="0" u="sng" strike="noStrike" cap="none" normalizeH="0" baseline="0" dirty="0">
+                <a:ln>
+                  <a:noFill/>
+                </a:ln>
+                <a:solidFill>
+                  <a:srgbClr val="0070C0"/>
+                </a:solidFill>
+                <a:effectLst/>
+                <a:latin typeface="Lato" panose="020F0502020204030203" pitchFamily="34" charset="0"/>
+              </a:rPr>
+              <a:t>Seniors’ unit</a:t>
             </a:r>
           </a:p>
           <a:p>
@@ -6487,33 +7607,7 @@
                 <a:effectLst/>
                 <a:latin typeface="Lato" panose="020F0502020204030203" pitchFamily="34" charset="0"/>
               </a:rPr>
-              <a:t>		For people over the age of 55, usually in a complex of 1–2 </a:t>
-            </a:r>
-            <a:r>
-              <a:rPr kumimoji="0" lang="en-US" altLang="en-US" sz="1200" b="0" i="0" u="none" strike="noStrike" cap="none" normalizeH="0" baseline="0" dirty="0" err="1">
-                <a:ln>
-                  <a:noFill/>
-                </a:ln>
-                <a:solidFill>
-                  <a:srgbClr val="212529"/>
-                </a:solidFill>
-                <a:effectLst/>
-                <a:latin typeface="Lato" panose="020F0502020204030203" pitchFamily="34" charset="0"/>
-              </a:rPr>
-              <a:t>storeys</a:t>
-            </a:r>
-            <a:r>
-              <a:rPr kumimoji="0" lang="en-US" altLang="en-US" sz="1200" b="0" i="0" u="none" strike="noStrike" cap="none" normalizeH="0" baseline="0" dirty="0">
-                <a:ln>
-                  <a:noFill/>
-                </a:ln>
-                <a:solidFill>
-                  <a:srgbClr val="212529"/>
-                </a:solidFill>
-                <a:effectLst/>
-                <a:latin typeface="Lato" panose="020F0502020204030203" pitchFamily="34" charset="0"/>
-              </a:rPr>
-              <a:t>, with 1–2 bedrooms in each.</a:t>
+              <a:t>		For people over the age of 55, usually in a complex of 1–2 storeys, with 1–2 bedrooms in each.</a:t>
             </a:r>
           </a:p>
           <a:p>
@@ -6618,7 +7712,7 @@
     </p:spTree>
     <p:extLst>
       <p:ext uri="{BB962C8B-B14F-4D97-AF65-F5344CB8AC3E}">
-        <p14:creationId xmlns:p14="http://schemas.microsoft.com/office/powerpoint/2010/main" val="1658482498"/>
+        <p14:creationId xmlns:p14="http://schemas.microsoft.com/office/powerpoint/2010/main" val="638375031"/>
       </p:ext>
     </p:extLst>
   </p:cSld>
@@ -6650,7 +7744,7 @@
           <p:cNvPr id="2" name="Title 1">
             <a:extLst>
               <a:ext uri="{FF2B5EF4-FFF2-40B4-BE49-F238E27FC236}">
-                <a16:creationId xmlns:a16="http://schemas.microsoft.com/office/drawing/2014/main" id="{26132F41-B14D-099F-7D60-C71AED44720E}"/>
+                <a16:creationId xmlns:a16="http://schemas.microsoft.com/office/drawing/2014/main" id="{6E0F8A29-0E59-62D2-C131-F840BEC04625}"/>
               </a:ext>
             </a:extLst>
           </p:cNvPr>
@@ -6667,9 +7761,16 @@
           <a:lstStyle/>
           <a:p>
             <a:r>
-              <a:rPr lang="en-AU" dirty="0"/>
-              <a:t>Eligibility for Housing </a:t>
-            </a:r>
+              <a:rPr lang="en-AU" i="0" dirty="0">
+                <a:solidFill>
+                  <a:srgbClr val="212529"/>
+                </a:solidFill>
+                <a:effectLst/>
+                <a:latin typeface="Bookman Old Style" panose="02050604050505020204" pitchFamily="18" charset="0"/>
+              </a:rPr>
+              <a:t>Bedroom entitlements</a:t>
+            </a:r>
+            <a:endParaRPr lang="en-AU" dirty="0"/>
           </a:p>
         </p:txBody>
       </p:sp>
@@ -6678,7 +7779,7 @@
           <p:cNvPr id="3" name="Content Placeholder 2">
             <a:extLst>
               <a:ext uri="{FF2B5EF4-FFF2-40B4-BE49-F238E27FC236}">
-                <a16:creationId xmlns:a16="http://schemas.microsoft.com/office/drawing/2014/main" id="{C4DBBA71-3A8F-3EF2-1678-45D100E82CB7}"/>
+                <a16:creationId xmlns:a16="http://schemas.microsoft.com/office/drawing/2014/main" id="{5AD00812-DA19-E7A9-D26D-167004CEBCFD}"/>
               </a:ext>
             </a:extLst>
           </p:cNvPr>
@@ -6691,188 +7792,497 @@
         </p:nvSpPr>
         <p:spPr/>
         <p:txBody>
-          <a:bodyPr>
-            <a:normAutofit fontScale="25000" lnSpcReduction="20000"/>
-          </a:bodyPr>
+          <a:bodyPr/>
           <a:lstStyle/>
           <a:p>
-            <a:pPr>
+            <a:pPr marL="0" indent="0" eaLnBrk="0" fontAlgn="base" hangingPunct="0">
               <a:lnSpc>
-                <a:spcPct val="127000"/>
+                <a:spcPct val="100000"/>
               </a:lnSpc>
+              <a:spcBef>
+                <a:spcPct val="0"/>
+              </a:spcBef>
               <a:spcAft>
-                <a:spcPts val="600"/>
+                <a:spcPct val="0"/>
               </a:spcAft>
+              <a:buClrTx/>
+              <a:buSzTx/>
+              <a:buNone/>
             </a:pPr>
             <a:r>
-              <a:rPr lang="en-AU" sz="7200" dirty="0">
+              <a:rPr lang="en-GB" sz="2000" dirty="0">
                 <a:solidFill>
-                  <a:srgbClr val="1D1C1D"/>
+                  <a:srgbClr val="212529"/>
                 </a:solidFill>
-                <a:latin typeface="Arial" panose="020B0604020202020204" pitchFamily="34" charset="0"/>
-                <a:cs typeface="Times New Roman" panose="02020603050405020304" pitchFamily="18" charset="0"/>
+                <a:latin typeface="Lato" panose="020F0502020204030203" pitchFamily="34" charset="0"/>
               </a:rPr>
-              <a:t>1. </a:t>
-            </a:r>
-            <a:r>
-              <a:rPr lang="en-GB" sz="7200" dirty="0">
+              <a:t>The number of bedrooms in the property </a:t>
+            </a:r>
+          </a:p>
+          <a:p>
+            <a:pPr marL="0" indent="0" eaLnBrk="0" fontAlgn="base" hangingPunct="0">
+              <a:lnSpc>
+                <a:spcPct val="100000"/>
+              </a:lnSpc>
+              <a:spcBef>
+                <a:spcPct val="0"/>
+              </a:spcBef>
+              <a:spcAft>
+                <a:spcPct val="0"/>
+              </a:spcAft>
+              <a:buClrTx/>
+              <a:buSzTx/>
+              <a:buNone/>
+            </a:pPr>
+            <a:r>
+              <a:rPr lang="en-GB" sz="2000" dirty="0">
                 <a:solidFill>
-                  <a:srgbClr val="1D1C1D"/>
+                  <a:srgbClr val="212529"/>
                 </a:solidFill>
-                <a:latin typeface="Arial" panose="020B0604020202020204" pitchFamily="34" charset="0"/>
-                <a:cs typeface="Times New Roman" panose="02020603050405020304" pitchFamily="18" charset="0"/>
+                <a:latin typeface="Lato" panose="020F0502020204030203" pitchFamily="34" charset="0"/>
               </a:rPr>
-              <a:t>Australian citizenship and residency status</a:t>
-            </a:r>
-          </a:p>
-          <a:p>
-            <a:pPr>
+              <a:t>listed on the housing register </a:t>
+            </a:r>
+          </a:p>
+          <a:p>
+            <a:pPr marL="0" indent="0" eaLnBrk="0" fontAlgn="base" hangingPunct="0">
               <a:lnSpc>
-                <a:spcPct val="127000"/>
+                <a:spcPct val="100000"/>
               </a:lnSpc>
+              <a:spcBef>
+                <a:spcPct val="0"/>
+              </a:spcBef>
               <a:spcAft>
-                <a:spcPts val="600"/>
+                <a:spcPct val="0"/>
               </a:spcAft>
+              <a:buClrTx/>
+              <a:buSzTx/>
+              <a:buNone/>
             </a:pPr>
             <a:r>
-              <a:rPr lang="en-AU" sz="7200" dirty="0">
+              <a:rPr lang="en-GB" sz="2000" dirty="0">
                 <a:solidFill>
-                  <a:srgbClr val="1D1C1D"/>
+                  <a:srgbClr val="212529"/>
                 </a:solidFill>
-                <a:latin typeface="Arial" panose="020B0604020202020204" pitchFamily="34" charset="0"/>
-                <a:cs typeface="Times New Roman" panose="02020603050405020304" pitchFamily="18" charset="0"/>
+                <a:latin typeface="Lato" panose="020F0502020204030203" pitchFamily="34" charset="0"/>
               </a:rPr>
-              <a:t>2. Queensland residency</a:t>
-            </a:r>
-          </a:p>
-          <a:p>
-            <a:pPr>
-              <a:lnSpc>
-                <a:spcPct val="127000"/>
-              </a:lnSpc>
-              <a:spcAft>
-                <a:spcPts val="600"/>
-              </a:spcAft>
-            </a:pPr>
-            <a:r>
-              <a:rPr lang="en-AU" sz="7200" dirty="0">
-                <a:solidFill>
-                  <a:srgbClr val="1D1C1D"/>
-                </a:solidFill>
-                <a:latin typeface="Arial" panose="020B0604020202020204" pitchFamily="34" charset="0"/>
-                <a:cs typeface="Times New Roman" panose="02020603050405020304" pitchFamily="18" charset="0"/>
-              </a:rPr>
-              <a:t>3. No property ownership </a:t>
-            </a:r>
-          </a:p>
-          <a:p>
-            <a:pPr>
-              <a:lnSpc>
-                <a:spcPct val="127000"/>
-              </a:lnSpc>
-              <a:spcAft>
-                <a:spcPts val="600"/>
-              </a:spcAft>
-            </a:pPr>
-            <a:r>
-              <a:rPr lang="en-AU" sz="7200" dirty="0">
-                <a:solidFill>
-                  <a:srgbClr val="1D1C1D"/>
-                </a:solidFill>
-                <a:latin typeface="Arial" panose="020B0604020202020204" pitchFamily="34" charset="0"/>
-                <a:cs typeface="Times New Roman" panose="02020603050405020304" pitchFamily="18" charset="0"/>
-              </a:rPr>
-              <a:t>4. Liquid asset test (Single – under $117k and 2 or more under $149k) </a:t>
-            </a:r>
-          </a:p>
-          <a:p>
-            <a:pPr>
-              <a:lnSpc>
-                <a:spcPct val="127000"/>
-              </a:lnSpc>
-              <a:spcAft>
-                <a:spcPts val="600"/>
-              </a:spcAft>
-            </a:pPr>
-            <a:r>
-              <a:rPr lang="en-AU" sz="7200" dirty="0">
-                <a:solidFill>
-                  <a:srgbClr val="1D1C1D"/>
-                </a:solidFill>
-                <a:latin typeface="Arial" panose="020B0604020202020204" pitchFamily="34" charset="0"/>
-                <a:cs typeface="Times New Roman" panose="02020603050405020304" pitchFamily="18" charset="0"/>
-              </a:rPr>
-              <a:t>5. Independent Income ( $226.81 per week with proof of min 4 weeks)</a:t>
-            </a:r>
-          </a:p>
-          <a:p>
-            <a:pPr>
-              <a:lnSpc>
-                <a:spcPct val="127000"/>
-              </a:lnSpc>
-              <a:spcAft>
-                <a:spcPts val="600"/>
-              </a:spcAft>
-            </a:pPr>
-            <a:r>
-              <a:rPr lang="en-AU" sz="7200" dirty="0">
-                <a:solidFill>
-                  <a:srgbClr val="1D1C1D"/>
-                </a:solidFill>
-                <a:latin typeface="Arial" panose="020B0604020202020204" pitchFamily="34" charset="0"/>
-                <a:cs typeface="Times New Roman" panose="02020603050405020304" pitchFamily="18" charset="0"/>
-              </a:rPr>
-              <a:t>6. Household income must fall below $609 to $1121 per week ( depending on family size)</a:t>
-            </a:r>
-          </a:p>
-          <a:p>
-            <a:pPr>
-              <a:lnSpc>
-                <a:spcPct val="127000"/>
-              </a:lnSpc>
-              <a:spcAft>
-                <a:spcPts val="600"/>
-              </a:spcAft>
-            </a:pPr>
-            <a:r>
-              <a:rPr lang="en-GB" sz="7200" dirty="0">
-                <a:solidFill>
-                  <a:srgbClr val="1D1C1D"/>
-                </a:solidFill>
-                <a:latin typeface="Arial" panose="020B0604020202020204" pitchFamily="34" charset="0"/>
-                <a:cs typeface="Times New Roman" panose="02020603050405020304" pitchFamily="18" charset="0"/>
-              </a:rPr>
-              <a:t>7. Wellbeing</a:t>
-            </a:r>
-          </a:p>
-          <a:p>
-            <a:endParaRPr lang="en-GB" b="1" i="0" dirty="0">
+              <a:t>for is based on:</a:t>
+            </a:r>
+            <a:endParaRPr lang="en-GB" sz="1400" dirty="0">
               <a:solidFill>
                 <a:srgbClr val="212529"/>
               </a:solidFill>
-              <a:effectLst/>
               <a:latin typeface="Lato" panose="020F0502020204030203" pitchFamily="34" charset="0"/>
             </a:endParaRPr>
           </a:p>
           <a:p>
-            <a:r>
-              <a:rPr lang="en-AU" dirty="0"/>
-              <a:t> </a:t>
-            </a:r>
-            <a:r>
-              <a:rPr lang="en-AU" dirty="0">
-                <a:sym typeface="Wingdings" panose="05000000000000000000" pitchFamily="2" charset="2"/>
+            <a:pPr marL="0" indent="0" eaLnBrk="0" fontAlgn="base" hangingPunct="0">
+              <a:lnSpc>
+                <a:spcPct val="100000"/>
+              </a:lnSpc>
+              <a:spcBef>
+                <a:spcPct val="0"/>
+              </a:spcBef>
+              <a:spcAft>
+                <a:spcPct val="0"/>
+              </a:spcAft>
+              <a:buClrTx/>
+              <a:buSzTx/>
+              <a:buNone/>
+            </a:pPr>
+            <a:endParaRPr lang="en-GB" sz="1800" dirty="0">
+              <a:solidFill>
+                <a:srgbClr val="212529"/>
+              </a:solidFill>
+              <a:latin typeface="Lato" panose="020F0502020204030203" pitchFamily="34" charset="0"/>
+            </a:endParaRPr>
+          </a:p>
+          <a:p>
+            <a:pPr eaLnBrk="0" fontAlgn="base" hangingPunct="0">
+              <a:lnSpc>
+                <a:spcPct val="100000"/>
+              </a:lnSpc>
+              <a:spcBef>
+                <a:spcPct val="0"/>
+              </a:spcBef>
+              <a:spcAft>
+                <a:spcPct val="0"/>
+              </a:spcAft>
+              <a:buClrTx/>
+              <a:buSzTx/>
+              <a:buFont typeface="Wingdings" panose="05000000000000000000" pitchFamily="2" charset="2"/>
+              <a:buChar char="q"/>
+            </a:pPr>
+            <a:r>
+              <a:rPr lang="en-GB" sz="1800" dirty="0">
+                <a:solidFill>
+                  <a:srgbClr val="212529"/>
+                </a:solidFill>
+                <a:latin typeface="Lato" panose="020F0502020204030203" pitchFamily="34" charset="0"/>
               </a:rPr>
-              <a:t> https://www.qld.gov.au/housing/public-community-housing/eligibility-applying-for-housing/eligibility-for-housing/check-your-eligibility</a:t>
-            </a:r>
+              <a:t> Number of people within your household</a:t>
+            </a:r>
+          </a:p>
+          <a:p>
+            <a:pPr eaLnBrk="0" fontAlgn="base" hangingPunct="0">
+              <a:lnSpc>
+                <a:spcPct val="100000"/>
+              </a:lnSpc>
+              <a:spcBef>
+                <a:spcPct val="0"/>
+              </a:spcBef>
+              <a:spcAft>
+                <a:spcPct val="0"/>
+              </a:spcAft>
+              <a:buClrTx/>
+              <a:buSzTx/>
+              <a:buFont typeface="Wingdings" panose="05000000000000000000" pitchFamily="2" charset="2"/>
+              <a:buChar char="q"/>
+            </a:pPr>
+            <a:r>
+              <a:rPr lang="en-GB" sz="1800" dirty="0">
+                <a:solidFill>
+                  <a:srgbClr val="212529"/>
+                </a:solidFill>
+                <a:latin typeface="Lato" panose="020F0502020204030203" pitchFamily="34" charset="0"/>
+              </a:rPr>
+              <a:t> Gender of the people in your household</a:t>
+            </a:r>
+          </a:p>
+          <a:p>
+            <a:pPr eaLnBrk="0" fontAlgn="base" hangingPunct="0">
+              <a:lnSpc>
+                <a:spcPct val="100000"/>
+              </a:lnSpc>
+              <a:spcBef>
+                <a:spcPct val="0"/>
+              </a:spcBef>
+              <a:spcAft>
+                <a:spcPct val="0"/>
+              </a:spcAft>
+              <a:buClrTx/>
+              <a:buSzTx/>
+              <a:buFont typeface="Wingdings" panose="05000000000000000000" pitchFamily="2" charset="2"/>
+              <a:buChar char="q"/>
+            </a:pPr>
+            <a:r>
+              <a:rPr lang="en-GB" sz="1800" dirty="0">
+                <a:solidFill>
+                  <a:srgbClr val="212529"/>
+                </a:solidFill>
+                <a:latin typeface="Lato" panose="020F0502020204030203" pitchFamily="34" charset="0"/>
+              </a:rPr>
+              <a:t> Age of the people in your household.</a:t>
+            </a:r>
+          </a:p>
+          <a:p>
+            <a:pPr eaLnBrk="0" fontAlgn="base" hangingPunct="0">
+              <a:lnSpc>
+                <a:spcPct val="100000"/>
+              </a:lnSpc>
+              <a:spcBef>
+                <a:spcPct val="0"/>
+              </a:spcBef>
+              <a:spcAft>
+                <a:spcPct val="0"/>
+              </a:spcAft>
+              <a:buClrTx/>
+              <a:buSzTx/>
+              <a:buFont typeface="Wingdings" panose="05000000000000000000" pitchFamily="2" charset="2"/>
+              <a:buChar char="q"/>
+            </a:pPr>
+            <a:endParaRPr lang="en-GB" sz="1800" dirty="0">
+              <a:solidFill>
+                <a:srgbClr val="212529"/>
+              </a:solidFill>
+              <a:latin typeface="Lato" panose="020F0502020204030203" pitchFamily="34" charset="0"/>
+            </a:endParaRPr>
+          </a:p>
+          <a:p>
+            <a:pPr eaLnBrk="0" fontAlgn="base" hangingPunct="0">
+              <a:lnSpc>
+                <a:spcPct val="100000"/>
+              </a:lnSpc>
+              <a:spcBef>
+                <a:spcPct val="0"/>
+              </a:spcBef>
+              <a:spcAft>
+                <a:spcPct val="0"/>
+              </a:spcAft>
+              <a:buClrTx/>
+              <a:buSzTx/>
+              <a:buFont typeface="Wingdings" panose="05000000000000000000" pitchFamily="2" charset="2"/>
+              <a:buChar char="q"/>
+            </a:pPr>
+            <a:endParaRPr lang="en-GB" sz="1800" dirty="0">
+              <a:solidFill>
+                <a:srgbClr val="212529"/>
+              </a:solidFill>
+              <a:latin typeface="Lato" panose="020F0502020204030203" pitchFamily="34" charset="0"/>
+            </a:endParaRPr>
+          </a:p>
+          <a:p>
+            <a:pPr marL="0" indent="0" eaLnBrk="0" fontAlgn="base" hangingPunct="0">
+              <a:lnSpc>
+                <a:spcPct val="100000"/>
+              </a:lnSpc>
+              <a:spcBef>
+                <a:spcPct val="0"/>
+              </a:spcBef>
+              <a:spcAft>
+                <a:spcPct val="0"/>
+              </a:spcAft>
+              <a:buClrTx/>
+              <a:buSzTx/>
+              <a:buNone/>
+            </a:pPr>
+            <a:endParaRPr lang="en-GB" sz="600" dirty="0">
+              <a:solidFill>
+                <a:srgbClr val="212529"/>
+              </a:solidFill>
+              <a:latin typeface="Lato" panose="020F0502020204030203" pitchFamily="34" charset="0"/>
+            </a:endParaRPr>
+          </a:p>
+          <a:p>
+            <a:pPr marL="0" indent="0" eaLnBrk="0" fontAlgn="base" hangingPunct="0">
+              <a:lnSpc>
+                <a:spcPct val="100000"/>
+              </a:lnSpc>
+              <a:spcBef>
+                <a:spcPct val="0"/>
+              </a:spcBef>
+              <a:spcAft>
+                <a:spcPct val="0"/>
+              </a:spcAft>
+              <a:buClrTx/>
+              <a:buSzTx/>
+              <a:buNone/>
+            </a:pPr>
+            <a:endParaRPr lang="en-GB" sz="600" dirty="0">
+              <a:solidFill>
+                <a:srgbClr val="212529"/>
+              </a:solidFill>
+              <a:latin typeface="Lato" panose="020F0502020204030203" pitchFamily="34" charset="0"/>
+            </a:endParaRPr>
+          </a:p>
+          <a:p>
+            <a:pPr marL="0" indent="0" eaLnBrk="0" fontAlgn="base" hangingPunct="0">
+              <a:lnSpc>
+                <a:spcPct val="100000"/>
+              </a:lnSpc>
+              <a:spcBef>
+                <a:spcPct val="0"/>
+              </a:spcBef>
+              <a:spcAft>
+                <a:spcPct val="0"/>
+              </a:spcAft>
+              <a:buClrTx/>
+              <a:buSzTx/>
+              <a:buNone/>
+            </a:pPr>
+            <a:endParaRPr lang="en-GB" sz="600" dirty="0">
+              <a:solidFill>
+                <a:srgbClr val="212529"/>
+              </a:solidFill>
+              <a:latin typeface="Lato" panose="020F0502020204030203" pitchFamily="34" charset="0"/>
+            </a:endParaRPr>
+          </a:p>
+          <a:p>
+            <a:pPr marL="0" indent="0" eaLnBrk="0" fontAlgn="base" hangingPunct="0">
+              <a:lnSpc>
+                <a:spcPct val="100000"/>
+              </a:lnSpc>
+              <a:spcBef>
+                <a:spcPct val="0"/>
+              </a:spcBef>
+              <a:spcAft>
+                <a:spcPct val="0"/>
+              </a:spcAft>
+              <a:buClrTx/>
+              <a:buSzTx/>
+              <a:buNone/>
+            </a:pPr>
+            <a:endParaRPr lang="en-GB" sz="600" dirty="0">
+              <a:solidFill>
+                <a:srgbClr val="212529"/>
+              </a:solidFill>
+              <a:latin typeface="Lato" panose="020F0502020204030203" pitchFamily="34" charset="0"/>
+            </a:endParaRPr>
+          </a:p>
+          <a:p>
+            <a:pPr marL="0" indent="0" eaLnBrk="0" fontAlgn="base" hangingPunct="0">
+              <a:lnSpc>
+                <a:spcPct val="100000"/>
+              </a:lnSpc>
+              <a:spcBef>
+                <a:spcPct val="0"/>
+              </a:spcBef>
+              <a:spcAft>
+                <a:spcPct val="0"/>
+              </a:spcAft>
+              <a:buClrTx/>
+              <a:buSzTx/>
+              <a:buNone/>
+            </a:pPr>
+            <a:endParaRPr lang="en-GB" sz="600" dirty="0">
+              <a:solidFill>
+                <a:srgbClr val="212529"/>
+              </a:solidFill>
+              <a:latin typeface="Lato" panose="020F0502020204030203" pitchFamily="34" charset="0"/>
+            </a:endParaRPr>
+          </a:p>
+          <a:p>
+            <a:pPr marL="0" indent="0" eaLnBrk="0" fontAlgn="base" hangingPunct="0">
+              <a:lnSpc>
+                <a:spcPct val="100000"/>
+              </a:lnSpc>
+              <a:spcBef>
+                <a:spcPct val="0"/>
+              </a:spcBef>
+              <a:spcAft>
+                <a:spcPct val="0"/>
+              </a:spcAft>
+              <a:buClrTx/>
+              <a:buSzTx/>
+              <a:buNone/>
+            </a:pPr>
+            <a:endParaRPr lang="en-GB" sz="600" dirty="0">
+              <a:solidFill>
+                <a:srgbClr val="212529"/>
+              </a:solidFill>
+              <a:latin typeface="Lato" panose="020F0502020204030203" pitchFamily="34" charset="0"/>
+            </a:endParaRPr>
+          </a:p>
+          <a:p>
+            <a:pPr marL="0" indent="0" eaLnBrk="0" fontAlgn="base" hangingPunct="0">
+              <a:lnSpc>
+                <a:spcPct val="100000"/>
+              </a:lnSpc>
+              <a:spcBef>
+                <a:spcPct val="0"/>
+              </a:spcBef>
+              <a:spcAft>
+                <a:spcPct val="0"/>
+              </a:spcAft>
+              <a:buClrTx/>
+              <a:buSzTx/>
+              <a:buNone/>
+            </a:pPr>
+            <a:endParaRPr lang="en-GB" sz="600" dirty="0">
+              <a:solidFill>
+                <a:srgbClr val="212529"/>
+              </a:solidFill>
+              <a:latin typeface="Lato" panose="020F0502020204030203" pitchFamily="34" charset="0"/>
+            </a:endParaRPr>
+          </a:p>
+          <a:p>
+            <a:pPr marL="0" indent="0" eaLnBrk="0" fontAlgn="base" hangingPunct="0">
+              <a:lnSpc>
+                <a:spcPct val="100000"/>
+              </a:lnSpc>
+              <a:spcBef>
+                <a:spcPct val="0"/>
+              </a:spcBef>
+              <a:spcAft>
+                <a:spcPct val="0"/>
+              </a:spcAft>
+              <a:buClrTx/>
+              <a:buSzTx/>
+              <a:buNone/>
+            </a:pPr>
+            <a:endParaRPr lang="en-GB" sz="600" dirty="0">
+              <a:solidFill>
+                <a:srgbClr val="212529"/>
+              </a:solidFill>
+              <a:latin typeface="Lato" panose="020F0502020204030203" pitchFamily="34" charset="0"/>
+            </a:endParaRPr>
+          </a:p>
+          <a:p>
+            <a:pPr marL="0" indent="0" eaLnBrk="0" fontAlgn="base" hangingPunct="0">
+              <a:lnSpc>
+                <a:spcPct val="100000"/>
+              </a:lnSpc>
+              <a:spcBef>
+                <a:spcPct val="0"/>
+              </a:spcBef>
+              <a:spcAft>
+                <a:spcPct val="0"/>
+              </a:spcAft>
+              <a:buClrTx/>
+              <a:buSzTx/>
+              <a:buNone/>
+            </a:pPr>
+            <a:endParaRPr lang="en-GB" sz="600" dirty="0">
+              <a:solidFill>
+                <a:srgbClr val="212529"/>
+              </a:solidFill>
+              <a:latin typeface="Lato" panose="020F0502020204030203" pitchFamily="34" charset="0"/>
+            </a:endParaRPr>
+          </a:p>
+          <a:p>
+            <a:pPr marL="0" indent="0" eaLnBrk="0" fontAlgn="base" hangingPunct="0">
+              <a:lnSpc>
+                <a:spcPct val="100000"/>
+              </a:lnSpc>
+              <a:spcBef>
+                <a:spcPct val="0"/>
+              </a:spcBef>
+              <a:spcAft>
+                <a:spcPct val="0"/>
+              </a:spcAft>
+              <a:buClrTx/>
+              <a:buSzTx/>
+              <a:buNone/>
+            </a:pPr>
+            <a:r>
+              <a:rPr lang="en-GB" sz="600" dirty="0">
+                <a:solidFill>
+                  <a:srgbClr val="212529"/>
+                </a:solidFill>
+                <a:latin typeface="Lato" panose="020F0502020204030203" pitchFamily="34" charset="0"/>
+              </a:rPr>
+              <a:t>https://www.qld.gov.au/housing/public-community-housing/eligibility-applying-for-housing/eligibility-for-housing/types-of-houses-provided</a:t>
+            </a:r>
+          </a:p>
+          <a:p>
             <a:endParaRPr lang="en-AU" dirty="0"/>
           </a:p>
         </p:txBody>
       </p:sp>
+      <p:pic>
+        <p:nvPicPr>
+          <p:cNvPr id="7" name="Picture 6">
+            <a:extLst>
+              <a:ext uri="{FF2B5EF4-FFF2-40B4-BE49-F238E27FC236}">
+                <a16:creationId xmlns:a16="http://schemas.microsoft.com/office/drawing/2014/main" id="{FA94C9DA-7780-CBA0-1D95-99A55BBD1D32}"/>
+              </a:ext>
+            </a:extLst>
+          </p:cNvPr>
+          <p:cNvPicPr>
+            <a:picLocks noChangeAspect="1"/>
+          </p:cNvPicPr>
+          <p:nvPr/>
+        </p:nvPicPr>
+        <p:blipFill>
+          <a:blip r:embed="rId2"/>
+          <a:stretch>
+            <a:fillRect/>
+          </a:stretch>
+        </p:blipFill>
+        <p:spPr>
+          <a:xfrm>
+            <a:off x="6257033" y="2108201"/>
+            <a:ext cx="4638588" cy="3653401"/>
+          </a:xfrm>
+          <a:prstGeom prst="rect">
+            <a:avLst/>
+          </a:prstGeom>
+        </p:spPr>
+      </p:pic>
     </p:spTree>
     <p:extLst>
       <p:ext uri="{BB962C8B-B14F-4D97-AF65-F5344CB8AC3E}">
-        <p14:creationId xmlns:p14="http://schemas.microsoft.com/office/powerpoint/2010/main" val="1316716995"/>
+        <p14:creationId xmlns:p14="http://schemas.microsoft.com/office/powerpoint/2010/main" val="2198120588"/>
       </p:ext>
     </p:extLst>
   </p:cSld>
@@ -6904,7 +8314,7 @@
           <p:cNvPr id="2" name="Title 1">
             <a:extLst>
               <a:ext uri="{FF2B5EF4-FFF2-40B4-BE49-F238E27FC236}">
-                <a16:creationId xmlns:a16="http://schemas.microsoft.com/office/drawing/2014/main" id="{6E0F8A29-0E59-62D2-C131-F840BEC04625}"/>
+                <a16:creationId xmlns:a16="http://schemas.microsoft.com/office/drawing/2014/main" id="{2C5BC6D5-5381-58E6-BCF7-A6645ADFC407}"/>
               </a:ext>
             </a:extLst>
           </p:cNvPr>
@@ -6921,25 +8331,9 @@
           <a:lstStyle/>
           <a:p>
             <a:r>
-              <a:rPr lang="en-AU" b="1" i="0" dirty="0">
-                <a:solidFill>
-                  <a:srgbClr val="212529"/>
-                </a:solidFill>
-                <a:effectLst/>
-                <a:latin typeface="Lato" panose="020F0502020204030203" pitchFamily="34" charset="0"/>
-              </a:rPr>
-              <a:t>Bedroom entitlements</a:t>
-            </a:r>
-            <a:br>
-              <a:rPr lang="en-AU" b="1" i="0" dirty="0">
-                <a:solidFill>
-                  <a:srgbClr val="212529"/>
-                </a:solidFill>
-                <a:effectLst/>
-                <a:latin typeface="Lato" panose="020F0502020204030203" pitchFamily="34" charset="0"/>
-              </a:rPr>
-            </a:br>
-            <a:endParaRPr lang="en-AU" dirty="0"/>
+              <a:rPr lang="en-AU" dirty="0"/>
+              <a:t>Project Objectives </a:t>
+            </a:r>
           </a:p>
         </p:txBody>
       </p:sp>
@@ -6948,7 +8342,7 @@
           <p:cNvPr id="3" name="Content Placeholder 2">
             <a:extLst>
               <a:ext uri="{FF2B5EF4-FFF2-40B4-BE49-F238E27FC236}">
-                <a16:creationId xmlns:a16="http://schemas.microsoft.com/office/drawing/2014/main" id="{5AD00812-DA19-E7A9-D26D-167004CEBCFD}"/>
+                <a16:creationId xmlns:a16="http://schemas.microsoft.com/office/drawing/2014/main" id="{05EB99AD-6538-A2B0-D345-FFDF7B46CA6F}"/>
               </a:ext>
             </a:extLst>
           </p:cNvPr>
@@ -6961,299 +8355,211 @@
         </p:nvSpPr>
         <p:spPr/>
         <p:txBody>
-          <a:bodyPr/>
+          <a:bodyPr>
+            <a:normAutofit/>
+          </a:bodyPr>
           <a:lstStyle/>
           <a:p>
-            <a:pPr marL="0" indent="0" eaLnBrk="0" fontAlgn="base" hangingPunct="0">
+            <a:pPr>
               <a:lnSpc>
-                <a:spcPct val="100000"/>
+                <a:spcPct val="107000"/>
               </a:lnSpc>
-              <a:spcBef>
-                <a:spcPct val="0"/>
-              </a:spcBef>
               <a:spcAft>
-                <a:spcPct val="0"/>
+                <a:spcPts val="600"/>
               </a:spcAft>
-              <a:buClrTx/>
-              <a:buSzTx/>
-              <a:buNone/>
             </a:pPr>
             <a:r>
-              <a:rPr lang="en-GB" sz="2000" dirty="0">
+              <a:rPr lang="en-AU" sz="1600" dirty="0">
                 <a:solidFill>
-                  <a:srgbClr val="212529"/>
+                  <a:srgbClr val="0070C0"/>
                 </a:solidFill>
-                <a:latin typeface="Lato" panose="020F0502020204030203" pitchFamily="34" charset="0"/>
+                <a:effectLst/>
+                <a:latin typeface="Arial" panose="020B0604020202020204" pitchFamily="34" charset="0"/>
+                <a:ea typeface="Times New Roman" panose="02020603050405020304" pitchFamily="18" charset="0"/>
+                <a:cs typeface="Times New Roman" panose="02020603050405020304" pitchFamily="18" charset="0"/>
               </a:rPr>
-              <a:t>The number of bedrooms in the property </a:t>
-            </a:r>
-          </a:p>
-          <a:p>
-            <a:pPr marL="0" indent="0" eaLnBrk="0" fontAlgn="base" hangingPunct="0">
+              <a:t>(1) </a:t>
+            </a:r>
+            <a:r>
+              <a:rPr lang="en-AU" sz="1600" dirty="0">
+                <a:solidFill>
+                  <a:srgbClr val="1D1C1D"/>
+                </a:solidFill>
+                <a:effectLst/>
+                <a:latin typeface="Arial" panose="020B0604020202020204" pitchFamily="34" charset="0"/>
+                <a:ea typeface="Times New Roman" panose="02020603050405020304" pitchFamily="18" charset="0"/>
+                <a:cs typeface="Times New Roman" panose="02020603050405020304" pitchFamily="18" charset="0"/>
+              </a:rPr>
+              <a:t>What are the vacant days across 5 year period in QLD housing sector?  </a:t>
+            </a:r>
+          </a:p>
+          <a:p>
+            <a:pPr>
               <a:lnSpc>
-                <a:spcPct val="100000"/>
+                <a:spcPct val="107000"/>
               </a:lnSpc>
-              <a:spcBef>
-                <a:spcPct val="0"/>
-              </a:spcBef>
               <a:spcAft>
-                <a:spcPct val="0"/>
+                <a:spcPts val="600"/>
               </a:spcAft>
-              <a:buClrTx/>
-              <a:buSzTx/>
-              <a:buNone/>
             </a:pPr>
             <a:r>
-              <a:rPr lang="en-GB" sz="2000" dirty="0">
+              <a:rPr lang="en-AU" sz="1800" dirty="0">
                 <a:solidFill>
-                  <a:srgbClr val="212529"/>
+                  <a:srgbClr val="0070C0"/>
                 </a:solidFill>
-                <a:latin typeface="Lato" panose="020F0502020204030203" pitchFamily="34" charset="0"/>
+                <a:latin typeface="Arial" panose="020B0604020202020204" pitchFamily="34" charset="0"/>
+                <a:ea typeface="Calibri" panose="020F0502020204030204" pitchFamily="34" charset="0"/>
+                <a:cs typeface="Times New Roman" panose="02020603050405020304" pitchFamily="18" charset="0"/>
               </a:rPr>
-              <a:t>listed on the housing register </a:t>
-            </a:r>
-          </a:p>
-          <a:p>
-            <a:pPr marL="0" indent="0" eaLnBrk="0" fontAlgn="base" hangingPunct="0">
+              <a:t>(2) </a:t>
+            </a:r>
+            <a:r>
+              <a:rPr lang="en-AU" sz="1800" dirty="0">
+                <a:solidFill>
+                  <a:srgbClr val="1D1C1D"/>
+                </a:solidFill>
+                <a:effectLst/>
+                <a:latin typeface="Arial" panose="020B0604020202020204" pitchFamily="34" charset="0"/>
+                <a:ea typeface="Times New Roman" panose="02020603050405020304" pitchFamily="18" charset="0"/>
+                <a:cs typeface="Times New Roman" panose="02020603050405020304" pitchFamily="18" charset="0"/>
+              </a:rPr>
+              <a:t>What was the status of the dwelling during vacant days (tenantable and untenable)? </a:t>
+            </a:r>
+          </a:p>
+          <a:p>
+            <a:pPr>
               <a:lnSpc>
-                <a:spcPct val="100000"/>
+                <a:spcPct val="107000"/>
               </a:lnSpc>
-              <a:spcBef>
-                <a:spcPct val="0"/>
-              </a:spcBef>
               <a:spcAft>
-                <a:spcPct val="0"/>
+                <a:spcPts val="600"/>
               </a:spcAft>
-              <a:buClrTx/>
-              <a:buSzTx/>
-              <a:buNone/>
             </a:pPr>
             <a:r>
-              <a:rPr lang="en-GB" sz="2000" dirty="0">
+              <a:rPr lang="en-AU" sz="1800" dirty="0">
                 <a:solidFill>
-                  <a:srgbClr val="212529"/>
+                  <a:srgbClr val="0070C0"/>
                 </a:solidFill>
-                <a:latin typeface="Lato" panose="020F0502020204030203" pitchFamily="34" charset="0"/>
+                <a:effectLst/>
+                <a:latin typeface="Arial" panose="020B0604020202020204" pitchFamily="34" charset="0"/>
+                <a:ea typeface="Times New Roman" panose="02020603050405020304" pitchFamily="18" charset="0"/>
+                <a:cs typeface="Times New Roman" panose="02020603050405020304" pitchFamily="18" charset="0"/>
               </a:rPr>
-              <a:t>for is based on:</a:t>
-            </a:r>
-            <a:endParaRPr lang="en-GB" sz="1400" dirty="0">
-              <a:solidFill>
-                <a:srgbClr val="212529"/>
-              </a:solidFill>
-              <a:latin typeface="Lato" panose="020F0502020204030203" pitchFamily="34" charset="0"/>
+              <a:t>(3) </a:t>
+            </a:r>
+            <a:r>
+              <a:rPr lang="en-AU" sz="1800" dirty="0">
+                <a:solidFill>
+                  <a:srgbClr val="1D1C1D"/>
+                </a:solidFill>
+                <a:effectLst/>
+                <a:latin typeface="Arial" panose="020B0604020202020204" pitchFamily="34" charset="0"/>
+                <a:ea typeface="Times New Roman" panose="02020603050405020304" pitchFamily="18" charset="0"/>
+                <a:cs typeface="Times New Roman" panose="02020603050405020304" pitchFamily="18" charset="0"/>
+              </a:rPr>
+              <a:t>How does unit size affect vacancy days? </a:t>
+            </a:r>
+          </a:p>
+          <a:p>
+            <a:pPr>
+              <a:lnSpc>
+                <a:spcPct val="107000"/>
+              </a:lnSpc>
+              <a:spcAft>
+                <a:spcPts val="600"/>
+              </a:spcAft>
+            </a:pPr>
+            <a:r>
+              <a:rPr lang="en-AU" sz="1800" dirty="0">
+                <a:solidFill>
+                  <a:srgbClr val="0070C0"/>
+                </a:solidFill>
+                <a:effectLst/>
+                <a:latin typeface="Arial" panose="020B0604020202020204" pitchFamily="34" charset="0"/>
+                <a:ea typeface="Times New Roman" panose="02020603050405020304" pitchFamily="18" charset="0"/>
+                <a:cs typeface="Times New Roman" panose="02020603050405020304" pitchFamily="18" charset="0"/>
+              </a:rPr>
+              <a:t>(4) </a:t>
+            </a:r>
+            <a:r>
+              <a:rPr lang="en-AU" sz="1800" dirty="0">
+                <a:solidFill>
+                  <a:srgbClr val="1D1C1D"/>
+                </a:solidFill>
+                <a:effectLst/>
+                <a:latin typeface="Arial" panose="020B0604020202020204" pitchFamily="34" charset="0"/>
+                <a:ea typeface="Times New Roman" panose="02020603050405020304" pitchFamily="18" charset="0"/>
+                <a:cs typeface="Times New Roman" panose="02020603050405020304" pitchFamily="18" charset="0"/>
+              </a:rPr>
+              <a:t>How does dwelling type affects the vacancy days? (Graph 4 to 6)</a:t>
+            </a:r>
+            <a:endParaRPr lang="en-AU" sz="1800" dirty="0">
+              <a:effectLst/>
+              <a:latin typeface="Calibri" panose="020F0502020204030204" pitchFamily="34" charset="0"/>
+              <a:ea typeface="Calibri" panose="020F0502020204030204" pitchFamily="34" charset="0"/>
+              <a:cs typeface="Times New Roman" panose="02020603050405020304" pitchFamily="18" charset="0"/>
             </a:endParaRPr>
           </a:p>
           <a:p>
-            <a:pPr marL="0" indent="0" eaLnBrk="0" fontAlgn="base" hangingPunct="0">
+            <a:pPr marL="0" indent="0">
               <a:lnSpc>
-                <a:spcPct val="100000"/>
+                <a:spcPct val="107000"/>
               </a:lnSpc>
-              <a:spcBef>
-                <a:spcPct val="0"/>
-              </a:spcBef>
               <a:spcAft>
-                <a:spcPct val="0"/>
+                <a:spcPts val="600"/>
               </a:spcAft>
-              <a:buClrTx/>
-              <a:buSzTx/>
               <a:buNone/>
             </a:pPr>
-            <a:endParaRPr lang="en-GB" sz="1800" dirty="0">
-              <a:solidFill>
-                <a:srgbClr val="212529"/>
-              </a:solidFill>
-              <a:latin typeface="Lato" panose="020F0502020204030203" pitchFamily="34" charset="0"/>
-            </a:endParaRPr>
-          </a:p>
-          <a:p>
-            <a:pPr eaLnBrk="0" fontAlgn="base" hangingPunct="0">
-              <a:lnSpc>
-                <a:spcPct val="100000"/>
-              </a:lnSpc>
-              <a:spcBef>
-                <a:spcPct val="0"/>
-              </a:spcBef>
-              <a:spcAft>
-                <a:spcPct val="0"/>
-              </a:spcAft>
-              <a:buClrTx/>
-              <a:buSzTx/>
-              <a:buFont typeface="Wingdings" panose="05000000000000000000" pitchFamily="2" charset="2"/>
-              <a:buChar char="q"/>
-            </a:pPr>
-            <a:r>
-              <a:rPr lang="en-GB" sz="1800" dirty="0">
+            <a:r>
+              <a:rPr lang="en-AU" sz="1800" dirty="0">
+                <a:latin typeface="Calibri" panose="020F0502020204030204" pitchFamily="34" charset="0"/>
+                <a:ea typeface="Times New Roman" panose="02020603050405020304" pitchFamily="18" charset="0"/>
+                <a:cs typeface="Times New Roman" panose="02020603050405020304" pitchFamily="18" charset="0"/>
+              </a:rPr>
+              <a:t> </a:t>
+            </a:r>
+            <a:r>
+              <a:rPr lang="en-AU" sz="1800" dirty="0">
                 <a:solidFill>
-                  <a:srgbClr val="212529"/>
+                  <a:srgbClr val="0070C0"/>
                 </a:solidFill>
-                <a:latin typeface="Lato" panose="020F0502020204030203" pitchFamily="34" charset="0"/>
+                <a:latin typeface="Calibri" panose="020F0502020204030204" pitchFamily="34" charset="0"/>
+                <a:ea typeface="Times New Roman" panose="02020603050405020304" pitchFamily="18" charset="0"/>
+                <a:cs typeface="Times New Roman" panose="02020603050405020304" pitchFamily="18" charset="0"/>
               </a:rPr>
-              <a:t> Number of people within your household</a:t>
-            </a:r>
-          </a:p>
-          <a:p>
-            <a:pPr eaLnBrk="0" fontAlgn="base" hangingPunct="0">
-              <a:lnSpc>
-                <a:spcPct val="100000"/>
-              </a:lnSpc>
-              <a:spcBef>
-                <a:spcPct val="0"/>
-              </a:spcBef>
-              <a:spcAft>
-                <a:spcPct val="0"/>
-              </a:spcAft>
-              <a:buClrTx/>
-              <a:buSzTx/>
-              <a:buFont typeface="Wingdings" panose="05000000000000000000" pitchFamily="2" charset="2"/>
-              <a:buChar char="q"/>
-            </a:pPr>
-            <a:r>
-              <a:rPr lang="en-GB" sz="1800" dirty="0">
+              <a:t> </a:t>
+            </a:r>
+            <a:r>
+              <a:rPr lang="en-AU" sz="1800" dirty="0">
                 <a:solidFill>
-                  <a:srgbClr val="212529"/>
+                  <a:srgbClr val="0070C0"/>
                 </a:solidFill>
-                <a:latin typeface="Lato" panose="020F0502020204030203" pitchFamily="34" charset="0"/>
+                <a:effectLst/>
+                <a:latin typeface="Arial" panose="020B0604020202020204" pitchFamily="34" charset="0"/>
+                <a:ea typeface="Times New Roman" panose="02020603050405020304" pitchFamily="18" charset="0"/>
+                <a:cs typeface="Times New Roman" panose="02020603050405020304" pitchFamily="18" charset="0"/>
               </a:rPr>
-              <a:t> Gender of the people in your household</a:t>
-            </a:r>
-          </a:p>
-          <a:p>
-            <a:pPr eaLnBrk="0" fontAlgn="base" hangingPunct="0">
-              <a:lnSpc>
-                <a:spcPct val="100000"/>
-              </a:lnSpc>
-              <a:spcBef>
-                <a:spcPct val="0"/>
-              </a:spcBef>
-              <a:spcAft>
-                <a:spcPct val="0"/>
-              </a:spcAft>
-              <a:buClrTx/>
-              <a:buSzTx/>
-              <a:buFont typeface="Wingdings" panose="05000000000000000000" pitchFamily="2" charset="2"/>
-              <a:buChar char="q"/>
-            </a:pPr>
-            <a:r>
-              <a:rPr lang="en-GB" sz="1800" dirty="0">
+              <a:t>(5) </a:t>
+            </a:r>
+            <a:r>
+              <a:rPr lang="en-AU" sz="1800" dirty="0">
                 <a:solidFill>
-                  <a:srgbClr val="212529"/>
+                  <a:srgbClr val="1D1C1D"/>
                 </a:solidFill>
-                <a:latin typeface="Lato" panose="020F0502020204030203" pitchFamily="34" charset="0"/>
+                <a:effectLst/>
+                <a:latin typeface="Arial" panose="020B0604020202020204" pitchFamily="34" charset="0"/>
+                <a:ea typeface="Times New Roman" panose="02020603050405020304" pitchFamily="18" charset="0"/>
+                <a:cs typeface="Times New Roman" panose="02020603050405020304" pitchFamily="18" charset="0"/>
               </a:rPr>
-              <a:t> Age of the people in your household.</a:t>
-            </a:r>
-          </a:p>
-          <a:p>
-            <a:pPr eaLnBrk="0" fontAlgn="base" hangingPunct="0">
-              <a:lnSpc>
-                <a:spcPct val="100000"/>
-              </a:lnSpc>
-              <a:spcBef>
-                <a:spcPct val="0"/>
-              </a:spcBef>
-              <a:spcAft>
-                <a:spcPct val="0"/>
-              </a:spcAft>
-              <a:buClrTx/>
-              <a:buSzTx/>
-              <a:buFont typeface="Wingdings" panose="05000000000000000000" pitchFamily="2" charset="2"/>
-              <a:buChar char="q"/>
-            </a:pPr>
-            <a:endParaRPr lang="en-GB" sz="1800" dirty="0">
-              <a:solidFill>
-                <a:srgbClr val="212529"/>
-              </a:solidFill>
-              <a:latin typeface="Lato" panose="020F0502020204030203" pitchFamily="34" charset="0"/>
-            </a:endParaRPr>
-          </a:p>
-          <a:p>
-            <a:pPr eaLnBrk="0" fontAlgn="base" hangingPunct="0">
-              <a:lnSpc>
-                <a:spcPct val="100000"/>
-              </a:lnSpc>
-              <a:spcBef>
-                <a:spcPct val="0"/>
-              </a:spcBef>
-              <a:spcAft>
-                <a:spcPct val="0"/>
-              </a:spcAft>
-              <a:buClrTx/>
-              <a:buSzTx/>
-              <a:buFont typeface="Wingdings" panose="05000000000000000000" pitchFamily="2" charset="2"/>
-              <a:buChar char="q"/>
-            </a:pPr>
-            <a:endParaRPr lang="en-GB" sz="1800" dirty="0">
-              <a:solidFill>
-                <a:srgbClr val="212529"/>
-              </a:solidFill>
-              <a:latin typeface="Lato" panose="020F0502020204030203" pitchFamily="34" charset="0"/>
-            </a:endParaRPr>
-          </a:p>
-          <a:p>
-            <a:pPr marL="0" indent="0" eaLnBrk="0" fontAlgn="base" hangingPunct="0">
-              <a:lnSpc>
-                <a:spcPct val="100000"/>
-              </a:lnSpc>
-              <a:spcBef>
-                <a:spcPct val="0"/>
-              </a:spcBef>
-              <a:spcAft>
-                <a:spcPct val="0"/>
-              </a:spcAft>
-              <a:buClrTx/>
-              <a:buSzTx/>
-              <a:buNone/>
-            </a:pPr>
-            <a:r>
-              <a:rPr lang="en-GB" sz="600" dirty="0">
-                <a:solidFill>
-                  <a:srgbClr val="212529"/>
-                </a:solidFill>
-                <a:latin typeface="Lato" panose="020F0502020204030203" pitchFamily="34" charset="0"/>
-              </a:rPr>
-              <a:t>https://www.qld.gov.au/housing/public-community-housing/eligibility-applying-for-housing/eligibility-for-housing/types-of-houses-provided</a:t>
-            </a:r>
-          </a:p>
-          <a:p>
-            <a:endParaRPr lang="en-AU" dirty="0"/>
+              <a:t>Are there any factors that affected the vacancy days trend? </a:t>
+            </a:r>
           </a:p>
         </p:txBody>
       </p:sp>
-      <p:pic>
-        <p:nvPicPr>
-          <p:cNvPr id="7" name="Picture 6">
-            <a:extLst>
-              <a:ext uri="{FF2B5EF4-FFF2-40B4-BE49-F238E27FC236}">
-                <a16:creationId xmlns:a16="http://schemas.microsoft.com/office/drawing/2014/main" id="{FA94C9DA-7780-CBA0-1D95-99A55BBD1D32}"/>
-              </a:ext>
-            </a:extLst>
-          </p:cNvPr>
-          <p:cNvPicPr>
-            <a:picLocks noChangeAspect="1"/>
-          </p:cNvPicPr>
-          <p:nvPr/>
-        </p:nvPicPr>
-        <p:blipFill>
-          <a:blip r:embed="rId2"/>
-          <a:stretch>
-            <a:fillRect/>
-          </a:stretch>
-        </p:blipFill>
-        <p:spPr>
-          <a:xfrm>
-            <a:off x="6257033" y="2108201"/>
-            <a:ext cx="4638588" cy="3653401"/>
-          </a:xfrm>
-          <a:prstGeom prst="rect">
-            <a:avLst/>
-          </a:prstGeom>
-        </p:spPr>
-      </p:pic>
     </p:spTree>
     <p:extLst>
       <p:ext uri="{BB962C8B-B14F-4D97-AF65-F5344CB8AC3E}">
-        <p14:creationId xmlns:p14="http://schemas.microsoft.com/office/powerpoint/2010/main" val="2643429591"/>
+        <p14:creationId xmlns:p14="http://schemas.microsoft.com/office/powerpoint/2010/main" val="2578743156"/>
       </p:ext>
     </p:extLst>
   </p:cSld>
@@ -7285,7 +8591,7 @@
           <p:cNvPr id="2" name="Title 1">
             <a:extLst>
               <a:ext uri="{FF2B5EF4-FFF2-40B4-BE49-F238E27FC236}">
-                <a16:creationId xmlns:a16="http://schemas.microsoft.com/office/drawing/2014/main" id="{1D256A19-F5EE-0E5B-F782-548A518CD04D}"/>
+                <a16:creationId xmlns:a16="http://schemas.microsoft.com/office/drawing/2014/main" id="{DAE6DC35-2231-C4E9-67E6-DDC0B780E259}"/>
               </a:ext>
             </a:extLst>
           </p:cNvPr>
@@ -7303,7 +8609,7 @@
           <a:p>
             <a:r>
               <a:rPr lang="en-AU" dirty="0"/>
-              <a:t>Size of Dwelling </a:t>
+              <a:t>Data Clean-up and Exploration</a:t>
             </a:r>
           </a:p>
         </p:txBody>
@@ -7313,7 +8619,7 @@
           <p:cNvPr id="3" name="Content Placeholder 2">
             <a:extLst>
               <a:ext uri="{FF2B5EF4-FFF2-40B4-BE49-F238E27FC236}">
-                <a16:creationId xmlns:a16="http://schemas.microsoft.com/office/drawing/2014/main" id="{6105589C-1951-C196-84D8-5991078327B9}"/>
+                <a16:creationId xmlns:a16="http://schemas.microsoft.com/office/drawing/2014/main" id="{00E771A2-8E85-6E34-E373-26CEA17FEE7A}"/>
               </a:ext>
             </a:extLst>
           </p:cNvPr>
@@ -7324,19 +8630,129 @@
             <p:ph idx="1"/>
           </p:nvPr>
         </p:nvSpPr>
-        <p:spPr/>
+        <p:spPr>
+          <a:xfrm>
+            <a:off x="6676570" y="1567544"/>
+            <a:ext cx="6049907" cy="3189128"/>
+          </a:xfrm>
+        </p:spPr>
         <p:txBody>
           <a:bodyPr/>
           <a:lstStyle/>
           <a:p>
-            <a:endParaRPr lang="en-AU"/>
+            <a:pPr lvl="6"/>
+            <a:r>
+              <a:rPr lang="en-AU" dirty="0"/>
+              <a:t>                                                                                                                          </a:t>
+            </a:r>
+          </a:p>
+          <a:p>
+            <a:pPr lvl="6"/>
+            <a:endParaRPr lang="en-AU" dirty="0"/>
+          </a:p>
+          <a:p>
+            <a:pPr lvl="6"/>
+            <a:endParaRPr lang="en-AU" dirty="0"/>
+          </a:p>
+          <a:p>
+            <a:pPr lvl="6"/>
+            <a:endParaRPr lang="en-AU" dirty="0"/>
+          </a:p>
+          <a:p>
+            <a:pPr lvl="6"/>
+            <a:endParaRPr lang="en-AU" dirty="0"/>
+          </a:p>
+          <a:p>
+            <a:pPr lvl="6"/>
+            <a:endParaRPr lang="en-AU" sz="1800" dirty="0"/>
+          </a:p>
+          <a:p>
+            <a:pPr lvl="6"/>
+            <a:r>
+              <a:rPr lang="en-AU" sz="1800" dirty="0"/>
+              <a:t>                                                                                          </a:t>
+            </a:r>
+          </a:p>
+          <a:p>
+            <a:endParaRPr lang="en-AU" dirty="0"/>
+          </a:p>
+        </p:txBody>
+      </p:sp>
+      <p:pic>
+        <p:nvPicPr>
+          <p:cNvPr id="5" name="Picture 4">
+            <a:extLst>
+              <a:ext uri="{FF2B5EF4-FFF2-40B4-BE49-F238E27FC236}">
+                <a16:creationId xmlns:a16="http://schemas.microsoft.com/office/drawing/2014/main" id="{705E0C08-D497-371D-B615-69215DA3B934}"/>
+              </a:ext>
+            </a:extLst>
+          </p:cNvPr>
+          <p:cNvPicPr>
+            <a:picLocks noChangeAspect="1"/>
+          </p:cNvPicPr>
+          <p:nvPr/>
+        </p:nvPicPr>
+        <p:blipFill>
+          <a:blip r:embed="rId2"/>
+          <a:stretch>
+            <a:fillRect/>
+          </a:stretch>
+        </p:blipFill>
+        <p:spPr>
+          <a:xfrm>
+            <a:off x="275772" y="1931514"/>
+            <a:ext cx="7445829" cy="3189127"/>
+          </a:xfrm>
+          <a:prstGeom prst="rect">
+            <a:avLst/>
+          </a:prstGeom>
+        </p:spPr>
+      </p:pic>
+      <p:sp>
+        <p:nvSpPr>
+          <p:cNvPr id="6" name="TextBox 5">
+            <a:extLst>
+              <a:ext uri="{FF2B5EF4-FFF2-40B4-BE49-F238E27FC236}">
+                <a16:creationId xmlns:a16="http://schemas.microsoft.com/office/drawing/2014/main" id="{253CE7E2-5BD1-A9E3-E3DA-6F1B9E61CF7F}"/>
+              </a:ext>
+            </a:extLst>
+          </p:cNvPr>
+          <p:cNvSpPr txBox="1"/>
+          <p:nvPr/>
+        </p:nvSpPr>
+        <p:spPr>
+          <a:xfrm>
+            <a:off x="729842" y="5251507"/>
+            <a:ext cx="6669248" cy="646331"/>
+          </a:xfrm>
+          <a:prstGeom prst="rect">
+            <a:avLst/>
+          </a:prstGeom>
+          <a:noFill/>
+        </p:spPr>
+        <p:txBody>
+          <a:bodyPr wrap="square" rtlCol="0">
+            <a:spAutoFit/>
+          </a:bodyPr>
+          <a:lstStyle/>
+          <a:p>
+            <a:r>
+              <a:rPr lang="en-AU" dirty="0"/>
+              <a:t>- Data collecting from data.gov.au</a:t>
+            </a:r>
+          </a:p>
+          <a:p>
+            <a:r>
+              <a:rPr lang="en-AU" dirty="0"/>
+              <a:t>- As per our Data collection reading the Csv file.</a:t>
+            </a:r>
           </a:p>
         </p:txBody>
       </p:sp>
     </p:spTree>
     <p:extLst>
       <p:ext uri="{BB962C8B-B14F-4D97-AF65-F5344CB8AC3E}">
-        <p14:creationId xmlns:p14="http://schemas.microsoft.com/office/powerpoint/2010/main" val="2010793377"/>
+        <p14:creationId xmlns:p14="http://schemas.microsoft.com/office/powerpoint/2010/main" val="2549351589"/>
       </p:ext>
     </p:extLst>
   </p:cSld>
@@ -7368,7 +8784,7 @@
           <p:cNvPr id="2" name="Title 1">
             <a:extLst>
               <a:ext uri="{FF2B5EF4-FFF2-40B4-BE49-F238E27FC236}">
-                <a16:creationId xmlns:a16="http://schemas.microsoft.com/office/drawing/2014/main" id="{2C5BC6D5-5381-58E6-BCF7-A6645ADFC407}"/>
+                <a16:creationId xmlns:a16="http://schemas.microsoft.com/office/drawing/2014/main" id="{F5AE77FC-9711-A482-82CC-A14821AE0F25}"/>
               </a:ext>
             </a:extLst>
           </p:cNvPr>
@@ -7384,198 +8800,84 @@
           <a:bodyPr/>
           <a:lstStyle/>
           <a:p>
-            <a:r>
+            <a:br>
               <a:rPr lang="en-AU" dirty="0"/>
-              <a:t>Project Objectives </a:t>
+            </a:br>
+            <a:r>
+              <a:rPr lang="en-AU" dirty="0"/>
+              <a:t>Data Clean-up and Exploration</a:t>
             </a:r>
           </a:p>
         </p:txBody>
       </p:sp>
-      <p:sp>
-        <p:nvSpPr>
-          <p:cNvPr id="3" name="Content Placeholder 2">
+      <p:pic>
+        <p:nvPicPr>
+          <p:cNvPr id="5" name="Content Placeholder 4">
             <a:extLst>
               <a:ext uri="{FF2B5EF4-FFF2-40B4-BE49-F238E27FC236}">
-                <a16:creationId xmlns:a16="http://schemas.microsoft.com/office/drawing/2014/main" id="{05EB99AD-6538-A2B0-D345-FFDF7B46CA6F}"/>
+                <a16:creationId xmlns:a16="http://schemas.microsoft.com/office/drawing/2014/main" id="{28538088-5226-2267-2708-A05DEB367F47}"/>
               </a:ext>
             </a:extLst>
           </p:cNvPr>
-          <p:cNvSpPr>
-            <a:spLocks noGrp="1"/>
-          </p:cNvSpPr>
+          <p:cNvPicPr>
+            <a:picLocks noGrp="1" noChangeAspect="1"/>
+          </p:cNvPicPr>
           <p:nvPr>
             <p:ph idx="1"/>
           </p:nvPr>
-        </p:nvSpPr>
-        <p:spPr/>
+        </p:nvPicPr>
+        <p:blipFill>
+          <a:blip r:embed="rId2"/>
+          <a:stretch>
+            <a:fillRect/>
+          </a:stretch>
+        </p:blipFill>
+        <p:spPr>
+          <a:xfrm>
+            <a:off x="932297" y="2303294"/>
+            <a:ext cx="9425577" cy="2441546"/>
+          </a:xfrm>
+        </p:spPr>
+      </p:pic>
+      <p:sp>
+        <p:nvSpPr>
+          <p:cNvPr id="7" name="TextBox 6">
+            <a:extLst>
+              <a:ext uri="{FF2B5EF4-FFF2-40B4-BE49-F238E27FC236}">
+                <a16:creationId xmlns:a16="http://schemas.microsoft.com/office/drawing/2014/main" id="{147934AB-401E-C781-AE74-BC0AF5F636BE}"/>
+              </a:ext>
+            </a:extLst>
+          </p:cNvPr>
+          <p:cNvSpPr txBox="1"/>
+          <p:nvPr/>
+        </p:nvSpPr>
+        <p:spPr>
+          <a:xfrm>
+            <a:off x="827314" y="5602514"/>
+            <a:ext cx="8309647" cy="369332"/>
+          </a:xfrm>
+          <a:prstGeom prst="rect">
+            <a:avLst/>
+          </a:prstGeom>
+          <a:noFill/>
+        </p:spPr>
         <p:txBody>
-          <a:bodyPr>
-            <a:normAutofit/>
+          <a:bodyPr wrap="none" rtlCol="0">
+            <a:spAutoFit/>
           </a:bodyPr>
           <a:lstStyle/>
           <a:p>
-            <a:pPr>
-              <a:lnSpc>
-                <a:spcPct val="107000"/>
-              </a:lnSpc>
-              <a:spcAft>
-                <a:spcPts val="600"/>
-              </a:spcAft>
-            </a:pPr>
-            <a:r>
-              <a:rPr lang="en-AU" sz="1800" dirty="0">
-                <a:solidFill>
-                  <a:srgbClr val="1D1C1D"/>
-                </a:solidFill>
-                <a:effectLst/>
-                <a:latin typeface="Arial" panose="020B0604020202020204" pitchFamily="34" charset="0"/>
-                <a:ea typeface="Times New Roman" panose="02020603050405020304" pitchFamily="18" charset="0"/>
-                <a:cs typeface="Times New Roman" panose="02020603050405020304" pitchFamily="18" charset="0"/>
-              </a:rPr>
-              <a:t>(1) What are the vacant days across 5 year period in QLD housing sector?  (Graph 1)</a:t>
-            </a:r>
-          </a:p>
-          <a:p>
-            <a:pPr>
-              <a:lnSpc>
-                <a:spcPct val="107000"/>
-              </a:lnSpc>
-              <a:spcAft>
-                <a:spcPts val="600"/>
-              </a:spcAft>
-            </a:pPr>
-            <a:r>
-              <a:rPr lang="en-AU" sz="1800" dirty="0">
-                <a:solidFill>
-                  <a:srgbClr val="1D1C1D"/>
-                </a:solidFill>
-                <a:latin typeface="Arial" panose="020B0604020202020204" pitchFamily="34" charset="0"/>
-                <a:ea typeface="Calibri" panose="020F0502020204030204" pitchFamily="34" charset="0"/>
-                <a:cs typeface="Times New Roman" panose="02020603050405020304" pitchFamily="18" charset="0"/>
-              </a:rPr>
-              <a:t>(2) </a:t>
-            </a:r>
-            <a:r>
-              <a:rPr lang="en-AU" sz="1800" dirty="0">
-                <a:solidFill>
-                  <a:srgbClr val="1D1C1D"/>
-                </a:solidFill>
-                <a:effectLst/>
-                <a:latin typeface="Arial" panose="020B0604020202020204" pitchFamily="34" charset="0"/>
-                <a:ea typeface="Times New Roman" panose="02020603050405020304" pitchFamily="18" charset="0"/>
-                <a:cs typeface="Times New Roman" panose="02020603050405020304" pitchFamily="18" charset="0"/>
-              </a:rPr>
-              <a:t>What was the status of the dwelling during vacant days (tenantable and untenable)? (Graph 2)</a:t>
-            </a:r>
-          </a:p>
-          <a:p>
-            <a:pPr>
-              <a:lnSpc>
-                <a:spcPct val="107000"/>
-              </a:lnSpc>
-              <a:spcAft>
-                <a:spcPts val="600"/>
-              </a:spcAft>
-            </a:pPr>
-            <a:r>
-              <a:rPr lang="en-AU" sz="1800" dirty="0">
-                <a:solidFill>
-                  <a:srgbClr val="1D1C1D"/>
-                </a:solidFill>
-                <a:effectLst/>
-                <a:latin typeface="Arial" panose="020B0604020202020204" pitchFamily="34" charset="0"/>
-                <a:ea typeface="Times New Roman" panose="02020603050405020304" pitchFamily="18" charset="0"/>
-                <a:cs typeface="Times New Roman" panose="02020603050405020304" pitchFamily="18" charset="0"/>
-              </a:rPr>
-              <a:t>(3) How does unit size affect vacancy days? (Graph 3 )</a:t>
-            </a:r>
-          </a:p>
-          <a:p>
-            <a:pPr>
-              <a:lnSpc>
-                <a:spcPct val="107000"/>
-              </a:lnSpc>
-              <a:spcAft>
-                <a:spcPts val="600"/>
-              </a:spcAft>
-            </a:pPr>
-            <a:r>
-              <a:rPr lang="en-AU" sz="1800" dirty="0">
-                <a:solidFill>
-                  <a:srgbClr val="1D1C1D"/>
-                </a:solidFill>
-                <a:effectLst/>
-                <a:latin typeface="Arial" panose="020B0604020202020204" pitchFamily="34" charset="0"/>
-                <a:ea typeface="Times New Roman" panose="02020603050405020304" pitchFamily="18" charset="0"/>
-                <a:cs typeface="Times New Roman" panose="02020603050405020304" pitchFamily="18" charset="0"/>
-              </a:rPr>
-              <a:t>(4) How does dwelling type affects the vacancy days? (Graph 4 to 6)</a:t>
-            </a:r>
-            <a:endParaRPr lang="en-AU" sz="1800" dirty="0">
-              <a:effectLst/>
-              <a:latin typeface="Calibri" panose="020F0502020204030204" pitchFamily="34" charset="0"/>
-              <a:ea typeface="Calibri" panose="020F0502020204030204" pitchFamily="34" charset="0"/>
-              <a:cs typeface="Times New Roman" panose="02020603050405020304" pitchFamily="18" charset="0"/>
-            </a:endParaRPr>
-          </a:p>
-          <a:p>
-            <a:pPr marL="0" indent="0">
-              <a:lnSpc>
-                <a:spcPct val="107000"/>
-              </a:lnSpc>
-              <a:spcAft>
-                <a:spcPts val="600"/>
-              </a:spcAft>
-              <a:buNone/>
-            </a:pPr>
-            <a:r>
-              <a:rPr lang="en-AU" sz="1800" dirty="0">
-                <a:latin typeface="Calibri" panose="020F0502020204030204" pitchFamily="34" charset="0"/>
-                <a:ea typeface="Times New Roman" panose="02020603050405020304" pitchFamily="18" charset="0"/>
-                <a:cs typeface="Times New Roman" panose="02020603050405020304" pitchFamily="18" charset="0"/>
-              </a:rPr>
-              <a:t>  </a:t>
-            </a:r>
-            <a:r>
-              <a:rPr lang="en-AU" sz="1800" dirty="0">
-                <a:solidFill>
-                  <a:srgbClr val="1D1C1D"/>
-                </a:solidFill>
-                <a:effectLst/>
-                <a:latin typeface="Arial" panose="020B0604020202020204" pitchFamily="34" charset="0"/>
-                <a:ea typeface="Times New Roman" panose="02020603050405020304" pitchFamily="18" charset="0"/>
-                <a:cs typeface="Times New Roman" panose="02020603050405020304" pitchFamily="18" charset="0"/>
-              </a:rPr>
-              <a:t>(5) Are there any factors that affected the vacancy days trend? </a:t>
-            </a:r>
-          </a:p>
-          <a:p>
-            <a:pPr>
-              <a:lnSpc>
-                <a:spcPct val="107000"/>
-              </a:lnSpc>
-              <a:spcAft>
-                <a:spcPts val="600"/>
-              </a:spcAft>
-            </a:pPr>
-            <a:r>
-              <a:rPr lang="en-AU" sz="1800" dirty="0">
-                <a:solidFill>
-                  <a:srgbClr val="1D1C1D"/>
-                </a:solidFill>
-                <a:latin typeface="Arial" panose="020B0604020202020204" pitchFamily="34" charset="0"/>
-                <a:cs typeface="Times New Roman" panose="02020603050405020304" pitchFamily="18" charset="0"/>
-              </a:rPr>
-              <a:t>Null Hypothesis: </a:t>
-            </a:r>
-            <a:endParaRPr lang="en-AU" dirty="0"/>
+            <a:r>
+              <a:rPr lang="en-AU" dirty="0"/>
+              <a:t>- Check all the data frame with the same column name and same column sequence</a:t>
+            </a:r>
           </a:p>
         </p:txBody>
       </p:sp>
     </p:spTree>
     <p:extLst>
       <p:ext uri="{BB962C8B-B14F-4D97-AF65-F5344CB8AC3E}">
-        <p14:creationId xmlns:p14="http://schemas.microsoft.com/office/powerpoint/2010/main" val="103262496"/>
+        <p14:creationId xmlns:p14="http://schemas.microsoft.com/office/powerpoint/2010/main" val="1255708244"/>
       </p:ext>
     </p:extLst>
   </p:cSld>
@@ -7607,7 +8909,7 @@
           <p:cNvPr id="2" name="Title 1">
             <a:extLst>
               <a:ext uri="{FF2B5EF4-FFF2-40B4-BE49-F238E27FC236}">
-                <a16:creationId xmlns:a16="http://schemas.microsoft.com/office/drawing/2014/main" id="{6970517A-6A38-7EB1-5254-B8F132C4FEFE}"/>
+                <a16:creationId xmlns:a16="http://schemas.microsoft.com/office/drawing/2014/main" id="{0EBEE1D8-AF9C-6161-8653-6F637D78E218}"/>
               </a:ext>
             </a:extLst>
           </p:cNvPr>
@@ -7625,40 +8927,84 @@
           <a:p>
             <a:r>
               <a:rPr lang="en-AU" dirty="0"/>
-              <a:t>Data Analysis </a:t>
+              <a:t>Data Clean-up and Exploration</a:t>
             </a:r>
           </a:p>
         </p:txBody>
       </p:sp>
-      <p:sp>
-        <p:nvSpPr>
-          <p:cNvPr id="3" name="Content Placeholder 2">
+      <p:pic>
+        <p:nvPicPr>
+          <p:cNvPr id="5" name="Content Placeholder 4">
             <a:extLst>
               <a:ext uri="{FF2B5EF4-FFF2-40B4-BE49-F238E27FC236}">
-                <a16:creationId xmlns:a16="http://schemas.microsoft.com/office/drawing/2014/main" id="{C14F8C50-1E5D-0988-993B-EFB333E85D8F}"/>
+                <a16:creationId xmlns:a16="http://schemas.microsoft.com/office/drawing/2014/main" id="{E10401C3-A78A-6CEC-1AFA-D39215565D4F}"/>
               </a:ext>
             </a:extLst>
           </p:cNvPr>
-          <p:cNvSpPr>
-            <a:spLocks noGrp="1"/>
-          </p:cNvSpPr>
+          <p:cNvPicPr>
+            <a:picLocks noGrp="1" noChangeAspect="1"/>
+          </p:cNvPicPr>
           <p:nvPr>
             <p:ph idx="1"/>
           </p:nvPr>
-        </p:nvSpPr>
-        <p:spPr/>
+        </p:nvPicPr>
+        <p:blipFill>
+          <a:blip r:embed="rId2"/>
+          <a:stretch>
+            <a:fillRect/>
+          </a:stretch>
+        </p:blipFill>
+        <p:spPr>
+          <a:xfrm>
+            <a:off x="1200723" y="2108200"/>
+            <a:ext cx="9790554" cy="3012441"/>
+          </a:xfrm>
+        </p:spPr>
+      </p:pic>
+      <p:sp>
+        <p:nvSpPr>
+          <p:cNvPr id="6" name="TextBox 5">
+            <a:extLst>
+              <a:ext uri="{FF2B5EF4-FFF2-40B4-BE49-F238E27FC236}">
+                <a16:creationId xmlns:a16="http://schemas.microsoft.com/office/drawing/2014/main" id="{8EF4A2D9-1FF7-0F9F-B9DD-E92427A0C430}"/>
+              </a:ext>
+            </a:extLst>
+          </p:cNvPr>
+          <p:cNvSpPr txBox="1"/>
+          <p:nvPr/>
+        </p:nvSpPr>
+        <p:spPr>
+          <a:xfrm>
+            <a:off x="1625600" y="5805714"/>
+            <a:ext cx="9077806" cy="369332"/>
+          </a:xfrm>
+          <a:prstGeom prst="rect">
+            <a:avLst/>
+          </a:prstGeom>
+          <a:noFill/>
+        </p:spPr>
         <p:txBody>
-          <a:bodyPr/>
+          <a:bodyPr wrap="none" rtlCol="0">
+            <a:spAutoFit/>
+          </a:bodyPr>
           <a:lstStyle/>
           <a:p>
-            <a:endParaRPr lang="en-AU"/>
+            <a:r>
+              <a:rPr lang="en-AU" dirty="0"/>
+              <a:t>- Change the difference of the columns of the data frame by renaming and changing </a:t>
+            </a:r>
+            <a:r>
+              <a:rPr lang="en-AU" dirty="0" err="1"/>
+              <a:t>oreders</a:t>
+            </a:r>
+            <a:endParaRPr lang="en-AU" dirty="0"/>
           </a:p>
         </p:txBody>
       </p:sp>
     </p:spTree>
     <p:extLst>
       <p:ext uri="{BB962C8B-B14F-4D97-AF65-F5344CB8AC3E}">
-        <p14:creationId xmlns:p14="http://schemas.microsoft.com/office/powerpoint/2010/main" val="2389115137"/>
+        <p14:creationId xmlns:p14="http://schemas.microsoft.com/office/powerpoint/2010/main" val="3612420392"/>
       </p:ext>
     </p:extLst>
   </p:cSld>
@@ -7687,10 +9033,10 @@
       </p:grpSpPr>
       <p:sp>
         <p:nvSpPr>
-          <p:cNvPr id="4" name="Title 3">
+          <p:cNvPr id="2" name="Title 1">
             <a:extLst>
               <a:ext uri="{FF2B5EF4-FFF2-40B4-BE49-F238E27FC236}">
-                <a16:creationId xmlns:a16="http://schemas.microsoft.com/office/drawing/2014/main" id="{20C05956-8EE2-7A6C-2FED-857B51FDB7B4}"/>
+                <a16:creationId xmlns:a16="http://schemas.microsoft.com/office/drawing/2014/main" id="{A49307B3-3CF8-85BB-5097-74928DD1F8A8}"/>
               </a:ext>
             </a:extLst>
           </p:cNvPr>
@@ -7708,50 +9054,17 @@
           <a:p>
             <a:r>
               <a:rPr lang="en-AU" dirty="0"/>
-              <a:t>Average Vacancy Days by Year </a:t>
-            </a:r>
-          </a:p>
-        </p:txBody>
-      </p:sp>
-      <p:sp>
-        <p:nvSpPr>
-          <p:cNvPr id="5" name="Content Placeholder 4">
-            <a:extLst>
-              <a:ext uri="{FF2B5EF4-FFF2-40B4-BE49-F238E27FC236}">
-                <a16:creationId xmlns:a16="http://schemas.microsoft.com/office/drawing/2014/main" id="{BDE7EA8F-83FE-7E55-3059-04BF9A06C59A}"/>
-              </a:ext>
-            </a:extLst>
-          </p:cNvPr>
-          <p:cNvSpPr>
-            <a:spLocks noGrp="1"/>
-          </p:cNvSpPr>
-          <p:nvPr>
-            <p:ph sz="half" idx="1"/>
-          </p:nvPr>
-        </p:nvSpPr>
-        <p:spPr>
-          <a:xfrm>
-            <a:off x="6126480" y="2214693"/>
-            <a:ext cx="4639736" cy="3748193"/>
-          </a:xfrm>
-        </p:spPr>
-        <p:txBody>
-          <a:bodyPr/>
-          <a:lstStyle/>
-          <a:p>
-            <a:r>
-              <a:rPr lang="en-AU" dirty="0"/>
-              <a:t>- </a:t>
+              <a:t>Data Clean-up and Exploration</a:t>
             </a:r>
           </a:p>
         </p:txBody>
       </p:sp>
       <p:pic>
         <p:nvPicPr>
-          <p:cNvPr id="10" name="Content Placeholder 9">
+          <p:cNvPr id="5" name="Content Placeholder 4">
             <a:extLst>
               <a:ext uri="{FF2B5EF4-FFF2-40B4-BE49-F238E27FC236}">
-                <a16:creationId xmlns:a16="http://schemas.microsoft.com/office/drawing/2014/main" id="{3E32A1E4-7626-7D58-923F-D27A7399E690}"/>
+                <a16:creationId xmlns:a16="http://schemas.microsoft.com/office/drawing/2014/main" id="{F9D9E467-6ECD-3F8E-8F40-008B79C4C0D8}"/>
               </a:ext>
             </a:extLst>
           </p:cNvPr>
@@ -7759,7 +9072,7 @@
             <a:picLocks noGrp="1" noChangeAspect="1"/>
           </p:cNvPicPr>
           <p:nvPr>
-            <p:ph sz="half" idx="2"/>
+            <p:ph idx="1"/>
           </p:nvPr>
         </p:nvPicPr>
         <p:blipFill>
@@ -7770,15 +9083,50 @@
         </p:blipFill>
         <p:spPr>
           <a:xfrm>
-            <a:off x="1097280" y="2214693"/>
-            <a:ext cx="4733917" cy="3233733"/>
+            <a:off x="1097280" y="2321726"/>
+            <a:ext cx="8978085" cy="2214548"/>
           </a:xfrm>
         </p:spPr>
       </p:pic>
+      <p:sp>
+        <p:nvSpPr>
+          <p:cNvPr id="8" name="TextBox 7">
+            <a:extLst>
+              <a:ext uri="{FF2B5EF4-FFF2-40B4-BE49-F238E27FC236}">
+                <a16:creationId xmlns:a16="http://schemas.microsoft.com/office/drawing/2014/main" id="{34EF0D4B-D212-E284-932F-DC58FF2620C3}"/>
+              </a:ext>
+            </a:extLst>
+          </p:cNvPr>
+          <p:cNvSpPr txBox="1"/>
+          <p:nvPr/>
+        </p:nvSpPr>
+        <p:spPr>
+          <a:xfrm>
+            <a:off x="827314" y="5254171"/>
+            <a:ext cx="5392054" cy="369332"/>
+          </a:xfrm>
+          <a:prstGeom prst="rect">
+            <a:avLst/>
+          </a:prstGeom>
+          <a:noFill/>
+        </p:spPr>
+        <p:txBody>
+          <a:bodyPr wrap="none" rtlCol="0">
+            <a:spAutoFit/>
+          </a:bodyPr>
+          <a:lstStyle/>
+          <a:p>
+            <a:r>
+              <a:rPr lang="en-AU" dirty="0"/>
+              <a:t>- Drop all zero value rows of column Total Vacant Days</a:t>
+            </a:r>
+          </a:p>
+        </p:txBody>
+      </p:sp>
     </p:spTree>
     <p:extLst>
       <p:ext uri="{BB962C8B-B14F-4D97-AF65-F5344CB8AC3E}">
-        <p14:creationId xmlns:p14="http://schemas.microsoft.com/office/powerpoint/2010/main" val="1001600222"/>
+        <p14:creationId xmlns:p14="http://schemas.microsoft.com/office/powerpoint/2010/main" val="2706504019"/>
       </p:ext>
     </p:extLst>
   </p:cSld>
@@ -8114,50 +9462,25 @@
 </a:themeOverride>
 </file>
 
-<file path=ppt/theme/themeOverride2.xml><?xml version="1.0" encoding="utf-8"?>
-<a:themeOverride xmlns:a="http://schemas.openxmlformats.org/drawingml/2006/main">
-  <a:clrScheme name="Parcel">
-    <a:dk1>
-      <a:srgbClr val="000000"/>
-    </a:dk1>
-    <a:lt1>
-      <a:srgbClr val="FFFFFF"/>
-    </a:lt1>
-    <a:dk2>
-      <a:srgbClr val="4A5356"/>
-    </a:dk2>
-    <a:lt2>
-      <a:srgbClr val="E8E3CE"/>
-    </a:lt2>
-    <a:accent1>
-      <a:srgbClr val="F6A21D"/>
-    </a:accent1>
-    <a:accent2>
-      <a:srgbClr val="9BAFB5"/>
-    </a:accent2>
-    <a:accent3>
-      <a:srgbClr val="C96731"/>
-    </a:accent3>
-    <a:accent4>
-      <a:srgbClr val="9CA383"/>
-    </a:accent4>
-    <a:accent5>
-      <a:srgbClr val="87795D"/>
-    </a:accent5>
-    <a:accent6>
-      <a:srgbClr val="A0988C"/>
-    </a:accent6>
-    <a:hlink>
-      <a:srgbClr val="00B0F0"/>
-    </a:hlink>
-    <a:folHlink>
-      <a:srgbClr val="738F97"/>
-    </a:folHlink>
-  </a:clrScheme>
-</a:themeOverride>
+<file path=customXml/item1.xml><?xml version="1.0" encoding="utf-8"?>
+<?mso-contentType ?>
+<FormTemplates xmlns="http://schemas.microsoft.com/sharepoint/v3/contenttype/forms">
+  <Display>DocumentLibraryForm</Display>
+  <Edit>DocumentLibraryForm</Edit>
+  <New>DocumentLibraryForm</New>
+</FormTemplates>
 </file>
 
-<file path=customXml/item1.xml><?xml version="1.0" encoding="utf-8"?>
+<file path=customXml/item2.xml><?xml version="1.0" encoding="utf-8"?>
+<p:properties xmlns:p="http://schemas.microsoft.com/office/2006/metadata/properties" xmlns:xsi="http://www.w3.org/2001/XMLSchema-instance" xmlns:pc="http://schemas.microsoft.com/office/infopath/2007/PartnerControls">
+  <documentManagement>
+    <Status xmlns="71af3243-3dd4-4a8d-8c0d-dd76da1f02a5">Not started</Status>
+    <MediaServiceKeyPoints xmlns="71af3243-3dd4-4a8d-8c0d-dd76da1f02a5" xsi:nil="true"/>
+  </documentManagement>
+</p:properties>
+</file>
+
+<file path=customXml/item3.xml><?xml version="1.0" encoding="utf-8"?>
 <ct:contentTypeSchema xmlns:ct="http://schemas.microsoft.com/office/2006/metadata/contentType" xmlns:ma="http://schemas.microsoft.com/office/2006/metadata/properties/metaAttributes" ct:_="" ma:_="" ma:contentTypeName="Document" ma:contentTypeID="0x01010079F111ED35F8CC479449609E8A0923A6" ma:contentTypeVersion="12" ma:contentTypeDescription="Create a new document." ma:contentTypeScope="" ma:versionID="a410dd7f93c95333ffa1b60ed6adedd1">
   <xsd:schema xmlns:xsd="http://www.w3.org/2001/XMLSchema" xmlns:xs="http://www.w3.org/2001/XMLSchema" xmlns:p="http://schemas.microsoft.com/office/2006/metadata/properties" xmlns:ns2="71af3243-3dd4-4a8d-8c0d-dd76da1f02a5" xmlns:ns3="16c05727-aa75-4e4a-9b5f-8a80a1165891" targetNamespace="http://schemas.microsoft.com/office/2006/metadata/properties" ma:root="true" ma:fieldsID="a936d9baba76aa3866493feff160faab" ns2:_="" ns3:_="">
     <xsd:import namespace="71af3243-3dd4-4a8d-8c0d-dd76da1f02a5"/>
@@ -8378,25 +9701,25 @@
 </ct:contentTypeSchema>
 </file>
 
-<file path=customXml/item2.xml><?xml version="1.0" encoding="utf-8"?>
-<?mso-contentType ?>
-<FormTemplates xmlns="http://schemas.microsoft.com/sharepoint/v3/contenttype/forms">
-  <Display>DocumentLibraryForm</Display>
-  <Edit>DocumentLibraryForm</Edit>
-  <New>DocumentLibraryForm</New>
-</FormTemplates>
+<file path=customXml/itemProps1.xml><?xml version="1.0" encoding="utf-8"?>
+<ds:datastoreItem xmlns:ds="http://schemas.openxmlformats.org/officeDocument/2006/customXml" ds:itemID="{AA3F7EDC-E5B4-4BBC-9D2A-CBE6D46C37AD}">
+  <ds:schemaRefs>
+    <ds:schemaRef ds:uri="http://schemas.microsoft.com/sharepoint/v3/contenttype/forms"/>
+  </ds:schemaRefs>
+</ds:datastoreItem>
 </file>
 
-<file path=customXml/item3.xml><?xml version="1.0" encoding="utf-8"?>
-<p:properties xmlns:p="http://schemas.microsoft.com/office/2006/metadata/properties" xmlns:xsi="http://www.w3.org/2001/XMLSchema-instance" xmlns:pc="http://schemas.microsoft.com/office/infopath/2007/PartnerControls">
-  <documentManagement>
-    <Status xmlns="71af3243-3dd4-4a8d-8c0d-dd76da1f02a5">Not started</Status>
-    <MediaServiceKeyPoints xmlns="71af3243-3dd4-4a8d-8c0d-dd76da1f02a5" xsi:nil="true"/>
-  </documentManagement>
-</p:properties>
+<file path=customXml/itemProps2.xml><?xml version="1.0" encoding="utf-8"?>
+<ds:datastoreItem xmlns:ds="http://schemas.openxmlformats.org/officeDocument/2006/customXml" ds:itemID="{A03EEFF0-FB57-4CB4-8BFC-DF397689E2ED}">
+  <ds:schemaRefs>
+    <ds:schemaRef ds:uri="http://schemas.microsoft.com/office/2006/metadata/properties"/>
+    <ds:schemaRef ds:uri="http://schemas.microsoft.com/office/infopath/2007/PartnerControls"/>
+    <ds:schemaRef ds:uri="71af3243-3dd4-4a8d-8c0d-dd76da1f02a5"/>
+  </ds:schemaRefs>
+</ds:datastoreItem>
 </file>
 
-<file path=customXml/itemProps1.xml><?xml version="1.0" encoding="utf-8"?>
+<file path=customXml/itemProps3.xml><?xml version="1.0" encoding="utf-8"?>
 <ds:datastoreItem xmlns:ds="http://schemas.openxmlformats.org/officeDocument/2006/customXml" ds:itemID="{93932EF5-314F-409E-8020-FEE5FA0795B9}">
   <ds:schemaRefs>
     <ds:schemaRef ds:uri="http://schemas.microsoft.com/office/2006/metadata/contentType"/>
@@ -8413,22 +9736,4 @@
     <ds:schemaRef ds:uri="http://schemas.microsoft.com/internal/obd"/>
   </ds:schemaRefs>
 </ds:datastoreItem>
-</file>
-
-<file path=customXml/itemProps2.xml><?xml version="1.0" encoding="utf-8"?>
-<ds:datastoreItem xmlns:ds="http://schemas.openxmlformats.org/officeDocument/2006/customXml" ds:itemID="{AA3F7EDC-E5B4-4BBC-9D2A-CBE6D46C37AD}">
-  <ds:schemaRefs>
-    <ds:schemaRef ds:uri="http://schemas.microsoft.com/sharepoint/v3/contenttype/forms"/>
-  </ds:schemaRefs>
-</ds:datastoreItem>
-</file>
-
-<file path=customXml/itemProps3.xml><?xml version="1.0" encoding="utf-8"?>
-<ds:datastoreItem xmlns:ds="http://schemas.openxmlformats.org/officeDocument/2006/customXml" ds:itemID="{A03EEFF0-FB57-4CB4-8BFC-DF397689E2ED}">
-  <ds:schemaRefs>
-    <ds:schemaRef ds:uri="http://schemas.microsoft.com/office/2006/metadata/properties"/>
-    <ds:schemaRef ds:uri="http://schemas.microsoft.com/office/infopath/2007/PartnerControls"/>
-    <ds:schemaRef ds:uri="71af3243-3dd4-4a8d-8c0d-dd76da1f02a5"/>
-  </ds:schemaRefs>
-</ds:datastoreItem>
 </file>
--- a/QLD Housing Vacancy.pptx
+++ b/QLD Housing Vacancy.pptx
@@ -377,7 +377,7 @@
           <a:p>
             <a:fld id="{9184DA70-C731-4C70-880D-CCD4705E623C}" type="datetime1">
               <a:rPr lang="en-US" smtClean="0"/>
-              <a:t>9/21/2022</a:t>
+              <a:t>9/22/2022</a:t>
             </a:fld>
             <a:endParaRPr lang="en-US" dirty="0"/>
           </a:p>
@@ -565,7 +565,7 @@
           <a:p>
             <a:fld id="{4BE1D723-8F53-4F53-90B0-1982A396982E}" type="datetime1">
               <a:rPr lang="en-US" smtClean="0"/>
-              <a:t>9/21/2022</a:t>
+              <a:t>9/22/2022</a:t>
             </a:fld>
             <a:endParaRPr lang="en-US" dirty="0"/>
           </a:p>
@@ -938,7 +938,7 @@
           <a:p>
             <a:fld id="{97669AF7-7BEB-44E4-9852-375E34362B5B}" type="datetime1">
               <a:rPr lang="en-US" smtClean="0"/>
-              <a:t>9/21/2022</a:t>
+              <a:t>9/22/2022</a:t>
             </a:fld>
             <a:endParaRPr lang="en-US" dirty="0"/>
           </a:p>
@@ -1193,7 +1193,7 @@
           <a:p>
             <a:fld id="{BAAAC38D-0552-4C82-B593-E6124DFADBE2}" type="datetime1">
               <a:rPr lang="en-US" smtClean="0"/>
-              <a:t>9/21/2022</a:t>
+              <a:t>9/22/2022</a:t>
             </a:fld>
             <a:endParaRPr lang="en-US" dirty="0"/>
           </a:p>
@@ -1590,7 +1590,7 @@
           <a:p>
             <a:fld id="{D9DF0F1C-5577-4ACB-BB62-DF8F3C494C7E}" type="datetime1">
               <a:rPr lang="en-US" smtClean="0"/>
-              <a:t>9/21/2022</a:t>
+              <a:t>9/22/2022</a:t>
             </a:fld>
             <a:endParaRPr lang="en-US" dirty="0"/>
           </a:p>
@@ -1726,7 +1726,7 @@
           <a:p>
             <a:fld id="{1775B394-D9F9-4F0C-B15D-605F45CB9E9F}" type="datetime1">
               <a:rPr lang="en-US" smtClean="0"/>
-              <a:t>9/21/2022</a:t>
+              <a:t>9/22/2022</a:t>
             </a:fld>
             <a:endParaRPr lang="en-US" dirty="0"/>
           </a:p>
@@ -1883,7 +1883,7 @@
           <a:p>
             <a:fld id="{39667345-2558-425A-8533-9BFDBCE15005}" type="datetime1">
               <a:rPr lang="en-US" smtClean="0"/>
-              <a:t>9/21/2022</a:t>
+              <a:t>9/22/2022</a:t>
             </a:fld>
             <a:endParaRPr lang="en-US" dirty="0"/>
           </a:p>
@@ -2212,7 +2212,7 @@
           <a:p>
             <a:fld id="{92BEA474-078D-4E9B-9B14-09A87B19DC46}" type="datetime1">
               <a:rPr lang="en-US" smtClean="0"/>
-              <a:t>9/21/2022</a:t>
+              <a:t>9/22/2022</a:t>
             </a:fld>
             <a:endParaRPr lang="en-US" dirty="0"/>
           </a:p>
@@ -2562,7 +2562,7 @@
           <a:p>
             <a:fld id="{4907D986-8816-4272-A432-0437A28A9828}" type="datetime1">
               <a:rPr lang="en-US" smtClean="0"/>
-              <a:t>9/21/2022</a:t>
+              <a:t>9/22/2022</a:t>
             </a:fld>
             <a:endParaRPr lang="en-US" dirty="0"/>
           </a:p>
@@ -2823,7 +2823,7 @@
           <a:p>
             <a:fld id="{62D6E202-B606-4609-B914-27C9371A1F6D}" type="datetime1">
               <a:rPr lang="en-US" smtClean="0"/>
-              <a:t>9/21/2022</a:t>
+              <a:t>9/22/2022</a:t>
             </a:fld>
             <a:endParaRPr lang="en-US" dirty="0"/>
           </a:p>
@@ -4414,7 +4414,7 @@
           <a:p>
             <a:r>
               <a:rPr lang="en-AU" dirty="0"/>
-              <a:t>- In this slide we are trying to explain the average vacancy days by bedroom and we found that bigger house or 5 bedroom house had more vacancy days than others.</a:t>
+              <a:t>- In this slide we are trying to explain the average vacancy days by bedroom and we found almost a trend but the 5 bedroom house which had more vacancy days than others.</a:t>
             </a:r>
           </a:p>
           <a:p>
@@ -5086,13 +5086,18 @@
             <p:ph type="title"/>
           </p:nvPr>
         </p:nvSpPr>
-        <p:spPr/>
+        <p:spPr>
+          <a:xfrm>
+            <a:off x="1097280" y="286604"/>
+            <a:ext cx="10058400" cy="795436"/>
+          </a:xfrm>
+        </p:spPr>
         <p:txBody>
           <a:bodyPr/>
           <a:lstStyle/>
           <a:p>
             <a:r>
-              <a:rPr lang="en-AU" dirty="0"/>
+              <a:rPr lang="en-AU" u="sng" dirty="0"/>
               <a:t>Average Vacancy Days by Month</a:t>
             </a:r>
           </a:p>
@@ -5100,10 +5105,10 @@
       </p:sp>
       <p:pic>
         <p:nvPicPr>
-          <p:cNvPr id="4" name="Picture 3">
-            <a:extLst>
-              <a:ext uri="{FF2B5EF4-FFF2-40B4-BE49-F238E27FC236}">
-                <a16:creationId xmlns:a16="http://schemas.microsoft.com/office/drawing/2014/main" id="{CE2795AC-9AB1-595C-A521-A551BF6892D7}"/>
+          <p:cNvPr id="5" name="Picture 4" descr="Chart&#10;&#10;Description automatically generated">
+            <a:extLst>
+              <a:ext uri="{FF2B5EF4-FFF2-40B4-BE49-F238E27FC236}">
+                <a16:creationId xmlns:a16="http://schemas.microsoft.com/office/drawing/2014/main" id="{B0B05298-816D-1904-CF47-83B25122CE5F}"/>
               </a:ext>
             </a:extLst>
           </p:cNvPr>
@@ -5120,14 +5125,99 @@
         </p:blipFill>
         <p:spPr>
           <a:xfrm>
-            <a:off x="744942" y="2130803"/>
-            <a:ext cx="10410738" cy="4053324"/>
+            <a:off x="0" y="1082040"/>
+            <a:ext cx="12006619" cy="5349240"/>
           </a:xfrm>
           <a:prstGeom prst="rect">
             <a:avLst/>
           </a:prstGeom>
         </p:spPr>
       </p:pic>
+      <p:sp>
+        <p:nvSpPr>
+          <p:cNvPr id="6" name="Arrow: Striped Right 5">
+            <a:extLst>
+              <a:ext uri="{FF2B5EF4-FFF2-40B4-BE49-F238E27FC236}">
+                <a16:creationId xmlns:a16="http://schemas.microsoft.com/office/drawing/2014/main" id="{76689370-F5A6-6E8A-430F-2758BB5A7EE0}"/>
+              </a:ext>
+            </a:extLst>
+          </p:cNvPr>
+          <p:cNvSpPr/>
+          <p:nvPr/>
+        </p:nvSpPr>
+        <p:spPr>
+          <a:xfrm rot="7262337" flipV="1">
+            <a:off x="9167464" y="3358214"/>
+            <a:ext cx="688765" cy="402256"/>
+          </a:xfrm>
+          <a:prstGeom prst="stripedRightArrow">
+            <a:avLst/>
+          </a:prstGeom>
+        </p:spPr>
+        <p:style>
+          <a:lnRef idx="2">
+            <a:schemeClr val="accent1">
+              <a:shade val="50000"/>
+            </a:schemeClr>
+          </a:lnRef>
+          <a:fillRef idx="1">
+            <a:schemeClr val="accent1"/>
+          </a:fillRef>
+          <a:effectRef idx="0">
+            <a:schemeClr val="accent1"/>
+          </a:effectRef>
+          <a:fontRef idx="minor">
+            <a:schemeClr val="lt1"/>
+          </a:fontRef>
+        </p:style>
+        <p:txBody>
+          <a:bodyPr rtlCol="0" anchor="ctr"/>
+          <a:lstStyle/>
+          <a:p>
+            <a:pPr algn="ctr"/>
+            <a:endParaRPr lang="en-AU"/>
+          </a:p>
+        </p:txBody>
+      </p:sp>
+      <p:sp>
+        <p:nvSpPr>
+          <p:cNvPr id="7" name="TextBox 6">
+            <a:extLst>
+              <a:ext uri="{FF2B5EF4-FFF2-40B4-BE49-F238E27FC236}">
+                <a16:creationId xmlns:a16="http://schemas.microsoft.com/office/drawing/2014/main" id="{C5890068-581F-30C8-209F-D6D3FCDA78E8}"/>
+              </a:ext>
+            </a:extLst>
+          </p:cNvPr>
+          <p:cNvSpPr txBox="1"/>
+          <p:nvPr/>
+        </p:nvSpPr>
+        <p:spPr>
+          <a:xfrm>
+            <a:off x="9511846" y="2672912"/>
+            <a:ext cx="1757168" cy="400110"/>
+          </a:xfrm>
+          <a:prstGeom prst="rect">
+            <a:avLst/>
+          </a:prstGeom>
+          <a:noFill/>
+        </p:spPr>
+        <p:txBody>
+          <a:bodyPr wrap="square" rtlCol="0">
+            <a:spAutoFit/>
+          </a:bodyPr>
+          <a:lstStyle/>
+          <a:p>
+            <a:r>
+              <a:rPr lang="en-AU" sz="2000" b="1" dirty="0">
+                <a:solidFill>
+                  <a:srgbClr val="FF0000"/>
+                </a:solidFill>
+              </a:rPr>
+              <a:t>Sudden drop</a:t>
+            </a:r>
+          </a:p>
+        </p:txBody>
+      </p:sp>
     </p:spTree>
     <p:extLst>
       <p:ext uri="{BB962C8B-B14F-4D97-AF65-F5344CB8AC3E}">
@@ -5187,7 +5277,7 @@
           <a:lstStyle/>
           <a:p>
             <a:r>
-              <a:rPr lang="en-AU" dirty="0"/>
+              <a:rPr lang="en-AU" u="sng" dirty="0"/>
               <a:t>Affects of Housing from Covid</a:t>
             </a:r>
           </a:p>
@@ -5215,14 +5305,99 @@
         </p:blipFill>
         <p:spPr>
           <a:xfrm>
-            <a:off x="0" y="1316845"/>
-            <a:ext cx="12192000" cy="5254552"/>
+            <a:off x="0" y="1005840"/>
+            <a:ext cx="12192000" cy="5360783"/>
           </a:xfrm>
           <a:prstGeom prst="rect">
             <a:avLst/>
           </a:prstGeom>
         </p:spPr>
       </p:pic>
+      <p:sp>
+        <p:nvSpPr>
+          <p:cNvPr id="3" name="Arrow: Striped Right 2">
+            <a:extLst>
+              <a:ext uri="{FF2B5EF4-FFF2-40B4-BE49-F238E27FC236}">
+                <a16:creationId xmlns:a16="http://schemas.microsoft.com/office/drawing/2014/main" id="{3ABE2EB4-425A-7586-0AF1-93DE5F54BB64}"/>
+              </a:ext>
+            </a:extLst>
+          </p:cNvPr>
+          <p:cNvSpPr/>
+          <p:nvPr/>
+        </p:nvSpPr>
+        <p:spPr>
+          <a:xfrm rot="7262337" flipV="1">
+            <a:off x="9054130" y="4375645"/>
+            <a:ext cx="688765" cy="402256"/>
+          </a:xfrm>
+          <a:prstGeom prst="stripedRightArrow">
+            <a:avLst/>
+          </a:prstGeom>
+        </p:spPr>
+        <p:style>
+          <a:lnRef idx="2">
+            <a:schemeClr val="accent1">
+              <a:shade val="50000"/>
+            </a:schemeClr>
+          </a:lnRef>
+          <a:fillRef idx="1">
+            <a:schemeClr val="accent1"/>
+          </a:fillRef>
+          <a:effectRef idx="0">
+            <a:schemeClr val="accent1"/>
+          </a:effectRef>
+          <a:fontRef idx="minor">
+            <a:schemeClr val="lt1"/>
+          </a:fontRef>
+        </p:style>
+        <p:txBody>
+          <a:bodyPr rtlCol="0" anchor="ctr"/>
+          <a:lstStyle/>
+          <a:p>
+            <a:pPr algn="ctr"/>
+            <a:endParaRPr lang="en-AU"/>
+          </a:p>
+        </p:txBody>
+      </p:sp>
+      <p:sp>
+        <p:nvSpPr>
+          <p:cNvPr id="5" name="TextBox 4">
+            <a:extLst>
+              <a:ext uri="{FF2B5EF4-FFF2-40B4-BE49-F238E27FC236}">
+                <a16:creationId xmlns:a16="http://schemas.microsoft.com/office/drawing/2014/main" id="{340DBBEC-BACC-67CC-194A-D9F6DAECF971}"/>
+              </a:ext>
+            </a:extLst>
+          </p:cNvPr>
+          <p:cNvSpPr txBox="1"/>
+          <p:nvPr/>
+        </p:nvSpPr>
+        <p:spPr>
+          <a:xfrm>
+            <a:off x="9254673" y="3314606"/>
+            <a:ext cx="2374949" cy="707886"/>
+          </a:xfrm>
+          <a:prstGeom prst="rect">
+            <a:avLst/>
+          </a:prstGeom>
+          <a:noFill/>
+        </p:spPr>
+        <p:txBody>
+          <a:bodyPr wrap="square" rtlCol="0">
+            <a:spAutoFit/>
+          </a:bodyPr>
+          <a:lstStyle/>
+          <a:p>
+            <a:r>
+              <a:rPr lang="en-AU" sz="2000" dirty="0">
+                <a:solidFill>
+                  <a:srgbClr val="C00000"/>
+                </a:solidFill>
+              </a:rPr>
+              <a:t>Sudden drop due to high Covid Cases</a:t>
+            </a:r>
+          </a:p>
+        </p:txBody>
+      </p:sp>
     </p:spTree>
     <p:extLst>
       <p:ext uri="{BB962C8B-B14F-4D97-AF65-F5344CB8AC3E}">
@@ -6634,7 +6809,7 @@
             <a:picLocks noChangeAspect="1"/>
             <a:extLst>
               <a:ext uri="{51228E76-BA90-4043-B771-695A4F85340A}">
-                <alf:liveFeedProps xmlns:alf="http://schemas.microsoft.com/office/drawing/2021/livefeed" xmlns=""/>
+                <alf:liveFeedProps xmlns:alf="http://schemas.microsoft.com/office/drawing/2021/livefeed"/>
               </a:ext>
             </a:extLst>
           </p:cNvPicPr>
@@ -9463,24 +9638,6 @@
 </file>
 
 <file path=customXml/item1.xml><?xml version="1.0" encoding="utf-8"?>
-<?mso-contentType ?>
-<FormTemplates xmlns="http://schemas.microsoft.com/sharepoint/v3/contenttype/forms">
-  <Display>DocumentLibraryForm</Display>
-  <Edit>DocumentLibraryForm</Edit>
-  <New>DocumentLibraryForm</New>
-</FormTemplates>
-</file>
-
-<file path=customXml/item2.xml><?xml version="1.0" encoding="utf-8"?>
-<p:properties xmlns:p="http://schemas.microsoft.com/office/2006/metadata/properties" xmlns:xsi="http://www.w3.org/2001/XMLSchema-instance" xmlns:pc="http://schemas.microsoft.com/office/infopath/2007/PartnerControls">
-  <documentManagement>
-    <Status xmlns="71af3243-3dd4-4a8d-8c0d-dd76da1f02a5">Not started</Status>
-    <MediaServiceKeyPoints xmlns="71af3243-3dd4-4a8d-8c0d-dd76da1f02a5" xsi:nil="true"/>
-  </documentManagement>
-</p:properties>
-</file>
-
-<file path=customXml/item3.xml><?xml version="1.0" encoding="utf-8"?>
 <ct:contentTypeSchema xmlns:ct="http://schemas.microsoft.com/office/2006/metadata/contentType" xmlns:ma="http://schemas.microsoft.com/office/2006/metadata/properties/metaAttributes" ct:_="" ma:_="" ma:contentTypeName="Document" ma:contentTypeID="0x01010079F111ED35F8CC479449609E8A0923A6" ma:contentTypeVersion="12" ma:contentTypeDescription="Create a new document." ma:contentTypeScope="" ma:versionID="a410dd7f93c95333ffa1b60ed6adedd1">
   <xsd:schema xmlns:xsd="http://www.w3.org/2001/XMLSchema" xmlns:xs="http://www.w3.org/2001/XMLSchema" xmlns:p="http://schemas.microsoft.com/office/2006/metadata/properties" xmlns:ns2="71af3243-3dd4-4a8d-8c0d-dd76da1f02a5" xmlns:ns3="16c05727-aa75-4e4a-9b5f-8a80a1165891" targetNamespace="http://schemas.microsoft.com/office/2006/metadata/properties" ma:root="true" ma:fieldsID="a936d9baba76aa3866493feff160faab" ns2:_="" ns3:_="">
     <xsd:import namespace="71af3243-3dd4-4a8d-8c0d-dd76da1f02a5"/>
@@ -9701,25 +9858,25 @@
 </ct:contentTypeSchema>
 </file>
 
-<file path=customXml/itemProps1.xml><?xml version="1.0" encoding="utf-8"?>
-<ds:datastoreItem xmlns:ds="http://schemas.openxmlformats.org/officeDocument/2006/customXml" ds:itemID="{AA3F7EDC-E5B4-4BBC-9D2A-CBE6D46C37AD}">
-  <ds:schemaRefs>
-    <ds:schemaRef ds:uri="http://schemas.microsoft.com/sharepoint/v3/contenttype/forms"/>
-  </ds:schemaRefs>
-</ds:datastoreItem>
+<file path=customXml/item2.xml><?xml version="1.0" encoding="utf-8"?>
+<?mso-contentType ?>
+<FormTemplates xmlns="http://schemas.microsoft.com/sharepoint/v3/contenttype/forms">
+  <Display>DocumentLibraryForm</Display>
+  <Edit>DocumentLibraryForm</Edit>
+  <New>DocumentLibraryForm</New>
+</FormTemplates>
 </file>
 
-<file path=customXml/itemProps2.xml><?xml version="1.0" encoding="utf-8"?>
-<ds:datastoreItem xmlns:ds="http://schemas.openxmlformats.org/officeDocument/2006/customXml" ds:itemID="{A03EEFF0-FB57-4CB4-8BFC-DF397689E2ED}">
-  <ds:schemaRefs>
-    <ds:schemaRef ds:uri="http://schemas.microsoft.com/office/2006/metadata/properties"/>
-    <ds:schemaRef ds:uri="http://schemas.microsoft.com/office/infopath/2007/PartnerControls"/>
-    <ds:schemaRef ds:uri="71af3243-3dd4-4a8d-8c0d-dd76da1f02a5"/>
-  </ds:schemaRefs>
-</ds:datastoreItem>
+<file path=customXml/item3.xml><?xml version="1.0" encoding="utf-8"?>
+<p:properties xmlns:p="http://schemas.microsoft.com/office/2006/metadata/properties" xmlns:xsi="http://www.w3.org/2001/XMLSchema-instance" xmlns:pc="http://schemas.microsoft.com/office/infopath/2007/PartnerControls">
+  <documentManagement>
+    <Status xmlns="71af3243-3dd4-4a8d-8c0d-dd76da1f02a5">Not started</Status>
+    <MediaServiceKeyPoints xmlns="71af3243-3dd4-4a8d-8c0d-dd76da1f02a5" xsi:nil="true"/>
+  </documentManagement>
+</p:properties>
 </file>
 
-<file path=customXml/itemProps3.xml><?xml version="1.0" encoding="utf-8"?>
+<file path=customXml/itemProps1.xml><?xml version="1.0" encoding="utf-8"?>
 <ds:datastoreItem xmlns:ds="http://schemas.openxmlformats.org/officeDocument/2006/customXml" ds:itemID="{93932EF5-314F-409E-8020-FEE5FA0795B9}">
   <ds:schemaRefs>
     <ds:schemaRef ds:uri="http://schemas.microsoft.com/office/2006/metadata/contentType"/>
@@ -9736,4 +9893,22 @@
     <ds:schemaRef ds:uri="http://schemas.microsoft.com/internal/obd"/>
   </ds:schemaRefs>
 </ds:datastoreItem>
+</file>
+
+<file path=customXml/itemProps2.xml><?xml version="1.0" encoding="utf-8"?>
+<ds:datastoreItem xmlns:ds="http://schemas.openxmlformats.org/officeDocument/2006/customXml" ds:itemID="{AA3F7EDC-E5B4-4BBC-9D2A-CBE6D46C37AD}">
+  <ds:schemaRefs>
+    <ds:schemaRef ds:uri="http://schemas.microsoft.com/sharepoint/v3/contenttype/forms"/>
+  </ds:schemaRefs>
+</ds:datastoreItem>
+</file>
+
+<file path=customXml/itemProps3.xml><?xml version="1.0" encoding="utf-8"?>
+<ds:datastoreItem xmlns:ds="http://schemas.openxmlformats.org/officeDocument/2006/customXml" ds:itemID="{A03EEFF0-FB57-4CB4-8BFC-DF397689E2ED}">
+  <ds:schemaRefs>
+    <ds:schemaRef ds:uri="http://schemas.microsoft.com/office/2006/metadata/properties"/>
+    <ds:schemaRef ds:uri="http://schemas.microsoft.com/office/infopath/2007/PartnerControls"/>
+    <ds:schemaRef ds:uri="71af3243-3dd4-4a8d-8c0d-dd76da1f02a5"/>
+  </ds:schemaRefs>
+</ds:datastoreItem>
 </file>
--- a/QLD Housing Vacancy.pptx
+++ b/QLD Housing Vacancy.pptx
@@ -6,21 +6,29 @@
   </p:sldMasterIdLst>
   <p:sldIdLst>
     <p:sldId id="298" r:id="rId5"/>
-    <p:sldId id="301" r:id="rId6"/>
+    <p:sldId id="315" r:id="rId6"/>
     <p:sldId id="307" r:id="rId7"/>
-    <p:sldId id="306" r:id="rId8"/>
-    <p:sldId id="313" r:id="rId9"/>
-    <p:sldId id="305" r:id="rId10"/>
-    <p:sldId id="302" r:id="rId11"/>
-    <p:sldId id="303" r:id="rId12"/>
-    <p:sldId id="314" r:id="rId13"/>
-    <p:sldId id="304" r:id="rId14"/>
-    <p:sldId id="308" r:id="rId15"/>
-    <p:sldId id="309" r:id="rId16"/>
-    <p:sldId id="310" r:id="rId17"/>
-    <p:sldId id="300" r:id="rId18"/>
-    <p:sldId id="312" r:id="rId19"/>
-    <p:sldId id="311" r:id="rId20"/>
+    <p:sldId id="301" r:id="rId8"/>
+    <p:sldId id="306" r:id="rId9"/>
+    <p:sldId id="313" r:id="rId10"/>
+    <p:sldId id="320" r:id="rId11"/>
+    <p:sldId id="321" r:id="rId12"/>
+    <p:sldId id="322" r:id="rId13"/>
+    <p:sldId id="323" r:id="rId14"/>
+    <p:sldId id="324" r:id="rId15"/>
+    <p:sldId id="325" r:id="rId16"/>
+    <p:sldId id="305" r:id="rId17"/>
+    <p:sldId id="302" r:id="rId18"/>
+    <p:sldId id="304" r:id="rId19"/>
+    <p:sldId id="308" r:id="rId20"/>
+    <p:sldId id="309" r:id="rId21"/>
+    <p:sldId id="310" r:id="rId22"/>
+    <p:sldId id="318" r:id="rId23"/>
+    <p:sldId id="317" r:id="rId24"/>
+    <p:sldId id="314" r:id="rId25"/>
+    <p:sldId id="300" r:id="rId26"/>
+    <p:sldId id="312" r:id="rId27"/>
+    <p:sldId id="311" r:id="rId28"/>
   </p:sldIdLst>
   <p:sldSz cx="12192000" cy="6858000"/>
   <p:notesSz cx="6858000" cy="9144000"/>
@@ -120,11 +128,560 @@
     </a:lvl9pPr>
   </p:defaultTextStyle>
   <p:extLst>
+    <p:ext uri="{521415D9-36F7-43E2-AB2F-B90AF26B5E84}">
+      <p14:sectionLst xmlns:p14="http://schemas.microsoft.com/office/powerpoint/2010/main">
+        <p14:section name="Default Section" id="{7506602B-BE40-4F47-BF13-2E58C910F214}">
+          <p14:sldIdLst>
+            <p14:sldId id="298"/>
+            <p14:sldId id="315"/>
+            <p14:sldId id="307"/>
+            <p14:sldId id="301"/>
+            <p14:sldId id="306"/>
+            <p14:sldId id="313"/>
+            <p14:sldId id="320"/>
+            <p14:sldId id="321"/>
+            <p14:sldId id="322"/>
+            <p14:sldId id="323"/>
+            <p14:sldId id="324"/>
+            <p14:sldId id="325"/>
+          </p14:sldIdLst>
+        </p14:section>
+        <p14:section name="Untitled Section" id="{9157706C-647F-47E4-9590-540B524EDF73}">
+          <p14:sldIdLst>
+            <p14:sldId id="305"/>
+            <p14:sldId id="302"/>
+            <p14:sldId id="304"/>
+            <p14:sldId id="308"/>
+            <p14:sldId id="309"/>
+            <p14:sldId id="310"/>
+            <p14:sldId id="318"/>
+            <p14:sldId id="317"/>
+            <p14:sldId id="314"/>
+            <p14:sldId id="300"/>
+            <p14:sldId id="312"/>
+            <p14:sldId id="311"/>
+          </p14:sldIdLst>
+        </p14:section>
+      </p14:sectionLst>
+    </p:ext>
     <p:ext uri="{EFAFB233-063F-42B5-8137-9DF3F51BA10A}">
       <p15:sldGuideLst xmlns:p15="http://schemas.microsoft.com/office/powerpoint/2012/main"/>
     </p:ext>
   </p:extLst>
 </p:presentation>
+</file>
+
+<file path=ppt/commentAuthors.xml><?xml version="1.0" encoding="utf-8"?>
+<p:cmAuthorLst xmlns:a="http://schemas.openxmlformats.org/drawingml/2006/main" xmlns:r="http://schemas.openxmlformats.org/officeDocument/2006/relationships" xmlns:p="http://schemas.openxmlformats.org/presentationml/2006/main">
+  <p:cmAuthor id="1" name="Kaushal Patel" initials="KP" lastIdx="1" clrIdx="0">
+    <p:extLst>
+      <p:ext uri="{19B8F6BF-5375-455C-9EA6-DF929625EA0E}">
+        <p15:presenceInfo xmlns:p15="http://schemas.microsoft.com/office/powerpoint/2012/main" userId="1fe823ee0559c094" providerId="Windows Live"/>
+      </p:ext>
+    </p:extLst>
+  </p:cmAuthor>
+</p:cmAuthorLst>
+</file>
+
+<file path=ppt/changesInfos/changesInfo1.xml><?xml version="1.0" encoding="utf-8"?>
+<pc:chgInfo xmlns:a="http://schemas.openxmlformats.org/drawingml/2006/main" xmlns:r="http://schemas.openxmlformats.org/officeDocument/2006/relationships" xmlns:ac="http://schemas.microsoft.com/office/drawing/2013/main/command" xmlns:pc="http://schemas.microsoft.com/office/powerpoint/2013/main/command">
+  <pc:docChgLst>
+    <pc:chgData name="Kaushal Patel" userId="1fe823ee0559c094" providerId="LiveId" clId="{834243D6-7A7F-4CFE-94D9-B8829E369814}"/>
+    <pc:docChg chg="undo custSel addSld delSld modSld addSection modSection">
+      <pc:chgData name="Kaushal Patel" userId="1fe823ee0559c094" providerId="LiveId" clId="{834243D6-7A7F-4CFE-94D9-B8829E369814}" dt="2022-09-20T11:34:03.888" v="4399" actId="20577"/>
+      <pc:docMkLst>
+        <pc:docMk/>
+      </pc:docMkLst>
+      <pc:sldChg chg="modSp mod">
+        <pc:chgData name="Kaushal Patel" userId="1fe823ee0559c094" providerId="LiveId" clId="{834243D6-7A7F-4CFE-94D9-B8829E369814}" dt="2022-09-20T09:33:24.183" v="1031" actId="20577"/>
+        <pc:sldMkLst>
+          <pc:docMk/>
+          <pc:sldMk cId="2733872368" sldId="302"/>
+        </pc:sldMkLst>
+        <pc:spChg chg="mod">
+          <ac:chgData name="Kaushal Patel" userId="1fe823ee0559c094" providerId="LiveId" clId="{834243D6-7A7F-4CFE-94D9-B8829E369814}" dt="2022-09-20T09:33:24.183" v="1031" actId="20577"/>
+          <ac:spMkLst>
+            <pc:docMk/>
+            <pc:sldMk cId="2733872368" sldId="302"/>
+            <ac:spMk id="5" creationId="{BAFBAFEF-860A-B60F-F016-5910531A5F97}"/>
+          </ac:spMkLst>
+        </pc:spChg>
+      </pc:sldChg>
+      <pc:sldChg chg="modSp mod">
+        <pc:chgData name="Kaushal Patel" userId="1fe823ee0559c094" providerId="LiveId" clId="{834243D6-7A7F-4CFE-94D9-B8829E369814}" dt="2022-09-20T11:34:03.888" v="4399" actId="20577"/>
+        <pc:sldMkLst>
+          <pc:docMk/>
+          <pc:sldMk cId="3706224563" sldId="304"/>
+        </pc:sldMkLst>
+        <pc:spChg chg="mod">
+          <ac:chgData name="Kaushal Patel" userId="1fe823ee0559c094" providerId="LiveId" clId="{834243D6-7A7F-4CFE-94D9-B8829E369814}" dt="2022-09-20T11:34:03.888" v="4399" actId="20577"/>
+          <ac:spMkLst>
+            <pc:docMk/>
+            <pc:sldMk cId="3706224563" sldId="304"/>
+            <ac:spMk id="6" creationId="{3EBFA0DC-1430-5E67-9C18-BB015A230090}"/>
+          </ac:spMkLst>
+        </pc:spChg>
+      </pc:sldChg>
+      <pc:sldChg chg="modSp mod addCm delCm">
+        <pc:chgData name="Kaushal Patel" userId="1fe823ee0559c094" providerId="LiveId" clId="{834243D6-7A7F-4CFE-94D9-B8829E369814}" dt="2022-09-20T09:59:17.994" v="1632" actId="20577"/>
+        <pc:sldMkLst>
+          <pc:docMk/>
+          <pc:sldMk cId="1001600222" sldId="305"/>
+        </pc:sldMkLst>
+        <pc:spChg chg="mod">
+          <ac:chgData name="Kaushal Patel" userId="1fe823ee0559c094" providerId="LiveId" clId="{834243D6-7A7F-4CFE-94D9-B8829E369814}" dt="2022-09-20T09:59:17.994" v="1632" actId="20577"/>
+          <ac:spMkLst>
+            <pc:docMk/>
+            <pc:sldMk cId="1001600222" sldId="305"/>
+            <ac:spMk id="5" creationId="{BDE7EA8F-83FE-7E55-3059-04BF9A06C59A}"/>
+          </ac:spMkLst>
+        </pc:spChg>
+      </pc:sldChg>
+      <pc:sldChg chg="modSp del mod">
+        <pc:chgData name="Kaushal Patel" userId="1fe823ee0559c094" providerId="LiveId" clId="{834243D6-7A7F-4CFE-94D9-B8829E369814}" dt="2022-09-20T11:25:22.103" v="4228" actId="2696"/>
+        <pc:sldMkLst>
+          <pc:docMk/>
+          <pc:sldMk cId="2010793377" sldId="316"/>
+        </pc:sldMkLst>
+        <pc:spChg chg="mod">
+          <ac:chgData name="Kaushal Patel" userId="1fe823ee0559c094" providerId="LiveId" clId="{834243D6-7A7F-4CFE-94D9-B8829E369814}" dt="2022-09-20T09:35:06.773" v="1064" actId="20577"/>
+          <ac:spMkLst>
+            <pc:docMk/>
+            <pc:sldMk cId="2010793377" sldId="316"/>
+            <ac:spMk id="3" creationId="{6105589C-1951-C196-84D8-5991078327B9}"/>
+          </ac:spMkLst>
+        </pc:spChg>
+      </pc:sldChg>
+      <pc:sldChg chg="modSp del mod">
+        <pc:chgData name="Kaushal Patel" userId="1fe823ee0559c094" providerId="LiveId" clId="{834243D6-7A7F-4CFE-94D9-B8829E369814}" dt="2022-09-20T11:24:53.246" v="4227" actId="2696"/>
+        <pc:sldMkLst>
+          <pc:docMk/>
+          <pc:sldMk cId="2389115137" sldId="319"/>
+        </pc:sldMkLst>
+        <pc:spChg chg="mod">
+          <ac:chgData name="Kaushal Patel" userId="1fe823ee0559c094" providerId="LiveId" clId="{834243D6-7A7F-4CFE-94D9-B8829E369814}" dt="2022-09-20T10:05:34.227" v="1747" actId="20577"/>
+          <ac:spMkLst>
+            <pc:docMk/>
+            <pc:sldMk cId="2389115137" sldId="319"/>
+            <ac:spMk id="3" creationId="{C14F8C50-1E5D-0988-993B-EFB333E85D8F}"/>
+          </ac:spMkLst>
+        </pc:spChg>
+      </pc:sldChg>
+      <pc:sldChg chg="new del">
+        <pc:chgData name="Kaushal Patel" userId="1fe823ee0559c094" providerId="LiveId" clId="{834243D6-7A7F-4CFE-94D9-B8829E369814}" dt="2022-09-20T10:21:24.309" v="1750" actId="2696"/>
+        <pc:sldMkLst>
+          <pc:docMk/>
+          <pc:sldMk cId="257671416" sldId="320"/>
+        </pc:sldMkLst>
+      </pc:sldChg>
+      <pc:sldChg chg="addSp modSp new mod">
+        <pc:chgData name="Kaushal Patel" userId="1fe823ee0559c094" providerId="LiveId" clId="{834243D6-7A7F-4CFE-94D9-B8829E369814}" dt="2022-09-20T11:26:43.239" v="4327" actId="20577"/>
+        <pc:sldMkLst>
+          <pc:docMk/>
+          <pc:sldMk cId="2549351589" sldId="320"/>
+        </pc:sldMkLst>
+        <pc:spChg chg="mod">
+          <ac:chgData name="Kaushal Patel" userId="1fe823ee0559c094" providerId="LiveId" clId="{834243D6-7A7F-4CFE-94D9-B8829E369814}" dt="2022-09-20T11:12:17.666" v="3517" actId="20577"/>
+          <ac:spMkLst>
+            <pc:docMk/>
+            <pc:sldMk cId="2549351589" sldId="320"/>
+            <ac:spMk id="2" creationId="{DAE6DC35-2231-C4E9-67E6-DDC0B780E259}"/>
+          </ac:spMkLst>
+        </pc:spChg>
+        <pc:spChg chg="mod">
+          <ac:chgData name="Kaushal Patel" userId="1fe823ee0559c094" providerId="LiveId" clId="{834243D6-7A7F-4CFE-94D9-B8829E369814}" dt="2022-09-20T11:25:57.980" v="4264" actId="20577"/>
+          <ac:spMkLst>
+            <pc:docMk/>
+            <pc:sldMk cId="2549351589" sldId="320"/>
+            <ac:spMk id="3" creationId="{00E771A2-8E85-6E34-E373-26CEA17FEE7A}"/>
+          </ac:spMkLst>
+        </pc:spChg>
+        <pc:spChg chg="add mod">
+          <ac:chgData name="Kaushal Patel" userId="1fe823ee0559c094" providerId="LiveId" clId="{834243D6-7A7F-4CFE-94D9-B8829E369814}" dt="2022-09-20T11:26:43.239" v="4327" actId="20577"/>
+          <ac:spMkLst>
+            <pc:docMk/>
+            <pc:sldMk cId="2549351589" sldId="320"/>
+            <ac:spMk id="6" creationId="{253CE7E2-5BD1-A9E3-E3DA-6F1B9E61CF7F}"/>
+          </ac:spMkLst>
+        </pc:spChg>
+        <pc:picChg chg="add mod">
+          <ac:chgData name="Kaushal Patel" userId="1fe823ee0559c094" providerId="LiveId" clId="{834243D6-7A7F-4CFE-94D9-B8829E369814}" dt="2022-09-20T11:25:47.621" v="4229" actId="1076"/>
+          <ac:picMkLst>
+            <pc:docMk/>
+            <pc:sldMk cId="2549351589" sldId="320"/>
+            <ac:picMk id="5" creationId="{705E0C08-D497-371D-B615-69215DA3B934}"/>
+          </ac:picMkLst>
+        </pc:picChg>
+      </pc:sldChg>
+      <pc:sldChg chg="new del">
+        <pc:chgData name="Kaushal Patel" userId="1fe823ee0559c094" providerId="LiveId" clId="{834243D6-7A7F-4CFE-94D9-B8829E369814}" dt="2022-09-20T11:04:56.970" v="3012" actId="2696"/>
+        <pc:sldMkLst>
+          <pc:docMk/>
+          <pc:sldMk cId="2976276082" sldId="320"/>
+        </pc:sldMkLst>
+      </pc:sldChg>
+      <pc:sldChg chg="addSp delSp modSp new mod">
+        <pc:chgData name="Kaushal Patel" userId="1fe823ee0559c094" providerId="LiveId" clId="{834243D6-7A7F-4CFE-94D9-B8829E369814}" dt="2022-09-20T11:26:56.990" v="4329" actId="313"/>
+        <pc:sldMkLst>
+          <pc:docMk/>
+          <pc:sldMk cId="1255708244" sldId="321"/>
+        </pc:sldMkLst>
+        <pc:spChg chg="mod">
+          <ac:chgData name="Kaushal Patel" userId="1fe823ee0559c094" providerId="LiveId" clId="{834243D6-7A7F-4CFE-94D9-B8829E369814}" dt="2022-09-20T11:12:01.269" v="3515" actId="20577"/>
+          <ac:spMkLst>
+            <pc:docMk/>
+            <pc:sldMk cId="1255708244" sldId="321"/>
+            <ac:spMk id="2" creationId="{F5AE77FC-9711-A482-82CC-A14821AE0F25}"/>
+          </ac:spMkLst>
+        </pc:spChg>
+        <pc:spChg chg="del">
+          <ac:chgData name="Kaushal Patel" userId="1fe823ee0559c094" providerId="LiveId" clId="{834243D6-7A7F-4CFE-94D9-B8829E369814}" dt="2022-09-20T11:11:22.831" v="3447" actId="22"/>
+          <ac:spMkLst>
+            <pc:docMk/>
+            <pc:sldMk cId="1255708244" sldId="321"/>
+            <ac:spMk id="3" creationId="{81E45F0B-030E-CA5E-FAD7-347C7154A358}"/>
+          </ac:spMkLst>
+        </pc:spChg>
+        <pc:spChg chg="add del mod">
+          <ac:chgData name="Kaushal Patel" userId="1fe823ee0559c094" providerId="LiveId" clId="{834243D6-7A7F-4CFE-94D9-B8829E369814}" dt="2022-09-20T11:13:58.523" v="3599" actId="767"/>
+          <ac:spMkLst>
+            <pc:docMk/>
+            <pc:sldMk cId="1255708244" sldId="321"/>
+            <ac:spMk id="6" creationId="{1C0E277A-3095-24D1-08C3-BD47BC596111}"/>
+          </ac:spMkLst>
+        </pc:spChg>
+        <pc:spChg chg="add mod">
+          <ac:chgData name="Kaushal Patel" userId="1fe823ee0559c094" providerId="LiveId" clId="{834243D6-7A7F-4CFE-94D9-B8829E369814}" dt="2022-09-20T11:26:56.990" v="4329" actId="313"/>
+          <ac:spMkLst>
+            <pc:docMk/>
+            <pc:sldMk cId="1255708244" sldId="321"/>
+            <ac:spMk id="7" creationId="{147934AB-401E-C781-AE74-BC0AF5F636BE}"/>
+          </ac:spMkLst>
+        </pc:spChg>
+        <pc:picChg chg="add mod ord">
+          <ac:chgData name="Kaushal Patel" userId="1fe823ee0559c094" providerId="LiveId" clId="{834243D6-7A7F-4CFE-94D9-B8829E369814}" dt="2022-09-20T11:14:58.477" v="3683" actId="14100"/>
+          <ac:picMkLst>
+            <pc:docMk/>
+            <pc:sldMk cId="1255708244" sldId="321"/>
+            <ac:picMk id="5" creationId="{28538088-5226-2267-2708-A05DEB367F47}"/>
+          </ac:picMkLst>
+        </pc:picChg>
+      </pc:sldChg>
+      <pc:sldChg chg="addSp delSp modSp new del mod modClrScheme chgLayout">
+        <pc:chgData name="Kaushal Patel" userId="1fe823ee0559c094" providerId="LiveId" clId="{834243D6-7A7F-4CFE-94D9-B8829E369814}" dt="2022-09-20T11:04:15.222" v="3009" actId="2696"/>
+        <pc:sldMkLst>
+          <pc:docMk/>
+          <pc:sldMk cId="2203716208" sldId="321"/>
+        </pc:sldMkLst>
+        <pc:spChg chg="add del mod">
+          <ac:chgData name="Kaushal Patel" userId="1fe823ee0559c094" providerId="LiveId" clId="{834243D6-7A7F-4CFE-94D9-B8829E369814}" dt="2022-09-20T10:30:01.383" v="1755"/>
+          <ac:spMkLst>
+            <pc:docMk/>
+            <pc:sldMk cId="2203716208" sldId="321"/>
+            <ac:spMk id="2" creationId="{D9E812B5-623A-8A52-2421-47BF5380360C}"/>
+          </ac:spMkLst>
+        </pc:spChg>
+        <pc:spChg chg="add del mod">
+          <ac:chgData name="Kaushal Patel" userId="1fe823ee0559c094" providerId="LiveId" clId="{834243D6-7A7F-4CFE-94D9-B8829E369814}" dt="2022-09-20T10:31:44.037" v="1765"/>
+          <ac:spMkLst>
+            <pc:docMk/>
+            <pc:sldMk cId="2203716208" sldId="321"/>
+            <ac:spMk id="3" creationId="{85158D73-2ACC-01A0-2D68-47674F274EE8}"/>
+          </ac:spMkLst>
+        </pc:spChg>
+        <pc:spChg chg="add del mod">
+          <ac:chgData name="Kaushal Patel" userId="1fe823ee0559c094" providerId="LiveId" clId="{834243D6-7A7F-4CFE-94D9-B8829E369814}" dt="2022-09-20T10:31:44.038" v="1767"/>
+          <ac:spMkLst>
+            <pc:docMk/>
+            <pc:sldMk cId="2203716208" sldId="321"/>
+            <ac:spMk id="4" creationId="{A9A44E7C-E07F-39A1-01F4-B49510ECC601}"/>
+          </ac:spMkLst>
+        </pc:spChg>
+        <pc:spChg chg="add del mod">
+          <ac:chgData name="Kaushal Patel" userId="1fe823ee0559c094" providerId="LiveId" clId="{834243D6-7A7F-4CFE-94D9-B8829E369814}" dt="2022-09-20T10:32:33.801" v="1785"/>
+          <ac:spMkLst>
+            <pc:docMk/>
+            <pc:sldMk cId="2203716208" sldId="321"/>
+            <ac:spMk id="5" creationId="{66EBF516-7437-1C1E-E1AE-2FCA96C7F3B0}"/>
+          </ac:spMkLst>
+        </pc:spChg>
+        <pc:spChg chg="add del mod">
+          <ac:chgData name="Kaushal Patel" userId="1fe823ee0559c094" providerId="LiveId" clId="{834243D6-7A7F-4CFE-94D9-B8829E369814}" dt="2022-09-20T10:32:33.801" v="1787"/>
+          <ac:spMkLst>
+            <pc:docMk/>
+            <pc:sldMk cId="2203716208" sldId="321"/>
+            <ac:spMk id="6" creationId="{7B421DA1-C994-EFE7-556F-358241EFDD51}"/>
+          </ac:spMkLst>
+        </pc:spChg>
+        <pc:spChg chg="add del mod">
+          <ac:chgData name="Kaushal Patel" userId="1fe823ee0559c094" providerId="LiveId" clId="{834243D6-7A7F-4CFE-94D9-B8829E369814}" dt="2022-09-20T10:32:33.806" v="1789"/>
+          <ac:spMkLst>
+            <pc:docMk/>
+            <pc:sldMk cId="2203716208" sldId="321"/>
+            <ac:spMk id="7" creationId="{E38551B2-3E8F-45DB-0179-58A6F8F9C9A2}"/>
+          </ac:spMkLst>
+        </pc:spChg>
+        <pc:spChg chg="add mod">
+          <ac:chgData name="Kaushal Patel" userId="1fe823ee0559c094" providerId="LiveId" clId="{834243D6-7A7F-4CFE-94D9-B8829E369814}" dt="2022-09-20T11:02:23.156" v="2905" actId="20577"/>
+          <ac:spMkLst>
+            <pc:docMk/>
+            <pc:sldMk cId="2203716208" sldId="321"/>
+            <ac:spMk id="8" creationId="{C4EECD7C-2655-6646-28AB-ABDF1D632167}"/>
+          </ac:spMkLst>
+        </pc:spChg>
+        <pc:spChg chg="add del mod ord">
+          <ac:chgData name="Kaushal Patel" userId="1fe823ee0559c094" providerId="LiveId" clId="{834243D6-7A7F-4CFE-94D9-B8829E369814}" dt="2022-09-20T11:01:57.444" v="2895" actId="700"/>
+          <ac:spMkLst>
+            <pc:docMk/>
+            <pc:sldMk cId="2203716208" sldId="321"/>
+            <ac:spMk id="9" creationId="{4EEB365F-D10A-FAB3-3B76-64EDF26B1C99}"/>
+          </ac:spMkLst>
+        </pc:spChg>
+        <pc:spChg chg="add del mod ord">
+          <ac:chgData name="Kaushal Patel" userId="1fe823ee0559c094" providerId="LiveId" clId="{834243D6-7A7F-4CFE-94D9-B8829E369814}" dt="2022-09-20T11:01:57.444" v="2895" actId="700"/>
+          <ac:spMkLst>
+            <pc:docMk/>
+            <pc:sldMk cId="2203716208" sldId="321"/>
+            <ac:spMk id="10" creationId="{68F24700-C592-76DB-EB19-CACC040F38DF}"/>
+          </ac:spMkLst>
+        </pc:spChg>
+        <pc:spChg chg="add del mod ord">
+          <ac:chgData name="Kaushal Patel" userId="1fe823ee0559c094" providerId="LiveId" clId="{834243D6-7A7F-4CFE-94D9-B8829E369814}" dt="2022-09-20T11:02:14.726" v="2898" actId="700"/>
+          <ac:spMkLst>
+            <pc:docMk/>
+            <pc:sldMk cId="2203716208" sldId="321"/>
+            <ac:spMk id="11" creationId="{BCA115D4-D198-137B-C359-F7653D601B36}"/>
+          </ac:spMkLst>
+        </pc:spChg>
+        <pc:spChg chg="add del mod ord">
+          <ac:chgData name="Kaushal Patel" userId="1fe823ee0559c094" providerId="LiveId" clId="{834243D6-7A7F-4CFE-94D9-B8829E369814}" dt="2022-09-20T11:02:14.726" v="2898" actId="700"/>
+          <ac:spMkLst>
+            <pc:docMk/>
+            <pc:sldMk cId="2203716208" sldId="321"/>
+            <ac:spMk id="12" creationId="{5D6190DC-4F32-AE9A-6AAD-657073892E6B}"/>
+          </ac:spMkLst>
+        </pc:spChg>
+        <pc:spChg chg="add mod ord">
+          <ac:chgData name="Kaushal Patel" userId="1fe823ee0559c094" providerId="LiveId" clId="{834243D6-7A7F-4CFE-94D9-B8829E369814}" dt="2022-09-20T11:02:56.206" v="2938" actId="20577"/>
+          <ac:spMkLst>
+            <pc:docMk/>
+            <pc:sldMk cId="2203716208" sldId="321"/>
+            <ac:spMk id="13" creationId="{B82D7E42-4374-F4EF-251F-EBBB020CD7EE}"/>
+          </ac:spMkLst>
+        </pc:spChg>
+        <pc:spChg chg="add mod ord">
+          <ac:chgData name="Kaushal Patel" userId="1fe823ee0559c094" providerId="LiveId" clId="{834243D6-7A7F-4CFE-94D9-B8829E369814}" dt="2022-09-20T11:04:03.691" v="3008" actId="20577"/>
+          <ac:spMkLst>
+            <pc:docMk/>
+            <pc:sldMk cId="2203716208" sldId="321"/>
+            <ac:spMk id="14" creationId="{712A9A3A-C320-8419-A63C-FAF88E6DEFDE}"/>
+          </ac:spMkLst>
+        </pc:spChg>
+      </pc:sldChg>
+      <pc:sldChg chg="addSp modSp new del mod">
+        <pc:chgData name="Kaushal Patel" userId="1fe823ee0559c094" providerId="LiveId" clId="{834243D6-7A7F-4CFE-94D9-B8829E369814}" dt="2022-09-20T11:04:45.100" v="3010" actId="2696"/>
+        <pc:sldMkLst>
+          <pc:docMk/>
+          <pc:sldMk cId="1225861858" sldId="322"/>
+        </pc:sldMkLst>
+        <pc:spChg chg="add mod">
+          <ac:chgData name="Kaushal Patel" userId="1fe823ee0559c094" providerId="LiveId" clId="{834243D6-7A7F-4CFE-94D9-B8829E369814}" dt="2022-09-20T10:47:01.152" v="2747"/>
+          <ac:spMkLst>
+            <pc:docMk/>
+            <pc:sldMk cId="1225861858" sldId="322"/>
+            <ac:spMk id="2" creationId="{82B36BCA-0326-E365-A165-2F7735B2BD34}"/>
+          </ac:spMkLst>
+        </pc:spChg>
+      </pc:sldChg>
+      <pc:sldChg chg="add del">
+        <pc:chgData name="Kaushal Patel" userId="1fe823ee0559c094" providerId="LiveId" clId="{834243D6-7A7F-4CFE-94D9-B8829E369814}" dt="2022-09-20T11:11:15.573" v="3446" actId="2696"/>
+        <pc:sldMkLst>
+          <pc:docMk/>
+          <pc:sldMk cId="3187693818" sldId="322"/>
+        </pc:sldMkLst>
+      </pc:sldChg>
+      <pc:sldChg chg="addSp delSp modSp new mod">
+        <pc:chgData name="Kaushal Patel" userId="1fe823ee0559c094" providerId="LiveId" clId="{834243D6-7A7F-4CFE-94D9-B8829E369814}" dt="2022-09-20T11:27:05.433" v="4330" actId="20577"/>
+        <pc:sldMkLst>
+          <pc:docMk/>
+          <pc:sldMk cId="3612420392" sldId="322"/>
+        </pc:sldMkLst>
+        <pc:spChg chg="mod">
+          <ac:chgData name="Kaushal Patel" userId="1fe823ee0559c094" providerId="LiveId" clId="{834243D6-7A7F-4CFE-94D9-B8829E369814}" dt="2022-09-20T11:15:27.193" v="3724" actId="20577"/>
+          <ac:spMkLst>
+            <pc:docMk/>
+            <pc:sldMk cId="3612420392" sldId="322"/>
+            <ac:spMk id="2" creationId="{0EBEE1D8-AF9C-6161-8653-6F637D78E218}"/>
+          </ac:spMkLst>
+        </pc:spChg>
+        <pc:spChg chg="del">
+          <ac:chgData name="Kaushal Patel" userId="1fe823ee0559c094" providerId="LiveId" clId="{834243D6-7A7F-4CFE-94D9-B8829E369814}" dt="2022-09-20T11:16:32.934" v="3725" actId="22"/>
+          <ac:spMkLst>
+            <pc:docMk/>
+            <pc:sldMk cId="3612420392" sldId="322"/>
+            <ac:spMk id="3" creationId="{DA513C47-D7A4-956B-314A-46EF66E3709E}"/>
+          </ac:spMkLst>
+        </pc:spChg>
+        <pc:spChg chg="add mod">
+          <ac:chgData name="Kaushal Patel" userId="1fe823ee0559c094" providerId="LiveId" clId="{834243D6-7A7F-4CFE-94D9-B8829E369814}" dt="2022-09-20T11:27:05.433" v="4330" actId="20577"/>
+          <ac:spMkLst>
+            <pc:docMk/>
+            <pc:sldMk cId="3612420392" sldId="322"/>
+            <ac:spMk id="6" creationId="{8EF4A2D9-1FF7-0F9F-B9DD-E92427A0C430}"/>
+          </ac:spMkLst>
+        </pc:spChg>
+        <pc:picChg chg="add mod ord">
+          <ac:chgData name="Kaushal Patel" userId="1fe823ee0559c094" providerId="LiveId" clId="{834243D6-7A7F-4CFE-94D9-B8829E369814}" dt="2022-09-20T11:16:39.559" v="3726" actId="14100"/>
+          <ac:picMkLst>
+            <pc:docMk/>
+            <pc:sldMk cId="3612420392" sldId="322"/>
+            <ac:picMk id="5" creationId="{E10401C3-A78A-6CEC-1AFA-D39215565D4F}"/>
+          </ac:picMkLst>
+        </pc:picChg>
+      </pc:sldChg>
+      <pc:sldChg chg="addSp delSp modSp new mod">
+        <pc:chgData name="Kaushal Patel" userId="1fe823ee0559c094" providerId="LiveId" clId="{834243D6-7A7F-4CFE-94D9-B8829E369814}" dt="2022-09-20T11:27:10.610" v="4331" actId="20577"/>
+        <pc:sldMkLst>
+          <pc:docMk/>
+          <pc:sldMk cId="2706504019" sldId="323"/>
+        </pc:sldMkLst>
+        <pc:spChg chg="mod">
+          <ac:chgData name="Kaushal Patel" userId="1fe823ee0559c094" providerId="LiveId" clId="{834243D6-7A7F-4CFE-94D9-B8829E369814}" dt="2022-09-20T11:18:21.473" v="3880" actId="20577"/>
+          <ac:spMkLst>
+            <pc:docMk/>
+            <pc:sldMk cId="2706504019" sldId="323"/>
+            <ac:spMk id="2" creationId="{A49307B3-3CF8-85BB-5097-74928DD1F8A8}"/>
+          </ac:spMkLst>
+        </pc:spChg>
+        <pc:spChg chg="del">
+          <ac:chgData name="Kaushal Patel" userId="1fe823ee0559c094" providerId="LiveId" clId="{834243D6-7A7F-4CFE-94D9-B8829E369814}" dt="2022-09-20T11:18:54.103" v="3881" actId="22"/>
+          <ac:spMkLst>
+            <pc:docMk/>
+            <pc:sldMk cId="2706504019" sldId="323"/>
+            <ac:spMk id="3" creationId="{997A844E-9685-318C-6AF5-73FC83883453}"/>
+          </ac:spMkLst>
+        </pc:spChg>
+        <pc:spChg chg="add del mod">
+          <ac:chgData name="Kaushal Patel" userId="1fe823ee0559c094" providerId="LiveId" clId="{834243D6-7A7F-4CFE-94D9-B8829E369814}" dt="2022-09-20T11:19:42.603" v="3911" actId="767"/>
+          <ac:spMkLst>
+            <pc:docMk/>
+            <pc:sldMk cId="2706504019" sldId="323"/>
+            <ac:spMk id="6" creationId="{4DEB24B8-DA3A-1C0A-CA71-E055F4F299D0}"/>
+          </ac:spMkLst>
+        </pc:spChg>
+        <pc:spChg chg="add del mod">
+          <ac:chgData name="Kaushal Patel" userId="1fe823ee0559c094" providerId="LiveId" clId="{834243D6-7A7F-4CFE-94D9-B8829E369814}" dt="2022-09-20T11:19:42.328" v="3910" actId="767"/>
+          <ac:spMkLst>
+            <pc:docMk/>
+            <pc:sldMk cId="2706504019" sldId="323"/>
+            <ac:spMk id="7" creationId="{6569FF8D-DADC-FB4D-A6D8-7A2C2E7661FE}"/>
+          </ac:spMkLst>
+        </pc:spChg>
+        <pc:spChg chg="add mod">
+          <ac:chgData name="Kaushal Patel" userId="1fe823ee0559c094" providerId="LiveId" clId="{834243D6-7A7F-4CFE-94D9-B8829E369814}" dt="2022-09-20T11:27:10.610" v="4331" actId="20577"/>
+          <ac:spMkLst>
+            <pc:docMk/>
+            <pc:sldMk cId="2706504019" sldId="323"/>
+            <ac:spMk id="8" creationId="{34EF0D4B-D212-E284-932F-DC58FF2620C3}"/>
+          </ac:spMkLst>
+        </pc:spChg>
+        <pc:picChg chg="add mod ord">
+          <ac:chgData name="Kaushal Patel" userId="1fe823ee0559c094" providerId="LiveId" clId="{834243D6-7A7F-4CFE-94D9-B8829E369814}" dt="2022-09-20T11:19:01.725" v="3883" actId="14100"/>
+          <ac:picMkLst>
+            <pc:docMk/>
+            <pc:sldMk cId="2706504019" sldId="323"/>
+            <ac:picMk id="5" creationId="{F9D9E467-6ECD-3F8E-8F40-008B79C4C0D8}"/>
+          </ac:picMkLst>
+        </pc:picChg>
+      </pc:sldChg>
+      <pc:sldChg chg="new add del">
+        <pc:chgData name="Kaushal Patel" userId="1fe823ee0559c094" providerId="LiveId" clId="{834243D6-7A7F-4CFE-94D9-B8829E369814}" dt="2022-09-20T11:01:56.769" v="2894" actId="680"/>
+        <pc:sldMkLst>
+          <pc:docMk/>
+          <pc:sldMk cId="3294211047" sldId="323"/>
+        </pc:sldMkLst>
+      </pc:sldChg>
+      <pc:sldChg chg="addSp delSp modSp new mod">
+        <pc:chgData name="Kaushal Patel" userId="1fe823ee0559c094" providerId="LiveId" clId="{834243D6-7A7F-4CFE-94D9-B8829E369814}" dt="2022-09-20T11:27:16.834" v="4332" actId="20577"/>
+        <pc:sldMkLst>
+          <pc:docMk/>
+          <pc:sldMk cId="2177771235" sldId="324"/>
+        </pc:sldMkLst>
+        <pc:spChg chg="mod">
+          <ac:chgData name="Kaushal Patel" userId="1fe823ee0559c094" providerId="LiveId" clId="{834243D6-7A7F-4CFE-94D9-B8829E369814}" dt="2022-09-20T11:21:11.924" v="4007" actId="20577"/>
+          <ac:spMkLst>
+            <pc:docMk/>
+            <pc:sldMk cId="2177771235" sldId="324"/>
+            <ac:spMk id="2" creationId="{07D5E4ED-A60B-B88E-42F8-57F4CB467568}"/>
+          </ac:spMkLst>
+        </pc:spChg>
+        <pc:spChg chg="del">
+          <ac:chgData name="Kaushal Patel" userId="1fe823ee0559c094" providerId="LiveId" clId="{834243D6-7A7F-4CFE-94D9-B8829E369814}" dt="2022-09-20T11:21:45.175" v="4008" actId="22"/>
+          <ac:spMkLst>
+            <pc:docMk/>
+            <pc:sldMk cId="2177771235" sldId="324"/>
+            <ac:spMk id="3" creationId="{CFE813E9-6A6C-5499-C922-AA9FBB34E13A}"/>
+          </ac:spMkLst>
+        </pc:spChg>
+        <pc:spChg chg="add mod">
+          <ac:chgData name="Kaushal Patel" userId="1fe823ee0559c094" providerId="LiveId" clId="{834243D6-7A7F-4CFE-94D9-B8829E369814}" dt="2022-09-20T11:27:16.834" v="4332" actId="20577"/>
+          <ac:spMkLst>
+            <pc:docMk/>
+            <pc:sldMk cId="2177771235" sldId="324"/>
+            <ac:spMk id="6" creationId="{37039E87-4BBD-366A-6E20-805F37ED9E69}"/>
+          </ac:spMkLst>
+        </pc:spChg>
+        <pc:picChg chg="add mod ord">
+          <ac:chgData name="Kaushal Patel" userId="1fe823ee0559c094" providerId="LiveId" clId="{834243D6-7A7F-4CFE-94D9-B8829E369814}" dt="2022-09-20T11:21:49.432" v="4009" actId="1076"/>
+          <ac:picMkLst>
+            <pc:docMk/>
+            <pc:sldMk cId="2177771235" sldId="324"/>
+            <ac:picMk id="5" creationId="{6558823A-7268-14DE-B35C-CD3A97F9C34D}"/>
+          </ac:picMkLst>
+        </pc:picChg>
+      </pc:sldChg>
+      <pc:sldChg chg="addSp delSp modSp new mod">
+        <pc:chgData name="Kaushal Patel" userId="1fe823ee0559c094" providerId="LiveId" clId="{834243D6-7A7F-4CFE-94D9-B8829E369814}" dt="2022-09-20T11:27:36.874" v="4333" actId="20577"/>
+        <pc:sldMkLst>
+          <pc:docMk/>
+          <pc:sldMk cId="1889668287" sldId="325"/>
+        </pc:sldMkLst>
+        <pc:spChg chg="mod">
+          <ac:chgData name="Kaushal Patel" userId="1fe823ee0559c094" providerId="LiveId" clId="{834243D6-7A7F-4CFE-94D9-B8829E369814}" dt="2022-09-20T11:23:33.992" v="4168" actId="20577"/>
+          <ac:spMkLst>
+            <pc:docMk/>
+            <pc:sldMk cId="1889668287" sldId="325"/>
+            <ac:spMk id="2" creationId="{33E5DAB7-7C77-C5B6-B830-60671FC1633F}"/>
+          </ac:spMkLst>
+        </pc:spChg>
+        <pc:spChg chg="del">
+          <ac:chgData name="Kaushal Patel" userId="1fe823ee0559c094" providerId="LiveId" clId="{834243D6-7A7F-4CFE-94D9-B8829E369814}" dt="2022-09-20T11:23:58.941" v="4169" actId="22"/>
+          <ac:spMkLst>
+            <pc:docMk/>
+            <pc:sldMk cId="1889668287" sldId="325"/>
+            <ac:spMk id="3" creationId="{796C2D13-2814-CF06-D416-5C0538CFC67B}"/>
+          </ac:spMkLst>
+        </pc:spChg>
+        <pc:spChg chg="add mod">
+          <ac:chgData name="Kaushal Patel" userId="1fe823ee0559c094" providerId="LiveId" clId="{834243D6-7A7F-4CFE-94D9-B8829E369814}" dt="2022-09-20T11:27:36.874" v="4333" actId="20577"/>
+          <ac:spMkLst>
+            <pc:docMk/>
+            <pc:sldMk cId="1889668287" sldId="325"/>
+            <ac:spMk id="6" creationId="{85FC14D3-6023-0235-F98D-A4C80682E73A}"/>
+          </ac:spMkLst>
+        </pc:spChg>
+        <pc:picChg chg="add mod ord">
+          <ac:chgData name="Kaushal Patel" userId="1fe823ee0559c094" providerId="LiveId" clId="{834243D6-7A7F-4CFE-94D9-B8829E369814}" dt="2022-09-20T11:24:03.090" v="4170" actId="1076"/>
+          <ac:picMkLst>
+            <pc:docMk/>
+            <pc:sldMk cId="1889668287" sldId="325"/>
+            <ac:picMk id="5" creationId="{DBAC7EAC-90AA-954C-7D7E-8DF929A2BDB4}"/>
+          </ac:picMkLst>
+        </pc:picChg>
+      </pc:sldChg>
+    </pc:docChg>
+  </pc:docChgLst>
+</pc:chgInfo>
 </file>
 
 <file path=ppt/slideLayouts/slideLayout1.xml><?xml version="1.0" encoding="utf-8"?>
@@ -371,7 +928,7 @@
           <a:p>
             <a:fld id="{9184DA70-C731-4C70-880D-CCD4705E623C}" type="datetime1">
               <a:rPr lang="en-US" smtClean="0"/>
-              <a:t>9/19/2022</a:t>
+              <a:t>9/20/2022</a:t>
             </a:fld>
             <a:endParaRPr lang="en-US" dirty="0"/>
           </a:p>
@@ -559,7 +1116,7 @@
           <a:p>
             <a:fld id="{4BE1D723-8F53-4F53-90B0-1982A396982E}" type="datetime1">
               <a:rPr lang="en-US" smtClean="0"/>
-              <a:t>9/19/2022</a:t>
+              <a:t>9/20/2022</a:t>
             </a:fld>
             <a:endParaRPr lang="en-US" dirty="0"/>
           </a:p>
@@ -932,7 +1489,7 @@
           <a:p>
             <a:fld id="{97669AF7-7BEB-44E4-9852-375E34362B5B}" type="datetime1">
               <a:rPr lang="en-US" smtClean="0"/>
-              <a:t>9/19/2022</a:t>
+              <a:t>9/20/2022</a:t>
             </a:fld>
             <a:endParaRPr lang="en-US" dirty="0"/>
           </a:p>
@@ -1187,7 +1744,7 @@
           <a:p>
             <a:fld id="{BAAAC38D-0552-4C82-B593-E6124DFADBE2}" type="datetime1">
               <a:rPr lang="en-US" smtClean="0"/>
-              <a:t>9/19/2022</a:t>
+              <a:t>9/20/2022</a:t>
             </a:fld>
             <a:endParaRPr lang="en-US" dirty="0"/>
           </a:p>
@@ -1584,7 +2141,7 @@
           <a:p>
             <a:fld id="{D9DF0F1C-5577-4ACB-BB62-DF8F3C494C7E}" type="datetime1">
               <a:rPr lang="en-US" smtClean="0"/>
-              <a:t>9/19/2022</a:t>
+              <a:t>9/20/2022</a:t>
             </a:fld>
             <a:endParaRPr lang="en-US" dirty="0"/>
           </a:p>
@@ -1720,7 +2277,7 @@
           <a:p>
             <a:fld id="{1775B394-D9F9-4F0C-B15D-605F45CB9E9F}" type="datetime1">
               <a:rPr lang="en-US" smtClean="0"/>
-              <a:t>9/19/2022</a:t>
+              <a:t>9/20/2022</a:t>
             </a:fld>
             <a:endParaRPr lang="en-US" dirty="0"/>
           </a:p>
@@ -1877,7 +2434,7 @@
           <a:p>
             <a:fld id="{39667345-2558-425A-8533-9BFDBCE15005}" type="datetime1">
               <a:rPr lang="en-US" smtClean="0"/>
-              <a:t>9/19/2022</a:t>
+              <a:t>9/20/2022</a:t>
             </a:fld>
             <a:endParaRPr lang="en-US" dirty="0"/>
           </a:p>
@@ -2206,7 +2763,7 @@
           <a:p>
             <a:fld id="{92BEA474-078D-4E9B-9B14-09A87B19DC46}" type="datetime1">
               <a:rPr lang="en-US" smtClean="0"/>
-              <a:t>9/19/2022</a:t>
+              <a:t>9/20/2022</a:t>
             </a:fld>
             <a:endParaRPr lang="en-US" dirty="0"/>
           </a:p>
@@ -2556,7 +3113,7 @@
           <a:p>
             <a:fld id="{4907D986-8816-4272-A432-0437A28A9828}" type="datetime1">
               <a:rPr lang="en-US" smtClean="0"/>
-              <a:t>9/19/2022</a:t>
+              <a:t>9/20/2022</a:t>
             </a:fld>
             <a:endParaRPr lang="en-US" dirty="0"/>
           </a:p>
@@ -2817,7 +3374,7 @@
           <a:p>
             <a:fld id="{62D6E202-B606-4609-B914-27C9371A1F6D}" type="datetime1">
               <a:rPr lang="en-US" smtClean="0"/>
-              <a:t>9/19/2022</a:t>
+              <a:t>9/20/2022</a:t>
             </a:fld>
             <a:endParaRPr lang="en-US" dirty="0"/>
           </a:p>
@@ -3585,23 +4142,23 @@
         </p:nvSpPr>
         <p:spPr>
           <a:xfrm>
-            <a:off x="8123416" y="1475234"/>
-            <a:ext cx="3214307" cy="2901694"/>
+            <a:off x="8016375" y="1472662"/>
+            <a:ext cx="3428389" cy="2901694"/>
           </a:xfrm>
         </p:spPr>
         <p:txBody>
           <a:bodyPr anchor="b">
-            <a:normAutofit/>
+            <a:noAutofit/>
           </a:bodyPr>
           <a:lstStyle/>
           <a:p>
             <a:r>
-              <a:rPr lang="en-US" sz="4400" dirty="0">
+              <a:rPr lang="en-US" sz="3600" dirty="0">
                 <a:solidFill>
                   <a:schemeClr val="tx1"/>
                 </a:solidFill>
               </a:rPr>
-              <a:t>QLD Housing Vacancy</a:t>
+              <a:t>QLD Vacancy Days Analysis in Public Housing </a:t>
             </a:r>
           </a:p>
         </p:txBody>
@@ -3630,7 +4187,7 @@
         </p:spPr>
         <p:txBody>
           <a:bodyPr anchor="t">
-            <a:normAutofit/>
+            <a:normAutofit fontScale="77500" lnSpcReduction="20000"/>
           </a:bodyPr>
           <a:lstStyle/>
           <a:p>
@@ -3641,7 +4198,18 @@
             </a:pPr>
             <a:r>
               <a:rPr lang="en-US" sz="1600" dirty="0"/>
-              <a:t>PROJECT 1 </a:t>
+              <a:t>PROJECT 1</a:t>
+            </a:r>
+          </a:p>
+          <a:p>
+            <a:pPr>
+              <a:lnSpc>
+                <a:spcPct val="100000"/>
+              </a:lnSpc>
+            </a:pPr>
+            <a:r>
+              <a:rPr lang="en-US" sz="1600" dirty="0"/>
+              <a:t>Alistair, Kaushal, Parvez and Selina</a:t>
             </a:r>
           </a:p>
         </p:txBody>
@@ -3787,10 +4355,10 @@
       </p:grpSpPr>
       <p:sp>
         <p:nvSpPr>
-          <p:cNvPr id="4" name="Title 3">
+          <p:cNvPr id="2" name="Title 1">
             <a:extLst>
               <a:ext uri="{FF2B5EF4-FFF2-40B4-BE49-F238E27FC236}">
-                <a16:creationId xmlns:a16="http://schemas.microsoft.com/office/drawing/2014/main" id="{556DD119-F167-E12E-327D-4A3EF1AA6D40}"/>
+                <a16:creationId xmlns:a16="http://schemas.microsoft.com/office/drawing/2014/main" id="{A49307B3-3CF8-85BB-5097-74928DD1F8A8}"/>
               </a:ext>
             </a:extLst>
           </p:cNvPr>
@@ -3808,17 +4376,25 @@
           <a:p>
             <a:r>
               <a:rPr lang="en-AU" dirty="0"/>
-              <a:t>Average Vacancy Days by Bedrooms </a:t>
+              <a:t>Data </a:t>
+            </a:r>
+            <a:r>
+              <a:rPr lang="en-AU" dirty="0" err="1"/>
+              <a:t>Cleanup</a:t>
+            </a:r>
+            <a:r>
+              <a:rPr lang="en-AU" dirty="0"/>
+              <a:t> and Exploration</a:t>
             </a:r>
           </a:p>
         </p:txBody>
       </p:sp>
       <p:pic>
         <p:nvPicPr>
-          <p:cNvPr id="8" name="Content Placeholder 7">
+          <p:cNvPr id="5" name="Content Placeholder 4">
             <a:extLst>
               <a:ext uri="{FF2B5EF4-FFF2-40B4-BE49-F238E27FC236}">
-                <a16:creationId xmlns:a16="http://schemas.microsoft.com/office/drawing/2014/main" id="{9DE2ACBD-75B8-4718-1EA3-892680109ED2}"/>
+                <a16:creationId xmlns:a16="http://schemas.microsoft.com/office/drawing/2014/main" id="{F9D9E467-6ECD-3F8E-8F40-008B79C4C0D8}"/>
               </a:ext>
             </a:extLst>
           </p:cNvPr>
@@ -3826,7 +4402,7 @@
             <a:picLocks noGrp="1" noChangeAspect="1"/>
           </p:cNvPicPr>
           <p:nvPr>
-            <p:ph sz="half" idx="1"/>
+            <p:ph idx="1"/>
           </p:nvPr>
         </p:nvPicPr>
         <p:blipFill>
@@ -3837,40 +4413,50 @@
         </p:blipFill>
         <p:spPr>
           <a:xfrm>
-            <a:off x="1036320" y="2192889"/>
-            <a:ext cx="4856548" cy="3170247"/>
+            <a:off x="1097280" y="2399397"/>
+            <a:ext cx="7278116" cy="1795231"/>
           </a:xfrm>
         </p:spPr>
       </p:pic>
       <p:sp>
         <p:nvSpPr>
-          <p:cNvPr id="6" name="Content Placeholder 5">
+          <p:cNvPr id="8" name="TextBox 7">
             <a:extLst>
               <a:ext uri="{FF2B5EF4-FFF2-40B4-BE49-F238E27FC236}">
-                <a16:creationId xmlns:a16="http://schemas.microsoft.com/office/drawing/2014/main" id="{3EBFA0DC-1430-5E67-9C18-BB015A230090}"/>
+                <a16:creationId xmlns:a16="http://schemas.microsoft.com/office/drawing/2014/main" id="{34EF0D4B-D212-E284-932F-DC58FF2620C3}"/>
               </a:ext>
             </a:extLst>
           </p:cNvPr>
-          <p:cNvSpPr>
-            <a:spLocks noGrp="1"/>
-          </p:cNvSpPr>
-          <p:nvPr>
-            <p:ph sz="half" idx="2"/>
-          </p:nvPr>
-        </p:nvSpPr>
-        <p:spPr/>
-        <p:txBody>
-          <a:bodyPr/>
+          <p:cNvSpPr txBox="1"/>
+          <p:nvPr/>
+        </p:nvSpPr>
+        <p:spPr>
+          <a:xfrm>
+            <a:off x="827314" y="5254171"/>
+            <a:ext cx="5392054" cy="369332"/>
+          </a:xfrm>
+          <a:prstGeom prst="rect">
+            <a:avLst/>
+          </a:prstGeom>
+          <a:noFill/>
+        </p:spPr>
+        <p:txBody>
+          <a:bodyPr wrap="none" rtlCol="0">
+            <a:spAutoFit/>
+          </a:bodyPr>
           <a:lstStyle/>
           <a:p>
-            <a:endParaRPr lang="en-AU"/>
+            <a:r>
+              <a:rPr lang="en-AU" dirty="0"/>
+              <a:t>- Drop all zero value rows of column Total Vacant Days</a:t>
+            </a:r>
           </a:p>
         </p:txBody>
       </p:sp>
     </p:spTree>
     <p:extLst>
       <p:ext uri="{BB962C8B-B14F-4D97-AF65-F5344CB8AC3E}">
-        <p14:creationId xmlns:p14="http://schemas.microsoft.com/office/powerpoint/2010/main" val="3706224563"/>
+        <p14:creationId xmlns:p14="http://schemas.microsoft.com/office/powerpoint/2010/main" val="2706504019"/>
       </p:ext>
     </p:extLst>
   </p:cSld>
@@ -3902,7 +4488,7 @@
           <p:cNvPr id="2" name="Title 1">
             <a:extLst>
               <a:ext uri="{FF2B5EF4-FFF2-40B4-BE49-F238E27FC236}">
-                <a16:creationId xmlns:a16="http://schemas.microsoft.com/office/drawing/2014/main" id="{22E8E9D2-B507-6C21-4C88-85907E39D135}"/>
+                <a16:creationId xmlns:a16="http://schemas.microsoft.com/office/drawing/2014/main" id="{07D5E4ED-A60B-B88E-42F8-57F4CB467568}"/>
               </a:ext>
             </a:extLst>
           </p:cNvPr>
@@ -3920,24 +4506,39 @@
           <a:p>
             <a:r>
               <a:rPr lang="en-AU" dirty="0"/>
-              <a:t>Housing types and bedroom comparison </a:t>
-            </a:r>
+              <a:t>Data </a:t>
+            </a:r>
+            <a:r>
+              <a:rPr lang="en-AU" dirty="0" err="1"/>
+              <a:t>Cleanup</a:t>
+            </a:r>
+            <a:r>
+              <a:rPr lang="en-AU" dirty="0"/>
+              <a:t> and </a:t>
+            </a:r>
+            <a:r>
+              <a:rPr lang="en-AU" dirty="0" err="1"/>
+              <a:t>Exporation</a:t>
+            </a:r>
+            <a:endParaRPr lang="en-AU" dirty="0"/>
           </a:p>
         </p:txBody>
       </p:sp>
       <p:pic>
         <p:nvPicPr>
-          <p:cNvPr id="6" name="Picture 5">
+          <p:cNvPr id="5" name="Content Placeholder 4">
             <a:extLst>
               <a:ext uri="{FF2B5EF4-FFF2-40B4-BE49-F238E27FC236}">
-                <a16:creationId xmlns:a16="http://schemas.microsoft.com/office/drawing/2014/main" id="{C55F97A6-7D29-789E-569A-3E6FB42AC309}"/>
+                <a16:creationId xmlns:a16="http://schemas.microsoft.com/office/drawing/2014/main" id="{6558823A-7268-14DE-B35C-CD3A97F9C34D}"/>
               </a:ext>
             </a:extLst>
           </p:cNvPr>
           <p:cNvPicPr>
-            <a:picLocks noChangeAspect="1"/>
+            <a:picLocks noGrp="1" noChangeAspect="1"/>
           </p:cNvPicPr>
-          <p:nvPr/>
+          <p:nvPr>
+            <p:ph idx="1"/>
+          </p:nvPr>
         </p:nvPicPr>
         <p:blipFill>
           <a:blip r:embed="rId2"/>
@@ -3947,18 +4548,55 @@
         </p:blipFill>
         <p:spPr>
           <a:xfrm>
-            <a:off x="1097279" y="2086885"/>
-            <a:ext cx="8365503" cy="3946066"/>
+            <a:off x="414791" y="1991408"/>
+            <a:ext cx="10058400" cy="2875184"/>
+          </a:xfrm>
+        </p:spPr>
+      </p:pic>
+      <p:sp>
+        <p:nvSpPr>
+          <p:cNvPr id="6" name="TextBox 5">
+            <a:extLst>
+              <a:ext uri="{FF2B5EF4-FFF2-40B4-BE49-F238E27FC236}">
+                <a16:creationId xmlns:a16="http://schemas.microsoft.com/office/drawing/2014/main" id="{37039E87-4BBD-366A-6E20-805F37ED9E69}"/>
+              </a:ext>
+            </a:extLst>
+          </p:cNvPr>
+          <p:cNvSpPr txBox="1"/>
+          <p:nvPr/>
+        </p:nvSpPr>
+        <p:spPr>
+          <a:xfrm>
+            <a:off x="856343" y="5544457"/>
+            <a:ext cx="7505324" cy="369332"/>
           </a:xfrm>
           <a:prstGeom prst="rect">
             <a:avLst/>
           </a:prstGeom>
+          <a:noFill/>
         </p:spPr>
-      </p:pic>
+        <p:txBody>
+          <a:bodyPr wrap="none" rtlCol="0">
+            <a:spAutoFit/>
+          </a:bodyPr>
+          <a:lstStyle/>
+          <a:p>
+            <a:r>
+              <a:rPr lang="en-AU" dirty="0"/>
+              <a:t>- Create two new column Year and Months getting dates from the </a:t>
+            </a:r>
+            <a:r>
+              <a:rPr lang="en-AU" dirty="0" err="1"/>
+              <a:t>Dataframe</a:t>
+            </a:r>
+            <a:endParaRPr lang="en-AU" dirty="0"/>
+          </a:p>
+        </p:txBody>
+      </p:sp>
     </p:spTree>
     <p:extLst>
       <p:ext uri="{BB962C8B-B14F-4D97-AF65-F5344CB8AC3E}">
-        <p14:creationId xmlns:p14="http://schemas.microsoft.com/office/powerpoint/2010/main" val="240786751"/>
+        <p14:creationId xmlns:p14="http://schemas.microsoft.com/office/powerpoint/2010/main" val="2177771235"/>
       </p:ext>
     </p:extLst>
   </p:cSld>
@@ -3990,7 +4628,7 @@
           <p:cNvPr id="2" name="Title 1">
             <a:extLst>
               <a:ext uri="{FF2B5EF4-FFF2-40B4-BE49-F238E27FC236}">
-                <a16:creationId xmlns:a16="http://schemas.microsoft.com/office/drawing/2014/main" id="{6213F334-81B7-1BAD-3F70-D167304B2658}"/>
+                <a16:creationId xmlns:a16="http://schemas.microsoft.com/office/drawing/2014/main" id="{33E5DAB7-7C77-C5B6-B830-60671FC1633F}"/>
               </a:ext>
             </a:extLst>
           </p:cNvPr>
@@ -4008,17 +4646,25 @@
           <a:p>
             <a:r>
               <a:rPr lang="en-AU" dirty="0"/>
-              <a:t>Outliers of vacancy days against bedrooms</a:t>
+              <a:t>Data </a:t>
+            </a:r>
+            <a:r>
+              <a:rPr lang="en-AU" dirty="0" err="1"/>
+              <a:t>Cleanup</a:t>
+            </a:r>
+            <a:r>
+              <a:rPr lang="en-AU" dirty="0"/>
+              <a:t> and Exploration</a:t>
             </a:r>
           </a:p>
         </p:txBody>
       </p:sp>
       <p:pic>
         <p:nvPicPr>
-          <p:cNvPr id="6" name="Content Placeholder 5">
+          <p:cNvPr id="5" name="Content Placeholder 4">
             <a:extLst>
               <a:ext uri="{FF2B5EF4-FFF2-40B4-BE49-F238E27FC236}">
-                <a16:creationId xmlns:a16="http://schemas.microsoft.com/office/drawing/2014/main" id="{4476BB34-5C1F-92CD-DF39-2E292DD90DD1}"/>
+                <a16:creationId xmlns:a16="http://schemas.microsoft.com/office/drawing/2014/main" id="{DBAC7EAC-90AA-954C-7D7E-8DF929A2BDB4}"/>
               </a:ext>
             </a:extLst>
           </p:cNvPr>
@@ -4026,7 +4672,7 @@
             <a:picLocks noGrp="1" noChangeAspect="1"/>
           </p:cNvPicPr>
           <p:nvPr>
-            <p:ph sz="half" idx="1"/>
+            <p:ph idx="1"/>
           </p:nvPr>
         </p:nvPicPr>
         <p:blipFill>
@@ -4037,40 +4683,50 @@
         </p:blipFill>
         <p:spPr>
           <a:xfrm>
-            <a:off x="1193006" y="2120900"/>
-            <a:ext cx="4448175" cy="3382278"/>
+            <a:off x="414792" y="2038333"/>
+            <a:ext cx="10058400" cy="2781334"/>
           </a:xfrm>
         </p:spPr>
       </p:pic>
       <p:sp>
         <p:nvSpPr>
-          <p:cNvPr id="4" name="Content Placeholder 3">
+          <p:cNvPr id="6" name="TextBox 5">
             <a:extLst>
               <a:ext uri="{FF2B5EF4-FFF2-40B4-BE49-F238E27FC236}">
-                <a16:creationId xmlns:a16="http://schemas.microsoft.com/office/drawing/2014/main" id="{07B84EA5-AA0D-FBEA-FF50-60E262488F00}"/>
+                <a16:creationId xmlns:a16="http://schemas.microsoft.com/office/drawing/2014/main" id="{85FC14D3-6023-0235-F98D-A4C80682E73A}"/>
               </a:ext>
             </a:extLst>
           </p:cNvPr>
-          <p:cNvSpPr>
-            <a:spLocks noGrp="1"/>
-          </p:cNvSpPr>
-          <p:nvPr>
-            <p:ph sz="half" idx="2"/>
-          </p:nvPr>
-        </p:nvSpPr>
-        <p:spPr/>
-        <p:txBody>
-          <a:bodyPr/>
+          <p:cNvSpPr txBox="1"/>
+          <p:nvPr/>
+        </p:nvSpPr>
+        <p:spPr>
+          <a:xfrm>
+            <a:off x="899886" y="5602514"/>
+            <a:ext cx="3685432" cy="369332"/>
+          </a:xfrm>
+          <a:prstGeom prst="rect">
+            <a:avLst/>
+          </a:prstGeom>
+          <a:noFill/>
+        </p:spPr>
+        <p:txBody>
+          <a:bodyPr wrap="none" rtlCol="0">
+            <a:spAutoFit/>
+          </a:bodyPr>
           <a:lstStyle/>
           <a:p>
-            <a:endParaRPr lang="en-AU"/>
+            <a:r>
+              <a:rPr lang="en-AU" dirty="0"/>
+              <a:t>- Save all data frame in new Csv file.</a:t>
+            </a:r>
           </a:p>
         </p:txBody>
       </p:sp>
     </p:spTree>
     <p:extLst>
       <p:ext uri="{BB962C8B-B14F-4D97-AF65-F5344CB8AC3E}">
-        <p14:creationId xmlns:p14="http://schemas.microsoft.com/office/powerpoint/2010/main" val="1260351518"/>
+        <p14:creationId xmlns:p14="http://schemas.microsoft.com/office/powerpoint/2010/main" val="1889668287"/>
       </p:ext>
     </p:extLst>
   </p:cSld>
@@ -4099,6 +4755,620 @@
       </p:grpSpPr>
       <p:sp>
         <p:nvSpPr>
+          <p:cNvPr id="4" name="Title 3">
+            <a:extLst>
+              <a:ext uri="{FF2B5EF4-FFF2-40B4-BE49-F238E27FC236}">
+                <a16:creationId xmlns:a16="http://schemas.microsoft.com/office/drawing/2014/main" id="{20C05956-8EE2-7A6C-2FED-857B51FDB7B4}"/>
+              </a:ext>
+            </a:extLst>
+          </p:cNvPr>
+          <p:cNvSpPr>
+            <a:spLocks noGrp="1"/>
+          </p:cNvSpPr>
+          <p:nvPr>
+            <p:ph type="title"/>
+          </p:nvPr>
+        </p:nvSpPr>
+        <p:spPr/>
+        <p:txBody>
+          <a:bodyPr/>
+          <a:lstStyle/>
+          <a:p>
+            <a:r>
+              <a:rPr lang="en-AU" dirty="0"/>
+              <a:t>Average Vacancy Days by Year </a:t>
+            </a:r>
+          </a:p>
+        </p:txBody>
+      </p:sp>
+      <p:sp>
+        <p:nvSpPr>
+          <p:cNvPr id="5" name="Content Placeholder 4">
+            <a:extLst>
+              <a:ext uri="{FF2B5EF4-FFF2-40B4-BE49-F238E27FC236}">
+                <a16:creationId xmlns:a16="http://schemas.microsoft.com/office/drawing/2014/main" id="{BDE7EA8F-83FE-7E55-3059-04BF9A06C59A}"/>
+              </a:ext>
+            </a:extLst>
+          </p:cNvPr>
+          <p:cNvSpPr>
+            <a:spLocks noGrp="1"/>
+          </p:cNvSpPr>
+          <p:nvPr>
+            <p:ph sz="half" idx="1"/>
+          </p:nvPr>
+        </p:nvSpPr>
+        <p:spPr>
+          <a:xfrm>
+            <a:off x="6126480" y="2214693"/>
+            <a:ext cx="4639736" cy="3748193"/>
+          </a:xfrm>
+        </p:spPr>
+        <p:txBody>
+          <a:bodyPr/>
+          <a:lstStyle/>
+          <a:p>
+            <a:r>
+              <a:rPr lang="en-AU" dirty="0"/>
+              <a:t>-The Days on market called as DOM as well.</a:t>
+            </a:r>
+          </a:p>
+          <a:p>
+            <a:r>
+              <a:rPr lang="en-AU" dirty="0"/>
+              <a:t>- In this Slide we would like to explain that how the average vacancy  days increase and decrease by year. </a:t>
+            </a:r>
+          </a:p>
+          <a:p>
+            <a:r>
+              <a:rPr lang="en-AU" dirty="0"/>
+              <a:t>- As we can see beginning of the 2020 vacancy rate dropping down around 45days and it still going down in 2021 which is approx. 30days.</a:t>
+            </a:r>
+          </a:p>
+          <a:p>
+            <a:endParaRPr lang="en-AU" dirty="0"/>
+          </a:p>
+        </p:txBody>
+      </p:sp>
+      <p:pic>
+        <p:nvPicPr>
+          <p:cNvPr id="10" name="Content Placeholder 9">
+            <a:extLst>
+              <a:ext uri="{FF2B5EF4-FFF2-40B4-BE49-F238E27FC236}">
+                <a16:creationId xmlns:a16="http://schemas.microsoft.com/office/drawing/2014/main" id="{3E32A1E4-7626-7D58-923F-D27A7399E690}"/>
+              </a:ext>
+            </a:extLst>
+          </p:cNvPr>
+          <p:cNvPicPr>
+            <a:picLocks noGrp="1" noChangeAspect="1"/>
+          </p:cNvPicPr>
+          <p:nvPr>
+            <p:ph sz="half" idx="2"/>
+          </p:nvPr>
+        </p:nvPicPr>
+        <p:blipFill>
+          <a:blip r:embed="rId2"/>
+          <a:stretch>
+            <a:fillRect/>
+          </a:stretch>
+        </p:blipFill>
+        <p:spPr>
+          <a:xfrm>
+            <a:off x="1097280" y="2214693"/>
+            <a:ext cx="4733917" cy="3233733"/>
+          </a:xfrm>
+        </p:spPr>
+      </p:pic>
+    </p:spTree>
+    <p:extLst>
+      <p:ext uri="{BB962C8B-B14F-4D97-AF65-F5344CB8AC3E}">
+        <p14:creationId xmlns:p14="http://schemas.microsoft.com/office/powerpoint/2010/main" val="1001600222"/>
+      </p:ext>
+    </p:extLst>
+  </p:cSld>
+  <p:clrMapOvr>
+    <a:masterClrMapping/>
+  </p:clrMapOvr>
+</p:sld>
+</file>
+
+<file path=ppt/slides/slide14.xml><?xml version="1.0" encoding="utf-8"?>
+<p:sld xmlns:a="http://schemas.openxmlformats.org/drawingml/2006/main" xmlns:r="http://schemas.openxmlformats.org/officeDocument/2006/relationships" xmlns:p="http://schemas.openxmlformats.org/presentationml/2006/main">
+  <p:cSld>
+    <p:spTree>
+      <p:nvGrpSpPr>
+        <p:cNvPr id="1" name=""/>
+        <p:cNvGrpSpPr/>
+        <p:nvPr/>
+      </p:nvGrpSpPr>
+      <p:grpSpPr>
+        <a:xfrm>
+          <a:off x="0" y="0"/>
+          <a:ext cx="0" cy="0"/>
+          <a:chOff x="0" y="0"/>
+          <a:chExt cx="0" cy="0"/>
+        </a:xfrm>
+      </p:grpSpPr>
+      <p:sp>
+        <p:nvSpPr>
+          <p:cNvPr id="4" name="Title 3">
+            <a:extLst>
+              <a:ext uri="{FF2B5EF4-FFF2-40B4-BE49-F238E27FC236}">
+                <a16:creationId xmlns:a16="http://schemas.microsoft.com/office/drawing/2014/main" id="{955E3AC9-AA37-8A8D-E2E0-325745B7589C}"/>
+              </a:ext>
+            </a:extLst>
+          </p:cNvPr>
+          <p:cNvSpPr>
+            <a:spLocks noGrp="1"/>
+          </p:cNvSpPr>
+          <p:nvPr>
+            <p:ph type="title"/>
+          </p:nvPr>
+        </p:nvSpPr>
+        <p:spPr/>
+        <p:txBody>
+          <a:bodyPr/>
+          <a:lstStyle/>
+          <a:p>
+            <a:r>
+              <a:rPr lang="en-AU" dirty="0"/>
+              <a:t>Untenable and Tenable Vacancy Days by Year </a:t>
+            </a:r>
+          </a:p>
+        </p:txBody>
+      </p:sp>
+      <p:sp>
+        <p:nvSpPr>
+          <p:cNvPr id="5" name="Content Placeholder 4">
+            <a:extLst>
+              <a:ext uri="{FF2B5EF4-FFF2-40B4-BE49-F238E27FC236}">
+                <a16:creationId xmlns:a16="http://schemas.microsoft.com/office/drawing/2014/main" id="{BAFBAFEF-860A-B60F-F016-5910531A5F97}"/>
+              </a:ext>
+            </a:extLst>
+          </p:cNvPr>
+          <p:cNvSpPr>
+            <a:spLocks noGrp="1"/>
+          </p:cNvSpPr>
+          <p:nvPr>
+            <p:ph sz="half" idx="1"/>
+          </p:nvPr>
+        </p:nvSpPr>
+        <p:spPr>
+          <a:xfrm>
+            <a:off x="6515944" y="2350803"/>
+            <a:ext cx="4639736" cy="3748193"/>
+          </a:xfrm>
+        </p:spPr>
+        <p:txBody>
+          <a:bodyPr>
+            <a:normAutofit lnSpcReduction="10000"/>
+          </a:bodyPr>
+          <a:lstStyle/>
+          <a:p>
+            <a:r>
+              <a:rPr lang="en-AU" dirty="0"/>
+              <a:t>- In this graph as we are trying to compare the tenable and untenable house vacancy days by year.</a:t>
+            </a:r>
+          </a:p>
+          <a:p>
+            <a:r>
+              <a:rPr lang="en-AU" dirty="0"/>
+              <a:t>-As we can see in 2017 graph shows a tenable vacancy rate is increasing </a:t>
+            </a:r>
+            <a:r>
+              <a:rPr lang="en-AU" dirty="0" err="1"/>
+              <a:t>upto</a:t>
+            </a:r>
+            <a:r>
+              <a:rPr lang="en-AU" dirty="0"/>
+              <a:t> the end of the 2019  which going </a:t>
+            </a:r>
+            <a:r>
+              <a:rPr lang="en-AU" dirty="0" err="1"/>
+              <a:t>upto</a:t>
+            </a:r>
+            <a:r>
+              <a:rPr lang="en-AU" dirty="0"/>
+              <a:t> the 33 days and suddenly it going down in 2020 and 2021. In the other side untenable is gradually increasing and decreasing during all  this year but doesn’t have drastic change as like tenable.</a:t>
+            </a:r>
+          </a:p>
+          <a:p>
+            <a:endParaRPr lang="en-AU" dirty="0"/>
+          </a:p>
+        </p:txBody>
+      </p:sp>
+      <p:pic>
+        <p:nvPicPr>
+          <p:cNvPr id="8" name="Content Placeholder 7">
+            <a:extLst>
+              <a:ext uri="{FF2B5EF4-FFF2-40B4-BE49-F238E27FC236}">
+                <a16:creationId xmlns:a16="http://schemas.microsoft.com/office/drawing/2014/main" id="{74EAC48B-A132-C38D-5638-821BE32187E4}"/>
+              </a:ext>
+            </a:extLst>
+          </p:cNvPr>
+          <p:cNvPicPr>
+            <a:picLocks noGrp="1" noChangeAspect="1"/>
+          </p:cNvPicPr>
+          <p:nvPr>
+            <p:ph sz="half" idx="2"/>
+          </p:nvPr>
+        </p:nvPicPr>
+        <p:blipFill>
+          <a:blip r:embed="rId2"/>
+          <a:stretch>
+            <a:fillRect/>
+          </a:stretch>
+        </p:blipFill>
+        <p:spPr>
+          <a:xfrm>
+            <a:off x="889233" y="2350803"/>
+            <a:ext cx="5025006" cy="3477900"/>
+          </a:xfrm>
+        </p:spPr>
+      </p:pic>
+    </p:spTree>
+    <p:extLst>
+      <p:ext uri="{BB962C8B-B14F-4D97-AF65-F5344CB8AC3E}">
+        <p14:creationId xmlns:p14="http://schemas.microsoft.com/office/powerpoint/2010/main" val="2733872368"/>
+      </p:ext>
+    </p:extLst>
+  </p:cSld>
+  <p:clrMapOvr>
+    <a:masterClrMapping/>
+  </p:clrMapOvr>
+</p:sld>
+</file>
+
+<file path=ppt/slides/slide15.xml><?xml version="1.0" encoding="utf-8"?>
+<p:sld xmlns:a="http://schemas.openxmlformats.org/drawingml/2006/main" xmlns:r="http://schemas.openxmlformats.org/officeDocument/2006/relationships" xmlns:p="http://schemas.openxmlformats.org/presentationml/2006/main">
+  <p:cSld>
+    <p:spTree>
+      <p:nvGrpSpPr>
+        <p:cNvPr id="1" name=""/>
+        <p:cNvGrpSpPr/>
+        <p:nvPr/>
+      </p:nvGrpSpPr>
+      <p:grpSpPr>
+        <a:xfrm>
+          <a:off x="0" y="0"/>
+          <a:ext cx="0" cy="0"/>
+          <a:chOff x="0" y="0"/>
+          <a:chExt cx="0" cy="0"/>
+        </a:xfrm>
+      </p:grpSpPr>
+      <p:sp>
+        <p:nvSpPr>
+          <p:cNvPr id="4" name="Title 3">
+            <a:extLst>
+              <a:ext uri="{FF2B5EF4-FFF2-40B4-BE49-F238E27FC236}">
+                <a16:creationId xmlns:a16="http://schemas.microsoft.com/office/drawing/2014/main" id="{556DD119-F167-E12E-327D-4A3EF1AA6D40}"/>
+              </a:ext>
+            </a:extLst>
+          </p:cNvPr>
+          <p:cNvSpPr>
+            <a:spLocks noGrp="1"/>
+          </p:cNvSpPr>
+          <p:nvPr>
+            <p:ph type="title"/>
+          </p:nvPr>
+        </p:nvSpPr>
+        <p:spPr/>
+        <p:txBody>
+          <a:bodyPr/>
+          <a:lstStyle/>
+          <a:p>
+            <a:r>
+              <a:rPr lang="en-AU" dirty="0"/>
+              <a:t>Average Vacancy Days by Bedrooms </a:t>
+            </a:r>
+          </a:p>
+        </p:txBody>
+      </p:sp>
+      <p:pic>
+        <p:nvPicPr>
+          <p:cNvPr id="8" name="Content Placeholder 7">
+            <a:extLst>
+              <a:ext uri="{FF2B5EF4-FFF2-40B4-BE49-F238E27FC236}">
+                <a16:creationId xmlns:a16="http://schemas.microsoft.com/office/drawing/2014/main" id="{9DE2ACBD-75B8-4718-1EA3-892680109ED2}"/>
+              </a:ext>
+            </a:extLst>
+          </p:cNvPr>
+          <p:cNvPicPr>
+            <a:picLocks noGrp="1" noChangeAspect="1"/>
+          </p:cNvPicPr>
+          <p:nvPr>
+            <p:ph sz="half" idx="1"/>
+          </p:nvPr>
+        </p:nvPicPr>
+        <p:blipFill>
+          <a:blip r:embed="rId2"/>
+          <a:stretch>
+            <a:fillRect/>
+          </a:stretch>
+        </p:blipFill>
+        <p:spPr>
+          <a:xfrm>
+            <a:off x="1036320" y="2192889"/>
+            <a:ext cx="4856548" cy="3170247"/>
+          </a:xfrm>
+        </p:spPr>
+      </p:pic>
+      <p:sp>
+        <p:nvSpPr>
+          <p:cNvPr id="6" name="Content Placeholder 5">
+            <a:extLst>
+              <a:ext uri="{FF2B5EF4-FFF2-40B4-BE49-F238E27FC236}">
+                <a16:creationId xmlns:a16="http://schemas.microsoft.com/office/drawing/2014/main" id="{3EBFA0DC-1430-5E67-9C18-BB015A230090}"/>
+              </a:ext>
+            </a:extLst>
+          </p:cNvPr>
+          <p:cNvSpPr>
+            <a:spLocks noGrp="1"/>
+          </p:cNvSpPr>
+          <p:nvPr>
+            <p:ph sz="half" idx="2"/>
+          </p:nvPr>
+        </p:nvSpPr>
+        <p:spPr>
+          <a:xfrm>
+            <a:off x="6515944" y="2120901"/>
+            <a:ext cx="4639736" cy="2552700"/>
+          </a:xfrm>
+        </p:spPr>
+        <p:txBody>
+          <a:bodyPr/>
+          <a:lstStyle/>
+          <a:p>
+            <a:endParaRPr lang="en-AU" dirty="0"/>
+          </a:p>
+          <a:p>
+            <a:r>
+              <a:rPr lang="en-AU" dirty="0"/>
+              <a:t>- In this slide we are trying to explain the average vacancy days by bedroom and we found that bigger house or 5 bedroom house had more vacancy days than others.</a:t>
+            </a:r>
+          </a:p>
+          <a:p>
+            <a:endParaRPr lang="en-AU" dirty="0"/>
+          </a:p>
+          <a:p>
+            <a:endParaRPr lang="en-AU" dirty="0"/>
+          </a:p>
+          <a:p>
+            <a:endParaRPr lang="en-AU" dirty="0"/>
+          </a:p>
+        </p:txBody>
+      </p:sp>
+    </p:spTree>
+    <p:extLst>
+      <p:ext uri="{BB962C8B-B14F-4D97-AF65-F5344CB8AC3E}">
+        <p14:creationId xmlns:p14="http://schemas.microsoft.com/office/powerpoint/2010/main" val="3706224563"/>
+      </p:ext>
+    </p:extLst>
+  </p:cSld>
+  <p:clrMapOvr>
+    <a:masterClrMapping/>
+  </p:clrMapOvr>
+</p:sld>
+</file>
+
+<file path=ppt/slides/slide16.xml><?xml version="1.0" encoding="utf-8"?>
+<p:sld xmlns:a="http://schemas.openxmlformats.org/drawingml/2006/main" xmlns:r="http://schemas.openxmlformats.org/officeDocument/2006/relationships" xmlns:p="http://schemas.openxmlformats.org/presentationml/2006/main">
+  <p:cSld>
+    <p:spTree>
+      <p:nvGrpSpPr>
+        <p:cNvPr id="1" name=""/>
+        <p:cNvGrpSpPr/>
+        <p:nvPr/>
+      </p:nvGrpSpPr>
+      <p:grpSpPr>
+        <a:xfrm>
+          <a:off x="0" y="0"/>
+          <a:ext cx="0" cy="0"/>
+          <a:chOff x="0" y="0"/>
+          <a:chExt cx="0" cy="0"/>
+        </a:xfrm>
+      </p:grpSpPr>
+      <p:sp>
+        <p:nvSpPr>
+          <p:cNvPr id="2" name="Title 1">
+            <a:extLst>
+              <a:ext uri="{FF2B5EF4-FFF2-40B4-BE49-F238E27FC236}">
+                <a16:creationId xmlns:a16="http://schemas.microsoft.com/office/drawing/2014/main" id="{22E8E9D2-B507-6C21-4C88-85907E39D135}"/>
+              </a:ext>
+            </a:extLst>
+          </p:cNvPr>
+          <p:cNvSpPr>
+            <a:spLocks noGrp="1"/>
+          </p:cNvSpPr>
+          <p:nvPr>
+            <p:ph type="title"/>
+          </p:nvPr>
+        </p:nvSpPr>
+        <p:spPr/>
+        <p:txBody>
+          <a:bodyPr/>
+          <a:lstStyle/>
+          <a:p>
+            <a:r>
+              <a:rPr lang="en-AU" dirty="0"/>
+              <a:t>Housing types and bedroom comparison </a:t>
+            </a:r>
+          </a:p>
+        </p:txBody>
+      </p:sp>
+      <p:pic>
+        <p:nvPicPr>
+          <p:cNvPr id="4" name="Picture 3">
+            <a:extLst>
+              <a:ext uri="{FF2B5EF4-FFF2-40B4-BE49-F238E27FC236}">
+                <a16:creationId xmlns:a16="http://schemas.microsoft.com/office/drawing/2014/main" id="{5A8DD530-05D1-17A1-E3C5-7A75DB2AF539}"/>
+              </a:ext>
+            </a:extLst>
+          </p:cNvPr>
+          <p:cNvPicPr>
+            <a:picLocks noChangeAspect="1"/>
+          </p:cNvPicPr>
+          <p:nvPr/>
+        </p:nvPicPr>
+        <p:blipFill>
+          <a:blip r:embed="rId2"/>
+          <a:stretch>
+            <a:fillRect/>
+          </a:stretch>
+        </p:blipFill>
+        <p:spPr>
+          <a:xfrm>
+            <a:off x="1675089" y="2035028"/>
+            <a:ext cx="8114863" cy="4057432"/>
+          </a:xfrm>
+          <a:prstGeom prst="rect">
+            <a:avLst/>
+          </a:prstGeom>
+        </p:spPr>
+      </p:pic>
+    </p:spTree>
+    <p:extLst>
+      <p:ext uri="{BB962C8B-B14F-4D97-AF65-F5344CB8AC3E}">
+        <p14:creationId xmlns:p14="http://schemas.microsoft.com/office/powerpoint/2010/main" val="240786751"/>
+      </p:ext>
+    </p:extLst>
+  </p:cSld>
+  <p:clrMapOvr>
+    <a:masterClrMapping/>
+  </p:clrMapOvr>
+</p:sld>
+</file>
+
+<file path=ppt/slides/slide17.xml><?xml version="1.0" encoding="utf-8"?>
+<p:sld xmlns:a="http://schemas.openxmlformats.org/drawingml/2006/main" xmlns:r="http://schemas.openxmlformats.org/officeDocument/2006/relationships" xmlns:p="http://schemas.openxmlformats.org/presentationml/2006/main">
+  <p:cSld>
+    <p:spTree>
+      <p:nvGrpSpPr>
+        <p:cNvPr id="1" name=""/>
+        <p:cNvGrpSpPr/>
+        <p:nvPr/>
+      </p:nvGrpSpPr>
+      <p:grpSpPr>
+        <a:xfrm>
+          <a:off x="0" y="0"/>
+          <a:ext cx="0" cy="0"/>
+          <a:chOff x="0" y="0"/>
+          <a:chExt cx="0" cy="0"/>
+        </a:xfrm>
+      </p:grpSpPr>
+      <p:sp>
+        <p:nvSpPr>
+          <p:cNvPr id="2" name="Title 1">
+            <a:extLst>
+              <a:ext uri="{FF2B5EF4-FFF2-40B4-BE49-F238E27FC236}">
+                <a16:creationId xmlns:a16="http://schemas.microsoft.com/office/drawing/2014/main" id="{6213F334-81B7-1BAD-3F70-D167304B2658}"/>
+              </a:ext>
+            </a:extLst>
+          </p:cNvPr>
+          <p:cNvSpPr>
+            <a:spLocks noGrp="1"/>
+          </p:cNvSpPr>
+          <p:nvPr>
+            <p:ph type="title"/>
+          </p:nvPr>
+        </p:nvSpPr>
+        <p:spPr/>
+        <p:txBody>
+          <a:bodyPr/>
+          <a:lstStyle/>
+          <a:p>
+            <a:r>
+              <a:rPr lang="en-AU" dirty="0"/>
+              <a:t>Outliers of vacancy days against bedrooms</a:t>
+            </a:r>
+          </a:p>
+        </p:txBody>
+      </p:sp>
+      <p:pic>
+        <p:nvPicPr>
+          <p:cNvPr id="6" name="Content Placeholder 5">
+            <a:extLst>
+              <a:ext uri="{FF2B5EF4-FFF2-40B4-BE49-F238E27FC236}">
+                <a16:creationId xmlns:a16="http://schemas.microsoft.com/office/drawing/2014/main" id="{4476BB34-5C1F-92CD-DF39-2E292DD90DD1}"/>
+              </a:ext>
+            </a:extLst>
+          </p:cNvPr>
+          <p:cNvPicPr>
+            <a:picLocks noGrp="1" noChangeAspect="1"/>
+          </p:cNvPicPr>
+          <p:nvPr>
+            <p:ph sz="half" idx="1"/>
+          </p:nvPr>
+        </p:nvPicPr>
+        <p:blipFill>
+          <a:blip r:embed="rId2"/>
+          <a:stretch>
+            <a:fillRect/>
+          </a:stretch>
+        </p:blipFill>
+        <p:spPr>
+          <a:xfrm>
+            <a:off x="1193006" y="2120900"/>
+            <a:ext cx="4448175" cy="3382278"/>
+          </a:xfrm>
+        </p:spPr>
+      </p:pic>
+      <p:sp>
+        <p:nvSpPr>
+          <p:cNvPr id="4" name="Content Placeholder 3">
+            <a:extLst>
+              <a:ext uri="{FF2B5EF4-FFF2-40B4-BE49-F238E27FC236}">
+                <a16:creationId xmlns:a16="http://schemas.microsoft.com/office/drawing/2014/main" id="{07B84EA5-AA0D-FBEA-FF50-60E262488F00}"/>
+              </a:ext>
+            </a:extLst>
+          </p:cNvPr>
+          <p:cNvSpPr>
+            <a:spLocks noGrp="1"/>
+          </p:cNvSpPr>
+          <p:nvPr>
+            <p:ph sz="half" idx="2"/>
+          </p:nvPr>
+        </p:nvSpPr>
+        <p:spPr/>
+        <p:txBody>
+          <a:bodyPr/>
+          <a:lstStyle/>
+          <a:p>
+            <a:endParaRPr lang="en-AU" dirty="0"/>
+          </a:p>
+        </p:txBody>
+      </p:sp>
+    </p:spTree>
+    <p:extLst>
+      <p:ext uri="{BB962C8B-B14F-4D97-AF65-F5344CB8AC3E}">
+        <p14:creationId xmlns:p14="http://schemas.microsoft.com/office/powerpoint/2010/main" val="1260351518"/>
+      </p:ext>
+    </p:extLst>
+  </p:cSld>
+  <p:clrMapOvr>
+    <a:masterClrMapping/>
+  </p:clrMapOvr>
+</p:sld>
+</file>
+
+<file path=ppt/slides/slide18.xml><?xml version="1.0" encoding="utf-8"?>
+<p:sld xmlns:a="http://schemas.openxmlformats.org/drawingml/2006/main" xmlns:r="http://schemas.openxmlformats.org/officeDocument/2006/relationships" xmlns:p="http://schemas.openxmlformats.org/presentationml/2006/main">
+  <p:cSld>
+    <p:spTree>
+      <p:nvGrpSpPr>
+        <p:cNvPr id="1" name=""/>
+        <p:cNvGrpSpPr/>
+        <p:nvPr/>
+      </p:nvGrpSpPr>
+      <p:grpSpPr>
+        <a:xfrm>
+          <a:off x="0" y="0"/>
+          <a:ext cx="0" cy="0"/>
+          <a:chOff x="0" y="0"/>
+          <a:chExt cx="0" cy="0"/>
+        </a:xfrm>
+      </p:grpSpPr>
+      <p:sp>
+        <p:nvSpPr>
           <p:cNvPr id="2" name="Title 1">
             <a:extLst>
               <a:ext uri="{FF2B5EF4-FFF2-40B4-BE49-F238E27FC236}">
@@ -4175,7 +5445,10 @@
           <a:bodyPr/>
           <a:lstStyle/>
           <a:p>
-            <a:endParaRPr lang="en-AU"/>
+            <a:r>
+              <a:rPr lang="en-AU" dirty="0"/>
+              <a:t>- Removing 3 outliers ( 7412, 326, 287)</a:t>
+            </a:r>
           </a:p>
         </p:txBody>
       </p:sp>
@@ -4192,7 +5465,537 @@
 </p:sld>
 </file>
 
-<file path=ppt/slides/slide14.xml><?xml version="1.0" encoding="utf-8"?>
+<file path=ppt/slides/slide19.xml><?xml version="1.0" encoding="utf-8"?>
+<p:sld xmlns:a="http://schemas.openxmlformats.org/drawingml/2006/main" xmlns:r="http://schemas.openxmlformats.org/officeDocument/2006/relationships" xmlns:p="http://schemas.openxmlformats.org/presentationml/2006/main">
+  <p:cSld>
+    <p:spTree>
+      <p:nvGrpSpPr>
+        <p:cNvPr id="1" name=""/>
+        <p:cNvGrpSpPr/>
+        <p:nvPr/>
+      </p:nvGrpSpPr>
+      <p:grpSpPr>
+        <a:xfrm>
+          <a:off x="0" y="0"/>
+          <a:ext cx="0" cy="0"/>
+          <a:chOff x="0" y="0"/>
+          <a:chExt cx="0" cy="0"/>
+        </a:xfrm>
+      </p:grpSpPr>
+      <p:sp>
+        <p:nvSpPr>
+          <p:cNvPr id="2" name="Title 1">
+            <a:extLst>
+              <a:ext uri="{FF2B5EF4-FFF2-40B4-BE49-F238E27FC236}">
+                <a16:creationId xmlns:a16="http://schemas.microsoft.com/office/drawing/2014/main" id="{8DF49682-8AD5-10FB-3619-CA604CBFD3A2}"/>
+              </a:ext>
+            </a:extLst>
+          </p:cNvPr>
+          <p:cNvSpPr>
+            <a:spLocks noGrp="1"/>
+          </p:cNvSpPr>
+          <p:nvPr>
+            <p:ph type="title"/>
+          </p:nvPr>
+        </p:nvSpPr>
+        <p:spPr/>
+        <p:txBody>
+          <a:bodyPr/>
+          <a:lstStyle/>
+          <a:p>
+            <a:r>
+              <a:rPr lang="en-AU" dirty="0"/>
+              <a:t>Size of Dwelling </a:t>
+            </a:r>
+          </a:p>
+        </p:txBody>
+      </p:sp>
+      <p:sp>
+        <p:nvSpPr>
+          <p:cNvPr id="3" name="Content Placeholder 2">
+            <a:extLst>
+              <a:ext uri="{FF2B5EF4-FFF2-40B4-BE49-F238E27FC236}">
+                <a16:creationId xmlns:a16="http://schemas.microsoft.com/office/drawing/2014/main" id="{8E6312B2-B9CD-7799-DC12-D6D5366B2857}"/>
+              </a:ext>
+            </a:extLst>
+          </p:cNvPr>
+          <p:cNvSpPr>
+            <a:spLocks noGrp="1"/>
+          </p:cNvSpPr>
+          <p:nvPr>
+            <p:ph sz="half" idx="1"/>
+          </p:nvPr>
+        </p:nvSpPr>
+        <p:spPr/>
+        <p:txBody>
+          <a:bodyPr/>
+          <a:lstStyle/>
+          <a:p>
+            <a:endParaRPr lang="en-AU"/>
+          </a:p>
+        </p:txBody>
+      </p:sp>
+      <p:sp>
+        <p:nvSpPr>
+          <p:cNvPr id="4" name="Content Placeholder 3">
+            <a:extLst>
+              <a:ext uri="{FF2B5EF4-FFF2-40B4-BE49-F238E27FC236}">
+                <a16:creationId xmlns:a16="http://schemas.microsoft.com/office/drawing/2014/main" id="{672F4D51-A31E-5312-7649-EB54F0B411B4}"/>
+              </a:ext>
+            </a:extLst>
+          </p:cNvPr>
+          <p:cNvSpPr>
+            <a:spLocks noGrp="1"/>
+          </p:cNvSpPr>
+          <p:nvPr>
+            <p:ph sz="half" idx="2"/>
+          </p:nvPr>
+        </p:nvSpPr>
+        <p:spPr/>
+        <p:txBody>
+          <a:bodyPr/>
+          <a:lstStyle/>
+          <a:p>
+            <a:endParaRPr lang="en-AU"/>
+          </a:p>
+        </p:txBody>
+      </p:sp>
+    </p:spTree>
+    <p:extLst>
+      <p:ext uri="{BB962C8B-B14F-4D97-AF65-F5344CB8AC3E}">
+        <p14:creationId xmlns:p14="http://schemas.microsoft.com/office/powerpoint/2010/main" val="3044815388"/>
+      </p:ext>
+    </p:extLst>
+  </p:cSld>
+  <p:clrMapOvr>
+    <a:masterClrMapping/>
+  </p:clrMapOvr>
+</p:sld>
+</file>
+
+<file path=ppt/slides/slide2.xml><?xml version="1.0" encoding="utf-8"?>
+<p:sld xmlns:a="http://schemas.openxmlformats.org/drawingml/2006/main" xmlns:r="http://schemas.openxmlformats.org/officeDocument/2006/relationships" xmlns:p="http://schemas.openxmlformats.org/presentationml/2006/main">
+  <p:cSld>
+    <p:spTree>
+      <p:nvGrpSpPr>
+        <p:cNvPr id="1" name=""/>
+        <p:cNvGrpSpPr/>
+        <p:nvPr/>
+      </p:nvGrpSpPr>
+      <p:grpSpPr>
+        <a:xfrm>
+          <a:off x="0" y="0"/>
+          <a:ext cx="0" cy="0"/>
+          <a:chOff x="0" y="0"/>
+          <a:chExt cx="0" cy="0"/>
+        </a:xfrm>
+      </p:grpSpPr>
+      <p:sp>
+        <p:nvSpPr>
+          <p:cNvPr id="2" name="Title 1">
+            <a:extLst>
+              <a:ext uri="{FF2B5EF4-FFF2-40B4-BE49-F238E27FC236}">
+                <a16:creationId xmlns:a16="http://schemas.microsoft.com/office/drawing/2014/main" id="{F8F9E284-6642-B87F-627B-C7159F981050}"/>
+              </a:ext>
+            </a:extLst>
+          </p:cNvPr>
+          <p:cNvSpPr>
+            <a:spLocks noGrp="1"/>
+          </p:cNvSpPr>
+          <p:nvPr>
+            <p:ph type="title"/>
+          </p:nvPr>
+        </p:nvSpPr>
+        <p:spPr/>
+        <p:txBody>
+          <a:bodyPr/>
+          <a:lstStyle/>
+          <a:p>
+            <a:r>
+              <a:rPr lang="en-AU" dirty="0"/>
+              <a:t>	Definition </a:t>
+            </a:r>
+          </a:p>
+        </p:txBody>
+      </p:sp>
+      <p:sp>
+        <p:nvSpPr>
+          <p:cNvPr id="3" name="Content Placeholder 2">
+            <a:extLst>
+              <a:ext uri="{FF2B5EF4-FFF2-40B4-BE49-F238E27FC236}">
+                <a16:creationId xmlns:a16="http://schemas.microsoft.com/office/drawing/2014/main" id="{B22E6F46-0BB9-4407-6908-C3D151836A85}"/>
+              </a:ext>
+            </a:extLst>
+          </p:cNvPr>
+          <p:cNvSpPr>
+            <a:spLocks noGrp="1"/>
+          </p:cNvSpPr>
+          <p:nvPr>
+            <p:ph idx="1"/>
+          </p:nvPr>
+        </p:nvSpPr>
+        <p:spPr/>
+        <p:txBody>
+          <a:bodyPr>
+            <a:normAutofit fontScale="92500" lnSpcReduction="20000"/>
+          </a:bodyPr>
+          <a:lstStyle/>
+          <a:p>
+            <a:pPr>
+              <a:lnSpc>
+                <a:spcPct val="117000"/>
+              </a:lnSpc>
+              <a:spcAft>
+                <a:spcPts val="600"/>
+              </a:spcAft>
+            </a:pPr>
+            <a:r>
+              <a:rPr lang="en-AU" dirty="0">
+                <a:solidFill>
+                  <a:srgbClr val="1D1C1D"/>
+                </a:solidFill>
+                <a:latin typeface="Arial" panose="020B0604020202020204" pitchFamily="34" charset="0"/>
+                <a:cs typeface="Times New Roman" panose="02020603050405020304" pitchFamily="18" charset="0"/>
+              </a:rPr>
+              <a:t>Vacancy Days – </a:t>
+            </a:r>
+            <a:r>
+              <a:rPr lang="en-GB" dirty="0">
+                <a:solidFill>
+                  <a:srgbClr val="1D1C1D"/>
+                </a:solidFill>
+                <a:latin typeface="Arial" panose="020B0604020202020204" pitchFamily="34" charset="0"/>
+                <a:cs typeface="Times New Roman" panose="02020603050405020304" pitchFamily="18" charset="0"/>
+              </a:rPr>
+              <a:t>the number of days between the date such existing tenant vacates</a:t>
+            </a:r>
+            <a:endParaRPr lang="en-AU" dirty="0">
+              <a:solidFill>
+                <a:srgbClr val="1D1C1D"/>
+              </a:solidFill>
+              <a:latin typeface="Arial" panose="020B0604020202020204" pitchFamily="34" charset="0"/>
+              <a:cs typeface="Times New Roman" panose="02020603050405020304" pitchFamily="18" charset="0"/>
+            </a:endParaRPr>
+          </a:p>
+          <a:p>
+            <a:pPr>
+              <a:lnSpc>
+                <a:spcPct val="117000"/>
+              </a:lnSpc>
+              <a:spcAft>
+                <a:spcPts val="600"/>
+              </a:spcAft>
+            </a:pPr>
+            <a:r>
+              <a:rPr lang="en-GB" dirty="0">
+                <a:solidFill>
+                  <a:srgbClr val="1D1C1D"/>
+                </a:solidFill>
+                <a:latin typeface="Arial" panose="020B0604020202020204" pitchFamily="34" charset="0"/>
+                <a:cs typeface="Times New Roman" panose="02020603050405020304" pitchFamily="18" charset="0"/>
+              </a:rPr>
+              <a:t>Tenantable -  (of a building) fit for occupation by a tenant.</a:t>
+            </a:r>
+          </a:p>
+          <a:p>
+            <a:pPr>
+              <a:lnSpc>
+                <a:spcPct val="117000"/>
+              </a:lnSpc>
+              <a:spcAft>
+                <a:spcPts val="600"/>
+              </a:spcAft>
+            </a:pPr>
+            <a:r>
+              <a:rPr lang="en-GB" dirty="0">
+                <a:solidFill>
+                  <a:srgbClr val="1D1C1D"/>
+                </a:solidFill>
+                <a:latin typeface="Arial" panose="020B0604020202020204" pitchFamily="34" charset="0"/>
+                <a:cs typeface="Times New Roman" panose="02020603050405020304" pitchFamily="18" charset="0"/>
+              </a:rPr>
+              <a:t>Untenantable - incapable of being occupied or lived in</a:t>
+            </a:r>
+          </a:p>
+          <a:p>
+            <a:pPr>
+              <a:lnSpc>
+                <a:spcPct val="117000"/>
+              </a:lnSpc>
+              <a:spcAft>
+                <a:spcPts val="600"/>
+              </a:spcAft>
+            </a:pPr>
+            <a:r>
+              <a:rPr lang="en-AU" dirty="0" err="1">
+                <a:solidFill>
+                  <a:srgbClr val="1D1C1D"/>
+                </a:solidFill>
+                <a:latin typeface="Arial" panose="020B0604020202020204" pitchFamily="34" charset="0"/>
+                <a:cs typeface="Times New Roman" panose="02020603050405020304" pitchFamily="18" charset="0"/>
+              </a:rPr>
+              <a:t>VUDays</a:t>
+            </a:r>
+            <a:r>
+              <a:rPr lang="en-AU" dirty="0">
+                <a:solidFill>
+                  <a:srgbClr val="1D1C1D"/>
+                </a:solidFill>
+                <a:latin typeface="Arial" panose="020B0604020202020204" pitchFamily="34" charset="0"/>
+                <a:cs typeface="Times New Roman" panose="02020603050405020304" pitchFamily="18" charset="0"/>
+              </a:rPr>
+              <a:t> - </a:t>
+            </a:r>
+            <a:r>
+              <a:rPr lang="en-GB" dirty="0">
+                <a:solidFill>
+                  <a:srgbClr val="1D1C1D"/>
+                </a:solidFill>
+                <a:latin typeface="Arial" panose="020B0604020202020204" pitchFamily="34" charset="0"/>
+                <a:cs typeface="Times New Roman" panose="02020603050405020304" pitchFamily="18" charset="0"/>
+              </a:rPr>
+              <a:t>Number of days the property was vacant and untenantable </a:t>
+            </a:r>
+          </a:p>
+          <a:p>
+            <a:pPr>
+              <a:lnSpc>
+                <a:spcPct val="117000"/>
+              </a:lnSpc>
+              <a:spcAft>
+                <a:spcPts val="600"/>
+              </a:spcAft>
+            </a:pPr>
+            <a:r>
+              <a:rPr lang="en-AU" dirty="0" err="1">
+                <a:solidFill>
+                  <a:srgbClr val="1D1C1D"/>
+                </a:solidFill>
+                <a:latin typeface="Arial" panose="020B0604020202020204" pitchFamily="34" charset="0"/>
+                <a:cs typeface="Times New Roman" panose="02020603050405020304" pitchFamily="18" charset="0"/>
+              </a:rPr>
+              <a:t>VTDays</a:t>
+            </a:r>
+            <a:r>
+              <a:rPr lang="en-AU" dirty="0">
+                <a:solidFill>
+                  <a:srgbClr val="1D1C1D"/>
+                </a:solidFill>
+                <a:latin typeface="Arial" panose="020B0604020202020204" pitchFamily="34" charset="0"/>
+                <a:cs typeface="Times New Roman" panose="02020603050405020304" pitchFamily="18" charset="0"/>
+              </a:rPr>
+              <a:t> – </a:t>
+            </a:r>
+            <a:r>
+              <a:rPr lang="en-GB" dirty="0">
+                <a:solidFill>
+                  <a:srgbClr val="1D1C1D"/>
+                </a:solidFill>
+                <a:latin typeface="Arial" panose="020B0604020202020204" pitchFamily="34" charset="0"/>
+                <a:cs typeface="Times New Roman" panose="02020603050405020304" pitchFamily="18" charset="0"/>
+              </a:rPr>
+              <a:t>Number of days the property was vacant and tenantable </a:t>
+            </a:r>
+          </a:p>
+          <a:p>
+            <a:endParaRPr lang="en-AU" sz="2000" b="0" i="0" u="none" strike="noStrike" dirty="0">
+              <a:solidFill>
+                <a:srgbClr val="000000"/>
+              </a:solidFill>
+              <a:effectLst/>
+              <a:latin typeface="Calibri" panose="020F0502020204030204" pitchFamily="34" charset="0"/>
+            </a:endParaRPr>
+          </a:p>
+          <a:p>
+            <a:endParaRPr lang="en-GB" sz="2000" b="0" i="0" u="none" strike="noStrike" dirty="0">
+              <a:solidFill>
+                <a:srgbClr val="000000"/>
+              </a:solidFill>
+              <a:effectLst/>
+              <a:latin typeface="Calibri" panose="020F0502020204030204" pitchFamily="34" charset="0"/>
+            </a:endParaRPr>
+          </a:p>
+          <a:p>
+            <a:r>
+              <a:rPr lang="en-GB" sz="2000" b="0" i="0" u="none" strike="noStrike" dirty="0">
+                <a:solidFill>
+                  <a:srgbClr val="000000"/>
+                </a:solidFill>
+                <a:effectLst/>
+                <a:latin typeface="Calibri" panose="020F0502020204030204" pitchFamily="34" charset="0"/>
+              </a:rPr>
+              <a:t> </a:t>
+            </a:r>
+          </a:p>
+          <a:p>
+            <a:endParaRPr lang="en-AU" sz="2000" b="0" i="0" u="none" strike="noStrike" dirty="0">
+              <a:solidFill>
+                <a:srgbClr val="000000"/>
+              </a:solidFill>
+              <a:effectLst/>
+              <a:latin typeface="Calibri" panose="020F0502020204030204" pitchFamily="34" charset="0"/>
+            </a:endParaRPr>
+          </a:p>
+          <a:p>
+            <a:endParaRPr lang="en-AU" dirty="0"/>
+          </a:p>
+        </p:txBody>
+      </p:sp>
+    </p:spTree>
+    <p:extLst>
+      <p:ext uri="{BB962C8B-B14F-4D97-AF65-F5344CB8AC3E}">
+        <p14:creationId xmlns:p14="http://schemas.microsoft.com/office/powerpoint/2010/main" val="2656581410"/>
+      </p:ext>
+    </p:extLst>
+  </p:cSld>
+  <p:clrMapOvr>
+    <a:masterClrMapping/>
+  </p:clrMapOvr>
+</p:sld>
+</file>
+
+<file path=ppt/slides/slide20.xml><?xml version="1.0" encoding="utf-8"?>
+<p:sld xmlns:a="http://schemas.openxmlformats.org/drawingml/2006/main" xmlns:r="http://schemas.openxmlformats.org/officeDocument/2006/relationships" xmlns:p="http://schemas.openxmlformats.org/presentationml/2006/main">
+  <p:cSld>
+    <p:spTree>
+      <p:nvGrpSpPr>
+        <p:cNvPr id="1" name=""/>
+        <p:cNvGrpSpPr/>
+        <p:nvPr/>
+      </p:nvGrpSpPr>
+      <p:grpSpPr>
+        <a:xfrm>
+          <a:off x="0" y="0"/>
+          <a:ext cx="0" cy="0"/>
+          <a:chOff x="0" y="0"/>
+          <a:chExt cx="0" cy="0"/>
+        </a:xfrm>
+      </p:grpSpPr>
+      <p:sp>
+        <p:nvSpPr>
+          <p:cNvPr id="2" name="Title 1">
+            <a:extLst>
+              <a:ext uri="{FF2B5EF4-FFF2-40B4-BE49-F238E27FC236}">
+                <a16:creationId xmlns:a16="http://schemas.microsoft.com/office/drawing/2014/main" id="{11846F38-FF99-E374-F7CB-C18D70B77E26}"/>
+              </a:ext>
+            </a:extLst>
+          </p:cNvPr>
+          <p:cNvSpPr>
+            <a:spLocks noGrp="1"/>
+          </p:cNvSpPr>
+          <p:nvPr>
+            <p:ph type="title"/>
+          </p:nvPr>
+        </p:nvSpPr>
+        <p:spPr/>
+        <p:txBody>
+          <a:bodyPr/>
+          <a:lstStyle/>
+          <a:p>
+            <a:r>
+              <a:rPr lang="en-AU" dirty="0"/>
+              <a:t>Null Hypothesis </a:t>
+            </a:r>
+          </a:p>
+        </p:txBody>
+      </p:sp>
+      <p:sp>
+        <p:nvSpPr>
+          <p:cNvPr id="3" name="Content Placeholder 2">
+            <a:extLst>
+              <a:ext uri="{FF2B5EF4-FFF2-40B4-BE49-F238E27FC236}">
+                <a16:creationId xmlns:a16="http://schemas.microsoft.com/office/drawing/2014/main" id="{F5391B62-2ACC-BEF1-5F87-063DFD8314BA}"/>
+              </a:ext>
+            </a:extLst>
+          </p:cNvPr>
+          <p:cNvSpPr>
+            <a:spLocks noGrp="1"/>
+          </p:cNvSpPr>
+          <p:nvPr>
+            <p:ph idx="1"/>
+          </p:nvPr>
+        </p:nvSpPr>
+        <p:spPr/>
+        <p:txBody>
+          <a:bodyPr/>
+          <a:lstStyle/>
+          <a:p>
+            <a:endParaRPr lang="en-AU" dirty="0"/>
+          </a:p>
+        </p:txBody>
+      </p:sp>
+    </p:spTree>
+    <p:extLst>
+      <p:ext uri="{BB962C8B-B14F-4D97-AF65-F5344CB8AC3E}">
+        <p14:creationId xmlns:p14="http://schemas.microsoft.com/office/powerpoint/2010/main" val="2637894539"/>
+      </p:ext>
+    </p:extLst>
+  </p:cSld>
+  <p:clrMapOvr>
+    <a:masterClrMapping/>
+  </p:clrMapOvr>
+</p:sld>
+</file>
+
+<file path=ppt/slides/slide21.xml><?xml version="1.0" encoding="utf-8"?>
+<p:sld xmlns:a="http://schemas.openxmlformats.org/drawingml/2006/main" xmlns:r="http://schemas.openxmlformats.org/officeDocument/2006/relationships" xmlns:p="http://schemas.openxmlformats.org/presentationml/2006/main">
+  <p:cSld>
+    <p:spTree>
+      <p:nvGrpSpPr>
+        <p:cNvPr id="1" name=""/>
+        <p:cNvGrpSpPr/>
+        <p:nvPr/>
+      </p:nvGrpSpPr>
+      <p:grpSpPr>
+        <a:xfrm>
+          <a:off x="0" y="0"/>
+          <a:ext cx="0" cy="0"/>
+          <a:chOff x="0" y="0"/>
+          <a:chExt cx="0" cy="0"/>
+        </a:xfrm>
+      </p:grpSpPr>
+      <p:sp>
+        <p:nvSpPr>
+          <p:cNvPr id="2" name="Title 1">
+            <a:extLst>
+              <a:ext uri="{FF2B5EF4-FFF2-40B4-BE49-F238E27FC236}">
+                <a16:creationId xmlns:a16="http://schemas.microsoft.com/office/drawing/2014/main" id="{5CEC80D2-B18E-0C86-2C81-9802FCDEFC46}"/>
+              </a:ext>
+            </a:extLst>
+          </p:cNvPr>
+          <p:cNvSpPr>
+            <a:spLocks noGrp="1"/>
+          </p:cNvSpPr>
+          <p:nvPr>
+            <p:ph type="title"/>
+          </p:nvPr>
+        </p:nvSpPr>
+        <p:spPr/>
+        <p:txBody>
+          <a:bodyPr/>
+          <a:lstStyle/>
+          <a:p>
+            <a:r>
+              <a:rPr lang="en-AU" dirty="0"/>
+              <a:t>Affects of Housing from Covid</a:t>
+            </a:r>
+          </a:p>
+        </p:txBody>
+      </p:sp>
+    </p:spTree>
+    <p:extLst>
+      <p:ext uri="{BB962C8B-B14F-4D97-AF65-F5344CB8AC3E}">
+        <p14:creationId xmlns:p14="http://schemas.microsoft.com/office/powerpoint/2010/main" val="3808628806"/>
+      </p:ext>
+    </p:extLst>
+  </p:cSld>
+  <p:clrMapOvr>
+    <a:masterClrMapping/>
+  </p:clrMapOvr>
+</p:sld>
+</file>
+
+<file path=ppt/slides/slide22.xml><?xml version="1.0" encoding="utf-8"?>
 <p:sld xmlns:a="http://schemas.openxmlformats.org/drawingml/2006/main" xmlns:r="http://schemas.openxmlformats.org/officeDocument/2006/relationships" xmlns:p="http://schemas.openxmlformats.org/presentationml/2006/main">
   <p:cSld>
     <p:bg>
@@ -4887,7 +6690,7 @@
 </p:sld>
 </file>
 
-<file path=ppt/slides/slide15.xml><?xml version="1.0" encoding="utf-8"?>
+<file path=ppt/slides/slide23.xml><?xml version="1.0" encoding="utf-8"?>
 <p:sld xmlns:a="http://schemas.openxmlformats.org/drawingml/2006/main" xmlns:r="http://schemas.openxmlformats.org/officeDocument/2006/relationships" xmlns:p="http://schemas.openxmlformats.org/presentationml/2006/main">
   <p:cSld>
     <p:spTree>
@@ -4970,7 +6773,7 @@
 </p:sld>
 </file>
 
-<file path=ppt/slides/slide16.xml><?xml version="1.0" encoding="utf-8"?>
+<file path=ppt/slides/slide24.xml><?xml version="1.0" encoding="utf-8"?>
 <p:sld xmlns:a="http://schemas.openxmlformats.org/drawingml/2006/main" xmlns:r="http://schemas.openxmlformats.org/officeDocument/2006/relationships" xmlns:p="http://schemas.openxmlformats.org/presentationml/2006/main">
   <p:cSld>
     <p:spTree>
@@ -5044,260 +6847,6 @@
     <p:extLst>
       <p:ext uri="{BB962C8B-B14F-4D97-AF65-F5344CB8AC3E}">
         <p14:creationId xmlns:p14="http://schemas.microsoft.com/office/powerpoint/2010/main" val="3561853324"/>
-      </p:ext>
-    </p:extLst>
-  </p:cSld>
-  <p:clrMapOvr>
-    <a:masterClrMapping/>
-  </p:clrMapOvr>
-</p:sld>
-</file>
-
-<file path=ppt/slides/slide2.xml><?xml version="1.0" encoding="utf-8"?>
-<p:sld xmlns:a="http://schemas.openxmlformats.org/drawingml/2006/main" xmlns:r="http://schemas.openxmlformats.org/officeDocument/2006/relationships" xmlns:p="http://schemas.openxmlformats.org/presentationml/2006/main">
-  <p:cSld>
-    <p:spTree>
-      <p:nvGrpSpPr>
-        <p:cNvPr id="1" name=""/>
-        <p:cNvGrpSpPr/>
-        <p:nvPr/>
-      </p:nvGrpSpPr>
-      <p:grpSpPr>
-        <a:xfrm>
-          <a:off x="0" y="0"/>
-          <a:ext cx="0" cy="0"/>
-          <a:chOff x="0" y="0"/>
-          <a:chExt cx="0" cy="0"/>
-        </a:xfrm>
-      </p:grpSpPr>
-      <p:sp>
-        <p:nvSpPr>
-          <p:cNvPr id="2" name="Title 1">
-            <a:extLst>
-              <a:ext uri="{FF2B5EF4-FFF2-40B4-BE49-F238E27FC236}">
-                <a16:creationId xmlns:a16="http://schemas.microsoft.com/office/drawing/2014/main" id="{26132F41-B14D-099F-7D60-C71AED44720E}"/>
-              </a:ext>
-            </a:extLst>
-          </p:cNvPr>
-          <p:cNvSpPr>
-            <a:spLocks noGrp="1"/>
-          </p:cNvSpPr>
-          <p:nvPr>
-            <p:ph type="title"/>
-          </p:nvPr>
-        </p:nvSpPr>
-        <p:spPr/>
-        <p:txBody>
-          <a:bodyPr/>
-          <a:lstStyle/>
-          <a:p>
-            <a:r>
-              <a:rPr lang="en-AU" dirty="0"/>
-              <a:t>Eligibility for Housing </a:t>
-            </a:r>
-          </a:p>
-        </p:txBody>
-      </p:sp>
-      <p:sp>
-        <p:nvSpPr>
-          <p:cNvPr id="3" name="Content Placeholder 2">
-            <a:extLst>
-              <a:ext uri="{FF2B5EF4-FFF2-40B4-BE49-F238E27FC236}">
-                <a16:creationId xmlns:a16="http://schemas.microsoft.com/office/drawing/2014/main" id="{C4DBBA71-3A8F-3EF2-1678-45D100E82CB7}"/>
-              </a:ext>
-            </a:extLst>
-          </p:cNvPr>
-          <p:cNvSpPr>
-            <a:spLocks noGrp="1"/>
-          </p:cNvSpPr>
-          <p:nvPr>
-            <p:ph idx="1"/>
-          </p:nvPr>
-        </p:nvSpPr>
-        <p:spPr/>
-        <p:txBody>
-          <a:bodyPr>
-            <a:normAutofit fontScale="25000" lnSpcReduction="20000"/>
-          </a:bodyPr>
-          <a:lstStyle/>
-          <a:p>
-            <a:pPr>
-              <a:lnSpc>
-                <a:spcPct val="127000"/>
-              </a:lnSpc>
-              <a:spcAft>
-                <a:spcPts val="600"/>
-              </a:spcAft>
-            </a:pPr>
-            <a:r>
-              <a:rPr lang="en-AU" sz="7200" dirty="0">
-                <a:solidFill>
-                  <a:srgbClr val="1D1C1D"/>
-                </a:solidFill>
-                <a:latin typeface="Arial" panose="020B0604020202020204" pitchFamily="34" charset="0"/>
-                <a:cs typeface="Times New Roman" panose="02020603050405020304" pitchFamily="18" charset="0"/>
-              </a:rPr>
-              <a:t>1. </a:t>
-            </a:r>
-            <a:r>
-              <a:rPr lang="en-GB" sz="7200" dirty="0">
-                <a:solidFill>
-                  <a:srgbClr val="1D1C1D"/>
-                </a:solidFill>
-                <a:latin typeface="Arial" panose="020B0604020202020204" pitchFamily="34" charset="0"/>
-                <a:cs typeface="Times New Roman" panose="02020603050405020304" pitchFamily="18" charset="0"/>
-              </a:rPr>
-              <a:t>Australian citizenship and residency status</a:t>
-            </a:r>
-          </a:p>
-          <a:p>
-            <a:pPr>
-              <a:lnSpc>
-                <a:spcPct val="127000"/>
-              </a:lnSpc>
-              <a:spcAft>
-                <a:spcPts val="600"/>
-              </a:spcAft>
-            </a:pPr>
-            <a:r>
-              <a:rPr lang="en-AU" sz="7200" dirty="0">
-                <a:solidFill>
-                  <a:srgbClr val="1D1C1D"/>
-                </a:solidFill>
-                <a:latin typeface="Arial" panose="020B0604020202020204" pitchFamily="34" charset="0"/>
-                <a:cs typeface="Times New Roman" panose="02020603050405020304" pitchFamily="18" charset="0"/>
-              </a:rPr>
-              <a:t>2. Queensland residency</a:t>
-            </a:r>
-          </a:p>
-          <a:p>
-            <a:pPr>
-              <a:lnSpc>
-                <a:spcPct val="127000"/>
-              </a:lnSpc>
-              <a:spcAft>
-                <a:spcPts val="600"/>
-              </a:spcAft>
-            </a:pPr>
-            <a:r>
-              <a:rPr lang="en-AU" sz="7200" dirty="0">
-                <a:solidFill>
-                  <a:srgbClr val="1D1C1D"/>
-                </a:solidFill>
-                <a:latin typeface="Arial" panose="020B0604020202020204" pitchFamily="34" charset="0"/>
-                <a:cs typeface="Times New Roman" panose="02020603050405020304" pitchFamily="18" charset="0"/>
-              </a:rPr>
-              <a:t>3. No Property ownership </a:t>
-            </a:r>
-          </a:p>
-          <a:p>
-            <a:pPr>
-              <a:lnSpc>
-                <a:spcPct val="127000"/>
-              </a:lnSpc>
-              <a:spcAft>
-                <a:spcPts val="600"/>
-              </a:spcAft>
-            </a:pPr>
-            <a:r>
-              <a:rPr lang="en-AU" sz="7200" dirty="0">
-                <a:solidFill>
-                  <a:srgbClr val="1D1C1D"/>
-                </a:solidFill>
-                <a:latin typeface="Arial" panose="020B0604020202020204" pitchFamily="34" charset="0"/>
-                <a:cs typeface="Times New Roman" panose="02020603050405020304" pitchFamily="18" charset="0"/>
-              </a:rPr>
-              <a:t>4. Liquid asset test (Single – under $117k and 2 or more under $149k) </a:t>
-            </a:r>
-          </a:p>
-          <a:p>
-            <a:pPr>
-              <a:lnSpc>
-                <a:spcPct val="127000"/>
-              </a:lnSpc>
-              <a:spcAft>
-                <a:spcPts val="600"/>
-              </a:spcAft>
-            </a:pPr>
-            <a:r>
-              <a:rPr lang="en-AU" sz="7200" dirty="0">
-                <a:solidFill>
-                  <a:srgbClr val="1D1C1D"/>
-                </a:solidFill>
-                <a:latin typeface="Arial" panose="020B0604020202020204" pitchFamily="34" charset="0"/>
-                <a:cs typeface="Times New Roman" panose="02020603050405020304" pitchFamily="18" charset="0"/>
-              </a:rPr>
-              <a:t>5. Independent Income ( $226.81 per week with proof of min 4 weeks)</a:t>
-            </a:r>
-          </a:p>
-          <a:p>
-            <a:pPr>
-              <a:lnSpc>
-                <a:spcPct val="127000"/>
-              </a:lnSpc>
-              <a:spcAft>
-                <a:spcPts val="600"/>
-              </a:spcAft>
-            </a:pPr>
-            <a:r>
-              <a:rPr lang="en-AU" sz="7200" dirty="0">
-                <a:solidFill>
-                  <a:srgbClr val="1D1C1D"/>
-                </a:solidFill>
-                <a:latin typeface="Arial" panose="020B0604020202020204" pitchFamily="34" charset="0"/>
-                <a:cs typeface="Times New Roman" panose="02020603050405020304" pitchFamily="18" charset="0"/>
-              </a:rPr>
-              <a:t>6. Household income must fall below $609 to $1121 per week ( depending on family size)</a:t>
-            </a:r>
-          </a:p>
-          <a:p>
-            <a:pPr>
-              <a:lnSpc>
-                <a:spcPct val="127000"/>
-              </a:lnSpc>
-              <a:spcAft>
-                <a:spcPts val="600"/>
-              </a:spcAft>
-            </a:pPr>
-            <a:r>
-              <a:rPr lang="en-GB" sz="7200" dirty="0">
-                <a:solidFill>
-                  <a:srgbClr val="1D1C1D"/>
-                </a:solidFill>
-                <a:latin typeface="Arial" panose="020B0604020202020204" pitchFamily="34" charset="0"/>
-                <a:cs typeface="Times New Roman" panose="02020603050405020304" pitchFamily="18" charset="0"/>
-              </a:rPr>
-              <a:t>7. Wellbeing</a:t>
-            </a:r>
-          </a:p>
-          <a:p>
-            <a:endParaRPr lang="en-GB" b="1" i="0" dirty="0">
-              <a:solidFill>
-                <a:srgbClr val="212529"/>
-              </a:solidFill>
-              <a:effectLst/>
-              <a:latin typeface="Lato" panose="020F0502020204030203" pitchFamily="34" charset="0"/>
-            </a:endParaRPr>
-          </a:p>
-          <a:p>
-            <a:r>
-              <a:rPr lang="en-AU" dirty="0"/>
-              <a:t> </a:t>
-            </a:r>
-            <a:r>
-              <a:rPr lang="en-AU" dirty="0">
-                <a:sym typeface="Wingdings" panose="05000000000000000000" pitchFamily="2" charset="2"/>
-              </a:rPr>
-              <a:t> https://www.qld.gov.au/housing/public-community-housing/eligibility-applying-for-housing/eligibility-for-housing/check-your-eligibility</a:t>
-            </a:r>
-            <a:endParaRPr lang="en-AU" dirty="0"/>
-          </a:p>
-        </p:txBody>
-      </p:sp>
-    </p:spTree>
-    <p:extLst>
-      <p:ext uri="{BB962C8B-B14F-4D97-AF65-F5344CB8AC3E}">
-        <p14:creationId xmlns:p14="http://schemas.microsoft.com/office/powerpoint/2010/main" val="1316716995"/>
       </p:ext>
     </p:extLst>
   </p:cSld>
@@ -6219,6 +7768,260 @@
           <p:cNvPr id="2" name="Title 1">
             <a:extLst>
               <a:ext uri="{FF2B5EF4-FFF2-40B4-BE49-F238E27FC236}">
+                <a16:creationId xmlns:a16="http://schemas.microsoft.com/office/drawing/2014/main" id="{26132F41-B14D-099F-7D60-C71AED44720E}"/>
+              </a:ext>
+            </a:extLst>
+          </p:cNvPr>
+          <p:cNvSpPr>
+            <a:spLocks noGrp="1"/>
+          </p:cNvSpPr>
+          <p:nvPr>
+            <p:ph type="title"/>
+          </p:nvPr>
+        </p:nvSpPr>
+        <p:spPr/>
+        <p:txBody>
+          <a:bodyPr/>
+          <a:lstStyle/>
+          <a:p>
+            <a:r>
+              <a:rPr lang="en-AU" dirty="0"/>
+              <a:t>Eligibility for Housing </a:t>
+            </a:r>
+          </a:p>
+        </p:txBody>
+      </p:sp>
+      <p:sp>
+        <p:nvSpPr>
+          <p:cNvPr id="3" name="Content Placeholder 2">
+            <a:extLst>
+              <a:ext uri="{FF2B5EF4-FFF2-40B4-BE49-F238E27FC236}">
+                <a16:creationId xmlns:a16="http://schemas.microsoft.com/office/drawing/2014/main" id="{C4DBBA71-3A8F-3EF2-1678-45D100E82CB7}"/>
+              </a:ext>
+            </a:extLst>
+          </p:cNvPr>
+          <p:cNvSpPr>
+            <a:spLocks noGrp="1"/>
+          </p:cNvSpPr>
+          <p:nvPr>
+            <p:ph idx="1"/>
+          </p:nvPr>
+        </p:nvSpPr>
+        <p:spPr/>
+        <p:txBody>
+          <a:bodyPr>
+            <a:normAutofit fontScale="25000" lnSpcReduction="20000"/>
+          </a:bodyPr>
+          <a:lstStyle/>
+          <a:p>
+            <a:pPr>
+              <a:lnSpc>
+                <a:spcPct val="127000"/>
+              </a:lnSpc>
+              <a:spcAft>
+                <a:spcPts val="600"/>
+              </a:spcAft>
+            </a:pPr>
+            <a:r>
+              <a:rPr lang="en-AU" sz="7200" dirty="0">
+                <a:solidFill>
+                  <a:srgbClr val="1D1C1D"/>
+                </a:solidFill>
+                <a:latin typeface="Arial" panose="020B0604020202020204" pitchFamily="34" charset="0"/>
+                <a:cs typeface="Times New Roman" panose="02020603050405020304" pitchFamily="18" charset="0"/>
+              </a:rPr>
+              <a:t>1. </a:t>
+            </a:r>
+            <a:r>
+              <a:rPr lang="en-GB" sz="7200" dirty="0">
+                <a:solidFill>
+                  <a:srgbClr val="1D1C1D"/>
+                </a:solidFill>
+                <a:latin typeface="Arial" panose="020B0604020202020204" pitchFamily="34" charset="0"/>
+                <a:cs typeface="Times New Roman" panose="02020603050405020304" pitchFamily="18" charset="0"/>
+              </a:rPr>
+              <a:t>Australian citizenship and residency status</a:t>
+            </a:r>
+          </a:p>
+          <a:p>
+            <a:pPr>
+              <a:lnSpc>
+                <a:spcPct val="127000"/>
+              </a:lnSpc>
+              <a:spcAft>
+                <a:spcPts val="600"/>
+              </a:spcAft>
+            </a:pPr>
+            <a:r>
+              <a:rPr lang="en-AU" sz="7200" dirty="0">
+                <a:solidFill>
+                  <a:srgbClr val="1D1C1D"/>
+                </a:solidFill>
+                <a:latin typeface="Arial" panose="020B0604020202020204" pitchFamily="34" charset="0"/>
+                <a:cs typeface="Times New Roman" panose="02020603050405020304" pitchFamily="18" charset="0"/>
+              </a:rPr>
+              <a:t>2. Queensland residency</a:t>
+            </a:r>
+          </a:p>
+          <a:p>
+            <a:pPr>
+              <a:lnSpc>
+                <a:spcPct val="127000"/>
+              </a:lnSpc>
+              <a:spcAft>
+                <a:spcPts val="600"/>
+              </a:spcAft>
+            </a:pPr>
+            <a:r>
+              <a:rPr lang="en-AU" sz="7200" dirty="0">
+                <a:solidFill>
+                  <a:srgbClr val="1D1C1D"/>
+                </a:solidFill>
+                <a:latin typeface="Arial" panose="020B0604020202020204" pitchFamily="34" charset="0"/>
+                <a:cs typeface="Times New Roman" panose="02020603050405020304" pitchFamily="18" charset="0"/>
+              </a:rPr>
+              <a:t>3. No property ownership </a:t>
+            </a:r>
+          </a:p>
+          <a:p>
+            <a:pPr>
+              <a:lnSpc>
+                <a:spcPct val="127000"/>
+              </a:lnSpc>
+              <a:spcAft>
+                <a:spcPts val="600"/>
+              </a:spcAft>
+            </a:pPr>
+            <a:r>
+              <a:rPr lang="en-AU" sz="7200" dirty="0">
+                <a:solidFill>
+                  <a:srgbClr val="1D1C1D"/>
+                </a:solidFill>
+                <a:latin typeface="Arial" panose="020B0604020202020204" pitchFamily="34" charset="0"/>
+                <a:cs typeface="Times New Roman" panose="02020603050405020304" pitchFamily="18" charset="0"/>
+              </a:rPr>
+              <a:t>4. Liquid asset test (Single – under $117k and 2 or more under $149k) </a:t>
+            </a:r>
+          </a:p>
+          <a:p>
+            <a:pPr>
+              <a:lnSpc>
+                <a:spcPct val="127000"/>
+              </a:lnSpc>
+              <a:spcAft>
+                <a:spcPts val="600"/>
+              </a:spcAft>
+            </a:pPr>
+            <a:r>
+              <a:rPr lang="en-AU" sz="7200" dirty="0">
+                <a:solidFill>
+                  <a:srgbClr val="1D1C1D"/>
+                </a:solidFill>
+                <a:latin typeface="Arial" panose="020B0604020202020204" pitchFamily="34" charset="0"/>
+                <a:cs typeface="Times New Roman" panose="02020603050405020304" pitchFamily="18" charset="0"/>
+              </a:rPr>
+              <a:t>5. Independent Income ( $226.81 per week with proof of min 4 weeks)</a:t>
+            </a:r>
+          </a:p>
+          <a:p>
+            <a:pPr>
+              <a:lnSpc>
+                <a:spcPct val="127000"/>
+              </a:lnSpc>
+              <a:spcAft>
+                <a:spcPts val="600"/>
+              </a:spcAft>
+            </a:pPr>
+            <a:r>
+              <a:rPr lang="en-AU" sz="7200" dirty="0">
+                <a:solidFill>
+                  <a:srgbClr val="1D1C1D"/>
+                </a:solidFill>
+                <a:latin typeface="Arial" panose="020B0604020202020204" pitchFamily="34" charset="0"/>
+                <a:cs typeface="Times New Roman" panose="02020603050405020304" pitchFamily="18" charset="0"/>
+              </a:rPr>
+              <a:t>6. Household income must fall below $609 to $1121 per week ( depending on family size)</a:t>
+            </a:r>
+          </a:p>
+          <a:p>
+            <a:pPr>
+              <a:lnSpc>
+                <a:spcPct val="127000"/>
+              </a:lnSpc>
+              <a:spcAft>
+                <a:spcPts val="600"/>
+              </a:spcAft>
+            </a:pPr>
+            <a:r>
+              <a:rPr lang="en-GB" sz="7200" dirty="0">
+                <a:solidFill>
+                  <a:srgbClr val="1D1C1D"/>
+                </a:solidFill>
+                <a:latin typeface="Arial" panose="020B0604020202020204" pitchFamily="34" charset="0"/>
+                <a:cs typeface="Times New Roman" panose="02020603050405020304" pitchFamily="18" charset="0"/>
+              </a:rPr>
+              <a:t>7. Wellbeing</a:t>
+            </a:r>
+          </a:p>
+          <a:p>
+            <a:endParaRPr lang="en-GB" b="1" i="0" dirty="0">
+              <a:solidFill>
+                <a:srgbClr val="212529"/>
+              </a:solidFill>
+              <a:effectLst/>
+              <a:latin typeface="Lato" panose="020F0502020204030203" pitchFamily="34" charset="0"/>
+            </a:endParaRPr>
+          </a:p>
+          <a:p>
+            <a:r>
+              <a:rPr lang="en-AU" dirty="0"/>
+              <a:t> </a:t>
+            </a:r>
+            <a:r>
+              <a:rPr lang="en-AU" dirty="0">
+                <a:sym typeface="Wingdings" panose="05000000000000000000" pitchFamily="2" charset="2"/>
+              </a:rPr>
+              <a:t> https://www.qld.gov.au/housing/public-community-housing/eligibility-applying-for-housing/eligibility-for-housing/check-your-eligibility</a:t>
+            </a:r>
+            <a:endParaRPr lang="en-AU" dirty="0"/>
+          </a:p>
+        </p:txBody>
+      </p:sp>
+    </p:spTree>
+    <p:extLst>
+      <p:ext uri="{BB962C8B-B14F-4D97-AF65-F5344CB8AC3E}">
+        <p14:creationId xmlns:p14="http://schemas.microsoft.com/office/powerpoint/2010/main" val="1316716995"/>
+      </p:ext>
+    </p:extLst>
+  </p:cSld>
+  <p:clrMapOvr>
+    <a:masterClrMapping/>
+  </p:clrMapOvr>
+</p:sld>
+</file>
+
+<file path=ppt/slides/slide5.xml><?xml version="1.0" encoding="utf-8"?>
+<p:sld xmlns:a="http://schemas.openxmlformats.org/drawingml/2006/main" xmlns:r="http://schemas.openxmlformats.org/officeDocument/2006/relationships" xmlns:p="http://schemas.openxmlformats.org/presentationml/2006/main">
+  <p:cSld>
+    <p:spTree>
+      <p:nvGrpSpPr>
+        <p:cNvPr id="1" name=""/>
+        <p:cNvGrpSpPr/>
+        <p:nvPr/>
+      </p:nvGrpSpPr>
+      <p:grpSpPr>
+        <a:xfrm>
+          <a:off x="0" y="0"/>
+          <a:ext cx="0" cy="0"/>
+          <a:chOff x="0" y="0"/>
+          <a:chExt cx="0" cy="0"/>
+        </a:xfrm>
+      </p:grpSpPr>
+      <p:sp>
+        <p:nvSpPr>
+          <p:cNvPr id="2" name="Title 1">
+            <a:extLst>
+              <a:ext uri="{FF2B5EF4-FFF2-40B4-BE49-F238E27FC236}">
                 <a16:creationId xmlns:a16="http://schemas.microsoft.com/office/drawing/2014/main" id="{6E0F8A29-0E59-62D2-C131-F840BEC04625}"/>
               </a:ext>
             </a:extLst>
@@ -6578,229 +8381,6 @@
 </p:sld>
 </file>
 
-<file path=ppt/slides/slide5.xml><?xml version="1.0" encoding="utf-8"?>
-<p:sld xmlns:a="http://schemas.openxmlformats.org/drawingml/2006/main" xmlns:r="http://schemas.openxmlformats.org/officeDocument/2006/relationships" xmlns:p="http://schemas.openxmlformats.org/presentationml/2006/main">
-  <p:cSld>
-    <p:spTree>
-      <p:nvGrpSpPr>
-        <p:cNvPr id="1" name=""/>
-        <p:cNvGrpSpPr/>
-        <p:nvPr/>
-      </p:nvGrpSpPr>
-      <p:grpSpPr>
-        <a:xfrm>
-          <a:off x="0" y="0"/>
-          <a:ext cx="0" cy="0"/>
-          <a:chOff x="0" y="0"/>
-          <a:chExt cx="0" cy="0"/>
-        </a:xfrm>
-      </p:grpSpPr>
-      <p:sp>
-        <p:nvSpPr>
-          <p:cNvPr id="2" name="Title 1">
-            <a:extLst>
-              <a:ext uri="{FF2B5EF4-FFF2-40B4-BE49-F238E27FC236}">
-                <a16:creationId xmlns:a16="http://schemas.microsoft.com/office/drawing/2014/main" id="{2C5BC6D5-5381-58E6-BCF7-A6645ADFC407}"/>
-              </a:ext>
-            </a:extLst>
-          </p:cNvPr>
-          <p:cNvSpPr>
-            <a:spLocks noGrp="1"/>
-          </p:cNvSpPr>
-          <p:nvPr>
-            <p:ph type="title"/>
-          </p:nvPr>
-        </p:nvSpPr>
-        <p:spPr/>
-        <p:txBody>
-          <a:bodyPr/>
-          <a:lstStyle/>
-          <a:p>
-            <a:r>
-              <a:rPr lang="en-AU" dirty="0"/>
-              <a:t>Project Objectives </a:t>
-            </a:r>
-          </a:p>
-        </p:txBody>
-      </p:sp>
-      <p:sp>
-        <p:nvSpPr>
-          <p:cNvPr id="3" name="Content Placeholder 2">
-            <a:extLst>
-              <a:ext uri="{FF2B5EF4-FFF2-40B4-BE49-F238E27FC236}">
-                <a16:creationId xmlns:a16="http://schemas.microsoft.com/office/drawing/2014/main" id="{05EB99AD-6538-A2B0-D345-FFDF7B46CA6F}"/>
-              </a:ext>
-            </a:extLst>
-          </p:cNvPr>
-          <p:cNvSpPr>
-            <a:spLocks noGrp="1"/>
-          </p:cNvSpPr>
-          <p:nvPr>
-            <p:ph idx="1"/>
-          </p:nvPr>
-        </p:nvSpPr>
-        <p:spPr/>
-        <p:txBody>
-          <a:bodyPr/>
-          <a:lstStyle/>
-          <a:p>
-            <a:pPr>
-              <a:lnSpc>
-                <a:spcPct val="107000"/>
-              </a:lnSpc>
-              <a:spcAft>
-                <a:spcPts val="600"/>
-              </a:spcAft>
-            </a:pPr>
-            <a:r>
-              <a:rPr lang="en-AU" sz="1800" dirty="0">
-                <a:solidFill>
-                  <a:srgbClr val="1D1C1D"/>
-                </a:solidFill>
-                <a:effectLst/>
-                <a:latin typeface="Arial" panose="020B0604020202020204" pitchFamily="34" charset="0"/>
-                <a:ea typeface="Times New Roman" panose="02020603050405020304" pitchFamily="18" charset="0"/>
-                <a:cs typeface="Times New Roman" panose="02020603050405020304" pitchFamily="18" charset="0"/>
-              </a:rPr>
-              <a:t>(1) How vacancy rate changes over the year?</a:t>
-            </a:r>
-            <a:endParaRPr lang="en-AU" sz="1800" dirty="0">
-              <a:effectLst/>
-              <a:latin typeface="Calibri" panose="020F0502020204030204" pitchFamily="34" charset="0"/>
-              <a:ea typeface="Calibri" panose="020F0502020204030204" pitchFamily="34" charset="0"/>
-              <a:cs typeface="Times New Roman" panose="02020603050405020304" pitchFamily="18" charset="0"/>
-            </a:endParaRPr>
-          </a:p>
-          <a:p>
-            <a:pPr>
-              <a:lnSpc>
-                <a:spcPct val="107000"/>
-              </a:lnSpc>
-              <a:spcAft>
-                <a:spcPts val="600"/>
-              </a:spcAft>
-            </a:pPr>
-            <a:r>
-              <a:rPr lang="en-AU" sz="1800" dirty="0">
-                <a:solidFill>
-                  <a:srgbClr val="1D1C1D"/>
-                </a:solidFill>
-                <a:effectLst/>
-                <a:latin typeface="Arial" panose="020B0604020202020204" pitchFamily="34" charset="0"/>
-                <a:ea typeface="Times New Roman" panose="02020603050405020304" pitchFamily="18" charset="0"/>
-                <a:cs typeface="Times New Roman" panose="02020603050405020304" pitchFamily="18" charset="0"/>
-              </a:rPr>
-              <a:t>(2) How dwelling type effect Vacancy rates?</a:t>
-            </a:r>
-            <a:endParaRPr lang="en-AU" sz="1800" dirty="0">
-              <a:effectLst/>
-              <a:latin typeface="Calibri" panose="020F0502020204030204" pitchFamily="34" charset="0"/>
-              <a:ea typeface="Calibri" panose="020F0502020204030204" pitchFamily="34" charset="0"/>
-              <a:cs typeface="Times New Roman" panose="02020603050405020304" pitchFamily="18" charset="0"/>
-            </a:endParaRPr>
-          </a:p>
-          <a:p>
-            <a:pPr>
-              <a:lnSpc>
-                <a:spcPct val="107000"/>
-              </a:lnSpc>
-              <a:spcAft>
-                <a:spcPts val="600"/>
-              </a:spcAft>
-            </a:pPr>
-            <a:r>
-              <a:rPr lang="en-AU" sz="1800" dirty="0">
-                <a:solidFill>
-                  <a:srgbClr val="1D1C1D"/>
-                </a:solidFill>
-                <a:effectLst/>
-                <a:latin typeface="Arial" panose="020B0604020202020204" pitchFamily="34" charset="0"/>
-                <a:ea typeface="Times New Roman" panose="02020603050405020304" pitchFamily="18" charset="0"/>
-                <a:cs typeface="Times New Roman" panose="02020603050405020304" pitchFamily="18" charset="0"/>
-              </a:rPr>
-              <a:t>(3) How Vacancy rate effected by Geography?</a:t>
-            </a:r>
-            <a:endParaRPr lang="en-AU" sz="1800" dirty="0">
-              <a:effectLst/>
-              <a:latin typeface="Calibri" panose="020F0502020204030204" pitchFamily="34" charset="0"/>
-              <a:ea typeface="Calibri" panose="020F0502020204030204" pitchFamily="34" charset="0"/>
-              <a:cs typeface="Times New Roman" panose="02020603050405020304" pitchFamily="18" charset="0"/>
-            </a:endParaRPr>
-          </a:p>
-          <a:p>
-            <a:pPr>
-              <a:lnSpc>
-                <a:spcPct val="107000"/>
-              </a:lnSpc>
-              <a:spcAft>
-                <a:spcPts val="600"/>
-              </a:spcAft>
-            </a:pPr>
-            <a:r>
-              <a:rPr lang="en-AU" sz="1800" dirty="0">
-                <a:solidFill>
-                  <a:srgbClr val="1D1C1D"/>
-                </a:solidFill>
-                <a:effectLst/>
-                <a:latin typeface="Arial" panose="020B0604020202020204" pitchFamily="34" charset="0"/>
-                <a:ea typeface="Times New Roman" panose="02020603050405020304" pitchFamily="18" charset="0"/>
-                <a:cs typeface="Times New Roman" panose="02020603050405020304" pitchFamily="18" charset="0"/>
-              </a:rPr>
-              <a:t>(4) How vacancy rate varied by social housing program?</a:t>
-            </a:r>
-            <a:endParaRPr lang="en-AU" sz="1800" dirty="0">
-              <a:effectLst/>
-              <a:latin typeface="Calibri" panose="020F0502020204030204" pitchFamily="34" charset="0"/>
-              <a:ea typeface="Calibri" panose="020F0502020204030204" pitchFamily="34" charset="0"/>
-              <a:cs typeface="Times New Roman" panose="02020603050405020304" pitchFamily="18" charset="0"/>
-            </a:endParaRPr>
-          </a:p>
-          <a:p>
-            <a:pPr>
-              <a:lnSpc>
-                <a:spcPct val="107000"/>
-              </a:lnSpc>
-              <a:spcAft>
-                <a:spcPts val="600"/>
-              </a:spcAft>
-            </a:pPr>
-            <a:r>
-              <a:rPr lang="en-AU" sz="1800" dirty="0">
-                <a:solidFill>
-                  <a:srgbClr val="1D1C1D"/>
-                </a:solidFill>
-                <a:effectLst/>
-                <a:latin typeface="Arial" panose="020B0604020202020204" pitchFamily="34" charset="0"/>
-                <a:ea typeface="Times New Roman" panose="02020603050405020304" pitchFamily="18" charset="0"/>
-                <a:cs typeface="Times New Roman" panose="02020603050405020304" pitchFamily="18" charset="0"/>
-              </a:rPr>
-              <a:t>(5) Were vacancy days Tenantable or Untenantable? </a:t>
-            </a:r>
-            <a:endParaRPr lang="en-AU" sz="1800" dirty="0">
-              <a:effectLst/>
-              <a:latin typeface="Calibri" panose="020F0502020204030204" pitchFamily="34" charset="0"/>
-              <a:ea typeface="Calibri" panose="020F0502020204030204" pitchFamily="34" charset="0"/>
-              <a:cs typeface="Times New Roman" panose="02020603050405020304" pitchFamily="18" charset="0"/>
-            </a:endParaRPr>
-          </a:p>
-          <a:p>
-            <a:endParaRPr lang="en-AU" dirty="0"/>
-          </a:p>
-        </p:txBody>
-      </p:sp>
-    </p:spTree>
-    <p:extLst>
-      <p:ext uri="{BB962C8B-B14F-4D97-AF65-F5344CB8AC3E}">
-        <p14:creationId xmlns:p14="http://schemas.microsoft.com/office/powerpoint/2010/main" val="103262496"/>
-      </p:ext>
-    </p:extLst>
-  </p:cSld>
-  <p:clrMapOvr>
-    <a:masterClrMapping/>
-  </p:clrMapOvr>
-</p:sld>
-</file>
-
 <file path=ppt/slides/slide6.xml><?xml version="1.0" encoding="utf-8"?>
 <p:sld xmlns:a="http://schemas.openxmlformats.org/drawingml/2006/main" xmlns:r="http://schemas.openxmlformats.org/officeDocument/2006/relationships" xmlns:p="http://schemas.openxmlformats.org/presentationml/2006/main">
   <p:cSld>
@@ -6820,10 +8400,10 @@
       </p:grpSpPr>
       <p:sp>
         <p:nvSpPr>
-          <p:cNvPr id="4" name="Title 3">
+          <p:cNvPr id="2" name="Title 1">
             <a:extLst>
               <a:ext uri="{FF2B5EF4-FFF2-40B4-BE49-F238E27FC236}">
-                <a16:creationId xmlns:a16="http://schemas.microsoft.com/office/drawing/2014/main" id="{20C05956-8EE2-7A6C-2FED-857B51FDB7B4}"/>
+                <a16:creationId xmlns:a16="http://schemas.microsoft.com/office/drawing/2014/main" id="{2C5BC6D5-5381-58E6-BCF7-A6645ADFC407}"/>
               </a:ext>
             </a:extLst>
           </p:cNvPr>
@@ -6841,17 +8421,17 @@
           <a:p>
             <a:r>
               <a:rPr lang="en-AU" dirty="0"/>
-              <a:t>Average Vacancy Days by Year </a:t>
-            </a:r>
-          </a:p>
-        </p:txBody>
-      </p:sp>
-      <p:sp>
-        <p:nvSpPr>
-          <p:cNvPr id="5" name="Content Placeholder 4">
+              <a:t>Project Objectives </a:t>
+            </a:r>
+          </a:p>
+        </p:txBody>
+      </p:sp>
+      <p:sp>
+        <p:nvSpPr>
+          <p:cNvPr id="3" name="Content Placeholder 2">
             <a:extLst>
               <a:ext uri="{FF2B5EF4-FFF2-40B4-BE49-F238E27FC236}">
-                <a16:creationId xmlns:a16="http://schemas.microsoft.com/office/drawing/2014/main" id="{BDE7EA8F-83FE-7E55-3059-04BF9A06C59A}"/>
+                <a16:creationId xmlns:a16="http://schemas.microsoft.com/office/drawing/2014/main" id="{05EB99AD-6538-A2B0-D345-FFDF7B46CA6F}"/>
               </a:ext>
             </a:extLst>
           </p:cNvPr>
@@ -6859,56 +8439,178 @@
             <a:spLocks noGrp="1"/>
           </p:cNvSpPr>
           <p:nvPr>
-            <p:ph sz="half" idx="1"/>
-          </p:nvPr>
-        </p:nvSpPr>
-        <p:spPr>
-          <a:xfrm>
-            <a:off x="6126480" y="2214693"/>
-            <a:ext cx="4639736" cy="3748193"/>
-          </a:xfrm>
-        </p:spPr>
-        <p:txBody>
-          <a:bodyPr/>
+            <p:ph idx="1"/>
+          </p:nvPr>
+        </p:nvSpPr>
+        <p:spPr/>
+        <p:txBody>
+          <a:bodyPr>
+            <a:normAutofit/>
+          </a:bodyPr>
           <a:lstStyle/>
           <a:p>
-            <a:endParaRPr lang="en-AU"/>
-          </a:p>
-        </p:txBody>
-      </p:sp>
-      <p:pic>
-        <p:nvPicPr>
-          <p:cNvPr id="10" name="Content Placeholder 9">
-            <a:extLst>
-              <a:ext uri="{FF2B5EF4-FFF2-40B4-BE49-F238E27FC236}">
-                <a16:creationId xmlns:a16="http://schemas.microsoft.com/office/drawing/2014/main" id="{3E32A1E4-7626-7D58-923F-D27A7399E690}"/>
-              </a:ext>
-            </a:extLst>
-          </p:cNvPr>
-          <p:cNvPicPr>
-            <a:picLocks noGrp="1" noChangeAspect="1"/>
-          </p:cNvPicPr>
-          <p:nvPr>
-            <p:ph sz="half" idx="2"/>
-          </p:nvPr>
-        </p:nvPicPr>
-        <p:blipFill>
-          <a:blip r:embed="rId2"/>
-          <a:stretch>
-            <a:fillRect/>
-          </a:stretch>
-        </p:blipFill>
-        <p:spPr>
-          <a:xfrm>
-            <a:off x="1097280" y="2214693"/>
-            <a:ext cx="4733917" cy="3233733"/>
-          </a:xfrm>
-        </p:spPr>
-      </p:pic>
+            <a:pPr>
+              <a:lnSpc>
+                <a:spcPct val="107000"/>
+              </a:lnSpc>
+              <a:spcAft>
+                <a:spcPts val="600"/>
+              </a:spcAft>
+            </a:pPr>
+            <a:r>
+              <a:rPr lang="en-AU" sz="1800" dirty="0">
+                <a:solidFill>
+                  <a:srgbClr val="1D1C1D"/>
+                </a:solidFill>
+                <a:effectLst/>
+                <a:latin typeface="Arial" panose="020B0604020202020204" pitchFamily="34" charset="0"/>
+                <a:ea typeface="Times New Roman" panose="02020603050405020304" pitchFamily="18" charset="0"/>
+                <a:cs typeface="Times New Roman" panose="02020603050405020304" pitchFamily="18" charset="0"/>
+              </a:rPr>
+              <a:t>(1) What are the vacant days across 5 year period in QLD housing sector?  (Graph 1)</a:t>
+            </a:r>
+          </a:p>
+          <a:p>
+            <a:pPr>
+              <a:lnSpc>
+                <a:spcPct val="107000"/>
+              </a:lnSpc>
+              <a:spcAft>
+                <a:spcPts val="600"/>
+              </a:spcAft>
+            </a:pPr>
+            <a:r>
+              <a:rPr lang="en-AU" sz="1800" dirty="0">
+                <a:solidFill>
+                  <a:srgbClr val="1D1C1D"/>
+                </a:solidFill>
+                <a:latin typeface="Arial" panose="020B0604020202020204" pitchFamily="34" charset="0"/>
+                <a:ea typeface="Calibri" panose="020F0502020204030204" pitchFamily="34" charset="0"/>
+                <a:cs typeface="Times New Roman" panose="02020603050405020304" pitchFamily="18" charset="0"/>
+              </a:rPr>
+              <a:t>(2) </a:t>
+            </a:r>
+            <a:r>
+              <a:rPr lang="en-AU" sz="1800" dirty="0">
+                <a:solidFill>
+                  <a:srgbClr val="1D1C1D"/>
+                </a:solidFill>
+                <a:effectLst/>
+                <a:latin typeface="Arial" panose="020B0604020202020204" pitchFamily="34" charset="0"/>
+                <a:ea typeface="Times New Roman" panose="02020603050405020304" pitchFamily="18" charset="0"/>
+                <a:cs typeface="Times New Roman" panose="02020603050405020304" pitchFamily="18" charset="0"/>
+              </a:rPr>
+              <a:t>What was the status of the dwelling during vacant days (tenantable and untenable)? (Graph 2)</a:t>
+            </a:r>
+          </a:p>
+          <a:p>
+            <a:pPr>
+              <a:lnSpc>
+                <a:spcPct val="107000"/>
+              </a:lnSpc>
+              <a:spcAft>
+                <a:spcPts val="600"/>
+              </a:spcAft>
+            </a:pPr>
+            <a:r>
+              <a:rPr lang="en-AU" sz="1800" dirty="0">
+                <a:solidFill>
+                  <a:srgbClr val="1D1C1D"/>
+                </a:solidFill>
+                <a:effectLst/>
+                <a:latin typeface="Arial" panose="020B0604020202020204" pitchFamily="34" charset="0"/>
+                <a:ea typeface="Times New Roman" panose="02020603050405020304" pitchFamily="18" charset="0"/>
+                <a:cs typeface="Times New Roman" panose="02020603050405020304" pitchFamily="18" charset="0"/>
+              </a:rPr>
+              <a:t>(3) How does unit size affect vacancy days? (Graph 3 )</a:t>
+            </a:r>
+          </a:p>
+          <a:p>
+            <a:pPr>
+              <a:lnSpc>
+                <a:spcPct val="107000"/>
+              </a:lnSpc>
+              <a:spcAft>
+                <a:spcPts val="600"/>
+              </a:spcAft>
+            </a:pPr>
+            <a:r>
+              <a:rPr lang="en-AU" sz="1800" dirty="0">
+                <a:solidFill>
+                  <a:srgbClr val="1D1C1D"/>
+                </a:solidFill>
+                <a:effectLst/>
+                <a:latin typeface="Arial" panose="020B0604020202020204" pitchFamily="34" charset="0"/>
+                <a:ea typeface="Times New Roman" panose="02020603050405020304" pitchFamily="18" charset="0"/>
+                <a:cs typeface="Times New Roman" panose="02020603050405020304" pitchFamily="18" charset="0"/>
+              </a:rPr>
+              <a:t>(4) How does dwelling type affects the vacancy days? (Graph 4 to 6)</a:t>
+            </a:r>
+            <a:endParaRPr lang="en-AU" sz="1800" dirty="0">
+              <a:effectLst/>
+              <a:latin typeface="Calibri" panose="020F0502020204030204" pitchFamily="34" charset="0"/>
+              <a:ea typeface="Calibri" panose="020F0502020204030204" pitchFamily="34" charset="0"/>
+              <a:cs typeface="Times New Roman" panose="02020603050405020304" pitchFamily="18" charset="0"/>
+            </a:endParaRPr>
+          </a:p>
+          <a:p>
+            <a:pPr marL="0" indent="0">
+              <a:lnSpc>
+                <a:spcPct val="107000"/>
+              </a:lnSpc>
+              <a:spcAft>
+                <a:spcPts val="600"/>
+              </a:spcAft>
+              <a:buNone/>
+            </a:pPr>
+            <a:r>
+              <a:rPr lang="en-AU" sz="1800" dirty="0">
+                <a:latin typeface="Calibri" panose="020F0502020204030204" pitchFamily="34" charset="0"/>
+                <a:ea typeface="Times New Roman" panose="02020603050405020304" pitchFamily="18" charset="0"/>
+                <a:cs typeface="Times New Roman" panose="02020603050405020304" pitchFamily="18" charset="0"/>
+              </a:rPr>
+              <a:t>  </a:t>
+            </a:r>
+            <a:r>
+              <a:rPr lang="en-AU" sz="1800" dirty="0">
+                <a:solidFill>
+                  <a:srgbClr val="1D1C1D"/>
+                </a:solidFill>
+                <a:effectLst/>
+                <a:latin typeface="Arial" panose="020B0604020202020204" pitchFamily="34" charset="0"/>
+                <a:ea typeface="Times New Roman" panose="02020603050405020304" pitchFamily="18" charset="0"/>
+                <a:cs typeface="Times New Roman" panose="02020603050405020304" pitchFamily="18" charset="0"/>
+              </a:rPr>
+              <a:t>(5) Are there any factors that affected the vacancy days trend? </a:t>
+            </a:r>
+          </a:p>
+          <a:p>
+            <a:pPr>
+              <a:lnSpc>
+                <a:spcPct val="107000"/>
+              </a:lnSpc>
+              <a:spcAft>
+                <a:spcPts val="600"/>
+              </a:spcAft>
+            </a:pPr>
+            <a:r>
+              <a:rPr lang="en-AU" sz="1800" dirty="0">
+                <a:solidFill>
+                  <a:srgbClr val="1D1C1D"/>
+                </a:solidFill>
+                <a:latin typeface="Arial" panose="020B0604020202020204" pitchFamily="34" charset="0"/>
+                <a:cs typeface="Times New Roman" panose="02020603050405020304" pitchFamily="18" charset="0"/>
+              </a:rPr>
+              <a:t>Null Hypothesis: </a:t>
+            </a:r>
+            <a:endParaRPr lang="en-AU" dirty="0"/>
+          </a:p>
+        </p:txBody>
+      </p:sp>
     </p:spTree>
     <p:extLst>
       <p:ext uri="{BB962C8B-B14F-4D97-AF65-F5344CB8AC3E}">
-        <p14:creationId xmlns:p14="http://schemas.microsoft.com/office/powerpoint/2010/main" val="1001600222"/>
+        <p14:creationId xmlns:p14="http://schemas.microsoft.com/office/powerpoint/2010/main" val="103262496"/>
       </p:ext>
     </p:extLst>
   </p:cSld>
@@ -6937,10 +8639,10 @@
       </p:grpSpPr>
       <p:sp>
         <p:nvSpPr>
-          <p:cNvPr id="4" name="Title 3">
+          <p:cNvPr id="2" name="Title 1">
             <a:extLst>
               <a:ext uri="{FF2B5EF4-FFF2-40B4-BE49-F238E27FC236}">
-                <a16:creationId xmlns:a16="http://schemas.microsoft.com/office/drawing/2014/main" id="{955E3AC9-AA37-8A8D-E2E0-325745B7589C}"/>
+                <a16:creationId xmlns:a16="http://schemas.microsoft.com/office/drawing/2014/main" id="{DAE6DC35-2231-C4E9-67E6-DDC0B780E259}"/>
               </a:ext>
             </a:extLst>
           </p:cNvPr>
@@ -6958,17 +8660,25 @@
           <a:p>
             <a:r>
               <a:rPr lang="en-AU" dirty="0"/>
-              <a:t>Untenable and Tenable Vacancy Days by Year </a:t>
-            </a:r>
-          </a:p>
-        </p:txBody>
-      </p:sp>
-      <p:sp>
-        <p:nvSpPr>
-          <p:cNvPr id="5" name="Content Placeholder 4">
+              <a:t>Data </a:t>
+            </a:r>
+            <a:r>
+              <a:rPr lang="en-AU" dirty="0" err="1"/>
+              <a:t>Cleanup</a:t>
+            </a:r>
+            <a:r>
+              <a:rPr lang="en-AU" dirty="0"/>
+              <a:t> and Exploration</a:t>
+            </a:r>
+          </a:p>
+        </p:txBody>
+      </p:sp>
+      <p:sp>
+        <p:nvSpPr>
+          <p:cNvPr id="3" name="Content Placeholder 2">
             <a:extLst>
               <a:ext uri="{FF2B5EF4-FFF2-40B4-BE49-F238E27FC236}">
-                <a16:creationId xmlns:a16="http://schemas.microsoft.com/office/drawing/2014/main" id="{BAFBAFEF-860A-B60F-F016-5910531A5F97}"/>
+                <a16:creationId xmlns:a16="http://schemas.microsoft.com/office/drawing/2014/main" id="{00E771A2-8E85-6E34-E373-26CEA17FEE7A}"/>
               </a:ext>
             </a:extLst>
           </p:cNvPr>
@@ -6976,38 +8686,70 @@
             <a:spLocks noGrp="1"/>
           </p:cNvSpPr>
           <p:nvPr>
-            <p:ph sz="half" idx="1"/>
+            <p:ph idx="1"/>
           </p:nvPr>
         </p:nvSpPr>
         <p:spPr>
           <a:xfrm>
-            <a:off x="6515944" y="2350803"/>
-            <a:ext cx="4639736" cy="3748193"/>
+            <a:off x="6676570" y="1567544"/>
+            <a:ext cx="6049907" cy="3189128"/>
           </a:xfrm>
         </p:spPr>
         <p:txBody>
           <a:bodyPr/>
           <a:lstStyle/>
           <a:p>
+            <a:pPr lvl="6"/>
+            <a:r>
+              <a:rPr lang="en-AU" dirty="0"/>
+              <a:t>                                                                                                                          </a:t>
+            </a:r>
+          </a:p>
+          <a:p>
+            <a:pPr lvl="6"/>
+            <a:endParaRPr lang="en-AU" dirty="0"/>
+          </a:p>
+          <a:p>
+            <a:pPr lvl="6"/>
+            <a:endParaRPr lang="en-AU" dirty="0"/>
+          </a:p>
+          <a:p>
+            <a:pPr lvl="6"/>
+            <a:endParaRPr lang="en-AU" dirty="0"/>
+          </a:p>
+          <a:p>
+            <a:pPr lvl="6"/>
+            <a:endParaRPr lang="en-AU" dirty="0"/>
+          </a:p>
+          <a:p>
+            <a:pPr lvl="6"/>
+            <a:endParaRPr lang="en-AU" sz="1800" dirty="0"/>
+          </a:p>
+          <a:p>
+            <a:pPr lvl="6"/>
+            <a:r>
+              <a:rPr lang="en-AU" sz="1800" dirty="0"/>
+              <a:t>                                                                                          </a:t>
+            </a:r>
+          </a:p>
+          <a:p>
             <a:endParaRPr lang="en-AU" dirty="0"/>
           </a:p>
         </p:txBody>
       </p:sp>
       <p:pic>
         <p:nvPicPr>
-          <p:cNvPr id="8" name="Content Placeholder 7">
+          <p:cNvPr id="5" name="Picture 4">
             <a:extLst>
               <a:ext uri="{FF2B5EF4-FFF2-40B4-BE49-F238E27FC236}">
-                <a16:creationId xmlns:a16="http://schemas.microsoft.com/office/drawing/2014/main" id="{74EAC48B-A132-C38D-5638-821BE32187E4}"/>
+                <a16:creationId xmlns:a16="http://schemas.microsoft.com/office/drawing/2014/main" id="{705E0C08-D497-371D-B615-69215DA3B934}"/>
               </a:ext>
             </a:extLst>
           </p:cNvPr>
           <p:cNvPicPr>
-            <a:picLocks noGrp="1" noChangeAspect="1"/>
+            <a:picLocks noChangeAspect="1"/>
           </p:cNvPicPr>
-          <p:nvPr>
-            <p:ph sz="half" idx="2"/>
-          </p:nvPr>
+          <p:nvPr/>
         </p:nvPicPr>
         <p:blipFill>
           <a:blip r:embed="rId2"/>
@@ -7017,15 +8759,53 @@
         </p:blipFill>
         <p:spPr>
           <a:xfrm>
-            <a:off x="889233" y="2350803"/>
-            <a:ext cx="5025006" cy="3477900"/>
+            <a:off x="275772" y="1931514"/>
+            <a:ext cx="7445829" cy="3189127"/>
           </a:xfrm>
+          <a:prstGeom prst="rect">
+            <a:avLst/>
+          </a:prstGeom>
         </p:spPr>
       </p:pic>
+      <p:sp>
+        <p:nvSpPr>
+          <p:cNvPr id="6" name="TextBox 5">
+            <a:extLst>
+              <a:ext uri="{FF2B5EF4-FFF2-40B4-BE49-F238E27FC236}">
+                <a16:creationId xmlns:a16="http://schemas.microsoft.com/office/drawing/2014/main" id="{253CE7E2-5BD1-A9E3-E3DA-6F1B9E61CF7F}"/>
+              </a:ext>
+            </a:extLst>
+          </p:cNvPr>
+          <p:cNvSpPr txBox="1"/>
+          <p:nvPr/>
+        </p:nvSpPr>
+        <p:spPr>
+          <a:xfrm>
+            <a:off x="1097280" y="5617029"/>
+            <a:ext cx="4773807" cy="369332"/>
+          </a:xfrm>
+          <a:prstGeom prst="rect">
+            <a:avLst/>
+          </a:prstGeom>
+          <a:noFill/>
+        </p:spPr>
+        <p:txBody>
+          <a:bodyPr wrap="none" rtlCol="0">
+            <a:spAutoFit/>
+          </a:bodyPr>
+          <a:lstStyle/>
+          <a:p>
+            <a:r>
+              <a:rPr lang="en-AU" dirty="0"/>
+              <a:t>- As per our Data collection reading the Csv file.</a:t>
+            </a:r>
+          </a:p>
+        </p:txBody>
+      </p:sp>
     </p:spTree>
     <p:extLst>
       <p:ext uri="{BB962C8B-B14F-4D97-AF65-F5344CB8AC3E}">
-        <p14:creationId xmlns:p14="http://schemas.microsoft.com/office/powerpoint/2010/main" val="2733872368"/>
+        <p14:creationId xmlns:p14="http://schemas.microsoft.com/office/powerpoint/2010/main" val="2549351589"/>
       </p:ext>
     </p:extLst>
   </p:cSld>
@@ -7054,10 +8834,10 @@
       </p:grpSpPr>
       <p:sp>
         <p:nvSpPr>
-          <p:cNvPr id="28" name="Title 27">
+          <p:cNvPr id="2" name="Title 1">
             <a:extLst>
               <a:ext uri="{FF2B5EF4-FFF2-40B4-BE49-F238E27FC236}">
-                <a16:creationId xmlns:a16="http://schemas.microsoft.com/office/drawing/2014/main" id="{E32E661E-E47C-ED91-4665-61B7C9A3D112}"/>
+                <a16:creationId xmlns:a16="http://schemas.microsoft.com/office/drawing/2014/main" id="{F5AE77FC-9711-A482-82CC-A14821AE0F25}"/>
               </a:ext>
             </a:extLst>
           </p:cNvPr>
@@ -7073,26 +8853,39 @@
           <a:bodyPr/>
           <a:lstStyle/>
           <a:p>
-            <a:r>
+            <a:br>
               <a:rPr lang="en-AU" dirty="0"/>
-              <a:t>Vacancy Count by Year-Month</a:t>
+            </a:br>
+            <a:r>
+              <a:rPr lang="en-AU" dirty="0"/>
+              <a:t>Data </a:t>
+            </a:r>
+            <a:r>
+              <a:rPr lang="en-AU" dirty="0" err="1"/>
+              <a:t>Cleanup</a:t>
+            </a:r>
+            <a:r>
+              <a:rPr lang="en-AU" dirty="0"/>
+              <a:t> and Exploration</a:t>
             </a:r>
           </a:p>
         </p:txBody>
       </p:sp>
       <p:pic>
         <p:nvPicPr>
-          <p:cNvPr id="32" name="Picture 31">
+          <p:cNvPr id="5" name="Content Placeholder 4">
             <a:extLst>
               <a:ext uri="{FF2B5EF4-FFF2-40B4-BE49-F238E27FC236}">
-                <a16:creationId xmlns:a16="http://schemas.microsoft.com/office/drawing/2014/main" id="{DDA61A6F-A4EB-CE8D-2D23-AA5732328DC5}"/>
+                <a16:creationId xmlns:a16="http://schemas.microsoft.com/office/drawing/2014/main" id="{28538088-5226-2267-2708-A05DEB367F47}"/>
               </a:ext>
             </a:extLst>
           </p:cNvPr>
           <p:cNvPicPr>
-            <a:picLocks noChangeAspect="1"/>
+            <a:picLocks noGrp="1" noChangeAspect="1"/>
           </p:cNvPicPr>
-          <p:nvPr/>
+          <p:nvPr>
+            <p:ph idx="1"/>
+          </p:nvPr>
         </p:nvPicPr>
         <p:blipFill>
           <a:blip r:embed="rId2"/>
@@ -7102,18 +8895,50 @@
         </p:blipFill>
         <p:spPr>
           <a:xfrm>
-            <a:off x="1097280" y="2072080"/>
-            <a:ext cx="9639518" cy="3873791"/>
+            <a:off x="487680" y="2420740"/>
+            <a:ext cx="9425577" cy="2441546"/>
+          </a:xfrm>
+        </p:spPr>
+      </p:pic>
+      <p:sp>
+        <p:nvSpPr>
+          <p:cNvPr id="7" name="TextBox 6">
+            <a:extLst>
+              <a:ext uri="{FF2B5EF4-FFF2-40B4-BE49-F238E27FC236}">
+                <a16:creationId xmlns:a16="http://schemas.microsoft.com/office/drawing/2014/main" id="{147934AB-401E-C781-AE74-BC0AF5F636BE}"/>
+              </a:ext>
+            </a:extLst>
+          </p:cNvPr>
+          <p:cNvSpPr txBox="1"/>
+          <p:nvPr/>
+        </p:nvSpPr>
+        <p:spPr>
+          <a:xfrm>
+            <a:off x="827314" y="5602514"/>
+            <a:ext cx="8309647" cy="369332"/>
           </a:xfrm>
           <a:prstGeom prst="rect">
             <a:avLst/>
           </a:prstGeom>
+          <a:noFill/>
         </p:spPr>
-      </p:pic>
+        <p:txBody>
+          <a:bodyPr wrap="none" rtlCol="0">
+            <a:spAutoFit/>
+          </a:bodyPr>
+          <a:lstStyle/>
+          <a:p>
+            <a:r>
+              <a:rPr lang="en-AU" dirty="0"/>
+              <a:t>- Check all the data frame with the same column name and same column sequence</a:t>
+            </a:r>
+          </a:p>
+        </p:txBody>
+      </p:sp>
     </p:spTree>
     <p:extLst>
       <p:ext uri="{BB962C8B-B14F-4D97-AF65-F5344CB8AC3E}">
-        <p14:creationId xmlns:p14="http://schemas.microsoft.com/office/powerpoint/2010/main" val="3383984004"/>
+        <p14:creationId xmlns:p14="http://schemas.microsoft.com/office/powerpoint/2010/main" val="1255708244"/>
       </p:ext>
     </p:extLst>
   </p:cSld>
@@ -7145,7 +8970,7 @@
           <p:cNvPr id="2" name="Title 1">
             <a:extLst>
               <a:ext uri="{FF2B5EF4-FFF2-40B4-BE49-F238E27FC236}">
-                <a16:creationId xmlns:a16="http://schemas.microsoft.com/office/drawing/2014/main" id="{5CEC80D2-B18E-0C86-2C81-9802FCDEFC46}"/>
+                <a16:creationId xmlns:a16="http://schemas.microsoft.com/office/drawing/2014/main" id="{0EBEE1D8-AF9C-6161-8653-6F637D78E218}"/>
               </a:ext>
             </a:extLst>
           </p:cNvPr>
@@ -7163,15 +8988,92 @@
           <a:p>
             <a:r>
               <a:rPr lang="en-AU" dirty="0"/>
-              <a:t>Affects of Housing from Covid</a:t>
-            </a:r>
+              <a:t>Data </a:t>
+            </a:r>
+            <a:r>
+              <a:rPr lang="en-AU" dirty="0" err="1"/>
+              <a:t>Cleanup</a:t>
+            </a:r>
+            <a:r>
+              <a:rPr lang="en-AU" dirty="0"/>
+              <a:t> and Exploration</a:t>
+            </a:r>
+          </a:p>
+        </p:txBody>
+      </p:sp>
+      <p:pic>
+        <p:nvPicPr>
+          <p:cNvPr id="5" name="Content Placeholder 4">
+            <a:extLst>
+              <a:ext uri="{FF2B5EF4-FFF2-40B4-BE49-F238E27FC236}">
+                <a16:creationId xmlns:a16="http://schemas.microsoft.com/office/drawing/2014/main" id="{E10401C3-A78A-6CEC-1AFA-D39215565D4F}"/>
+              </a:ext>
+            </a:extLst>
+          </p:cNvPr>
+          <p:cNvPicPr>
+            <a:picLocks noGrp="1" noChangeAspect="1"/>
+          </p:cNvPicPr>
+          <p:nvPr>
+            <p:ph idx="1"/>
+          </p:nvPr>
+        </p:nvPicPr>
+        <p:blipFill>
+          <a:blip r:embed="rId2"/>
+          <a:stretch>
+            <a:fillRect/>
+          </a:stretch>
+        </p:blipFill>
+        <p:spPr>
+          <a:xfrm>
+            <a:off x="1230886" y="2108200"/>
+            <a:ext cx="9790554" cy="3012441"/>
+          </a:xfrm>
+        </p:spPr>
+      </p:pic>
+      <p:sp>
+        <p:nvSpPr>
+          <p:cNvPr id="6" name="TextBox 5">
+            <a:extLst>
+              <a:ext uri="{FF2B5EF4-FFF2-40B4-BE49-F238E27FC236}">
+                <a16:creationId xmlns:a16="http://schemas.microsoft.com/office/drawing/2014/main" id="{8EF4A2D9-1FF7-0F9F-B9DD-E92427A0C430}"/>
+              </a:ext>
+            </a:extLst>
+          </p:cNvPr>
+          <p:cNvSpPr txBox="1"/>
+          <p:nvPr/>
+        </p:nvSpPr>
+        <p:spPr>
+          <a:xfrm>
+            <a:off x="1625600" y="5805714"/>
+            <a:ext cx="9077806" cy="369332"/>
+          </a:xfrm>
+          <a:prstGeom prst="rect">
+            <a:avLst/>
+          </a:prstGeom>
+          <a:noFill/>
+        </p:spPr>
+        <p:txBody>
+          <a:bodyPr wrap="none" rtlCol="0">
+            <a:spAutoFit/>
+          </a:bodyPr>
+          <a:lstStyle/>
+          <a:p>
+            <a:r>
+              <a:rPr lang="en-AU" dirty="0"/>
+              <a:t>- Change the difference of the columns of the data frame by renaming and changing </a:t>
+            </a:r>
+            <a:r>
+              <a:rPr lang="en-AU" dirty="0" err="1"/>
+              <a:t>oreders</a:t>
+            </a:r>
+            <a:endParaRPr lang="en-AU" dirty="0"/>
           </a:p>
         </p:txBody>
       </p:sp>
     </p:spTree>
     <p:extLst>
       <p:ext uri="{BB962C8B-B14F-4D97-AF65-F5344CB8AC3E}">
-        <p14:creationId xmlns:p14="http://schemas.microsoft.com/office/powerpoint/2010/main" val="3808628806"/>
+        <p14:creationId xmlns:p14="http://schemas.microsoft.com/office/powerpoint/2010/main" val="3612420392"/>
       </p:ext>
     </p:extLst>
   </p:cSld>
@@ -7772,21 +9674,21 @@
 </file>
 
 <file path=customXml/item2.xml><?xml version="1.0" encoding="utf-8"?>
+<p:properties xmlns:p="http://schemas.microsoft.com/office/2006/metadata/properties" xmlns:xsi="http://www.w3.org/2001/XMLSchema-instance" xmlns:pc="http://schemas.microsoft.com/office/infopath/2007/PartnerControls">
+  <documentManagement>
+    <Status xmlns="71af3243-3dd4-4a8d-8c0d-dd76da1f02a5">Not started</Status>
+    <MediaServiceKeyPoints xmlns="71af3243-3dd4-4a8d-8c0d-dd76da1f02a5" xsi:nil="true"/>
+  </documentManagement>
+</p:properties>
+</file>
+
+<file path=customXml/item3.xml><?xml version="1.0" encoding="utf-8"?>
 <?mso-contentType ?>
 <FormTemplates xmlns="http://schemas.microsoft.com/sharepoint/v3/contenttype/forms">
   <Display>DocumentLibraryForm</Display>
   <Edit>DocumentLibraryForm</Edit>
   <New>DocumentLibraryForm</New>
 </FormTemplates>
-</file>
-
-<file path=customXml/item3.xml><?xml version="1.0" encoding="utf-8"?>
-<p:properties xmlns:p="http://schemas.microsoft.com/office/2006/metadata/properties" xmlns:xsi="http://www.w3.org/2001/XMLSchema-instance" xmlns:pc="http://schemas.microsoft.com/office/infopath/2007/PartnerControls">
-  <documentManagement>
-    <Status xmlns="71af3243-3dd4-4a8d-8c0d-dd76da1f02a5">Not started</Status>
-    <MediaServiceKeyPoints xmlns="71af3243-3dd4-4a8d-8c0d-dd76da1f02a5" xsi:nil="true"/>
-  </documentManagement>
-</p:properties>
 </file>
 
 <file path=customXml/itemProps1.xml><?xml version="1.0" encoding="utf-8"?>
@@ -7809,14 +9711,6 @@
 </file>
 
 <file path=customXml/itemProps2.xml><?xml version="1.0" encoding="utf-8"?>
-<ds:datastoreItem xmlns:ds="http://schemas.openxmlformats.org/officeDocument/2006/customXml" ds:itemID="{AA3F7EDC-E5B4-4BBC-9D2A-CBE6D46C37AD}">
-  <ds:schemaRefs>
-    <ds:schemaRef ds:uri="http://schemas.microsoft.com/sharepoint/v3/contenttype/forms"/>
-  </ds:schemaRefs>
-</ds:datastoreItem>
-</file>
-
-<file path=customXml/itemProps3.xml><?xml version="1.0" encoding="utf-8"?>
 <ds:datastoreItem xmlns:ds="http://schemas.openxmlformats.org/officeDocument/2006/customXml" ds:itemID="{A03EEFF0-FB57-4CB4-8BFC-DF397689E2ED}">
   <ds:schemaRefs>
     <ds:schemaRef ds:uri="http://schemas.microsoft.com/office/2006/metadata/properties"/>
@@ -7824,4 +9718,12 @@
     <ds:schemaRef ds:uri="71af3243-3dd4-4a8d-8c0d-dd76da1f02a5"/>
   </ds:schemaRefs>
 </ds:datastoreItem>
+</file>
+
+<file path=customXml/itemProps3.xml><?xml version="1.0" encoding="utf-8"?>
+<ds:datastoreItem xmlns:ds="http://schemas.openxmlformats.org/officeDocument/2006/customXml" ds:itemID="{AA3F7EDC-E5B4-4BBC-9D2A-CBE6D46C37AD}">
+  <ds:schemaRefs>
+    <ds:schemaRef ds:uri="http://schemas.microsoft.com/sharepoint/v3/contenttype/forms"/>
+  </ds:schemaRefs>
+</ds:datastoreItem>
 </file>